--- a/morea/010.introduction/ITM352_01_intro.pptx
+++ b/morea/010.introduction/ITM352_01_intro.pptx
@@ -12919,8 +12919,8 @@
           </a:p>
         </p:txBody>
       </p:sp>
-      <mc:AlternateContent xmlns:mc="http://schemas.openxmlformats.org/markup-compatibility/2006">
-        <mc:Choice xmlns:pslz="http://schemas.microsoft.com/office/powerpoint/2016/slidezoom" Requires="pslz">
+      <mc:AlternateContent xmlns:mc="http://schemas.openxmlformats.org/markup-compatibility/2006" xmlns:pslz="http://schemas.microsoft.com/office/powerpoint/2016/slidezoom">
+        <mc:Choice Requires="pslz">
           <p:graphicFrame>
             <p:nvGraphicFramePr>
               <p:cNvPr id="3" name="Slide Zoom 2">
@@ -12977,7 +12977,7 @@
             </a:graphic>
           </p:graphicFrame>
         </mc:Choice>
-        <mc:Fallback>
+        <mc:Fallback xmlns="">
           <p:pic>
             <p:nvPicPr>
               <p:cNvPr id="3" name="Slide Zoom 2">
@@ -12994,7 +12994,7 @@
               <p:nvPr/>
             </p:nvPicPr>
             <p:blipFill>
-              <a:blip r:embed="rId3"/>
+              <a:blip r:embed="rId5"/>
               <a:stretch>
                 <a:fillRect/>
               </a:stretch>
@@ -42913,7 +42913,7 @@
         </p:spPr>
         <p:txBody>
           <a:bodyPr>
-            <a:normAutofit fontScale="77500" lnSpcReduction="20000"/>
+            <a:normAutofit fontScale="85000" lnSpcReduction="20000"/>
           </a:bodyPr>
           <a:lstStyle/>
           <a:p>
@@ -43011,11 +43011,11 @@
             </a:r>
             <a:r>
               <a:rPr lang="en-US" sz="2000" u="sng" dirty="0"/>
-              <a:t>not ever </a:t>
+              <a:t>not want</a:t>
             </a:r>
             <a:r>
               <a:rPr lang="en-US" sz="2000" dirty="0"/>
-              <a:t>become a full-time programmer. But for most MIS areas programing skills will be needed:</a:t>
+              <a:t> to be a programmer. But programing skills are needed for many MIS tasks:</a:t>
             </a:r>
           </a:p>
           <a:p>
@@ -43057,7 +43057,7 @@
             </a:pPr>
             <a:r>
               <a:rPr lang="en-US" sz="1500" dirty="0"/>
-              <a:t>End User Computing (Ex. VBA for Excel)</a:t>
+              <a:t>End User Computing (Ex. VBA for Excel, SAS, R) – create a reporting spreadsheet, use analytics packages </a:t>
             </a:r>
           </a:p>
           <a:p>
@@ -43071,7 +43071,7 @@
             </a:pPr>
             <a:r>
               <a:rPr lang="en-US" sz="1500" dirty="0"/>
-              <a:t>Web (Ex. Websites, Web apps, Intranet Apps)</a:t>
+              <a:t>Web (Ex. Websites, Web apps, Intranet Apps) – create a reporting dashboard, customer data ingest page  </a:t>
             </a:r>
           </a:p>
           <a:p>
@@ -43953,7 +43953,7 @@
         <a:effectLst/>
         <a:extLst>
           <a:ext uri="{AF507438-7753-43e0-B8FC-AC1667EBCBE1}">
-            <a14:hiddenEffects xmlns:a14="http://schemas.microsoft.com/office/drawing/2010/main" xmlns="">
+            <a14:hiddenEffects xmlns="" xmlns:a14="http://schemas.microsoft.com/office/drawing/2010/main">
               <a:effectLst>
                 <a:outerShdw dist="35921" dir="2700000" algn="ctr" rotWithShape="0">
                   <a:schemeClr val="bg2"/>
@@ -44029,7 +44029,7 @@
         <a:effectLst/>
         <a:extLst>
           <a:ext uri="{AF507438-7753-43e0-B8FC-AC1667EBCBE1}">
-            <a14:hiddenEffects xmlns:a14="http://schemas.microsoft.com/office/drawing/2010/main" xmlns="">
+            <a14:hiddenEffects xmlns="" xmlns:a14="http://schemas.microsoft.com/office/drawing/2010/main">
               <a:effectLst>
                 <a:outerShdw dist="35921" dir="2700000" algn="ctr" rotWithShape="0">
                   <a:schemeClr val="bg2"/>

--- a/morea/010.introduction/ITM352_01_intro.pptx
+++ b/morea/010.introduction/ITM352_01_intro.pptx
@@ -14,25 +14,25 @@
     <p:sldId id="289" r:id="rId5"/>
     <p:sldId id="258" r:id="rId6"/>
     <p:sldId id="281" r:id="rId7"/>
-    <p:sldId id="296" r:id="rId8"/>
-    <p:sldId id="297" r:id="rId9"/>
-    <p:sldId id="282" r:id="rId10"/>
-    <p:sldId id="283" r:id="rId11"/>
-    <p:sldId id="280" r:id="rId12"/>
-    <p:sldId id="290" r:id="rId13"/>
-    <p:sldId id="286" r:id="rId14"/>
-    <p:sldId id="293" r:id="rId15"/>
-    <p:sldId id="260" r:id="rId16"/>
-    <p:sldId id="261" r:id="rId17"/>
-    <p:sldId id="264" r:id="rId18"/>
-    <p:sldId id="265" r:id="rId19"/>
-    <p:sldId id="266" r:id="rId20"/>
-    <p:sldId id="267" r:id="rId21"/>
-    <p:sldId id="269" r:id="rId22"/>
-    <p:sldId id="270" r:id="rId23"/>
-    <p:sldId id="271" r:id="rId24"/>
-    <p:sldId id="272" r:id="rId25"/>
-    <p:sldId id="294" r:id="rId26"/>
+    <p:sldId id="297" r:id="rId8"/>
+    <p:sldId id="282" r:id="rId9"/>
+    <p:sldId id="283" r:id="rId10"/>
+    <p:sldId id="280" r:id="rId11"/>
+    <p:sldId id="290" r:id="rId12"/>
+    <p:sldId id="286" r:id="rId13"/>
+    <p:sldId id="293" r:id="rId14"/>
+    <p:sldId id="260" r:id="rId15"/>
+    <p:sldId id="261" r:id="rId16"/>
+    <p:sldId id="264" r:id="rId17"/>
+    <p:sldId id="265" r:id="rId18"/>
+    <p:sldId id="266" r:id="rId19"/>
+    <p:sldId id="267" r:id="rId20"/>
+    <p:sldId id="269" r:id="rId21"/>
+    <p:sldId id="270" r:id="rId22"/>
+    <p:sldId id="271" r:id="rId23"/>
+    <p:sldId id="272" r:id="rId24"/>
+    <p:sldId id="294" r:id="rId25"/>
+    <p:sldId id="298" r:id="rId26"/>
     <p:sldId id="273" r:id="rId27"/>
     <p:sldId id="274" r:id="rId28"/>
     <p:sldId id="275" r:id="rId29"/>
@@ -6630,10 +6630,10 @@
       </p:grpSpPr>
       <p:sp>
         <p:nvSpPr>
-          <p:cNvPr id="41986" name="Text Box 1">
+          <p:cNvPr id="39938" name="Text Box 1">
             <a:extLst>
               <a:ext uri="{FF2B5EF4-FFF2-40B4-BE49-F238E27FC236}">
-                <a16:creationId xmlns:a16="http://schemas.microsoft.com/office/drawing/2014/main" id="{8897EFFB-426D-4651-A81A-DD2F3CE8CBA5}"/>
+                <a16:creationId xmlns:a16="http://schemas.microsoft.com/office/drawing/2014/main" id="{E93A3D11-542D-4D63-95D6-DA566BA32349}"/>
               </a:ext>
             </a:extLst>
           </p:cNvPr>
@@ -6683,10 +6683,10 @@
       </p:sp>
       <p:sp>
         <p:nvSpPr>
-          <p:cNvPr id="41987" name="Rectangle 2">
+          <p:cNvPr id="39939" name="Rectangle 2">
             <a:extLst>
               <a:ext uri="{FF2B5EF4-FFF2-40B4-BE49-F238E27FC236}">
-                <a16:creationId xmlns:a16="http://schemas.microsoft.com/office/drawing/2014/main" id="{5CBE16F9-5566-4B64-A1A5-DB9A3EEA36B6}"/>
+                <a16:creationId xmlns:a16="http://schemas.microsoft.com/office/drawing/2014/main" id="{7CEDD53B-BEC8-4C7E-B4E8-0960314C4C36}"/>
               </a:ext>
             </a:extLst>
           </p:cNvPr>
@@ -6736,6 +6736,11 @@
         </p:txBody>
       </p:sp>
     </p:spTree>
+    <p:extLst>
+      <p:ext uri="{BB962C8B-B14F-4D97-AF65-F5344CB8AC3E}">
+        <p14:creationId xmlns:p14="http://schemas.microsoft.com/office/powerpoint/2010/main" val="1150478605"/>
+      </p:ext>
+    </p:extLst>
   </p:cSld>
   <p:clrMapOvr>
     <a:masterClrMapping/>
@@ -6915,6 +6920,146 @@
       </p:grpSpPr>
       <p:sp>
         <p:nvSpPr>
+          <p:cNvPr id="41986" name="Text Box 1">
+            <a:extLst>
+              <a:ext uri="{FF2B5EF4-FFF2-40B4-BE49-F238E27FC236}">
+                <a16:creationId xmlns:a16="http://schemas.microsoft.com/office/drawing/2014/main" id="{8897EFFB-426D-4651-A81A-DD2F3CE8CBA5}"/>
+              </a:ext>
+            </a:extLst>
+          </p:cNvPr>
+          <p:cNvSpPr txBox="1">
+            <a:spLocks noChangeArrowheads="1"/>
+          </p:cNvSpPr>
+          <p:nvPr/>
+        </p:nvSpPr>
+        <p:spPr bwMode="auto">
+          <a:xfrm>
+            <a:off x="1152525" y="692150"/>
+            <a:ext cx="4554538" cy="3416300"/>
+          </a:xfrm>
+          <a:prstGeom prst="rect">
+            <a:avLst/>
+          </a:prstGeom>
+          <a:solidFill>
+            <a:srgbClr val="FFFFFF"/>
+          </a:solidFill>
+          <a:ln w="9360">
+            <a:solidFill>
+              <a:srgbClr val="000000"/>
+            </a:solidFill>
+            <a:miter lim="800000"/>
+            <a:headEnd/>
+            <a:tailEnd/>
+          </a:ln>
+        </p:spPr>
+        <p:txBody>
+          <a:bodyPr wrap="none" anchor="ctr"/>
+          <a:lstStyle/>
+          <a:p>
+            <a:pPr>
+              <a:lnSpc>
+                <a:spcPct val="86000"/>
+              </a:lnSpc>
+              <a:buClr>
+                <a:srgbClr val="000000"/>
+              </a:buClr>
+              <a:buSzPct val="100000"/>
+              <a:buFont typeface="Times New Roman" panose="02020603050405020304" pitchFamily="18" charset="0"/>
+              <a:buNone/>
+            </a:pPr>
+            <a:endParaRPr lang="en-US" altLang="en-US"/>
+          </a:p>
+        </p:txBody>
+      </p:sp>
+      <p:sp>
+        <p:nvSpPr>
+          <p:cNvPr id="41987" name="Rectangle 2">
+            <a:extLst>
+              <a:ext uri="{FF2B5EF4-FFF2-40B4-BE49-F238E27FC236}">
+                <a16:creationId xmlns:a16="http://schemas.microsoft.com/office/drawing/2014/main" id="{5CBE16F9-5566-4B64-A1A5-DB9A3EEA36B6}"/>
+              </a:ext>
+            </a:extLst>
+          </p:cNvPr>
+          <p:cNvSpPr>
+            <a:spLocks noGrp="1" noChangeArrowheads="1"/>
+          </p:cNvSpPr>
+          <p:nvPr>
+            <p:ph type="body"/>
+          </p:nvPr>
+        </p:nvSpPr>
+        <p:spPr>
+          <a:xfrm>
+            <a:off x="914400" y="4343400"/>
+            <a:ext cx="5024438" cy="4202113"/>
+          </a:xfrm>
+          <a:noFill/>
+          <a:extLst>
+            <a:ext uri="{91240B29-F687-4F45-9708-019B960494DF}">
+              <a14:hiddenLine xmlns:a14="http://schemas.microsoft.com/office/drawing/2010/main" w="9525">
+                <a:solidFill>
+                  <a:srgbClr val="000000"/>
+                </a:solidFill>
+                <a:miter lim="800000"/>
+                <a:headEnd/>
+                <a:tailEnd/>
+              </a14:hiddenLine>
+            </a:ext>
+            <a:ext uri="{AF507438-7753-43E0-B8FC-AC1667EBCBE1}">
+              <a14:hiddenEffects xmlns:a14="http://schemas.microsoft.com/office/drawing/2010/main">
+                <a:effectLst>
+                  <a:outerShdw dist="35921" dir="2700000" algn="ctr" rotWithShape="0">
+                    <a:srgbClr val="808080"/>
+                  </a:outerShdw>
+                </a:effectLst>
+              </a14:hiddenEffects>
+            </a:ext>
+          </a:extLst>
+        </p:spPr>
+        <p:txBody>
+          <a:bodyPr wrap="none" anchor="ctr"/>
+          <a:lstStyle/>
+          <a:p>
+            <a:endParaRPr lang="en-US" altLang="en-US">
+              <a:latin typeface="Times New Roman" panose="02020603050405020304" pitchFamily="18" charset="0"/>
+            </a:endParaRPr>
+          </a:p>
+        </p:txBody>
+      </p:sp>
+    </p:spTree>
+  </p:cSld>
+  <p:clrMapOvr>
+    <a:masterClrMapping/>
+  </p:clrMapOvr>
+</p:notes>
+</file>
+
+<file path=ppt/notesSlides/notesSlide21.xml><?xml version="1.0" encoding="utf-8"?>
+<p:notes xmlns:a="http://schemas.openxmlformats.org/drawingml/2006/main" xmlns:r="http://schemas.openxmlformats.org/officeDocument/2006/relationships" xmlns:p="http://schemas.openxmlformats.org/presentationml/2006/main">
+  <p:cSld>
+    <p:bg>
+      <p:bgPr>
+        <a:solidFill>
+          <a:srgbClr val="FFFFFF"/>
+        </a:solidFill>
+        <a:effectLst/>
+      </p:bgPr>
+    </p:bg>
+    <p:spTree>
+      <p:nvGrpSpPr>
+        <p:cNvPr id="1" name=""/>
+        <p:cNvGrpSpPr/>
+        <p:nvPr/>
+      </p:nvGrpSpPr>
+      <p:grpSpPr>
+        <a:xfrm>
+          <a:off x="0" y="0"/>
+          <a:ext cx="0" cy="0"/>
+          <a:chOff x="0" y="0"/>
+          <a:chExt cx="0" cy="0"/>
+        </a:xfrm>
+      </p:grpSpPr>
+      <p:sp>
+        <p:nvSpPr>
           <p:cNvPr id="44034" name="Text Box 1">
             <a:extLst>
               <a:ext uri="{FF2B5EF4-FFF2-40B4-BE49-F238E27FC236}">
@@ -7028,7 +7173,7 @@
 </p:notes>
 </file>
 
-<file path=ppt/notesSlides/notesSlide21.xml><?xml version="1.0" encoding="utf-8"?>
+<file path=ppt/notesSlides/notesSlide22.xml><?xml version="1.0" encoding="utf-8"?>
 <p:notes xmlns:a="http://schemas.openxmlformats.org/drawingml/2006/main" xmlns:r="http://schemas.openxmlformats.org/officeDocument/2006/relationships" xmlns:p="http://schemas.openxmlformats.org/presentationml/2006/main">
   <p:cSld>
     <p:bg>
@@ -7168,7 +7313,7 @@
 </p:notes>
 </file>
 
-<file path=ppt/notesSlides/notesSlide22.xml><?xml version="1.0" encoding="utf-8"?>
+<file path=ppt/notesSlides/notesSlide23.xml><?xml version="1.0" encoding="utf-8"?>
 <p:notes xmlns:a="http://schemas.openxmlformats.org/drawingml/2006/main" xmlns:r="http://schemas.openxmlformats.org/officeDocument/2006/relationships" xmlns:p="http://schemas.openxmlformats.org/presentationml/2006/main">
   <p:cSld>
     <p:bg>
@@ -7308,7 +7453,7 @@
 </p:notes>
 </file>
 
-<file path=ppt/notesSlides/notesSlide23.xml><?xml version="1.0" encoding="utf-8"?>
+<file path=ppt/notesSlides/notesSlide24.xml><?xml version="1.0" encoding="utf-8"?>
 <p:notes xmlns:a="http://schemas.openxmlformats.org/drawingml/2006/main" xmlns:r="http://schemas.openxmlformats.org/officeDocument/2006/relationships" xmlns:p="http://schemas.openxmlformats.org/presentationml/2006/main">
   <p:cSld>
     <p:bg>
@@ -7392,146 +7537,6 @@
             <a:extLst>
               <a:ext uri="{FF2B5EF4-FFF2-40B4-BE49-F238E27FC236}">
                 <a16:creationId xmlns:a16="http://schemas.microsoft.com/office/drawing/2014/main" id="{FAD05665-0613-44FC-9271-B150A135CD23}"/>
-              </a:ext>
-            </a:extLst>
-          </p:cNvPr>
-          <p:cNvSpPr>
-            <a:spLocks noGrp="1" noChangeArrowheads="1"/>
-          </p:cNvSpPr>
-          <p:nvPr>
-            <p:ph type="body"/>
-          </p:nvPr>
-        </p:nvSpPr>
-        <p:spPr>
-          <a:xfrm>
-            <a:off x="914400" y="4343400"/>
-            <a:ext cx="5024438" cy="4202113"/>
-          </a:xfrm>
-          <a:noFill/>
-          <a:extLst>
-            <a:ext uri="{91240B29-F687-4F45-9708-019B960494DF}">
-              <a14:hiddenLine xmlns:a14="http://schemas.microsoft.com/office/drawing/2010/main" w="9525">
-                <a:solidFill>
-                  <a:srgbClr val="000000"/>
-                </a:solidFill>
-                <a:miter lim="800000"/>
-                <a:headEnd/>
-                <a:tailEnd/>
-              </a14:hiddenLine>
-            </a:ext>
-            <a:ext uri="{AF507438-7753-43E0-B8FC-AC1667EBCBE1}">
-              <a14:hiddenEffects xmlns:a14="http://schemas.microsoft.com/office/drawing/2010/main">
-                <a:effectLst>
-                  <a:outerShdw dist="35921" dir="2700000" algn="ctr" rotWithShape="0">
-                    <a:srgbClr val="808080"/>
-                  </a:outerShdw>
-                </a:effectLst>
-              </a14:hiddenEffects>
-            </a:ext>
-          </a:extLst>
-        </p:spPr>
-        <p:txBody>
-          <a:bodyPr wrap="none" anchor="ctr"/>
-          <a:lstStyle/>
-          <a:p>
-            <a:endParaRPr lang="en-US" altLang="en-US">
-              <a:latin typeface="Times New Roman" panose="02020603050405020304" pitchFamily="18" charset="0"/>
-            </a:endParaRPr>
-          </a:p>
-        </p:txBody>
-      </p:sp>
-    </p:spTree>
-  </p:cSld>
-  <p:clrMapOvr>
-    <a:masterClrMapping/>
-  </p:clrMapOvr>
-</p:notes>
-</file>
-
-<file path=ppt/notesSlides/notesSlide24.xml><?xml version="1.0" encoding="utf-8"?>
-<p:notes xmlns:a="http://schemas.openxmlformats.org/drawingml/2006/main" xmlns:r="http://schemas.openxmlformats.org/officeDocument/2006/relationships" xmlns:p="http://schemas.openxmlformats.org/presentationml/2006/main">
-  <p:cSld>
-    <p:bg>
-      <p:bgPr>
-        <a:solidFill>
-          <a:srgbClr val="FFFFFF"/>
-        </a:solidFill>
-        <a:effectLst/>
-      </p:bgPr>
-    </p:bg>
-    <p:spTree>
-      <p:nvGrpSpPr>
-        <p:cNvPr id="1" name=""/>
-        <p:cNvGrpSpPr/>
-        <p:nvPr/>
-      </p:nvGrpSpPr>
-      <p:grpSpPr>
-        <a:xfrm>
-          <a:off x="0" y="0"/>
-          <a:ext cx="0" cy="0"/>
-          <a:chOff x="0" y="0"/>
-          <a:chExt cx="0" cy="0"/>
-        </a:xfrm>
-      </p:grpSpPr>
-      <p:sp>
-        <p:nvSpPr>
-          <p:cNvPr id="52226" name="Text Box 1">
-            <a:extLst>
-              <a:ext uri="{FF2B5EF4-FFF2-40B4-BE49-F238E27FC236}">
-                <a16:creationId xmlns:a16="http://schemas.microsoft.com/office/drawing/2014/main" id="{37E92BFE-1846-4F54-99F8-689347E75023}"/>
-              </a:ext>
-            </a:extLst>
-          </p:cNvPr>
-          <p:cNvSpPr txBox="1">
-            <a:spLocks noChangeArrowheads="1"/>
-          </p:cNvSpPr>
-          <p:nvPr/>
-        </p:nvSpPr>
-        <p:spPr bwMode="auto">
-          <a:xfrm>
-            <a:off x="1152525" y="692150"/>
-            <a:ext cx="4554538" cy="3416300"/>
-          </a:xfrm>
-          <a:prstGeom prst="rect">
-            <a:avLst/>
-          </a:prstGeom>
-          <a:solidFill>
-            <a:srgbClr val="FFFFFF"/>
-          </a:solidFill>
-          <a:ln w="9360">
-            <a:solidFill>
-              <a:srgbClr val="000000"/>
-            </a:solidFill>
-            <a:miter lim="800000"/>
-            <a:headEnd/>
-            <a:tailEnd/>
-          </a:ln>
-        </p:spPr>
-        <p:txBody>
-          <a:bodyPr wrap="none" anchor="ctr"/>
-          <a:lstStyle/>
-          <a:p>
-            <a:pPr>
-              <a:lnSpc>
-                <a:spcPct val="86000"/>
-              </a:lnSpc>
-              <a:buClr>
-                <a:srgbClr val="000000"/>
-              </a:buClr>
-              <a:buSzPct val="100000"/>
-              <a:buFont typeface="Times New Roman" panose="02020603050405020304" pitchFamily="18" charset="0"/>
-              <a:buNone/>
-            </a:pPr>
-            <a:endParaRPr lang="en-US" altLang="en-US"/>
-          </a:p>
-        </p:txBody>
-      </p:sp>
-      <p:sp>
-        <p:nvSpPr>
-          <p:cNvPr id="52227" name="Rectangle 2">
-            <a:extLst>
-              <a:ext uri="{FF2B5EF4-FFF2-40B4-BE49-F238E27FC236}">
-                <a16:creationId xmlns:a16="http://schemas.microsoft.com/office/drawing/2014/main" id="{E99A4D16-A928-4ED1-A1C2-2A907FD951AC}"/>
               </a:ext>
             </a:extLst>
           </p:cNvPr>
@@ -7721,11 +7726,6 @@
         </p:txBody>
       </p:sp>
     </p:spTree>
-    <p:extLst>
-      <p:ext uri="{BB962C8B-B14F-4D97-AF65-F5344CB8AC3E}">
-        <p14:creationId xmlns:p14="http://schemas.microsoft.com/office/powerpoint/2010/main" val="3909794388"/>
-      </p:ext>
-    </p:extLst>
   </p:cSld>
   <p:clrMapOvr>
     <a:masterClrMapping/>
@@ -7760,10 +7760,10 @@
       </p:grpSpPr>
       <p:sp>
         <p:nvSpPr>
-          <p:cNvPr id="54274" name="Text Box 1">
+          <p:cNvPr id="52226" name="Text Box 1">
             <a:extLst>
               <a:ext uri="{FF2B5EF4-FFF2-40B4-BE49-F238E27FC236}">
-                <a16:creationId xmlns:a16="http://schemas.microsoft.com/office/drawing/2014/main" id="{6F9084C5-817E-46EA-8D19-358FF57C9A92}"/>
+                <a16:creationId xmlns:a16="http://schemas.microsoft.com/office/drawing/2014/main" id="{37E92BFE-1846-4F54-99F8-689347E75023}"/>
               </a:ext>
             </a:extLst>
           </p:cNvPr>
@@ -7813,10 +7813,10 @@
       </p:sp>
       <p:sp>
         <p:nvSpPr>
-          <p:cNvPr id="54275" name="Rectangle 2">
+          <p:cNvPr id="52227" name="Rectangle 2">
             <a:extLst>
               <a:ext uri="{FF2B5EF4-FFF2-40B4-BE49-F238E27FC236}">
-                <a16:creationId xmlns:a16="http://schemas.microsoft.com/office/drawing/2014/main" id="{DF726BD1-F999-4405-8331-5774EB60D811}"/>
+                <a16:creationId xmlns:a16="http://schemas.microsoft.com/office/drawing/2014/main" id="{E99A4D16-A928-4ED1-A1C2-2A907FD951AC}"/>
               </a:ext>
             </a:extLst>
           </p:cNvPr>
@@ -7866,6 +7866,11 @@
         </p:txBody>
       </p:sp>
     </p:spTree>
+    <p:extLst>
+      <p:ext uri="{BB962C8B-B14F-4D97-AF65-F5344CB8AC3E}">
+        <p14:creationId xmlns:p14="http://schemas.microsoft.com/office/powerpoint/2010/main" val="3909794388"/>
+      </p:ext>
+    </p:extLst>
   </p:cSld>
   <p:clrMapOvr>
     <a:masterClrMapping/>
@@ -7999,6 +8004,146 @@
           <a:bodyPr wrap="none" anchor="ctr"/>
           <a:lstStyle/>
           <a:p>
+            <a:endParaRPr lang="en-US" altLang="en-US">
+              <a:latin typeface="Times New Roman" panose="02020603050405020304" pitchFamily="18" charset="0"/>
+            </a:endParaRPr>
+          </a:p>
+        </p:txBody>
+      </p:sp>
+    </p:spTree>
+  </p:cSld>
+  <p:clrMapOvr>
+    <a:masterClrMapping/>
+  </p:clrMapOvr>
+</p:notes>
+</file>
+
+<file path=ppt/notesSlides/notesSlide28.xml><?xml version="1.0" encoding="utf-8"?>
+<p:notes xmlns:a="http://schemas.openxmlformats.org/drawingml/2006/main" xmlns:r="http://schemas.openxmlformats.org/officeDocument/2006/relationships" xmlns:p="http://schemas.openxmlformats.org/presentationml/2006/main">
+  <p:cSld>
+    <p:bg>
+      <p:bgPr>
+        <a:solidFill>
+          <a:srgbClr val="FFFFFF"/>
+        </a:solidFill>
+        <a:effectLst/>
+      </p:bgPr>
+    </p:bg>
+    <p:spTree>
+      <p:nvGrpSpPr>
+        <p:cNvPr id="1" name=""/>
+        <p:cNvGrpSpPr/>
+        <p:nvPr/>
+      </p:nvGrpSpPr>
+      <p:grpSpPr>
+        <a:xfrm>
+          <a:off x="0" y="0"/>
+          <a:ext cx="0" cy="0"/>
+          <a:chOff x="0" y="0"/>
+          <a:chExt cx="0" cy="0"/>
+        </a:xfrm>
+      </p:grpSpPr>
+      <p:sp>
+        <p:nvSpPr>
+          <p:cNvPr id="54274" name="Text Box 1">
+            <a:extLst>
+              <a:ext uri="{FF2B5EF4-FFF2-40B4-BE49-F238E27FC236}">
+                <a16:creationId xmlns:a16="http://schemas.microsoft.com/office/drawing/2014/main" id="{6F9084C5-817E-46EA-8D19-358FF57C9A92}"/>
+              </a:ext>
+            </a:extLst>
+          </p:cNvPr>
+          <p:cNvSpPr txBox="1">
+            <a:spLocks noChangeArrowheads="1"/>
+          </p:cNvSpPr>
+          <p:nvPr/>
+        </p:nvSpPr>
+        <p:spPr bwMode="auto">
+          <a:xfrm>
+            <a:off x="1152525" y="692150"/>
+            <a:ext cx="4554538" cy="3416300"/>
+          </a:xfrm>
+          <a:prstGeom prst="rect">
+            <a:avLst/>
+          </a:prstGeom>
+          <a:solidFill>
+            <a:srgbClr val="FFFFFF"/>
+          </a:solidFill>
+          <a:ln w="9360">
+            <a:solidFill>
+              <a:srgbClr val="000000"/>
+            </a:solidFill>
+            <a:miter lim="800000"/>
+            <a:headEnd/>
+            <a:tailEnd/>
+          </a:ln>
+        </p:spPr>
+        <p:txBody>
+          <a:bodyPr wrap="none" anchor="ctr"/>
+          <a:lstStyle/>
+          <a:p>
+            <a:pPr>
+              <a:lnSpc>
+                <a:spcPct val="86000"/>
+              </a:lnSpc>
+              <a:buClr>
+                <a:srgbClr val="000000"/>
+              </a:buClr>
+              <a:buSzPct val="100000"/>
+              <a:buFont typeface="Times New Roman" panose="02020603050405020304" pitchFamily="18" charset="0"/>
+              <a:buNone/>
+            </a:pPr>
+            <a:endParaRPr lang="en-US" altLang="en-US"/>
+          </a:p>
+        </p:txBody>
+      </p:sp>
+      <p:sp>
+        <p:nvSpPr>
+          <p:cNvPr id="54275" name="Rectangle 2">
+            <a:extLst>
+              <a:ext uri="{FF2B5EF4-FFF2-40B4-BE49-F238E27FC236}">
+                <a16:creationId xmlns:a16="http://schemas.microsoft.com/office/drawing/2014/main" id="{DF726BD1-F999-4405-8331-5774EB60D811}"/>
+              </a:ext>
+            </a:extLst>
+          </p:cNvPr>
+          <p:cNvSpPr>
+            <a:spLocks noGrp="1" noChangeArrowheads="1"/>
+          </p:cNvSpPr>
+          <p:nvPr>
+            <p:ph type="body"/>
+          </p:nvPr>
+        </p:nvSpPr>
+        <p:spPr>
+          <a:xfrm>
+            <a:off x="914400" y="4343400"/>
+            <a:ext cx="5024438" cy="4202113"/>
+          </a:xfrm>
+          <a:noFill/>
+          <a:extLst>
+            <a:ext uri="{91240B29-F687-4F45-9708-019B960494DF}">
+              <a14:hiddenLine xmlns:a14="http://schemas.microsoft.com/office/drawing/2010/main" w="9525">
+                <a:solidFill>
+                  <a:srgbClr val="000000"/>
+                </a:solidFill>
+                <a:miter lim="800000"/>
+                <a:headEnd/>
+                <a:tailEnd/>
+              </a14:hiddenLine>
+            </a:ext>
+            <a:ext uri="{AF507438-7753-43E0-B8FC-AC1667EBCBE1}">
+              <a14:hiddenEffects xmlns:a14="http://schemas.microsoft.com/office/drawing/2010/main">
+                <a:effectLst>
+                  <a:outerShdw dist="35921" dir="2700000" algn="ctr" rotWithShape="0">
+                    <a:srgbClr val="808080"/>
+                  </a:outerShdw>
+                </a:effectLst>
+              </a14:hiddenEffects>
+            </a:ext>
+          </a:extLst>
+        </p:spPr>
+        <p:txBody>
+          <a:bodyPr wrap="none" anchor="ctr"/>
+          <a:lstStyle/>
+          <a:p>
             <a:endParaRPr lang="en-US" altLang="en-US" dirty="0">
               <a:latin typeface="Times New Roman" panose="02020603050405020304" pitchFamily="18" charset="0"/>
             </a:endParaRPr>
@@ -8018,7 +8163,7 @@
 </p:notes>
 </file>
 
-<file path=ppt/notesSlides/notesSlide28.xml><?xml version="1.0" encoding="utf-8"?>
+<file path=ppt/notesSlides/notesSlide29.xml><?xml version="1.0" encoding="utf-8"?>
 <p:notes xmlns:a="http://schemas.openxmlformats.org/drawingml/2006/main" xmlns:r="http://schemas.openxmlformats.org/officeDocument/2006/relationships" xmlns:p="http://schemas.openxmlformats.org/presentationml/2006/main">
   <p:cSld>
     <p:bg>
@@ -13073,95 +13218,6 @@
       </p:grpSpPr>
       <p:sp>
         <p:nvSpPr>
-          <p:cNvPr id="2" name="Title 1">
-            <a:extLst>
-              <a:ext uri="{FF2B5EF4-FFF2-40B4-BE49-F238E27FC236}">
-                <a16:creationId xmlns:a16="http://schemas.microsoft.com/office/drawing/2014/main" id="{1DE9FE91-9F1A-41CC-B9E8-EF116BE15266}"/>
-              </a:ext>
-            </a:extLst>
-          </p:cNvPr>
-          <p:cNvSpPr>
-            <a:spLocks noGrp="1"/>
-          </p:cNvSpPr>
-          <p:nvPr>
-            <p:ph type="title"/>
-          </p:nvPr>
-        </p:nvSpPr>
-        <p:spPr/>
-        <p:txBody>
-          <a:bodyPr/>
-          <a:lstStyle/>
-          <a:p>
-            <a:r>
-              <a:rPr lang="en-US" dirty="0"/>
-              <a:t>The MIS Core</a:t>
-            </a:r>
-          </a:p>
-        </p:txBody>
-      </p:sp>
-      <p:graphicFrame>
-        <p:nvGraphicFramePr>
-          <p:cNvPr id="6" name="Content Placeholder 5">
-            <a:extLst>
-              <a:ext uri="{FF2B5EF4-FFF2-40B4-BE49-F238E27FC236}">
-                <a16:creationId xmlns:a16="http://schemas.microsoft.com/office/drawing/2014/main" id="{098E1274-5E6C-4DA3-8A5C-D9CBD4B58CE3}"/>
-              </a:ext>
-            </a:extLst>
-          </p:cNvPr>
-          <p:cNvGraphicFramePr>
-            <a:graphicFrameLocks noGrp="1"/>
-          </p:cNvGraphicFramePr>
-          <p:nvPr>
-            <p:ph idx="1"/>
-            <p:extLst>
-              <p:ext uri="{D42A27DB-BD31-4B8C-83A1-F6EECF244321}">
-                <p14:modId xmlns:p14="http://schemas.microsoft.com/office/powerpoint/2010/main" val="3765048694"/>
-              </p:ext>
-            </p:extLst>
-          </p:nvPr>
-        </p:nvGraphicFramePr>
-        <p:xfrm>
-          <a:off x="609600" y="1337930"/>
-          <a:ext cx="7766050" cy="4564063"/>
-        </p:xfrm>
-        <a:graphic>
-          <a:graphicData uri="http://schemas.openxmlformats.org/drawingml/2006/diagram">
-            <dgm:relIds xmlns:dgm="http://schemas.openxmlformats.org/drawingml/2006/diagram" xmlns:r="http://schemas.openxmlformats.org/officeDocument/2006/relationships" r:dm="rId3" r:lo="rId4" r:qs="rId5" r:cs="rId6"/>
-          </a:graphicData>
-        </a:graphic>
-      </p:graphicFrame>
-    </p:spTree>
-    <p:extLst>
-      <p:ext uri="{BB962C8B-B14F-4D97-AF65-F5344CB8AC3E}">
-        <p14:creationId xmlns:p14="http://schemas.microsoft.com/office/powerpoint/2010/main" val="2685611306"/>
-      </p:ext>
-    </p:extLst>
-  </p:cSld>
-  <p:clrMapOvr>
-    <a:masterClrMapping/>
-  </p:clrMapOvr>
-</p:sld>
-</file>
-
-<file path=ppt/slides/slide11.xml><?xml version="1.0" encoding="utf-8"?>
-<p:sld xmlns:a="http://schemas.openxmlformats.org/drawingml/2006/main" xmlns:r="http://schemas.openxmlformats.org/officeDocument/2006/relationships" xmlns:p="http://schemas.openxmlformats.org/presentationml/2006/main">
-  <p:cSld>
-    <p:spTree>
-      <p:nvGrpSpPr>
-        <p:cNvPr id="1" name=""/>
-        <p:cNvGrpSpPr/>
-        <p:nvPr/>
-      </p:nvGrpSpPr>
-      <p:grpSpPr>
-        <a:xfrm>
-          <a:off x="0" y="0"/>
-          <a:ext cx="0" cy="0"/>
-          <a:chOff x="0" y="0"/>
-          <a:chExt cx="0" cy="0"/>
-        </a:xfrm>
-      </p:grpSpPr>
-      <p:sp>
-        <p:nvSpPr>
           <p:cNvPr id="11266" name="Title 1">
             <a:extLst>
               <a:ext uri="{FF2B5EF4-FFF2-40B4-BE49-F238E27FC236}">
@@ -13413,6 +13469,72 @@
           </a:p>
         </p:txBody>
       </p:sp>
+      <p:sp>
+        <p:nvSpPr>
+          <p:cNvPr id="4" name="TextBox 3">
+            <a:extLst>
+              <a:ext uri="{FF2B5EF4-FFF2-40B4-BE49-F238E27FC236}">
+                <a16:creationId xmlns:a16="http://schemas.microsoft.com/office/drawing/2014/main" id="{E26998A1-3C26-957B-DCF7-9CF13FDE4876}"/>
+              </a:ext>
+            </a:extLst>
+          </p:cNvPr>
+          <p:cNvSpPr txBox="1"/>
+          <p:nvPr/>
+        </p:nvSpPr>
+        <p:spPr>
+          <a:xfrm>
+            <a:off x="1377949" y="6008915"/>
+            <a:ext cx="6394451" cy="369332"/>
+          </a:xfrm>
+          <a:prstGeom prst="rect">
+            <a:avLst/>
+          </a:prstGeom>
+          <a:noFill/>
+        </p:spPr>
+        <p:txBody>
+          <a:bodyPr wrap="square">
+            <a:spAutoFit/>
+          </a:bodyPr>
+          <a:lstStyle/>
+          <a:p>
+            <a:r>
+              <a:rPr lang="en-US" sz="1800" b="0" i="1" dirty="0">
+                <a:solidFill>
+                  <a:srgbClr val="FF0000"/>
+                </a:solidFill>
+                <a:effectLst/>
+                <a:latin typeface="Söhne"/>
+              </a:rPr>
+              <a:t>Discussion: Ask </a:t>
+            </a:r>
+            <a:r>
+              <a:rPr lang="en-US" sz="1800" b="0" i="1" dirty="0" err="1">
+                <a:solidFill>
+                  <a:srgbClr val="FF0000"/>
+                </a:solidFill>
+                <a:effectLst/>
+                <a:latin typeface="Söhne"/>
+              </a:rPr>
+              <a:t>ChatGPT</a:t>
+            </a:r>
+            <a:r>
+              <a:rPr lang="en-US" sz="1800" b="0" i="1" dirty="0">
+                <a:solidFill>
+                  <a:srgbClr val="FF0000"/>
+                </a:solidFill>
+                <a:effectLst/>
+                <a:latin typeface="Söhne"/>
+              </a:rPr>
+              <a:t> “Why is learning to program so hard?”</a:t>
+            </a:r>
+            <a:endParaRPr lang="en-US" sz="1800" i="1" dirty="0">
+              <a:solidFill>
+                <a:srgbClr val="FF0000"/>
+              </a:solidFill>
+            </a:endParaRPr>
+          </a:p>
+        </p:txBody>
+      </p:sp>
     </p:spTree>
   </p:cSld>
   <p:clrMapOvr>
@@ -13421,7 +13543,7 @@
 </p:sld>
 </file>
 
-<file path=ppt/slides/slide12.xml><?xml version="1.0" encoding="utf-8"?>
+<file path=ppt/slides/slide11.xml><?xml version="1.0" encoding="utf-8"?>
 <p:sld xmlns:a="http://schemas.openxmlformats.org/drawingml/2006/main" xmlns:r="http://schemas.openxmlformats.org/officeDocument/2006/relationships" xmlns:p="http://schemas.openxmlformats.org/presentationml/2006/main">
   <p:cSld>
     <p:spTree>
@@ -13674,7 +13796,7 @@
 </p:sld>
 </file>
 
-<file path=ppt/slides/slide13.xml><?xml version="1.0" encoding="utf-8"?>
+<file path=ppt/slides/slide12.xml><?xml version="1.0" encoding="utf-8"?>
 <p:sld xmlns:a="http://schemas.openxmlformats.org/drawingml/2006/main" xmlns:r="http://schemas.openxmlformats.org/officeDocument/2006/relationships" xmlns:p="http://schemas.openxmlformats.org/presentationml/2006/main">
   <p:cSld>
     <p:spTree>
@@ -14882,7 +15004,7 @@
 </p:sld>
 </file>
 
-<file path=ppt/slides/slide14.xml><?xml version="1.0" encoding="utf-8"?>
+<file path=ppt/slides/slide13.xml><?xml version="1.0" encoding="utf-8"?>
 <p:sld xmlns:a="http://schemas.openxmlformats.org/drawingml/2006/main" xmlns:r="http://schemas.openxmlformats.org/officeDocument/2006/relationships" xmlns:p="http://schemas.openxmlformats.org/presentationml/2006/main">
   <p:cSld>
     <p:spTree>
@@ -15058,7 +15180,7 @@
 </p:sld>
 </file>
 
-<file path=ppt/slides/slide15.xml><?xml version="1.0" encoding="utf-8"?>
+<file path=ppt/slides/slide14.xml><?xml version="1.0" encoding="utf-8"?>
 <p:sld xmlns:a="http://schemas.openxmlformats.org/drawingml/2006/main" xmlns:r="http://schemas.openxmlformats.org/officeDocument/2006/relationships" xmlns:p="http://schemas.openxmlformats.org/presentationml/2006/main">
   <p:cSld>
     <p:spTree>
@@ -16335,6 +16457,1139 @@
               </a:rPr>
               <a:t>Everyone will hit a wall (or many walls) at some point. Realise these are opportunities, not obstacles</a:t>
             </a:r>
+          </a:p>
+        </p:txBody>
+      </p:sp>
+    </p:spTree>
+  </p:cSld>
+  <p:clrMapOvr>
+    <a:masterClrMapping/>
+  </p:clrMapOvr>
+  <p:transition/>
+  <p:timing>
+    <p:tnLst>
+      <p:par>
+        <p:cTn id="1" dur="indefinite" restart="never" nodeType="tmRoot">
+          <p:childTnLst>
+            <p:seq concurrent="1" nextAc="seek">
+              <p:cTn id="2" dur="indefinite" nodeType="mainSeq"/>
+              <p:prevCondLst>
+                <p:cond evt="onPrev" delay="0">
+                  <p:tgtEl>
+                    <p:sldTgt/>
+                  </p:tgtEl>
+                </p:cond>
+              </p:prevCondLst>
+              <p:nextCondLst>
+                <p:cond evt="onNext" delay="0">
+                  <p:tgtEl>
+                    <p:sldTgt/>
+                  </p:tgtEl>
+                </p:cond>
+              </p:nextCondLst>
+            </p:seq>
+          </p:childTnLst>
+        </p:cTn>
+      </p:par>
+    </p:tnLst>
+  </p:timing>
+</p:sld>
+</file>
+
+<file path=ppt/slides/slide15.xml><?xml version="1.0" encoding="utf-8"?>
+<p:sld xmlns:a="http://schemas.openxmlformats.org/drawingml/2006/main" xmlns:r="http://schemas.openxmlformats.org/officeDocument/2006/relationships" xmlns:p="http://schemas.openxmlformats.org/presentationml/2006/main">
+  <p:cSld>
+    <p:spTree>
+      <p:nvGrpSpPr>
+        <p:cNvPr id="1" name=""/>
+        <p:cNvGrpSpPr/>
+        <p:nvPr/>
+      </p:nvGrpSpPr>
+      <p:grpSpPr>
+        <a:xfrm>
+          <a:off x="0" y="0"/>
+          <a:ext cx="0" cy="0"/>
+          <a:chOff x="0" y="0"/>
+          <a:chExt cx="0" cy="0"/>
+        </a:xfrm>
+      </p:grpSpPr>
+      <p:sp>
+        <p:nvSpPr>
+          <p:cNvPr id="16386" name="Text Box 1">
+            <a:extLst>
+              <a:ext uri="{FF2B5EF4-FFF2-40B4-BE49-F238E27FC236}">
+                <a16:creationId xmlns:a16="http://schemas.microsoft.com/office/drawing/2014/main" id="{D91562D8-072D-4095-9AD9-10156A3C0D27}"/>
+              </a:ext>
+            </a:extLst>
+          </p:cNvPr>
+          <p:cNvSpPr txBox="1">
+            <a:spLocks noChangeArrowheads="1"/>
+          </p:cNvSpPr>
+          <p:nvPr/>
+        </p:nvSpPr>
+        <p:spPr bwMode="auto">
+          <a:xfrm>
+            <a:off x="685800" y="228600"/>
+            <a:ext cx="7772400" cy="1143000"/>
+          </a:xfrm>
+          <a:prstGeom prst="rect">
+            <a:avLst/>
+          </a:prstGeom>
+          <a:noFill/>
+          <a:ln>
+            <a:noFill/>
+          </a:ln>
+          <a:extLst>
+            <a:ext uri="{909E8E84-426E-40DD-AFC4-6F175D3DCCD1}">
+              <a14:hiddenFill xmlns:a14="http://schemas.microsoft.com/office/drawing/2010/main">
+                <a:solidFill>
+                  <a:srgbClr val="FFFFFF"/>
+                </a:solidFill>
+              </a14:hiddenFill>
+            </a:ext>
+            <a:ext uri="{91240B29-F687-4F45-9708-019B960494DF}">
+              <a14:hiddenLine xmlns:a14="http://schemas.microsoft.com/office/drawing/2010/main" w="9525">
+                <a:solidFill>
+                  <a:srgbClr val="000000"/>
+                </a:solidFill>
+                <a:miter lim="800000"/>
+                <a:headEnd/>
+                <a:tailEnd/>
+              </a14:hiddenLine>
+            </a:ext>
+          </a:extLst>
+        </p:spPr>
+        <p:txBody>
+          <a:bodyPr lIns="90360" tIns="44280" rIns="90360" bIns="44280" anchor="ctr"/>
+          <a:lstStyle>
+            <a:lvl1pPr>
+              <a:lnSpc>
+                <a:spcPct val="86000"/>
+              </a:lnSpc>
+              <a:buClr>
+                <a:srgbClr val="000000"/>
+              </a:buClr>
+              <a:buSzPct val="100000"/>
+              <a:buFont typeface="Times New Roman" panose="02020603050405020304" pitchFamily="18" charset="0"/>
+              <a:tabLst>
+                <a:tab pos="0" algn="l"/>
+                <a:tab pos="457200" algn="l"/>
+                <a:tab pos="914400" algn="l"/>
+                <a:tab pos="1371600" algn="l"/>
+                <a:tab pos="1828800" algn="l"/>
+                <a:tab pos="2286000" algn="l"/>
+                <a:tab pos="2743200" algn="l"/>
+                <a:tab pos="3200400" algn="l"/>
+                <a:tab pos="3657600" algn="l"/>
+                <a:tab pos="4114800" algn="l"/>
+                <a:tab pos="4572000" algn="l"/>
+                <a:tab pos="5029200" algn="l"/>
+                <a:tab pos="5486400" algn="l"/>
+                <a:tab pos="5943600" algn="l"/>
+                <a:tab pos="6400800" algn="l"/>
+                <a:tab pos="6858000" algn="l"/>
+                <a:tab pos="7315200" algn="l"/>
+                <a:tab pos="7772400" algn="l"/>
+                <a:tab pos="8229600" algn="l"/>
+                <a:tab pos="8686800" algn="l"/>
+                <a:tab pos="9144000" algn="l"/>
+              </a:tabLst>
+              <a:defRPr sz="2400">
+                <a:solidFill>
+                  <a:schemeClr val="bg1"/>
+                </a:solidFill>
+                <a:latin typeface="Times New Roman" panose="02020603050405020304" pitchFamily="18" charset="0"/>
+                <a:ea typeface="MS PGothic" panose="020B0600070205080204" pitchFamily="34" charset="-128"/>
+              </a:defRPr>
+            </a:lvl1pPr>
+            <a:lvl2pPr>
+              <a:lnSpc>
+                <a:spcPct val="86000"/>
+              </a:lnSpc>
+              <a:buClr>
+                <a:srgbClr val="000000"/>
+              </a:buClr>
+              <a:buSzPct val="100000"/>
+              <a:buFont typeface="Times New Roman" panose="02020603050405020304" pitchFamily="18" charset="0"/>
+              <a:tabLst>
+                <a:tab pos="0" algn="l"/>
+                <a:tab pos="457200" algn="l"/>
+                <a:tab pos="914400" algn="l"/>
+                <a:tab pos="1371600" algn="l"/>
+                <a:tab pos="1828800" algn="l"/>
+                <a:tab pos="2286000" algn="l"/>
+                <a:tab pos="2743200" algn="l"/>
+                <a:tab pos="3200400" algn="l"/>
+                <a:tab pos="3657600" algn="l"/>
+                <a:tab pos="4114800" algn="l"/>
+                <a:tab pos="4572000" algn="l"/>
+                <a:tab pos="5029200" algn="l"/>
+                <a:tab pos="5486400" algn="l"/>
+                <a:tab pos="5943600" algn="l"/>
+                <a:tab pos="6400800" algn="l"/>
+                <a:tab pos="6858000" algn="l"/>
+                <a:tab pos="7315200" algn="l"/>
+                <a:tab pos="7772400" algn="l"/>
+                <a:tab pos="8229600" algn="l"/>
+                <a:tab pos="8686800" algn="l"/>
+                <a:tab pos="9144000" algn="l"/>
+              </a:tabLst>
+              <a:defRPr sz="2400">
+                <a:solidFill>
+                  <a:schemeClr val="bg1"/>
+                </a:solidFill>
+                <a:latin typeface="Times New Roman" panose="02020603050405020304" pitchFamily="18" charset="0"/>
+                <a:ea typeface="MS PGothic" panose="020B0600070205080204" pitchFamily="34" charset="-128"/>
+              </a:defRPr>
+            </a:lvl2pPr>
+            <a:lvl3pPr>
+              <a:lnSpc>
+                <a:spcPct val="86000"/>
+              </a:lnSpc>
+              <a:buClr>
+                <a:srgbClr val="000000"/>
+              </a:buClr>
+              <a:buSzPct val="100000"/>
+              <a:buFont typeface="Times New Roman" panose="02020603050405020304" pitchFamily="18" charset="0"/>
+              <a:tabLst>
+                <a:tab pos="0" algn="l"/>
+                <a:tab pos="457200" algn="l"/>
+                <a:tab pos="914400" algn="l"/>
+                <a:tab pos="1371600" algn="l"/>
+                <a:tab pos="1828800" algn="l"/>
+                <a:tab pos="2286000" algn="l"/>
+                <a:tab pos="2743200" algn="l"/>
+                <a:tab pos="3200400" algn="l"/>
+                <a:tab pos="3657600" algn="l"/>
+                <a:tab pos="4114800" algn="l"/>
+                <a:tab pos="4572000" algn="l"/>
+                <a:tab pos="5029200" algn="l"/>
+                <a:tab pos="5486400" algn="l"/>
+                <a:tab pos="5943600" algn="l"/>
+                <a:tab pos="6400800" algn="l"/>
+                <a:tab pos="6858000" algn="l"/>
+                <a:tab pos="7315200" algn="l"/>
+                <a:tab pos="7772400" algn="l"/>
+                <a:tab pos="8229600" algn="l"/>
+                <a:tab pos="8686800" algn="l"/>
+                <a:tab pos="9144000" algn="l"/>
+              </a:tabLst>
+              <a:defRPr sz="2400">
+                <a:solidFill>
+                  <a:schemeClr val="bg1"/>
+                </a:solidFill>
+                <a:latin typeface="Times New Roman" panose="02020603050405020304" pitchFamily="18" charset="0"/>
+                <a:ea typeface="MS PGothic" panose="020B0600070205080204" pitchFamily="34" charset="-128"/>
+              </a:defRPr>
+            </a:lvl3pPr>
+            <a:lvl4pPr>
+              <a:lnSpc>
+                <a:spcPct val="86000"/>
+              </a:lnSpc>
+              <a:buClr>
+                <a:srgbClr val="000000"/>
+              </a:buClr>
+              <a:buSzPct val="100000"/>
+              <a:buFont typeface="Times New Roman" panose="02020603050405020304" pitchFamily="18" charset="0"/>
+              <a:tabLst>
+                <a:tab pos="0" algn="l"/>
+                <a:tab pos="457200" algn="l"/>
+                <a:tab pos="914400" algn="l"/>
+                <a:tab pos="1371600" algn="l"/>
+                <a:tab pos="1828800" algn="l"/>
+                <a:tab pos="2286000" algn="l"/>
+                <a:tab pos="2743200" algn="l"/>
+                <a:tab pos="3200400" algn="l"/>
+                <a:tab pos="3657600" algn="l"/>
+                <a:tab pos="4114800" algn="l"/>
+                <a:tab pos="4572000" algn="l"/>
+                <a:tab pos="5029200" algn="l"/>
+                <a:tab pos="5486400" algn="l"/>
+                <a:tab pos="5943600" algn="l"/>
+                <a:tab pos="6400800" algn="l"/>
+                <a:tab pos="6858000" algn="l"/>
+                <a:tab pos="7315200" algn="l"/>
+                <a:tab pos="7772400" algn="l"/>
+                <a:tab pos="8229600" algn="l"/>
+                <a:tab pos="8686800" algn="l"/>
+                <a:tab pos="9144000" algn="l"/>
+              </a:tabLst>
+              <a:defRPr sz="2400">
+                <a:solidFill>
+                  <a:schemeClr val="bg1"/>
+                </a:solidFill>
+                <a:latin typeface="Times New Roman" panose="02020603050405020304" pitchFamily="18" charset="0"/>
+                <a:ea typeface="MS PGothic" panose="020B0600070205080204" pitchFamily="34" charset="-128"/>
+              </a:defRPr>
+            </a:lvl4pPr>
+            <a:lvl5pPr>
+              <a:lnSpc>
+                <a:spcPct val="86000"/>
+              </a:lnSpc>
+              <a:buClr>
+                <a:srgbClr val="000000"/>
+              </a:buClr>
+              <a:buSzPct val="100000"/>
+              <a:buFont typeface="Times New Roman" panose="02020603050405020304" pitchFamily="18" charset="0"/>
+              <a:tabLst>
+                <a:tab pos="0" algn="l"/>
+                <a:tab pos="457200" algn="l"/>
+                <a:tab pos="914400" algn="l"/>
+                <a:tab pos="1371600" algn="l"/>
+                <a:tab pos="1828800" algn="l"/>
+                <a:tab pos="2286000" algn="l"/>
+                <a:tab pos="2743200" algn="l"/>
+                <a:tab pos="3200400" algn="l"/>
+                <a:tab pos="3657600" algn="l"/>
+                <a:tab pos="4114800" algn="l"/>
+                <a:tab pos="4572000" algn="l"/>
+                <a:tab pos="5029200" algn="l"/>
+                <a:tab pos="5486400" algn="l"/>
+                <a:tab pos="5943600" algn="l"/>
+                <a:tab pos="6400800" algn="l"/>
+                <a:tab pos="6858000" algn="l"/>
+                <a:tab pos="7315200" algn="l"/>
+                <a:tab pos="7772400" algn="l"/>
+                <a:tab pos="8229600" algn="l"/>
+                <a:tab pos="8686800" algn="l"/>
+                <a:tab pos="9144000" algn="l"/>
+              </a:tabLst>
+              <a:defRPr sz="2400">
+                <a:solidFill>
+                  <a:schemeClr val="bg1"/>
+                </a:solidFill>
+                <a:latin typeface="Times New Roman" panose="02020603050405020304" pitchFamily="18" charset="0"/>
+                <a:ea typeface="MS PGothic" panose="020B0600070205080204" pitchFamily="34" charset="-128"/>
+              </a:defRPr>
+            </a:lvl5pPr>
+            <a:lvl6pPr marL="2514600" indent="-228600" defTabSz="457200" eaLnBrk="0" fontAlgn="base" hangingPunct="0">
+              <a:lnSpc>
+                <a:spcPct val="86000"/>
+              </a:lnSpc>
+              <a:spcBef>
+                <a:spcPct val="0"/>
+              </a:spcBef>
+              <a:spcAft>
+                <a:spcPct val="0"/>
+              </a:spcAft>
+              <a:buClr>
+                <a:srgbClr val="000000"/>
+              </a:buClr>
+              <a:buSzPct val="100000"/>
+              <a:buFont typeface="Times New Roman" panose="02020603050405020304" pitchFamily="18" charset="0"/>
+              <a:tabLst>
+                <a:tab pos="0" algn="l"/>
+                <a:tab pos="457200" algn="l"/>
+                <a:tab pos="914400" algn="l"/>
+                <a:tab pos="1371600" algn="l"/>
+                <a:tab pos="1828800" algn="l"/>
+                <a:tab pos="2286000" algn="l"/>
+                <a:tab pos="2743200" algn="l"/>
+                <a:tab pos="3200400" algn="l"/>
+                <a:tab pos="3657600" algn="l"/>
+                <a:tab pos="4114800" algn="l"/>
+                <a:tab pos="4572000" algn="l"/>
+                <a:tab pos="5029200" algn="l"/>
+                <a:tab pos="5486400" algn="l"/>
+                <a:tab pos="5943600" algn="l"/>
+                <a:tab pos="6400800" algn="l"/>
+                <a:tab pos="6858000" algn="l"/>
+                <a:tab pos="7315200" algn="l"/>
+                <a:tab pos="7772400" algn="l"/>
+                <a:tab pos="8229600" algn="l"/>
+                <a:tab pos="8686800" algn="l"/>
+                <a:tab pos="9144000" algn="l"/>
+              </a:tabLst>
+              <a:defRPr sz="2400">
+                <a:solidFill>
+                  <a:schemeClr val="bg1"/>
+                </a:solidFill>
+                <a:latin typeface="Times New Roman" panose="02020603050405020304" pitchFamily="18" charset="0"/>
+                <a:ea typeface="MS PGothic" panose="020B0600070205080204" pitchFamily="34" charset="-128"/>
+              </a:defRPr>
+            </a:lvl6pPr>
+            <a:lvl7pPr marL="2971800" indent="-228600" defTabSz="457200" eaLnBrk="0" fontAlgn="base" hangingPunct="0">
+              <a:lnSpc>
+                <a:spcPct val="86000"/>
+              </a:lnSpc>
+              <a:spcBef>
+                <a:spcPct val="0"/>
+              </a:spcBef>
+              <a:spcAft>
+                <a:spcPct val="0"/>
+              </a:spcAft>
+              <a:buClr>
+                <a:srgbClr val="000000"/>
+              </a:buClr>
+              <a:buSzPct val="100000"/>
+              <a:buFont typeface="Times New Roman" panose="02020603050405020304" pitchFamily="18" charset="0"/>
+              <a:tabLst>
+                <a:tab pos="0" algn="l"/>
+                <a:tab pos="457200" algn="l"/>
+                <a:tab pos="914400" algn="l"/>
+                <a:tab pos="1371600" algn="l"/>
+                <a:tab pos="1828800" algn="l"/>
+                <a:tab pos="2286000" algn="l"/>
+                <a:tab pos="2743200" algn="l"/>
+                <a:tab pos="3200400" algn="l"/>
+                <a:tab pos="3657600" algn="l"/>
+                <a:tab pos="4114800" algn="l"/>
+                <a:tab pos="4572000" algn="l"/>
+                <a:tab pos="5029200" algn="l"/>
+                <a:tab pos="5486400" algn="l"/>
+                <a:tab pos="5943600" algn="l"/>
+                <a:tab pos="6400800" algn="l"/>
+                <a:tab pos="6858000" algn="l"/>
+                <a:tab pos="7315200" algn="l"/>
+                <a:tab pos="7772400" algn="l"/>
+                <a:tab pos="8229600" algn="l"/>
+                <a:tab pos="8686800" algn="l"/>
+                <a:tab pos="9144000" algn="l"/>
+              </a:tabLst>
+              <a:defRPr sz="2400">
+                <a:solidFill>
+                  <a:schemeClr val="bg1"/>
+                </a:solidFill>
+                <a:latin typeface="Times New Roman" panose="02020603050405020304" pitchFamily="18" charset="0"/>
+                <a:ea typeface="MS PGothic" panose="020B0600070205080204" pitchFamily="34" charset="-128"/>
+              </a:defRPr>
+            </a:lvl7pPr>
+            <a:lvl8pPr marL="3429000" indent="-228600" defTabSz="457200" eaLnBrk="0" fontAlgn="base" hangingPunct="0">
+              <a:lnSpc>
+                <a:spcPct val="86000"/>
+              </a:lnSpc>
+              <a:spcBef>
+                <a:spcPct val="0"/>
+              </a:spcBef>
+              <a:spcAft>
+                <a:spcPct val="0"/>
+              </a:spcAft>
+              <a:buClr>
+                <a:srgbClr val="000000"/>
+              </a:buClr>
+              <a:buSzPct val="100000"/>
+              <a:buFont typeface="Times New Roman" panose="02020603050405020304" pitchFamily="18" charset="0"/>
+              <a:tabLst>
+                <a:tab pos="0" algn="l"/>
+                <a:tab pos="457200" algn="l"/>
+                <a:tab pos="914400" algn="l"/>
+                <a:tab pos="1371600" algn="l"/>
+                <a:tab pos="1828800" algn="l"/>
+                <a:tab pos="2286000" algn="l"/>
+                <a:tab pos="2743200" algn="l"/>
+                <a:tab pos="3200400" algn="l"/>
+                <a:tab pos="3657600" algn="l"/>
+                <a:tab pos="4114800" algn="l"/>
+                <a:tab pos="4572000" algn="l"/>
+                <a:tab pos="5029200" algn="l"/>
+                <a:tab pos="5486400" algn="l"/>
+                <a:tab pos="5943600" algn="l"/>
+                <a:tab pos="6400800" algn="l"/>
+                <a:tab pos="6858000" algn="l"/>
+                <a:tab pos="7315200" algn="l"/>
+                <a:tab pos="7772400" algn="l"/>
+                <a:tab pos="8229600" algn="l"/>
+                <a:tab pos="8686800" algn="l"/>
+                <a:tab pos="9144000" algn="l"/>
+              </a:tabLst>
+              <a:defRPr sz="2400">
+                <a:solidFill>
+                  <a:schemeClr val="bg1"/>
+                </a:solidFill>
+                <a:latin typeface="Times New Roman" panose="02020603050405020304" pitchFamily="18" charset="0"/>
+                <a:ea typeface="MS PGothic" panose="020B0600070205080204" pitchFamily="34" charset="-128"/>
+              </a:defRPr>
+            </a:lvl8pPr>
+            <a:lvl9pPr marL="3886200" indent="-228600" defTabSz="457200" eaLnBrk="0" fontAlgn="base" hangingPunct="0">
+              <a:lnSpc>
+                <a:spcPct val="86000"/>
+              </a:lnSpc>
+              <a:spcBef>
+                <a:spcPct val="0"/>
+              </a:spcBef>
+              <a:spcAft>
+                <a:spcPct val="0"/>
+              </a:spcAft>
+              <a:buClr>
+                <a:srgbClr val="000000"/>
+              </a:buClr>
+              <a:buSzPct val="100000"/>
+              <a:buFont typeface="Times New Roman" panose="02020603050405020304" pitchFamily="18" charset="0"/>
+              <a:tabLst>
+                <a:tab pos="0" algn="l"/>
+                <a:tab pos="457200" algn="l"/>
+                <a:tab pos="914400" algn="l"/>
+                <a:tab pos="1371600" algn="l"/>
+                <a:tab pos="1828800" algn="l"/>
+                <a:tab pos="2286000" algn="l"/>
+                <a:tab pos="2743200" algn="l"/>
+                <a:tab pos="3200400" algn="l"/>
+                <a:tab pos="3657600" algn="l"/>
+                <a:tab pos="4114800" algn="l"/>
+                <a:tab pos="4572000" algn="l"/>
+                <a:tab pos="5029200" algn="l"/>
+                <a:tab pos="5486400" algn="l"/>
+                <a:tab pos="5943600" algn="l"/>
+                <a:tab pos="6400800" algn="l"/>
+                <a:tab pos="6858000" algn="l"/>
+                <a:tab pos="7315200" algn="l"/>
+                <a:tab pos="7772400" algn="l"/>
+                <a:tab pos="8229600" algn="l"/>
+                <a:tab pos="8686800" algn="l"/>
+                <a:tab pos="9144000" algn="l"/>
+              </a:tabLst>
+              <a:defRPr sz="2400">
+                <a:solidFill>
+                  <a:schemeClr val="bg1"/>
+                </a:solidFill>
+                <a:latin typeface="Times New Roman" panose="02020603050405020304" pitchFamily="18" charset="0"/>
+                <a:ea typeface="MS PGothic" panose="020B0600070205080204" pitchFamily="34" charset="-128"/>
+              </a:defRPr>
+            </a:lvl9pPr>
+          </a:lstStyle>
+          <a:p>
+            <a:pPr algn="ctr">
+              <a:lnSpc>
+                <a:spcPct val="100000"/>
+              </a:lnSpc>
+            </a:pPr>
+            <a:r>
+              <a:rPr lang="en-GB" altLang="en-US" sz="4400">
+                <a:solidFill>
+                  <a:srgbClr val="221304"/>
+                </a:solidFill>
+              </a:rPr>
+              <a:t>Class Objectives</a:t>
+            </a:r>
+          </a:p>
+        </p:txBody>
+      </p:sp>
+      <p:sp>
+        <p:nvSpPr>
+          <p:cNvPr id="16387" name="Text Box 2">
+            <a:extLst>
+              <a:ext uri="{FF2B5EF4-FFF2-40B4-BE49-F238E27FC236}">
+                <a16:creationId xmlns:a16="http://schemas.microsoft.com/office/drawing/2014/main" id="{A12F9A9C-9FE6-445E-8F60-1B29D111FFF6}"/>
+              </a:ext>
+            </a:extLst>
+          </p:cNvPr>
+          <p:cNvSpPr txBox="1">
+            <a:spLocks noChangeArrowheads="1"/>
+          </p:cNvSpPr>
+          <p:nvPr/>
+        </p:nvSpPr>
+        <p:spPr bwMode="auto">
+          <a:xfrm>
+            <a:off x="685800" y="1371600"/>
+            <a:ext cx="7772400" cy="4627323"/>
+          </a:xfrm>
+          <a:prstGeom prst="rect">
+            <a:avLst/>
+          </a:prstGeom>
+          <a:noFill/>
+          <a:ln>
+            <a:noFill/>
+          </a:ln>
+          <a:extLst>
+            <a:ext uri="{909E8E84-426E-40DD-AFC4-6F175D3DCCD1}">
+              <a14:hiddenFill xmlns:a14="http://schemas.microsoft.com/office/drawing/2010/main">
+                <a:solidFill>
+                  <a:srgbClr val="FFFFFF"/>
+                </a:solidFill>
+              </a14:hiddenFill>
+            </a:ext>
+            <a:ext uri="{91240B29-F687-4F45-9708-019B960494DF}">
+              <a14:hiddenLine xmlns:a14="http://schemas.microsoft.com/office/drawing/2010/main" w="9525">
+                <a:solidFill>
+                  <a:srgbClr val="000000"/>
+                </a:solidFill>
+                <a:miter lim="800000"/>
+                <a:headEnd/>
+                <a:tailEnd/>
+              </a14:hiddenLine>
+            </a:ext>
+          </a:extLst>
+        </p:spPr>
+        <p:txBody>
+          <a:bodyPr lIns="90360" tIns="44280" rIns="90360" bIns="44280"/>
+          <a:lstStyle>
+            <a:lvl1pPr marL="603250" indent="-603250">
+              <a:lnSpc>
+                <a:spcPct val="86000"/>
+              </a:lnSpc>
+              <a:buClr>
+                <a:srgbClr val="000000"/>
+              </a:buClr>
+              <a:buSzPct val="100000"/>
+              <a:buFont typeface="Times New Roman" panose="02020603050405020304" pitchFamily="18" charset="0"/>
+              <a:tabLst>
+                <a:tab pos="720725" algn="l"/>
+                <a:tab pos="1177925" algn="l"/>
+                <a:tab pos="1635125" algn="l"/>
+                <a:tab pos="2092325" algn="l"/>
+                <a:tab pos="2549525" algn="l"/>
+                <a:tab pos="3006725" algn="l"/>
+                <a:tab pos="3463925" algn="l"/>
+                <a:tab pos="3921125" algn="l"/>
+                <a:tab pos="4378325" algn="l"/>
+                <a:tab pos="4835525" algn="l"/>
+                <a:tab pos="5292725" algn="l"/>
+                <a:tab pos="5749925" algn="l"/>
+                <a:tab pos="6207125" algn="l"/>
+                <a:tab pos="6664325" algn="l"/>
+                <a:tab pos="7121525" algn="l"/>
+                <a:tab pos="7578725" algn="l"/>
+                <a:tab pos="8035925" algn="l"/>
+                <a:tab pos="8493125" algn="l"/>
+                <a:tab pos="8950325" algn="l"/>
+                <a:tab pos="9407525" algn="l"/>
+              </a:tabLst>
+              <a:defRPr sz="2400">
+                <a:solidFill>
+                  <a:schemeClr val="bg1"/>
+                </a:solidFill>
+                <a:latin typeface="Times New Roman" panose="02020603050405020304" pitchFamily="18" charset="0"/>
+                <a:ea typeface="MS PGothic" panose="020B0600070205080204" pitchFamily="34" charset="-128"/>
+              </a:defRPr>
+            </a:lvl1pPr>
+            <a:lvl2pPr marL="984250" indent="-527050">
+              <a:lnSpc>
+                <a:spcPct val="86000"/>
+              </a:lnSpc>
+              <a:buClr>
+                <a:srgbClr val="000000"/>
+              </a:buClr>
+              <a:buSzPct val="100000"/>
+              <a:buFont typeface="Times New Roman" panose="02020603050405020304" pitchFamily="18" charset="0"/>
+              <a:tabLst>
+                <a:tab pos="720725" algn="l"/>
+                <a:tab pos="1177925" algn="l"/>
+                <a:tab pos="1635125" algn="l"/>
+                <a:tab pos="2092325" algn="l"/>
+                <a:tab pos="2549525" algn="l"/>
+                <a:tab pos="3006725" algn="l"/>
+                <a:tab pos="3463925" algn="l"/>
+                <a:tab pos="3921125" algn="l"/>
+                <a:tab pos="4378325" algn="l"/>
+                <a:tab pos="4835525" algn="l"/>
+                <a:tab pos="5292725" algn="l"/>
+                <a:tab pos="5749925" algn="l"/>
+                <a:tab pos="6207125" algn="l"/>
+                <a:tab pos="6664325" algn="l"/>
+                <a:tab pos="7121525" algn="l"/>
+                <a:tab pos="7578725" algn="l"/>
+                <a:tab pos="8035925" algn="l"/>
+                <a:tab pos="8493125" algn="l"/>
+                <a:tab pos="8950325" algn="l"/>
+                <a:tab pos="9407525" algn="l"/>
+              </a:tabLst>
+              <a:defRPr sz="2400">
+                <a:solidFill>
+                  <a:schemeClr val="bg1"/>
+                </a:solidFill>
+                <a:latin typeface="Times New Roman" panose="02020603050405020304" pitchFamily="18" charset="0"/>
+                <a:ea typeface="MS PGothic" panose="020B0600070205080204" pitchFamily="34" charset="-128"/>
+              </a:defRPr>
+            </a:lvl2pPr>
+            <a:lvl3pPr>
+              <a:lnSpc>
+                <a:spcPct val="86000"/>
+              </a:lnSpc>
+              <a:buClr>
+                <a:srgbClr val="000000"/>
+              </a:buClr>
+              <a:buSzPct val="100000"/>
+              <a:buFont typeface="Times New Roman" panose="02020603050405020304" pitchFamily="18" charset="0"/>
+              <a:tabLst>
+                <a:tab pos="720725" algn="l"/>
+                <a:tab pos="1177925" algn="l"/>
+                <a:tab pos="1635125" algn="l"/>
+                <a:tab pos="2092325" algn="l"/>
+                <a:tab pos="2549525" algn="l"/>
+                <a:tab pos="3006725" algn="l"/>
+                <a:tab pos="3463925" algn="l"/>
+                <a:tab pos="3921125" algn="l"/>
+                <a:tab pos="4378325" algn="l"/>
+                <a:tab pos="4835525" algn="l"/>
+                <a:tab pos="5292725" algn="l"/>
+                <a:tab pos="5749925" algn="l"/>
+                <a:tab pos="6207125" algn="l"/>
+                <a:tab pos="6664325" algn="l"/>
+                <a:tab pos="7121525" algn="l"/>
+                <a:tab pos="7578725" algn="l"/>
+                <a:tab pos="8035925" algn="l"/>
+                <a:tab pos="8493125" algn="l"/>
+                <a:tab pos="8950325" algn="l"/>
+                <a:tab pos="9407525" algn="l"/>
+              </a:tabLst>
+              <a:defRPr sz="2400">
+                <a:solidFill>
+                  <a:schemeClr val="bg1"/>
+                </a:solidFill>
+                <a:latin typeface="Times New Roman" panose="02020603050405020304" pitchFamily="18" charset="0"/>
+                <a:ea typeface="MS PGothic" panose="020B0600070205080204" pitchFamily="34" charset="-128"/>
+              </a:defRPr>
+            </a:lvl3pPr>
+            <a:lvl4pPr>
+              <a:lnSpc>
+                <a:spcPct val="86000"/>
+              </a:lnSpc>
+              <a:buClr>
+                <a:srgbClr val="000000"/>
+              </a:buClr>
+              <a:buSzPct val="100000"/>
+              <a:buFont typeface="Times New Roman" panose="02020603050405020304" pitchFamily="18" charset="0"/>
+              <a:tabLst>
+                <a:tab pos="720725" algn="l"/>
+                <a:tab pos="1177925" algn="l"/>
+                <a:tab pos="1635125" algn="l"/>
+                <a:tab pos="2092325" algn="l"/>
+                <a:tab pos="2549525" algn="l"/>
+                <a:tab pos="3006725" algn="l"/>
+                <a:tab pos="3463925" algn="l"/>
+                <a:tab pos="3921125" algn="l"/>
+                <a:tab pos="4378325" algn="l"/>
+                <a:tab pos="4835525" algn="l"/>
+                <a:tab pos="5292725" algn="l"/>
+                <a:tab pos="5749925" algn="l"/>
+                <a:tab pos="6207125" algn="l"/>
+                <a:tab pos="6664325" algn="l"/>
+                <a:tab pos="7121525" algn="l"/>
+                <a:tab pos="7578725" algn="l"/>
+                <a:tab pos="8035925" algn="l"/>
+                <a:tab pos="8493125" algn="l"/>
+                <a:tab pos="8950325" algn="l"/>
+                <a:tab pos="9407525" algn="l"/>
+              </a:tabLst>
+              <a:defRPr sz="2400">
+                <a:solidFill>
+                  <a:schemeClr val="bg1"/>
+                </a:solidFill>
+                <a:latin typeface="Times New Roman" panose="02020603050405020304" pitchFamily="18" charset="0"/>
+                <a:ea typeface="MS PGothic" panose="020B0600070205080204" pitchFamily="34" charset="-128"/>
+              </a:defRPr>
+            </a:lvl4pPr>
+            <a:lvl5pPr>
+              <a:lnSpc>
+                <a:spcPct val="86000"/>
+              </a:lnSpc>
+              <a:buClr>
+                <a:srgbClr val="000000"/>
+              </a:buClr>
+              <a:buSzPct val="100000"/>
+              <a:buFont typeface="Times New Roman" panose="02020603050405020304" pitchFamily="18" charset="0"/>
+              <a:tabLst>
+                <a:tab pos="720725" algn="l"/>
+                <a:tab pos="1177925" algn="l"/>
+                <a:tab pos="1635125" algn="l"/>
+                <a:tab pos="2092325" algn="l"/>
+                <a:tab pos="2549525" algn="l"/>
+                <a:tab pos="3006725" algn="l"/>
+                <a:tab pos="3463925" algn="l"/>
+                <a:tab pos="3921125" algn="l"/>
+                <a:tab pos="4378325" algn="l"/>
+                <a:tab pos="4835525" algn="l"/>
+                <a:tab pos="5292725" algn="l"/>
+                <a:tab pos="5749925" algn="l"/>
+                <a:tab pos="6207125" algn="l"/>
+                <a:tab pos="6664325" algn="l"/>
+                <a:tab pos="7121525" algn="l"/>
+                <a:tab pos="7578725" algn="l"/>
+                <a:tab pos="8035925" algn="l"/>
+                <a:tab pos="8493125" algn="l"/>
+                <a:tab pos="8950325" algn="l"/>
+                <a:tab pos="9407525" algn="l"/>
+              </a:tabLst>
+              <a:defRPr sz="2400">
+                <a:solidFill>
+                  <a:schemeClr val="bg1"/>
+                </a:solidFill>
+                <a:latin typeface="Times New Roman" panose="02020603050405020304" pitchFamily="18" charset="0"/>
+                <a:ea typeface="MS PGothic" panose="020B0600070205080204" pitchFamily="34" charset="-128"/>
+              </a:defRPr>
+            </a:lvl5pPr>
+            <a:lvl6pPr marL="2514600" indent="-228600" defTabSz="457200" eaLnBrk="0" fontAlgn="base" hangingPunct="0">
+              <a:lnSpc>
+                <a:spcPct val="86000"/>
+              </a:lnSpc>
+              <a:spcBef>
+                <a:spcPct val="0"/>
+              </a:spcBef>
+              <a:spcAft>
+                <a:spcPct val="0"/>
+              </a:spcAft>
+              <a:buClr>
+                <a:srgbClr val="000000"/>
+              </a:buClr>
+              <a:buSzPct val="100000"/>
+              <a:buFont typeface="Times New Roman" panose="02020603050405020304" pitchFamily="18" charset="0"/>
+              <a:tabLst>
+                <a:tab pos="720725" algn="l"/>
+                <a:tab pos="1177925" algn="l"/>
+                <a:tab pos="1635125" algn="l"/>
+                <a:tab pos="2092325" algn="l"/>
+                <a:tab pos="2549525" algn="l"/>
+                <a:tab pos="3006725" algn="l"/>
+                <a:tab pos="3463925" algn="l"/>
+                <a:tab pos="3921125" algn="l"/>
+                <a:tab pos="4378325" algn="l"/>
+                <a:tab pos="4835525" algn="l"/>
+                <a:tab pos="5292725" algn="l"/>
+                <a:tab pos="5749925" algn="l"/>
+                <a:tab pos="6207125" algn="l"/>
+                <a:tab pos="6664325" algn="l"/>
+                <a:tab pos="7121525" algn="l"/>
+                <a:tab pos="7578725" algn="l"/>
+                <a:tab pos="8035925" algn="l"/>
+                <a:tab pos="8493125" algn="l"/>
+                <a:tab pos="8950325" algn="l"/>
+                <a:tab pos="9407525" algn="l"/>
+              </a:tabLst>
+              <a:defRPr sz="2400">
+                <a:solidFill>
+                  <a:schemeClr val="bg1"/>
+                </a:solidFill>
+                <a:latin typeface="Times New Roman" panose="02020603050405020304" pitchFamily="18" charset="0"/>
+                <a:ea typeface="MS PGothic" panose="020B0600070205080204" pitchFamily="34" charset="-128"/>
+              </a:defRPr>
+            </a:lvl6pPr>
+            <a:lvl7pPr marL="2971800" indent="-228600" defTabSz="457200" eaLnBrk="0" fontAlgn="base" hangingPunct="0">
+              <a:lnSpc>
+                <a:spcPct val="86000"/>
+              </a:lnSpc>
+              <a:spcBef>
+                <a:spcPct val="0"/>
+              </a:spcBef>
+              <a:spcAft>
+                <a:spcPct val="0"/>
+              </a:spcAft>
+              <a:buClr>
+                <a:srgbClr val="000000"/>
+              </a:buClr>
+              <a:buSzPct val="100000"/>
+              <a:buFont typeface="Times New Roman" panose="02020603050405020304" pitchFamily="18" charset="0"/>
+              <a:tabLst>
+                <a:tab pos="720725" algn="l"/>
+                <a:tab pos="1177925" algn="l"/>
+                <a:tab pos="1635125" algn="l"/>
+                <a:tab pos="2092325" algn="l"/>
+                <a:tab pos="2549525" algn="l"/>
+                <a:tab pos="3006725" algn="l"/>
+                <a:tab pos="3463925" algn="l"/>
+                <a:tab pos="3921125" algn="l"/>
+                <a:tab pos="4378325" algn="l"/>
+                <a:tab pos="4835525" algn="l"/>
+                <a:tab pos="5292725" algn="l"/>
+                <a:tab pos="5749925" algn="l"/>
+                <a:tab pos="6207125" algn="l"/>
+                <a:tab pos="6664325" algn="l"/>
+                <a:tab pos="7121525" algn="l"/>
+                <a:tab pos="7578725" algn="l"/>
+                <a:tab pos="8035925" algn="l"/>
+                <a:tab pos="8493125" algn="l"/>
+                <a:tab pos="8950325" algn="l"/>
+                <a:tab pos="9407525" algn="l"/>
+              </a:tabLst>
+              <a:defRPr sz="2400">
+                <a:solidFill>
+                  <a:schemeClr val="bg1"/>
+                </a:solidFill>
+                <a:latin typeface="Times New Roman" panose="02020603050405020304" pitchFamily="18" charset="0"/>
+                <a:ea typeface="MS PGothic" panose="020B0600070205080204" pitchFamily="34" charset="-128"/>
+              </a:defRPr>
+            </a:lvl7pPr>
+            <a:lvl8pPr marL="3429000" indent="-228600" defTabSz="457200" eaLnBrk="0" fontAlgn="base" hangingPunct="0">
+              <a:lnSpc>
+                <a:spcPct val="86000"/>
+              </a:lnSpc>
+              <a:spcBef>
+                <a:spcPct val="0"/>
+              </a:spcBef>
+              <a:spcAft>
+                <a:spcPct val="0"/>
+              </a:spcAft>
+              <a:buClr>
+                <a:srgbClr val="000000"/>
+              </a:buClr>
+              <a:buSzPct val="100000"/>
+              <a:buFont typeface="Times New Roman" panose="02020603050405020304" pitchFamily="18" charset="0"/>
+              <a:tabLst>
+                <a:tab pos="720725" algn="l"/>
+                <a:tab pos="1177925" algn="l"/>
+                <a:tab pos="1635125" algn="l"/>
+                <a:tab pos="2092325" algn="l"/>
+                <a:tab pos="2549525" algn="l"/>
+                <a:tab pos="3006725" algn="l"/>
+                <a:tab pos="3463925" algn="l"/>
+                <a:tab pos="3921125" algn="l"/>
+                <a:tab pos="4378325" algn="l"/>
+                <a:tab pos="4835525" algn="l"/>
+                <a:tab pos="5292725" algn="l"/>
+                <a:tab pos="5749925" algn="l"/>
+                <a:tab pos="6207125" algn="l"/>
+                <a:tab pos="6664325" algn="l"/>
+                <a:tab pos="7121525" algn="l"/>
+                <a:tab pos="7578725" algn="l"/>
+                <a:tab pos="8035925" algn="l"/>
+                <a:tab pos="8493125" algn="l"/>
+                <a:tab pos="8950325" algn="l"/>
+                <a:tab pos="9407525" algn="l"/>
+              </a:tabLst>
+              <a:defRPr sz="2400">
+                <a:solidFill>
+                  <a:schemeClr val="bg1"/>
+                </a:solidFill>
+                <a:latin typeface="Times New Roman" panose="02020603050405020304" pitchFamily="18" charset="0"/>
+                <a:ea typeface="MS PGothic" panose="020B0600070205080204" pitchFamily="34" charset="-128"/>
+              </a:defRPr>
+            </a:lvl8pPr>
+            <a:lvl9pPr marL="3886200" indent="-228600" defTabSz="457200" eaLnBrk="0" fontAlgn="base" hangingPunct="0">
+              <a:lnSpc>
+                <a:spcPct val="86000"/>
+              </a:lnSpc>
+              <a:spcBef>
+                <a:spcPct val="0"/>
+              </a:spcBef>
+              <a:spcAft>
+                <a:spcPct val="0"/>
+              </a:spcAft>
+              <a:buClr>
+                <a:srgbClr val="000000"/>
+              </a:buClr>
+              <a:buSzPct val="100000"/>
+              <a:buFont typeface="Times New Roman" panose="02020603050405020304" pitchFamily="18" charset="0"/>
+              <a:tabLst>
+                <a:tab pos="720725" algn="l"/>
+                <a:tab pos="1177925" algn="l"/>
+                <a:tab pos="1635125" algn="l"/>
+                <a:tab pos="2092325" algn="l"/>
+                <a:tab pos="2549525" algn="l"/>
+                <a:tab pos="3006725" algn="l"/>
+                <a:tab pos="3463925" algn="l"/>
+                <a:tab pos="3921125" algn="l"/>
+                <a:tab pos="4378325" algn="l"/>
+                <a:tab pos="4835525" algn="l"/>
+                <a:tab pos="5292725" algn="l"/>
+                <a:tab pos="5749925" algn="l"/>
+                <a:tab pos="6207125" algn="l"/>
+                <a:tab pos="6664325" algn="l"/>
+                <a:tab pos="7121525" algn="l"/>
+                <a:tab pos="7578725" algn="l"/>
+                <a:tab pos="8035925" algn="l"/>
+                <a:tab pos="8493125" algn="l"/>
+                <a:tab pos="8950325" algn="l"/>
+                <a:tab pos="9407525" algn="l"/>
+              </a:tabLst>
+              <a:defRPr sz="2400">
+                <a:solidFill>
+                  <a:schemeClr val="bg1"/>
+                </a:solidFill>
+                <a:latin typeface="Times New Roman" panose="02020603050405020304" pitchFamily="18" charset="0"/>
+                <a:ea typeface="MS PGothic" panose="020B0600070205080204" pitchFamily="34" charset="-128"/>
+              </a:defRPr>
+            </a:lvl9pPr>
+          </a:lstStyle>
+          <a:p>
+            <a:pPr>
+              <a:lnSpc>
+                <a:spcPct val="80000"/>
+              </a:lnSpc>
+              <a:spcBef>
+                <a:spcPts val="725"/>
+              </a:spcBef>
+              <a:buSzPct val="85000"/>
+              <a:buFont typeface="Monotype Sorts" charset="2"/>
+              <a:buChar char=""/>
+            </a:pPr>
+            <a:r>
+              <a:rPr lang="en-GB" altLang="en-US" dirty="0">
+                <a:solidFill>
+                  <a:srgbClr val="000000"/>
+                </a:solidFill>
+              </a:rPr>
+              <a:t>Become familiar with basic programming</a:t>
+            </a:r>
+          </a:p>
+          <a:p>
+            <a:pPr lvl="1">
+              <a:lnSpc>
+                <a:spcPct val="80000"/>
+              </a:lnSpc>
+              <a:spcBef>
+                <a:spcPts val="625"/>
+              </a:spcBef>
+              <a:buSzPct val="70000"/>
+              <a:buFont typeface="Monotype Sorts" charset="2"/>
+              <a:buChar char=""/>
+            </a:pPr>
+            <a:r>
+              <a:rPr lang="en-GB" altLang="en-US" sz="2000" i="1" dirty="0">
+                <a:solidFill>
+                  <a:srgbClr val="000000"/>
+                </a:solidFill>
+              </a:rPr>
+              <a:t>Note: you must demonstrate by the end of the course that you have acquired rudimentary programming skills to be successful in ITM352</a:t>
+            </a:r>
+          </a:p>
+          <a:p>
+            <a:pPr marL="457200" lvl="1" indent="0">
+              <a:lnSpc>
+                <a:spcPct val="80000"/>
+              </a:lnSpc>
+              <a:spcBef>
+                <a:spcPts val="625"/>
+              </a:spcBef>
+              <a:buSzPct val="70000"/>
+            </a:pPr>
+            <a:endParaRPr lang="en-GB" altLang="en-US" sz="900" b="1" dirty="0">
+              <a:solidFill>
+                <a:srgbClr val="000000"/>
+              </a:solidFill>
+            </a:endParaRPr>
+          </a:p>
+          <a:p>
+            <a:pPr>
+              <a:lnSpc>
+                <a:spcPct val="80000"/>
+              </a:lnSpc>
+              <a:spcBef>
+                <a:spcPts val="725"/>
+              </a:spcBef>
+              <a:buSzPct val="85000"/>
+              <a:buFont typeface="Monotype Sorts" charset="2"/>
+              <a:buChar char=""/>
+            </a:pPr>
+            <a:r>
+              <a:rPr lang="en-GB" altLang="en-US" dirty="0">
+                <a:solidFill>
+                  <a:srgbClr val="000000"/>
+                </a:solidFill>
+              </a:rPr>
+              <a:t>Understand basic systems development concepts, technology solutions, development management</a:t>
+            </a:r>
+          </a:p>
+          <a:p>
+            <a:pPr lvl="1">
+              <a:lnSpc>
+                <a:spcPct val="80000"/>
+              </a:lnSpc>
+              <a:spcBef>
+                <a:spcPts val="625"/>
+              </a:spcBef>
+              <a:buSzPct val="70000"/>
+              <a:buFont typeface="Monotype Sorts" charset="2"/>
+              <a:buChar char=""/>
+            </a:pPr>
+            <a:r>
+              <a:rPr lang="en-GB" altLang="en-US" sz="2000" i="1" dirty="0">
+                <a:solidFill>
+                  <a:srgbClr val="000000"/>
+                </a:solidFill>
+              </a:rPr>
+              <a:t>You will learn more on this in ITM 353</a:t>
+            </a:r>
+          </a:p>
+          <a:p>
+            <a:pPr lvl="1">
+              <a:lnSpc>
+                <a:spcPct val="80000"/>
+              </a:lnSpc>
+              <a:spcBef>
+                <a:spcPts val="625"/>
+              </a:spcBef>
+              <a:buSzPct val="70000"/>
+              <a:buFont typeface="Monotype Sorts" charset="2"/>
+              <a:buChar char=""/>
+            </a:pPr>
+            <a:endParaRPr lang="en-GB" altLang="en-US" sz="1050" i="1" dirty="0">
+              <a:solidFill>
+                <a:srgbClr val="000000"/>
+              </a:solidFill>
+            </a:endParaRPr>
+          </a:p>
+          <a:p>
+            <a:pPr>
+              <a:lnSpc>
+                <a:spcPct val="80000"/>
+              </a:lnSpc>
+              <a:spcBef>
+                <a:spcPts val="725"/>
+              </a:spcBef>
+              <a:buSzPct val="85000"/>
+              <a:buFont typeface="Monotype Sorts" charset="2"/>
+              <a:buChar char=""/>
+            </a:pPr>
+            <a:r>
+              <a:rPr lang="en-GB" altLang="en-US" dirty="0">
+                <a:solidFill>
+                  <a:srgbClr val="000000"/>
+                </a:solidFill>
+              </a:rPr>
+              <a:t>Getting “under the hood” of web applications</a:t>
+            </a:r>
+          </a:p>
+          <a:p>
+            <a:pPr lvl="1">
+              <a:lnSpc>
+                <a:spcPct val="80000"/>
+              </a:lnSpc>
+              <a:spcBef>
+                <a:spcPts val="625"/>
+              </a:spcBef>
+              <a:buSzPct val="70000"/>
+              <a:buFont typeface="Monotype Sorts" charset="2"/>
+              <a:buChar char=""/>
+            </a:pPr>
+            <a:r>
+              <a:rPr lang="en-GB" altLang="en-US" sz="2000" i="1" dirty="0">
+                <a:solidFill>
+                  <a:srgbClr val="000000"/>
+                </a:solidFill>
+              </a:rPr>
+              <a:t>Not just programming, but networks, client-server architectures, components, frameworks, configuration, security, user interface design, database, system quality, match to use, testing, maintenance, …</a:t>
+            </a:r>
+          </a:p>
+          <a:p>
+            <a:pPr lvl="1">
+              <a:lnSpc>
+                <a:spcPct val="80000"/>
+              </a:lnSpc>
+              <a:spcBef>
+                <a:spcPts val="625"/>
+              </a:spcBef>
+              <a:buSzPct val="70000"/>
+              <a:buFont typeface="Monotype Sorts" charset="2"/>
+              <a:buChar char=""/>
+            </a:pPr>
+            <a:r>
+              <a:rPr lang="en-GB" altLang="en-US" sz="2000" i="1" dirty="0">
+                <a:solidFill>
+                  <a:srgbClr val="000000"/>
+                </a:solidFill>
+              </a:rPr>
+              <a:t>You will go into depth for many of these topics in later MIS courses (database -  ITM 354, security - ITM 481)</a:t>
+            </a:r>
+            <a:endParaRPr lang="en-GB" altLang="en-US" dirty="0">
+              <a:solidFill>
+                <a:srgbClr val="000000"/>
+              </a:solidFill>
+            </a:endParaRPr>
+          </a:p>
+          <a:p>
+            <a:pPr marL="0" indent="0">
+              <a:lnSpc>
+                <a:spcPct val="80000"/>
+              </a:lnSpc>
+              <a:spcBef>
+                <a:spcPts val="625"/>
+              </a:spcBef>
+              <a:buSzPct val="70000"/>
+            </a:pPr>
+            <a:endParaRPr lang="en-GB" altLang="en-US" sz="2900" dirty="0">
+              <a:solidFill>
+                <a:srgbClr val="000000"/>
+              </a:solidFill>
+            </a:endParaRPr>
           </a:p>
         </p:txBody>
       </p:sp>
@@ -16393,10 +17648,10 @@
       </p:grpSpPr>
       <p:sp>
         <p:nvSpPr>
-          <p:cNvPr id="16386" name="Text Box 1">
+          <p:cNvPr id="22530" name="Text Box 1">
             <a:extLst>
               <a:ext uri="{FF2B5EF4-FFF2-40B4-BE49-F238E27FC236}">
-                <a16:creationId xmlns:a16="http://schemas.microsoft.com/office/drawing/2014/main" id="{D91562D8-072D-4095-9AD9-10156A3C0D27}"/>
+                <a16:creationId xmlns:a16="http://schemas.microsoft.com/office/drawing/2014/main" id="{9FCD7736-8BEA-48A9-8004-4435A6BE93FE}"/>
               </a:ext>
             </a:extLst>
           </p:cNvPr>
@@ -16407,7 +17662,7 @@
         </p:nvSpPr>
         <p:spPr bwMode="auto">
           <a:xfrm>
-            <a:off x="685800" y="228600"/>
+            <a:off x="685800" y="381000"/>
             <a:ext cx="7772400" cy="1143000"/>
           </a:xfrm>
           <a:prstGeom prst="rect">
@@ -16837,17 +18092,17 @@
                   <a:srgbClr val="221304"/>
                 </a:solidFill>
               </a:rPr>
-              <a:t>Class Objectives</a:t>
+              <a:t>Not-Brief Syllabus</a:t>
             </a:r>
           </a:p>
         </p:txBody>
       </p:sp>
       <p:sp>
         <p:nvSpPr>
-          <p:cNvPr id="16387" name="Text Box 2">
+          <p:cNvPr id="22531" name="Text Box 2">
             <a:extLst>
               <a:ext uri="{FF2B5EF4-FFF2-40B4-BE49-F238E27FC236}">
-                <a16:creationId xmlns:a16="http://schemas.microsoft.com/office/drawing/2014/main" id="{A12F9A9C-9FE6-445E-8F60-1B29D111FFF6}"/>
+                <a16:creationId xmlns:a16="http://schemas.microsoft.com/office/drawing/2014/main" id="{34D93B28-FEFB-4C6D-8243-DCADD73796C2}"/>
               </a:ext>
             </a:extLst>
           </p:cNvPr>
@@ -16858,8 +18113,8 @@
         </p:nvSpPr>
         <p:spPr bwMode="auto">
           <a:xfrm>
-            <a:off x="685800" y="1371600"/>
-            <a:ext cx="7772400" cy="4627323"/>
+            <a:off x="190500" y="1524000"/>
+            <a:ext cx="8763000" cy="4524375"/>
           </a:xfrm>
           <a:prstGeom prst="rect">
             <a:avLst/>
@@ -16891,36 +18146,36 @@
         <p:txBody>
           <a:bodyPr lIns="90360" tIns="44280" rIns="90360" bIns="44280"/>
           <a:lstStyle>
-            <a:lvl1pPr marL="603250" indent="-603250">
-              <a:lnSpc>
-                <a:spcPct val="86000"/>
-              </a:lnSpc>
-              <a:buClr>
-                <a:srgbClr val="000000"/>
-              </a:buClr>
-              <a:buSzPct val="100000"/>
-              <a:buFont typeface="Times New Roman" panose="02020603050405020304" pitchFamily="18" charset="0"/>
-              <a:tabLst>
-                <a:tab pos="720725" algn="l"/>
-                <a:tab pos="1177925" algn="l"/>
-                <a:tab pos="1635125" algn="l"/>
-                <a:tab pos="2092325" algn="l"/>
-                <a:tab pos="2549525" algn="l"/>
-                <a:tab pos="3006725" algn="l"/>
-                <a:tab pos="3463925" algn="l"/>
-                <a:tab pos="3921125" algn="l"/>
-                <a:tab pos="4378325" algn="l"/>
-                <a:tab pos="4835525" algn="l"/>
-                <a:tab pos="5292725" algn="l"/>
-                <a:tab pos="5749925" algn="l"/>
-                <a:tab pos="6207125" algn="l"/>
-                <a:tab pos="6664325" algn="l"/>
-                <a:tab pos="7121525" algn="l"/>
-                <a:tab pos="7578725" algn="l"/>
-                <a:tab pos="8035925" algn="l"/>
-                <a:tab pos="8493125" algn="l"/>
-                <a:tab pos="8950325" algn="l"/>
-                <a:tab pos="9407525" algn="l"/>
+            <a:lvl1pPr>
+              <a:lnSpc>
+                <a:spcPct val="86000"/>
+              </a:lnSpc>
+              <a:buClr>
+                <a:srgbClr val="000000"/>
+              </a:buClr>
+              <a:buSzPct val="100000"/>
+              <a:buFont typeface="Times New Roman" panose="02020603050405020304" pitchFamily="18" charset="0"/>
+              <a:tabLst>
+                <a:tab pos="455613" algn="l"/>
+                <a:tab pos="912813" algn="l"/>
+                <a:tab pos="1370013" algn="l"/>
+                <a:tab pos="1827213" algn="l"/>
+                <a:tab pos="2284413" algn="l"/>
+                <a:tab pos="2741613" algn="l"/>
+                <a:tab pos="3198813" algn="l"/>
+                <a:tab pos="3656013" algn="l"/>
+                <a:tab pos="4113213" algn="l"/>
+                <a:tab pos="4570413" algn="l"/>
+                <a:tab pos="5027613" algn="l"/>
+                <a:tab pos="5484813" algn="l"/>
+                <a:tab pos="5942013" algn="l"/>
+                <a:tab pos="6399213" algn="l"/>
+                <a:tab pos="6856413" algn="l"/>
+                <a:tab pos="7313613" algn="l"/>
+                <a:tab pos="7770813" algn="l"/>
+                <a:tab pos="8228013" algn="l"/>
+                <a:tab pos="8685213" algn="l"/>
+                <a:tab pos="9142413" algn="l"/>
               </a:tabLst>
               <a:defRPr sz="2400">
                 <a:solidFill>
@@ -16930,36 +18185,36 @@
                 <a:ea typeface="MS PGothic" panose="020B0600070205080204" pitchFamily="34" charset="-128"/>
               </a:defRPr>
             </a:lvl1pPr>
-            <a:lvl2pPr marL="984250" indent="-527050">
-              <a:lnSpc>
-                <a:spcPct val="86000"/>
-              </a:lnSpc>
-              <a:buClr>
-                <a:srgbClr val="000000"/>
-              </a:buClr>
-              <a:buSzPct val="100000"/>
-              <a:buFont typeface="Times New Roman" panose="02020603050405020304" pitchFamily="18" charset="0"/>
-              <a:tabLst>
-                <a:tab pos="720725" algn="l"/>
-                <a:tab pos="1177925" algn="l"/>
-                <a:tab pos="1635125" algn="l"/>
-                <a:tab pos="2092325" algn="l"/>
-                <a:tab pos="2549525" algn="l"/>
-                <a:tab pos="3006725" algn="l"/>
-                <a:tab pos="3463925" algn="l"/>
-                <a:tab pos="3921125" algn="l"/>
-                <a:tab pos="4378325" algn="l"/>
-                <a:tab pos="4835525" algn="l"/>
-                <a:tab pos="5292725" algn="l"/>
-                <a:tab pos="5749925" algn="l"/>
-                <a:tab pos="6207125" algn="l"/>
-                <a:tab pos="6664325" algn="l"/>
-                <a:tab pos="7121525" algn="l"/>
-                <a:tab pos="7578725" algn="l"/>
-                <a:tab pos="8035925" algn="l"/>
-                <a:tab pos="8493125" algn="l"/>
-                <a:tab pos="8950325" algn="l"/>
-                <a:tab pos="9407525" algn="l"/>
+            <a:lvl2pPr>
+              <a:lnSpc>
+                <a:spcPct val="86000"/>
+              </a:lnSpc>
+              <a:buClr>
+                <a:srgbClr val="000000"/>
+              </a:buClr>
+              <a:buSzPct val="100000"/>
+              <a:buFont typeface="Times New Roman" panose="02020603050405020304" pitchFamily="18" charset="0"/>
+              <a:tabLst>
+                <a:tab pos="455613" algn="l"/>
+                <a:tab pos="912813" algn="l"/>
+                <a:tab pos="1370013" algn="l"/>
+                <a:tab pos="1827213" algn="l"/>
+                <a:tab pos="2284413" algn="l"/>
+                <a:tab pos="2741613" algn="l"/>
+                <a:tab pos="3198813" algn="l"/>
+                <a:tab pos="3656013" algn="l"/>
+                <a:tab pos="4113213" algn="l"/>
+                <a:tab pos="4570413" algn="l"/>
+                <a:tab pos="5027613" algn="l"/>
+                <a:tab pos="5484813" algn="l"/>
+                <a:tab pos="5942013" algn="l"/>
+                <a:tab pos="6399213" algn="l"/>
+                <a:tab pos="6856413" algn="l"/>
+                <a:tab pos="7313613" algn="l"/>
+                <a:tab pos="7770813" algn="l"/>
+                <a:tab pos="8228013" algn="l"/>
+                <a:tab pos="8685213" algn="l"/>
+                <a:tab pos="9142413" algn="l"/>
               </a:tabLst>
               <a:defRPr sz="2400">
                 <a:solidFill>
@@ -16979,26 +18234,26 @@
               <a:buSzPct val="100000"/>
               <a:buFont typeface="Times New Roman" panose="02020603050405020304" pitchFamily="18" charset="0"/>
               <a:tabLst>
-                <a:tab pos="720725" algn="l"/>
-                <a:tab pos="1177925" algn="l"/>
-                <a:tab pos="1635125" algn="l"/>
-                <a:tab pos="2092325" algn="l"/>
-                <a:tab pos="2549525" algn="l"/>
-                <a:tab pos="3006725" algn="l"/>
-                <a:tab pos="3463925" algn="l"/>
-                <a:tab pos="3921125" algn="l"/>
-                <a:tab pos="4378325" algn="l"/>
-                <a:tab pos="4835525" algn="l"/>
-                <a:tab pos="5292725" algn="l"/>
-                <a:tab pos="5749925" algn="l"/>
-                <a:tab pos="6207125" algn="l"/>
-                <a:tab pos="6664325" algn="l"/>
-                <a:tab pos="7121525" algn="l"/>
-                <a:tab pos="7578725" algn="l"/>
-                <a:tab pos="8035925" algn="l"/>
-                <a:tab pos="8493125" algn="l"/>
-                <a:tab pos="8950325" algn="l"/>
-                <a:tab pos="9407525" algn="l"/>
+                <a:tab pos="455613" algn="l"/>
+                <a:tab pos="912813" algn="l"/>
+                <a:tab pos="1370013" algn="l"/>
+                <a:tab pos="1827213" algn="l"/>
+                <a:tab pos="2284413" algn="l"/>
+                <a:tab pos="2741613" algn="l"/>
+                <a:tab pos="3198813" algn="l"/>
+                <a:tab pos="3656013" algn="l"/>
+                <a:tab pos="4113213" algn="l"/>
+                <a:tab pos="4570413" algn="l"/>
+                <a:tab pos="5027613" algn="l"/>
+                <a:tab pos="5484813" algn="l"/>
+                <a:tab pos="5942013" algn="l"/>
+                <a:tab pos="6399213" algn="l"/>
+                <a:tab pos="6856413" algn="l"/>
+                <a:tab pos="7313613" algn="l"/>
+                <a:tab pos="7770813" algn="l"/>
+                <a:tab pos="8228013" algn="l"/>
+                <a:tab pos="8685213" algn="l"/>
+                <a:tab pos="9142413" algn="l"/>
               </a:tabLst>
               <a:defRPr sz="2400">
                 <a:solidFill>
@@ -17018,26 +18273,26 @@
               <a:buSzPct val="100000"/>
               <a:buFont typeface="Times New Roman" panose="02020603050405020304" pitchFamily="18" charset="0"/>
               <a:tabLst>
-                <a:tab pos="720725" algn="l"/>
-                <a:tab pos="1177925" algn="l"/>
-                <a:tab pos="1635125" algn="l"/>
-                <a:tab pos="2092325" algn="l"/>
-                <a:tab pos="2549525" algn="l"/>
-                <a:tab pos="3006725" algn="l"/>
-                <a:tab pos="3463925" algn="l"/>
-                <a:tab pos="3921125" algn="l"/>
-                <a:tab pos="4378325" algn="l"/>
-                <a:tab pos="4835525" algn="l"/>
-                <a:tab pos="5292725" algn="l"/>
-                <a:tab pos="5749925" algn="l"/>
-                <a:tab pos="6207125" algn="l"/>
-                <a:tab pos="6664325" algn="l"/>
-                <a:tab pos="7121525" algn="l"/>
-                <a:tab pos="7578725" algn="l"/>
-                <a:tab pos="8035925" algn="l"/>
-                <a:tab pos="8493125" algn="l"/>
-                <a:tab pos="8950325" algn="l"/>
-                <a:tab pos="9407525" algn="l"/>
+                <a:tab pos="455613" algn="l"/>
+                <a:tab pos="912813" algn="l"/>
+                <a:tab pos="1370013" algn="l"/>
+                <a:tab pos="1827213" algn="l"/>
+                <a:tab pos="2284413" algn="l"/>
+                <a:tab pos="2741613" algn="l"/>
+                <a:tab pos="3198813" algn="l"/>
+                <a:tab pos="3656013" algn="l"/>
+                <a:tab pos="4113213" algn="l"/>
+                <a:tab pos="4570413" algn="l"/>
+                <a:tab pos="5027613" algn="l"/>
+                <a:tab pos="5484813" algn="l"/>
+                <a:tab pos="5942013" algn="l"/>
+                <a:tab pos="6399213" algn="l"/>
+                <a:tab pos="6856413" algn="l"/>
+                <a:tab pos="7313613" algn="l"/>
+                <a:tab pos="7770813" algn="l"/>
+                <a:tab pos="8228013" algn="l"/>
+                <a:tab pos="8685213" algn="l"/>
+                <a:tab pos="9142413" algn="l"/>
               </a:tabLst>
               <a:defRPr sz="2400">
                 <a:solidFill>
@@ -17057,26 +18312,26 @@
               <a:buSzPct val="100000"/>
               <a:buFont typeface="Times New Roman" panose="02020603050405020304" pitchFamily="18" charset="0"/>
               <a:tabLst>
-                <a:tab pos="720725" algn="l"/>
-                <a:tab pos="1177925" algn="l"/>
-                <a:tab pos="1635125" algn="l"/>
-                <a:tab pos="2092325" algn="l"/>
-                <a:tab pos="2549525" algn="l"/>
-                <a:tab pos="3006725" algn="l"/>
-                <a:tab pos="3463925" algn="l"/>
-                <a:tab pos="3921125" algn="l"/>
-                <a:tab pos="4378325" algn="l"/>
-                <a:tab pos="4835525" algn="l"/>
-                <a:tab pos="5292725" algn="l"/>
-                <a:tab pos="5749925" algn="l"/>
-                <a:tab pos="6207125" algn="l"/>
-                <a:tab pos="6664325" algn="l"/>
-                <a:tab pos="7121525" algn="l"/>
-                <a:tab pos="7578725" algn="l"/>
-                <a:tab pos="8035925" algn="l"/>
-                <a:tab pos="8493125" algn="l"/>
-                <a:tab pos="8950325" algn="l"/>
-                <a:tab pos="9407525" algn="l"/>
+                <a:tab pos="455613" algn="l"/>
+                <a:tab pos="912813" algn="l"/>
+                <a:tab pos="1370013" algn="l"/>
+                <a:tab pos="1827213" algn="l"/>
+                <a:tab pos="2284413" algn="l"/>
+                <a:tab pos="2741613" algn="l"/>
+                <a:tab pos="3198813" algn="l"/>
+                <a:tab pos="3656013" algn="l"/>
+                <a:tab pos="4113213" algn="l"/>
+                <a:tab pos="4570413" algn="l"/>
+                <a:tab pos="5027613" algn="l"/>
+                <a:tab pos="5484813" algn="l"/>
+                <a:tab pos="5942013" algn="l"/>
+                <a:tab pos="6399213" algn="l"/>
+                <a:tab pos="6856413" algn="l"/>
+                <a:tab pos="7313613" algn="l"/>
+                <a:tab pos="7770813" algn="l"/>
+                <a:tab pos="8228013" algn="l"/>
+                <a:tab pos="8685213" algn="l"/>
+                <a:tab pos="9142413" algn="l"/>
               </a:tabLst>
               <a:defRPr sz="2400">
                 <a:solidFill>
@@ -17102,26 +18357,26 @@
               <a:buSzPct val="100000"/>
               <a:buFont typeface="Times New Roman" panose="02020603050405020304" pitchFamily="18" charset="0"/>
               <a:tabLst>
-                <a:tab pos="720725" algn="l"/>
-                <a:tab pos="1177925" algn="l"/>
-                <a:tab pos="1635125" algn="l"/>
-                <a:tab pos="2092325" algn="l"/>
-                <a:tab pos="2549525" algn="l"/>
-                <a:tab pos="3006725" algn="l"/>
-                <a:tab pos="3463925" algn="l"/>
-                <a:tab pos="3921125" algn="l"/>
-                <a:tab pos="4378325" algn="l"/>
-                <a:tab pos="4835525" algn="l"/>
-                <a:tab pos="5292725" algn="l"/>
-                <a:tab pos="5749925" algn="l"/>
-                <a:tab pos="6207125" algn="l"/>
-                <a:tab pos="6664325" algn="l"/>
-                <a:tab pos="7121525" algn="l"/>
-                <a:tab pos="7578725" algn="l"/>
-                <a:tab pos="8035925" algn="l"/>
-                <a:tab pos="8493125" algn="l"/>
-                <a:tab pos="8950325" algn="l"/>
-                <a:tab pos="9407525" algn="l"/>
+                <a:tab pos="455613" algn="l"/>
+                <a:tab pos="912813" algn="l"/>
+                <a:tab pos="1370013" algn="l"/>
+                <a:tab pos="1827213" algn="l"/>
+                <a:tab pos="2284413" algn="l"/>
+                <a:tab pos="2741613" algn="l"/>
+                <a:tab pos="3198813" algn="l"/>
+                <a:tab pos="3656013" algn="l"/>
+                <a:tab pos="4113213" algn="l"/>
+                <a:tab pos="4570413" algn="l"/>
+                <a:tab pos="5027613" algn="l"/>
+                <a:tab pos="5484813" algn="l"/>
+                <a:tab pos="5942013" algn="l"/>
+                <a:tab pos="6399213" algn="l"/>
+                <a:tab pos="6856413" algn="l"/>
+                <a:tab pos="7313613" algn="l"/>
+                <a:tab pos="7770813" algn="l"/>
+                <a:tab pos="8228013" algn="l"/>
+                <a:tab pos="8685213" algn="l"/>
+                <a:tab pos="9142413" algn="l"/>
               </a:tabLst>
               <a:defRPr sz="2400">
                 <a:solidFill>
@@ -17147,26 +18402,26 @@
               <a:buSzPct val="100000"/>
               <a:buFont typeface="Times New Roman" panose="02020603050405020304" pitchFamily="18" charset="0"/>
               <a:tabLst>
-                <a:tab pos="720725" algn="l"/>
-                <a:tab pos="1177925" algn="l"/>
-                <a:tab pos="1635125" algn="l"/>
-                <a:tab pos="2092325" algn="l"/>
-                <a:tab pos="2549525" algn="l"/>
-                <a:tab pos="3006725" algn="l"/>
-                <a:tab pos="3463925" algn="l"/>
-                <a:tab pos="3921125" algn="l"/>
-                <a:tab pos="4378325" algn="l"/>
-                <a:tab pos="4835525" algn="l"/>
-                <a:tab pos="5292725" algn="l"/>
-                <a:tab pos="5749925" algn="l"/>
-                <a:tab pos="6207125" algn="l"/>
-                <a:tab pos="6664325" algn="l"/>
-                <a:tab pos="7121525" algn="l"/>
-                <a:tab pos="7578725" algn="l"/>
-                <a:tab pos="8035925" algn="l"/>
-                <a:tab pos="8493125" algn="l"/>
-                <a:tab pos="8950325" algn="l"/>
-                <a:tab pos="9407525" algn="l"/>
+                <a:tab pos="455613" algn="l"/>
+                <a:tab pos="912813" algn="l"/>
+                <a:tab pos="1370013" algn="l"/>
+                <a:tab pos="1827213" algn="l"/>
+                <a:tab pos="2284413" algn="l"/>
+                <a:tab pos="2741613" algn="l"/>
+                <a:tab pos="3198813" algn="l"/>
+                <a:tab pos="3656013" algn="l"/>
+                <a:tab pos="4113213" algn="l"/>
+                <a:tab pos="4570413" algn="l"/>
+                <a:tab pos="5027613" algn="l"/>
+                <a:tab pos="5484813" algn="l"/>
+                <a:tab pos="5942013" algn="l"/>
+                <a:tab pos="6399213" algn="l"/>
+                <a:tab pos="6856413" algn="l"/>
+                <a:tab pos="7313613" algn="l"/>
+                <a:tab pos="7770813" algn="l"/>
+                <a:tab pos="8228013" algn="l"/>
+                <a:tab pos="8685213" algn="l"/>
+                <a:tab pos="9142413" algn="l"/>
               </a:tabLst>
               <a:defRPr sz="2400">
                 <a:solidFill>
@@ -17192,26 +18447,26 @@
               <a:buSzPct val="100000"/>
               <a:buFont typeface="Times New Roman" panose="02020603050405020304" pitchFamily="18" charset="0"/>
               <a:tabLst>
-                <a:tab pos="720725" algn="l"/>
-                <a:tab pos="1177925" algn="l"/>
-                <a:tab pos="1635125" algn="l"/>
-                <a:tab pos="2092325" algn="l"/>
-                <a:tab pos="2549525" algn="l"/>
-                <a:tab pos="3006725" algn="l"/>
-                <a:tab pos="3463925" algn="l"/>
-                <a:tab pos="3921125" algn="l"/>
-                <a:tab pos="4378325" algn="l"/>
-                <a:tab pos="4835525" algn="l"/>
-                <a:tab pos="5292725" algn="l"/>
-                <a:tab pos="5749925" algn="l"/>
-                <a:tab pos="6207125" algn="l"/>
-                <a:tab pos="6664325" algn="l"/>
-                <a:tab pos="7121525" algn="l"/>
-                <a:tab pos="7578725" algn="l"/>
-                <a:tab pos="8035925" algn="l"/>
-                <a:tab pos="8493125" algn="l"/>
-                <a:tab pos="8950325" algn="l"/>
-                <a:tab pos="9407525" algn="l"/>
+                <a:tab pos="455613" algn="l"/>
+                <a:tab pos="912813" algn="l"/>
+                <a:tab pos="1370013" algn="l"/>
+                <a:tab pos="1827213" algn="l"/>
+                <a:tab pos="2284413" algn="l"/>
+                <a:tab pos="2741613" algn="l"/>
+                <a:tab pos="3198813" algn="l"/>
+                <a:tab pos="3656013" algn="l"/>
+                <a:tab pos="4113213" algn="l"/>
+                <a:tab pos="4570413" algn="l"/>
+                <a:tab pos="5027613" algn="l"/>
+                <a:tab pos="5484813" algn="l"/>
+                <a:tab pos="5942013" algn="l"/>
+                <a:tab pos="6399213" algn="l"/>
+                <a:tab pos="6856413" algn="l"/>
+                <a:tab pos="7313613" algn="l"/>
+                <a:tab pos="7770813" algn="l"/>
+                <a:tab pos="8228013" algn="l"/>
+                <a:tab pos="8685213" algn="l"/>
+                <a:tab pos="9142413" algn="l"/>
               </a:tabLst>
               <a:defRPr sz="2400">
                 <a:solidFill>
@@ -17237,26 +18492,26 @@
               <a:buSzPct val="100000"/>
               <a:buFont typeface="Times New Roman" panose="02020603050405020304" pitchFamily="18" charset="0"/>
               <a:tabLst>
-                <a:tab pos="720725" algn="l"/>
-                <a:tab pos="1177925" algn="l"/>
-                <a:tab pos="1635125" algn="l"/>
-                <a:tab pos="2092325" algn="l"/>
-                <a:tab pos="2549525" algn="l"/>
-                <a:tab pos="3006725" algn="l"/>
-                <a:tab pos="3463925" algn="l"/>
-                <a:tab pos="3921125" algn="l"/>
-                <a:tab pos="4378325" algn="l"/>
-                <a:tab pos="4835525" algn="l"/>
-                <a:tab pos="5292725" algn="l"/>
-                <a:tab pos="5749925" algn="l"/>
-                <a:tab pos="6207125" algn="l"/>
-                <a:tab pos="6664325" algn="l"/>
-                <a:tab pos="7121525" algn="l"/>
-                <a:tab pos="7578725" algn="l"/>
-                <a:tab pos="8035925" algn="l"/>
-                <a:tab pos="8493125" algn="l"/>
-                <a:tab pos="8950325" algn="l"/>
-                <a:tab pos="9407525" algn="l"/>
+                <a:tab pos="455613" algn="l"/>
+                <a:tab pos="912813" algn="l"/>
+                <a:tab pos="1370013" algn="l"/>
+                <a:tab pos="1827213" algn="l"/>
+                <a:tab pos="2284413" algn="l"/>
+                <a:tab pos="2741613" algn="l"/>
+                <a:tab pos="3198813" algn="l"/>
+                <a:tab pos="3656013" algn="l"/>
+                <a:tab pos="4113213" algn="l"/>
+                <a:tab pos="4570413" algn="l"/>
+                <a:tab pos="5027613" algn="l"/>
+                <a:tab pos="5484813" algn="l"/>
+                <a:tab pos="5942013" algn="l"/>
+                <a:tab pos="6399213" algn="l"/>
+                <a:tab pos="6856413" algn="l"/>
+                <a:tab pos="7313613" algn="l"/>
+                <a:tab pos="7770813" algn="l"/>
+                <a:tab pos="8228013" algn="l"/>
+                <a:tab pos="8685213" algn="l"/>
+                <a:tab pos="9142413" algn="l"/>
               </a:tabLst>
               <a:defRPr sz="2400">
                 <a:solidFill>
@@ -17270,56 +18525,40 @@
           <a:p>
             <a:pPr>
               <a:lnSpc>
-                <a:spcPct val="80000"/>
+                <a:spcPct val="90000"/>
               </a:lnSpc>
               <a:spcBef>
-                <a:spcPts val="725"/>
+                <a:spcPts val="700"/>
               </a:spcBef>
-              <a:buSzPct val="85000"/>
-              <a:buFont typeface="Monotype Sorts" charset="2"/>
-              <a:buChar char=""/>
             </a:pPr>
             <a:r>
-              <a:rPr lang="en-GB" altLang="en-US" dirty="0">
+              <a:rPr lang="en-GB" altLang="en-US" sz="2800" dirty="0">
                 <a:solidFill>
                   <a:srgbClr val="000000"/>
                 </a:solidFill>
               </a:rPr>
-              <a:t>Become familiar with basic programming</a:t>
+              <a:t>See the course website:</a:t>
             </a:r>
           </a:p>
           <a:p>
-            <a:pPr lvl="1">
-              <a:lnSpc>
-                <a:spcPct val="80000"/>
+            <a:pPr>
+              <a:lnSpc>
+                <a:spcPct val="90000"/>
               </a:lnSpc>
               <a:spcBef>
-                <a:spcPts val="625"/>
+                <a:spcPts val="700"/>
               </a:spcBef>
-              <a:buSzPct val="70000"/>
-              <a:buFont typeface="Monotype Sorts" charset="2"/>
-              <a:buChar char=""/>
             </a:pPr>
             <a:r>
-              <a:rPr lang="en-GB" altLang="en-US" sz="2000" i="1" dirty="0">
+              <a:rPr lang="en-GB" altLang="en-US" sz="2800" dirty="0">
                 <a:solidFill>
                   <a:srgbClr val="000000"/>
                 </a:solidFill>
+                <a:hlinkClick r:id="rId3"/>
               </a:rPr>
-              <a:t>Note: you must demonstrate by the end of the course that you have acquired rudimentary programming skills to be successful in ITM352</a:t>
-            </a:r>
-          </a:p>
-          <a:p>
-            <a:pPr marL="457200" lvl="1" indent="0">
-              <a:lnSpc>
-                <a:spcPct val="80000"/>
-              </a:lnSpc>
-              <a:spcBef>
-                <a:spcPts val="625"/>
-              </a:spcBef>
-              <a:buSzPct val="70000"/>
-            </a:pPr>
-            <a:endParaRPr lang="en-GB" altLang="en-US" sz="900" b="1" dirty="0">
+              <a:t>https://dport96.github.io/ITM352/schedule/#</a:t>
+            </a:r>
+            <a:endParaRPr lang="en-GB" altLang="en-US" sz="2800" dirty="0">
               <a:solidFill>
                 <a:srgbClr val="000000"/>
               </a:solidFill>
@@ -17328,58 +18567,13 @@
           <a:p>
             <a:pPr>
               <a:lnSpc>
-                <a:spcPct val="80000"/>
+                <a:spcPct val="90000"/>
               </a:lnSpc>
               <a:spcBef>
-                <a:spcPts val="725"/>
+                <a:spcPts val="700"/>
               </a:spcBef>
-              <a:buSzPct val="85000"/>
-              <a:buFont typeface="Monotype Sorts" charset="2"/>
-              <a:buChar char=""/>
             </a:pPr>
-            <a:r>
-              <a:rPr lang="en-GB" altLang="en-US" dirty="0">
-                <a:solidFill>
-                  <a:srgbClr val="000000"/>
-                </a:solidFill>
-              </a:rPr>
-              <a:t>Understand basic systems development concepts, technology solutions, development management</a:t>
-            </a:r>
-          </a:p>
-          <a:p>
-            <a:pPr lvl="1">
-              <a:lnSpc>
-                <a:spcPct val="80000"/>
-              </a:lnSpc>
-              <a:spcBef>
-                <a:spcPts val="625"/>
-              </a:spcBef>
-              <a:buSzPct val="70000"/>
-              <a:buFont typeface="Monotype Sorts" charset="2"/>
-              <a:buChar char=""/>
-            </a:pPr>
-            <a:r>
-              <a:rPr lang="en-GB" altLang="en-US" sz="2000" i="1" dirty="0">
-                <a:solidFill>
-                  <a:srgbClr val="000000"/>
-                </a:solidFill>
-              </a:rPr>
-              <a:t>You will learn more on this in ITM 353</a:t>
-            </a:r>
-          </a:p>
-          <a:p>
-            <a:pPr lvl="1">
-              <a:lnSpc>
-                <a:spcPct val="80000"/>
-              </a:lnSpc>
-              <a:spcBef>
-                <a:spcPts val="625"/>
-              </a:spcBef>
-              <a:buSzPct val="70000"/>
-              <a:buFont typeface="Monotype Sorts" charset="2"/>
-              <a:buChar char=""/>
-            </a:pPr>
-            <a:endParaRPr lang="en-GB" altLang="en-US" sz="1050" i="1" dirty="0">
+            <a:endParaRPr lang="en-GB" altLang="en-US" sz="2800" dirty="0">
               <a:solidFill>
                 <a:srgbClr val="000000"/>
               </a:solidFill>
@@ -17388,82 +18582,70 @@
           <a:p>
             <a:pPr>
               <a:lnSpc>
-                <a:spcPct val="80000"/>
+                <a:spcPct val="90000"/>
               </a:lnSpc>
               <a:spcBef>
-                <a:spcPts val="725"/>
+                <a:spcPts val="700"/>
               </a:spcBef>
-              <a:buSzPct val="85000"/>
-              <a:buFont typeface="Monotype Sorts" charset="2"/>
-              <a:buChar char=""/>
             </a:pPr>
             <a:r>
-              <a:rPr lang="en-GB" altLang="en-US" dirty="0">
+              <a:rPr lang="en-GB" altLang="en-US" sz="2800" dirty="0">
                 <a:solidFill>
                   <a:srgbClr val="000000"/>
                 </a:solidFill>
               </a:rPr>
-              <a:t>Getting “under the hood” of web applications</a:t>
+              <a:t>In particular, pay attention to:</a:t>
             </a:r>
           </a:p>
           <a:p>
-            <a:pPr lvl="1">
-              <a:lnSpc>
-                <a:spcPct val="80000"/>
+            <a:pPr>
+              <a:lnSpc>
+                <a:spcPct val="90000"/>
               </a:lnSpc>
               <a:spcBef>
-                <a:spcPts val="625"/>
+                <a:spcPts val="500"/>
               </a:spcBef>
-              <a:buSzPct val="70000"/>
-              <a:buFont typeface="Monotype Sorts" charset="2"/>
-              <a:buChar char=""/>
             </a:pPr>
             <a:r>
-              <a:rPr lang="en-GB" altLang="en-US" sz="2000" i="1" dirty="0">
+              <a:rPr lang="en-GB" altLang="en-US" sz="2800" dirty="0">
                 <a:solidFill>
                   <a:srgbClr val="000000"/>
                 </a:solidFill>
+                <a:hlinkClick r:id="rId4"/>
               </a:rPr>
-              <a:t>Not just programming, but networks, client-server architectures, components, frameworks, configuration, security, user interface design, database, system quality, match to use, testing, maintenance, …</a:t>
-            </a:r>
-          </a:p>
-          <a:p>
-            <a:pPr lvl="1">
-              <a:lnSpc>
-                <a:spcPct val="80000"/>
-              </a:lnSpc>
-              <a:spcBef>
-                <a:spcPts val="625"/>
-              </a:spcBef>
-              <a:buSzPct val="70000"/>
-              <a:buFont typeface="Monotype Sorts" charset="2"/>
-              <a:buChar char=""/>
-            </a:pPr>
-            <a:r>
-              <a:rPr lang="en-GB" altLang="en-US" sz="2000" i="1" dirty="0">
-                <a:solidFill>
-                  <a:srgbClr val="000000"/>
-                </a:solidFill>
-              </a:rPr>
-              <a:t>You will go into depth for many of these topics in later MIS courses (database -  ITM 354, security - ITM 481)</a:t>
-            </a:r>
-            <a:endParaRPr lang="en-GB" altLang="en-US" dirty="0">
+              <a:t>https://dport96.github.io/ITM352/modules/</a:t>
+            </a:r>
+            <a:endParaRPr lang="en-GB" altLang="en-US" sz="2800" dirty="0">
               <a:solidFill>
                 <a:srgbClr val="000000"/>
               </a:solidFill>
             </a:endParaRPr>
           </a:p>
           <a:p>
-            <a:pPr marL="0" indent="0">
-              <a:lnSpc>
-                <a:spcPct val="80000"/>
+            <a:pPr>
+              <a:lnSpc>
+                <a:spcPct val="90000"/>
               </a:lnSpc>
               <a:spcBef>
-                <a:spcPts val="625"/>
+                <a:spcPts val="500"/>
               </a:spcBef>
-              <a:buSzPct val="70000"/>
             </a:pPr>
-            <a:endParaRPr lang="en-GB" altLang="en-US" sz="2900" dirty="0">
+            <a:endParaRPr lang="en-GB" altLang="en-US" sz="2000" dirty="0">
+              <a:solidFill>
+                <a:srgbClr val="000000"/>
+              </a:solidFill>
+            </a:endParaRPr>
+          </a:p>
+          <a:p>
+            <a:pPr algn="ctr">
+              <a:lnSpc>
+                <a:spcPct val="90000"/>
+              </a:lnSpc>
+              <a:spcBef>
+                <a:spcPts val="1350"/>
+              </a:spcBef>
+            </a:pPr>
+            <a:endParaRPr lang="en-GB" altLang="en-US" sz="5400" dirty="0">
               <a:solidFill>
                 <a:srgbClr val="000000"/>
               </a:solidFill>
@@ -17526,10 +18708,10 @@
       </p:grpSpPr>
       <p:sp>
         <p:nvSpPr>
-          <p:cNvPr id="22530" name="Text Box 1">
+          <p:cNvPr id="24578" name="Text Box 1">
             <a:extLst>
               <a:ext uri="{FF2B5EF4-FFF2-40B4-BE49-F238E27FC236}">
-                <a16:creationId xmlns:a16="http://schemas.microsoft.com/office/drawing/2014/main" id="{9FCD7736-8BEA-48A9-8004-4435A6BE93FE}"/>
+                <a16:creationId xmlns:a16="http://schemas.microsoft.com/office/drawing/2014/main" id="{B51AE20E-9B4E-4C4F-9142-6EE75D141100}"/>
               </a:ext>
             </a:extLst>
           </p:cNvPr>
@@ -17540,7 +18722,7 @@
         </p:nvSpPr>
         <p:spPr bwMode="auto">
           <a:xfrm>
-            <a:off x="685800" y="381000"/>
+            <a:off x="685800" y="228600"/>
             <a:ext cx="7772400" cy="1143000"/>
           </a:xfrm>
           <a:prstGeom prst="rect">
@@ -17970,17 +19152,17 @@
                   <a:srgbClr val="221304"/>
                 </a:solidFill>
               </a:rPr>
-              <a:t>Not-Brief Syllabus</a:t>
+              <a:t>Requirements</a:t>
             </a:r>
           </a:p>
         </p:txBody>
       </p:sp>
       <p:sp>
         <p:nvSpPr>
-          <p:cNvPr id="22531" name="Text Box 2">
+          <p:cNvPr id="24579" name="Text Box 2">
             <a:extLst>
               <a:ext uri="{FF2B5EF4-FFF2-40B4-BE49-F238E27FC236}">
-                <a16:creationId xmlns:a16="http://schemas.microsoft.com/office/drawing/2014/main" id="{34D93B28-FEFB-4C6D-8243-DCADD73796C2}"/>
+                <a16:creationId xmlns:a16="http://schemas.microsoft.com/office/drawing/2014/main" id="{AB05B735-DB42-40F5-8FA8-2C7BB326E99F}"/>
               </a:ext>
             </a:extLst>
           </p:cNvPr>
@@ -17991,8 +19173,8 @@
         </p:nvSpPr>
         <p:spPr bwMode="auto">
           <a:xfrm>
-            <a:off x="190500" y="1524000"/>
-            <a:ext cx="8763000" cy="4524375"/>
+            <a:off x="685800" y="1295400"/>
+            <a:ext cx="7772400" cy="4648200"/>
           </a:xfrm>
           <a:prstGeom prst="rect">
             <a:avLst/>
@@ -18024,36 +19206,36 @@
         <p:txBody>
           <a:bodyPr lIns="90360" tIns="44280" rIns="90360" bIns="44280"/>
           <a:lstStyle>
-            <a:lvl1pPr>
-              <a:lnSpc>
-                <a:spcPct val="86000"/>
-              </a:lnSpc>
-              <a:buClr>
-                <a:srgbClr val="000000"/>
-              </a:buClr>
-              <a:buSzPct val="100000"/>
-              <a:buFont typeface="Times New Roman" panose="02020603050405020304" pitchFamily="18" charset="0"/>
-              <a:tabLst>
-                <a:tab pos="455613" algn="l"/>
-                <a:tab pos="912813" algn="l"/>
-                <a:tab pos="1370013" algn="l"/>
-                <a:tab pos="1827213" algn="l"/>
-                <a:tab pos="2284413" algn="l"/>
-                <a:tab pos="2741613" algn="l"/>
-                <a:tab pos="3198813" algn="l"/>
-                <a:tab pos="3656013" algn="l"/>
-                <a:tab pos="4113213" algn="l"/>
-                <a:tab pos="4570413" algn="l"/>
-                <a:tab pos="5027613" algn="l"/>
-                <a:tab pos="5484813" algn="l"/>
-                <a:tab pos="5942013" algn="l"/>
-                <a:tab pos="6399213" algn="l"/>
-                <a:tab pos="6856413" algn="l"/>
-                <a:tab pos="7313613" algn="l"/>
-                <a:tab pos="7770813" algn="l"/>
-                <a:tab pos="8228013" algn="l"/>
-                <a:tab pos="8685213" algn="l"/>
-                <a:tab pos="9142413" algn="l"/>
+            <a:lvl1pPr marL="336550" indent="-336550">
+              <a:lnSpc>
+                <a:spcPct val="86000"/>
+              </a:lnSpc>
+              <a:buClr>
+                <a:srgbClr val="000000"/>
+              </a:buClr>
+              <a:buSzPct val="100000"/>
+              <a:buFont typeface="Times New Roman" panose="02020603050405020304" pitchFamily="18" charset="0"/>
+              <a:tabLst>
+                <a:tab pos="454025" algn="l"/>
+                <a:tab pos="911225" algn="l"/>
+                <a:tab pos="1368425" algn="l"/>
+                <a:tab pos="1825625" algn="l"/>
+                <a:tab pos="2282825" algn="l"/>
+                <a:tab pos="2740025" algn="l"/>
+                <a:tab pos="3197225" algn="l"/>
+                <a:tab pos="3654425" algn="l"/>
+                <a:tab pos="4111625" algn="l"/>
+                <a:tab pos="4568825" algn="l"/>
+                <a:tab pos="5026025" algn="l"/>
+                <a:tab pos="5483225" algn="l"/>
+                <a:tab pos="5940425" algn="l"/>
+                <a:tab pos="6397625" algn="l"/>
+                <a:tab pos="6854825" algn="l"/>
+                <a:tab pos="7312025" algn="l"/>
+                <a:tab pos="7769225" algn="l"/>
+                <a:tab pos="8226425" algn="l"/>
+                <a:tab pos="8683625" algn="l"/>
+                <a:tab pos="9140825" algn="l"/>
               </a:tabLst>
               <a:defRPr sz="2400">
                 <a:solidFill>
@@ -18063,36 +19245,36 @@
                 <a:ea typeface="MS PGothic" panose="020B0600070205080204" pitchFamily="34" charset="-128"/>
               </a:defRPr>
             </a:lvl1pPr>
-            <a:lvl2pPr>
-              <a:lnSpc>
-                <a:spcPct val="86000"/>
-              </a:lnSpc>
-              <a:buClr>
-                <a:srgbClr val="000000"/>
-              </a:buClr>
-              <a:buSzPct val="100000"/>
-              <a:buFont typeface="Times New Roman" panose="02020603050405020304" pitchFamily="18" charset="0"/>
-              <a:tabLst>
-                <a:tab pos="455613" algn="l"/>
-                <a:tab pos="912813" algn="l"/>
-                <a:tab pos="1370013" algn="l"/>
-                <a:tab pos="1827213" algn="l"/>
-                <a:tab pos="2284413" algn="l"/>
-                <a:tab pos="2741613" algn="l"/>
-                <a:tab pos="3198813" algn="l"/>
-                <a:tab pos="3656013" algn="l"/>
-                <a:tab pos="4113213" algn="l"/>
-                <a:tab pos="4570413" algn="l"/>
-                <a:tab pos="5027613" algn="l"/>
-                <a:tab pos="5484813" algn="l"/>
-                <a:tab pos="5942013" algn="l"/>
-                <a:tab pos="6399213" algn="l"/>
-                <a:tab pos="6856413" algn="l"/>
-                <a:tab pos="7313613" algn="l"/>
-                <a:tab pos="7770813" algn="l"/>
-                <a:tab pos="8228013" algn="l"/>
-                <a:tab pos="8685213" algn="l"/>
-                <a:tab pos="9142413" algn="l"/>
+            <a:lvl2pPr marL="736600" indent="-279400">
+              <a:lnSpc>
+                <a:spcPct val="86000"/>
+              </a:lnSpc>
+              <a:buClr>
+                <a:srgbClr val="000000"/>
+              </a:buClr>
+              <a:buSzPct val="100000"/>
+              <a:buFont typeface="Times New Roman" panose="02020603050405020304" pitchFamily="18" charset="0"/>
+              <a:tabLst>
+                <a:tab pos="454025" algn="l"/>
+                <a:tab pos="911225" algn="l"/>
+                <a:tab pos="1368425" algn="l"/>
+                <a:tab pos="1825625" algn="l"/>
+                <a:tab pos="2282825" algn="l"/>
+                <a:tab pos="2740025" algn="l"/>
+                <a:tab pos="3197225" algn="l"/>
+                <a:tab pos="3654425" algn="l"/>
+                <a:tab pos="4111625" algn="l"/>
+                <a:tab pos="4568825" algn="l"/>
+                <a:tab pos="5026025" algn="l"/>
+                <a:tab pos="5483225" algn="l"/>
+                <a:tab pos="5940425" algn="l"/>
+                <a:tab pos="6397625" algn="l"/>
+                <a:tab pos="6854825" algn="l"/>
+                <a:tab pos="7312025" algn="l"/>
+                <a:tab pos="7769225" algn="l"/>
+                <a:tab pos="8226425" algn="l"/>
+                <a:tab pos="8683625" algn="l"/>
+                <a:tab pos="9140825" algn="l"/>
               </a:tabLst>
               <a:defRPr sz="2400">
                 <a:solidFill>
@@ -18112,26 +19294,26 @@
               <a:buSzPct val="100000"/>
               <a:buFont typeface="Times New Roman" panose="02020603050405020304" pitchFamily="18" charset="0"/>
               <a:tabLst>
-                <a:tab pos="455613" algn="l"/>
-                <a:tab pos="912813" algn="l"/>
-                <a:tab pos="1370013" algn="l"/>
-                <a:tab pos="1827213" algn="l"/>
-                <a:tab pos="2284413" algn="l"/>
-                <a:tab pos="2741613" algn="l"/>
-                <a:tab pos="3198813" algn="l"/>
-                <a:tab pos="3656013" algn="l"/>
-                <a:tab pos="4113213" algn="l"/>
-                <a:tab pos="4570413" algn="l"/>
-                <a:tab pos="5027613" algn="l"/>
-                <a:tab pos="5484813" algn="l"/>
-                <a:tab pos="5942013" algn="l"/>
-                <a:tab pos="6399213" algn="l"/>
-                <a:tab pos="6856413" algn="l"/>
-                <a:tab pos="7313613" algn="l"/>
-                <a:tab pos="7770813" algn="l"/>
-                <a:tab pos="8228013" algn="l"/>
-                <a:tab pos="8685213" algn="l"/>
-                <a:tab pos="9142413" algn="l"/>
+                <a:tab pos="454025" algn="l"/>
+                <a:tab pos="911225" algn="l"/>
+                <a:tab pos="1368425" algn="l"/>
+                <a:tab pos="1825625" algn="l"/>
+                <a:tab pos="2282825" algn="l"/>
+                <a:tab pos="2740025" algn="l"/>
+                <a:tab pos="3197225" algn="l"/>
+                <a:tab pos="3654425" algn="l"/>
+                <a:tab pos="4111625" algn="l"/>
+                <a:tab pos="4568825" algn="l"/>
+                <a:tab pos="5026025" algn="l"/>
+                <a:tab pos="5483225" algn="l"/>
+                <a:tab pos="5940425" algn="l"/>
+                <a:tab pos="6397625" algn="l"/>
+                <a:tab pos="6854825" algn="l"/>
+                <a:tab pos="7312025" algn="l"/>
+                <a:tab pos="7769225" algn="l"/>
+                <a:tab pos="8226425" algn="l"/>
+                <a:tab pos="8683625" algn="l"/>
+                <a:tab pos="9140825" algn="l"/>
               </a:tabLst>
               <a:defRPr sz="2400">
                 <a:solidFill>
@@ -18151,26 +19333,26 @@
               <a:buSzPct val="100000"/>
               <a:buFont typeface="Times New Roman" panose="02020603050405020304" pitchFamily="18" charset="0"/>
               <a:tabLst>
-                <a:tab pos="455613" algn="l"/>
-                <a:tab pos="912813" algn="l"/>
-                <a:tab pos="1370013" algn="l"/>
-                <a:tab pos="1827213" algn="l"/>
-                <a:tab pos="2284413" algn="l"/>
-                <a:tab pos="2741613" algn="l"/>
-                <a:tab pos="3198813" algn="l"/>
-                <a:tab pos="3656013" algn="l"/>
-                <a:tab pos="4113213" algn="l"/>
-                <a:tab pos="4570413" algn="l"/>
-                <a:tab pos="5027613" algn="l"/>
-                <a:tab pos="5484813" algn="l"/>
-                <a:tab pos="5942013" algn="l"/>
-                <a:tab pos="6399213" algn="l"/>
-                <a:tab pos="6856413" algn="l"/>
-                <a:tab pos="7313613" algn="l"/>
-                <a:tab pos="7770813" algn="l"/>
-                <a:tab pos="8228013" algn="l"/>
-                <a:tab pos="8685213" algn="l"/>
-                <a:tab pos="9142413" algn="l"/>
+                <a:tab pos="454025" algn="l"/>
+                <a:tab pos="911225" algn="l"/>
+                <a:tab pos="1368425" algn="l"/>
+                <a:tab pos="1825625" algn="l"/>
+                <a:tab pos="2282825" algn="l"/>
+                <a:tab pos="2740025" algn="l"/>
+                <a:tab pos="3197225" algn="l"/>
+                <a:tab pos="3654425" algn="l"/>
+                <a:tab pos="4111625" algn="l"/>
+                <a:tab pos="4568825" algn="l"/>
+                <a:tab pos="5026025" algn="l"/>
+                <a:tab pos="5483225" algn="l"/>
+                <a:tab pos="5940425" algn="l"/>
+                <a:tab pos="6397625" algn="l"/>
+                <a:tab pos="6854825" algn="l"/>
+                <a:tab pos="7312025" algn="l"/>
+                <a:tab pos="7769225" algn="l"/>
+                <a:tab pos="8226425" algn="l"/>
+                <a:tab pos="8683625" algn="l"/>
+                <a:tab pos="9140825" algn="l"/>
               </a:tabLst>
               <a:defRPr sz="2400">
                 <a:solidFill>
@@ -18190,26 +19372,26 @@
               <a:buSzPct val="100000"/>
               <a:buFont typeface="Times New Roman" panose="02020603050405020304" pitchFamily="18" charset="0"/>
               <a:tabLst>
-                <a:tab pos="455613" algn="l"/>
-                <a:tab pos="912813" algn="l"/>
-                <a:tab pos="1370013" algn="l"/>
-                <a:tab pos="1827213" algn="l"/>
-                <a:tab pos="2284413" algn="l"/>
-                <a:tab pos="2741613" algn="l"/>
-                <a:tab pos="3198813" algn="l"/>
-                <a:tab pos="3656013" algn="l"/>
-                <a:tab pos="4113213" algn="l"/>
-                <a:tab pos="4570413" algn="l"/>
-                <a:tab pos="5027613" algn="l"/>
-                <a:tab pos="5484813" algn="l"/>
-                <a:tab pos="5942013" algn="l"/>
-                <a:tab pos="6399213" algn="l"/>
-                <a:tab pos="6856413" algn="l"/>
-                <a:tab pos="7313613" algn="l"/>
-                <a:tab pos="7770813" algn="l"/>
-                <a:tab pos="8228013" algn="l"/>
-                <a:tab pos="8685213" algn="l"/>
-                <a:tab pos="9142413" algn="l"/>
+                <a:tab pos="454025" algn="l"/>
+                <a:tab pos="911225" algn="l"/>
+                <a:tab pos="1368425" algn="l"/>
+                <a:tab pos="1825625" algn="l"/>
+                <a:tab pos="2282825" algn="l"/>
+                <a:tab pos="2740025" algn="l"/>
+                <a:tab pos="3197225" algn="l"/>
+                <a:tab pos="3654425" algn="l"/>
+                <a:tab pos="4111625" algn="l"/>
+                <a:tab pos="4568825" algn="l"/>
+                <a:tab pos="5026025" algn="l"/>
+                <a:tab pos="5483225" algn="l"/>
+                <a:tab pos="5940425" algn="l"/>
+                <a:tab pos="6397625" algn="l"/>
+                <a:tab pos="6854825" algn="l"/>
+                <a:tab pos="7312025" algn="l"/>
+                <a:tab pos="7769225" algn="l"/>
+                <a:tab pos="8226425" algn="l"/>
+                <a:tab pos="8683625" algn="l"/>
+                <a:tab pos="9140825" algn="l"/>
               </a:tabLst>
               <a:defRPr sz="2400">
                 <a:solidFill>
@@ -18235,26 +19417,26 @@
               <a:buSzPct val="100000"/>
               <a:buFont typeface="Times New Roman" panose="02020603050405020304" pitchFamily="18" charset="0"/>
               <a:tabLst>
-                <a:tab pos="455613" algn="l"/>
-                <a:tab pos="912813" algn="l"/>
-                <a:tab pos="1370013" algn="l"/>
-                <a:tab pos="1827213" algn="l"/>
-                <a:tab pos="2284413" algn="l"/>
-                <a:tab pos="2741613" algn="l"/>
-                <a:tab pos="3198813" algn="l"/>
-                <a:tab pos="3656013" algn="l"/>
-                <a:tab pos="4113213" algn="l"/>
-                <a:tab pos="4570413" algn="l"/>
-                <a:tab pos="5027613" algn="l"/>
-                <a:tab pos="5484813" algn="l"/>
-                <a:tab pos="5942013" algn="l"/>
-                <a:tab pos="6399213" algn="l"/>
-                <a:tab pos="6856413" algn="l"/>
-                <a:tab pos="7313613" algn="l"/>
-                <a:tab pos="7770813" algn="l"/>
-                <a:tab pos="8228013" algn="l"/>
-                <a:tab pos="8685213" algn="l"/>
-                <a:tab pos="9142413" algn="l"/>
+                <a:tab pos="454025" algn="l"/>
+                <a:tab pos="911225" algn="l"/>
+                <a:tab pos="1368425" algn="l"/>
+                <a:tab pos="1825625" algn="l"/>
+                <a:tab pos="2282825" algn="l"/>
+                <a:tab pos="2740025" algn="l"/>
+                <a:tab pos="3197225" algn="l"/>
+                <a:tab pos="3654425" algn="l"/>
+                <a:tab pos="4111625" algn="l"/>
+                <a:tab pos="4568825" algn="l"/>
+                <a:tab pos="5026025" algn="l"/>
+                <a:tab pos="5483225" algn="l"/>
+                <a:tab pos="5940425" algn="l"/>
+                <a:tab pos="6397625" algn="l"/>
+                <a:tab pos="6854825" algn="l"/>
+                <a:tab pos="7312025" algn="l"/>
+                <a:tab pos="7769225" algn="l"/>
+                <a:tab pos="8226425" algn="l"/>
+                <a:tab pos="8683625" algn="l"/>
+                <a:tab pos="9140825" algn="l"/>
               </a:tabLst>
               <a:defRPr sz="2400">
                 <a:solidFill>
@@ -18280,26 +19462,26 @@
               <a:buSzPct val="100000"/>
               <a:buFont typeface="Times New Roman" panose="02020603050405020304" pitchFamily="18" charset="0"/>
               <a:tabLst>
-                <a:tab pos="455613" algn="l"/>
-                <a:tab pos="912813" algn="l"/>
-                <a:tab pos="1370013" algn="l"/>
-                <a:tab pos="1827213" algn="l"/>
-                <a:tab pos="2284413" algn="l"/>
-                <a:tab pos="2741613" algn="l"/>
-                <a:tab pos="3198813" algn="l"/>
-                <a:tab pos="3656013" algn="l"/>
-                <a:tab pos="4113213" algn="l"/>
-                <a:tab pos="4570413" algn="l"/>
-                <a:tab pos="5027613" algn="l"/>
-                <a:tab pos="5484813" algn="l"/>
-                <a:tab pos="5942013" algn="l"/>
-                <a:tab pos="6399213" algn="l"/>
-                <a:tab pos="6856413" algn="l"/>
-                <a:tab pos="7313613" algn="l"/>
-                <a:tab pos="7770813" algn="l"/>
-                <a:tab pos="8228013" algn="l"/>
-                <a:tab pos="8685213" algn="l"/>
-                <a:tab pos="9142413" algn="l"/>
+                <a:tab pos="454025" algn="l"/>
+                <a:tab pos="911225" algn="l"/>
+                <a:tab pos="1368425" algn="l"/>
+                <a:tab pos="1825625" algn="l"/>
+                <a:tab pos="2282825" algn="l"/>
+                <a:tab pos="2740025" algn="l"/>
+                <a:tab pos="3197225" algn="l"/>
+                <a:tab pos="3654425" algn="l"/>
+                <a:tab pos="4111625" algn="l"/>
+                <a:tab pos="4568825" algn="l"/>
+                <a:tab pos="5026025" algn="l"/>
+                <a:tab pos="5483225" algn="l"/>
+                <a:tab pos="5940425" algn="l"/>
+                <a:tab pos="6397625" algn="l"/>
+                <a:tab pos="6854825" algn="l"/>
+                <a:tab pos="7312025" algn="l"/>
+                <a:tab pos="7769225" algn="l"/>
+                <a:tab pos="8226425" algn="l"/>
+                <a:tab pos="8683625" algn="l"/>
+                <a:tab pos="9140825" algn="l"/>
               </a:tabLst>
               <a:defRPr sz="2400">
                 <a:solidFill>
@@ -18325,26 +19507,26 @@
               <a:buSzPct val="100000"/>
               <a:buFont typeface="Times New Roman" panose="02020603050405020304" pitchFamily="18" charset="0"/>
               <a:tabLst>
-                <a:tab pos="455613" algn="l"/>
-                <a:tab pos="912813" algn="l"/>
-                <a:tab pos="1370013" algn="l"/>
-                <a:tab pos="1827213" algn="l"/>
-                <a:tab pos="2284413" algn="l"/>
-                <a:tab pos="2741613" algn="l"/>
-                <a:tab pos="3198813" algn="l"/>
-                <a:tab pos="3656013" algn="l"/>
-                <a:tab pos="4113213" algn="l"/>
-                <a:tab pos="4570413" algn="l"/>
-                <a:tab pos="5027613" algn="l"/>
-                <a:tab pos="5484813" algn="l"/>
-                <a:tab pos="5942013" algn="l"/>
-                <a:tab pos="6399213" algn="l"/>
-                <a:tab pos="6856413" algn="l"/>
-                <a:tab pos="7313613" algn="l"/>
-                <a:tab pos="7770813" algn="l"/>
-                <a:tab pos="8228013" algn="l"/>
-                <a:tab pos="8685213" algn="l"/>
-                <a:tab pos="9142413" algn="l"/>
+                <a:tab pos="454025" algn="l"/>
+                <a:tab pos="911225" algn="l"/>
+                <a:tab pos="1368425" algn="l"/>
+                <a:tab pos="1825625" algn="l"/>
+                <a:tab pos="2282825" algn="l"/>
+                <a:tab pos="2740025" algn="l"/>
+                <a:tab pos="3197225" algn="l"/>
+                <a:tab pos="3654425" algn="l"/>
+                <a:tab pos="4111625" algn="l"/>
+                <a:tab pos="4568825" algn="l"/>
+                <a:tab pos="5026025" algn="l"/>
+                <a:tab pos="5483225" algn="l"/>
+                <a:tab pos="5940425" algn="l"/>
+                <a:tab pos="6397625" algn="l"/>
+                <a:tab pos="6854825" algn="l"/>
+                <a:tab pos="7312025" algn="l"/>
+                <a:tab pos="7769225" algn="l"/>
+                <a:tab pos="8226425" algn="l"/>
+                <a:tab pos="8683625" algn="l"/>
+                <a:tab pos="9140825" algn="l"/>
               </a:tabLst>
               <a:defRPr sz="2400">
                 <a:solidFill>
@@ -18370,26 +19552,26 @@
               <a:buSzPct val="100000"/>
               <a:buFont typeface="Times New Roman" panose="02020603050405020304" pitchFamily="18" charset="0"/>
               <a:tabLst>
-                <a:tab pos="455613" algn="l"/>
-                <a:tab pos="912813" algn="l"/>
-                <a:tab pos="1370013" algn="l"/>
-                <a:tab pos="1827213" algn="l"/>
-                <a:tab pos="2284413" algn="l"/>
-                <a:tab pos="2741613" algn="l"/>
-                <a:tab pos="3198813" algn="l"/>
-                <a:tab pos="3656013" algn="l"/>
-                <a:tab pos="4113213" algn="l"/>
-                <a:tab pos="4570413" algn="l"/>
-                <a:tab pos="5027613" algn="l"/>
-                <a:tab pos="5484813" algn="l"/>
-                <a:tab pos="5942013" algn="l"/>
-                <a:tab pos="6399213" algn="l"/>
-                <a:tab pos="6856413" algn="l"/>
-                <a:tab pos="7313613" algn="l"/>
-                <a:tab pos="7770813" algn="l"/>
-                <a:tab pos="8228013" algn="l"/>
-                <a:tab pos="8685213" algn="l"/>
-                <a:tab pos="9142413" algn="l"/>
+                <a:tab pos="454025" algn="l"/>
+                <a:tab pos="911225" algn="l"/>
+                <a:tab pos="1368425" algn="l"/>
+                <a:tab pos="1825625" algn="l"/>
+                <a:tab pos="2282825" algn="l"/>
+                <a:tab pos="2740025" algn="l"/>
+                <a:tab pos="3197225" algn="l"/>
+                <a:tab pos="3654425" algn="l"/>
+                <a:tab pos="4111625" algn="l"/>
+                <a:tab pos="4568825" algn="l"/>
+                <a:tab pos="5026025" algn="l"/>
+                <a:tab pos="5483225" algn="l"/>
+                <a:tab pos="5940425" algn="l"/>
+                <a:tab pos="6397625" algn="l"/>
+                <a:tab pos="6854825" algn="l"/>
+                <a:tab pos="7312025" algn="l"/>
+                <a:tab pos="7769225" algn="l"/>
+                <a:tab pos="8226425" algn="l"/>
+                <a:tab pos="8683625" algn="l"/>
+                <a:tab pos="9140825" algn="l"/>
               </a:tabLst>
               <a:defRPr sz="2400">
                 <a:solidFill>
@@ -18403,40 +19585,65 @@
           <a:p>
             <a:pPr>
               <a:lnSpc>
-                <a:spcPct val="90000"/>
+                <a:spcPct val="100000"/>
               </a:lnSpc>
               <a:spcBef>
                 <a:spcPts val="700"/>
               </a:spcBef>
+              <a:buSzPct val="85000"/>
+              <a:buFont typeface="Monotype Sorts" charset="2"/>
+              <a:buChar char=""/>
             </a:pPr>
             <a:r>
-              <a:rPr lang="en-GB" altLang="en-US" sz="2800" dirty="0">
+              <a:rPr lang="en-GB" altLang="en-US" sz="2000" dirty="0">
                 <a:solidFill>
                   <a:srgbClr val="000000"/>
                 </a:solidFill>
               </a:rPr>
-              <a:t>See the course website:</a:t>
+              <a:t>Textbooks:</a:t>
             </a:r>
           </a:p>
           <a:p>
-            <a:pPr>
-              <a:lnSpc>
-                <a:spcPct val="90000"/>
+            <a:pPr lvl="1">
+              <a:lnSpc>
+                <a:spcPct val="100000"/>
               </a:lnSpc>
               <a:spcBef>
-                <a:spcPts val="700"/>
+                <a:spcPts val="600"/>
               </a:spcBef>
+              <a:buSzPct val="70000"/>
+              <a:buFont typeface="Monotype Sorts" charset="2"/>
+              <a:buChar char=""/>
             </a:pPr>
             <a:r>
-              <a:rPr lang="en-GB" altLang="en-US" sz="2800" dirty="0">
+              <a:rPr lang="en-GB" altLang="en-US" sz="1800" dirty="0">
+                <a:solidFill>
+                  <a:srgbClr val="000000"/>
+                </a:solidFill>
+              </a:rPr>
+              <a:t>No required book, but some references you will want to use are</a:t>
+            </a:r>
+          </a:p>
+          <a:p>
+            <a:pPr marL="457200" lvl="1" indent="0">
+              <a:lnSpc>
+                <a:spcPct val="100000"/>
+              </a:lnSpc>
+              <a:spcBef>
+                <a:spcPts val="600"/>
+              </a:spcBef>
+              <a:buSzPct val="70000"/>
+            </a:pPr>
+            <a:r>
+              <a:rPr lang="en-GB" altLang="en-US" sz="1600" dirty="0">
                 <a:solidFill>
                   <a:srgbClr val="000000"/>
                 </a:solidFill>
                 <a:hlinkClick r:id="rId3"/>
               </a:rPr>
-              <a:t>https://dport96.github.io/ITM352/schedule/#</a:t>
-            </a:r>
-            <a:endParaRPr lang="en-GB" altLang="en-US" sz="2800" dirty="0">
+              <a:t>https://dport96.github.io/ITM352/morea/010.introduction/reading-references.html</a:t>
+            </a:r>
+            <a:endParaRPr lang="en-GB" altLang="en-US" sz="1100" dirty="0">
               <a:solidFill>
                 <a:srgbClr val="000000"/>
               </a:solidFill>
@@ -18445,89 +19652,250 @@
           <a:p>
             <a:pPr>
               <a:lnSpc>
-                <a:spcPct val="90000"/>
+                <a:spcPct val="100000"/>
               </a:lnSpc>
               <a:spcBef>
                 <a:spcPts val="700"/>
               </a:spcBef>
+              <a:buSzPct val="85000"/>
+              <a:buFont typeface="Monotype Sorts" charset="2"/>
+              <a:buChar char=""/>
             </a:pPr>
-            <a:endParaRPr lang="en-GB" altLang="en-US" sz="2800" dirty="0">
+            <a:r>
+              <a:rPr lang="en-GB" altLang="en-US" sz="2000" dirty="0">
+                <a:solidFill>
+                  <a:srgbClr val="000000"/>
+                </a:solidFill>
+              </a:rPr>
+              <a:t>Software needed:</a:t>
+            </a:r>
+          </a:p>
+          <a:p>
+            <a:pPr lvl="1">
+              <a:lnSpc>
+                <a:spcPct val="100000"/>
+              </a:lnSpc>
+              <a:spcBef>
+                <a:spcPts val="600"/>
+              </a:spcBef>
+              <a:buSzPct val="70000"/>
+              <a:buFont typeface="Monotype Sorts" charset="2"/>
+              <a:buChar char=""/>
+            </a:pPr>
+            <a:r>
+              <a:rPr lang="en-GB" altLang="en-US" sz="1800" dirty="0">
+                <a:solidFill>
+                  <a:srgbClr val="000000"/>
+                </a:solidFill>
+              </a:rPr>
+              <a:t>Web browser (Chrome preferred but Firefox or Safari are ok)</a:t>
+            </a:r>
+          </a:p>
+          <a:p>
+            <a:pPr lvl="1">
+              <a:lnSpc>
+                <a:spcPct val="100000"/>
+              </a:lnSpc>
+              <a:spcBef>
+                <a:spcPts val="600"/>
+              </a:spcBef>
+              <a:buSzPct val="70000"/>
+              <a:buFont typeface="Monotype Sorts" charset="2"/>
+              <a:buChar char=""/>
+            </a:pPr>
+            <a:r>
+              <a:rPr lang="en-GB" altLang="en-US" sz="1800" dirty="0">
+                <a:solidFill>
+                  <a:srgbClr val="000000"/>
+                </a:solidFill>
+              </a:rPr>
+              <a:t>VS Code (free from Microsoft)</a:t>
+            </a:r>
+          </a:p>
+          <a:p>
+            <a:pPr lvl="1">
+              <a:lnSpc>
+                <a:spcPct val="100000"/>
+              </a:lnSpc>
+              <a:spcBef>
+                <a:spcPts val="600"/>
+              </a:spcBef>
+              <a:buSzPct val="70000"/>
+              <a:buFont typeface="Monotype Sorts" charset="2"/>
+              <a:buChar char=""/>
+            </a:pPr>
+            <a:r>
+              <a:rPr lang="en-GB" altLang="en-US" sz="1800" dirty="0">
+                <a:solidFill>
+                  <a:srgbClr val="000000"/>
+                </a:solidFill>
+              </a:rPr>
+              <a:t>Node.js (free from </a:t>
+            </a:r>
+            <a:r>
+              <a:rPr lang="en-GB" altLang="en-US" sz="1800" dirty="0" err="1">
+                <a:solidFill>
+                  <a:srgbClr val="000000"/>
+                </a:solidFill>
+              </a:rPr>
+              <a:t>OpenJS</a:t>
+            </a:r>
+            <a:r>
+              <a:rPr lang="en-GB" altLang="en-US" sz="1800" dirty="0">
+                <a:solidFill>
+                  <a:srgbClr val="000000"/>
+                </a:solidFill>
+              </a:rPr>
+              <a:t> Foundation)</a:t>
+            </a:r>
+          </a:p>
+          <a:p>
+            <a:pPr lvl="1">
+              <a:lnSpc>
+                <a:spcPct val="100000"/>
+              </a:lnSpc>
+              <a:spcBef>
+                <a:spcPts val="600"/>
+              </a:spcBef>
+              <a:buSzPct val="70000"/>
+              <a:buFont typeface="Monotype Sorts" charset="2"/>
+              <a:buChar char=""/>
+            </a:pPr>
+            <a:r>
+              <a:rPr lang="en-GB" altLang="en-US" sz="1800" dirty="0" err="1">
+                <a:solidFill>
+                  <a:srgbClr val="000000"/>
+                </a:solidFill>
+              </a:rPr>
+              <a:t>Cyberduck</a:t>
+            </a:r>
+            <a:r>
+              <a:rPr lang="en-GB" altLang="en-US" sz="1800" dirty="0">
+                <a:solidFill>
+                  <a:srgbClr val="000000"/>
+                </a:solidFill>
+              </a:rPr>
+              <a:t> (free from </a:t>
+            </a:r>
+            <a:r>
+              <a:rPr lang="en-US" sz="1800" dirty="0">
+                <a:hlinkClick r:id="rId4"/>
+              </a:rPr>
+              <a:t>https://cyberduck.io/</a:t>
+            </a:r>
+            <a:r>
+              <a:rPr lang="en-US" sz="1800" dirty="0">
+                <a:solidFill>
+                  <a:schemeClr val="tx1"/>
+                </a:solidFill>
+              </a:rPr>
+              <a:t>)</a:t>
+            </a:r>
+            <a:endParaRPr lang="en-GB" altLang="en-US" sz="1800" dirty="0">
               <a:solidFill>
-                <a:srgbClr val="000000"/>
+                <a:schemeClr val="tx1"/>
               </a:solidFill>
             </a:endParaRPr>
           </a:p>
           <a:p>
+            <a:pPr lvl="1">
+              <a:lnSpc>
+                <a:spcPct val="100000"/>
+              </a:lnSpc>
+              <a:spcBef>
+                <a:spcPts val="600"/>
+              </a:spcBef>
+              <a:buSzPct val="70000"/>
+              <a:buFont typeface="Monotype Sorts" charset="2"/>
+              <a:buChar char=""/>
+            </a:pPr>
+            <a:r>
+              <a:rPr lang="en-GB" altLang="en-US" sz="1800" dirty="0">
+                <a:solidFill>
+                  <a:srgbClr val="000000"/>
+                </a:solidFill>
+              </a:rPr>
+              <a:t>Other misc. tools, components, and packages as needed and desired</a:t>
+            </a:r>
+          </a:p>
+          <a:p>
             <a:pPr>
               <a:lnSpc>
-                <a:spcPct val="90000"/>
+                <a:spcPct val="100000"/>
               </a:lnSpc>
               <a:spcBef>
                 <a:spcPts val="700"/>
               </a:spcBef>
+              <a:buSzPct val="85000"/>
+              <a:buFont typeface="Monotype Sorts" charset="2"/>
+              <a:buChar char=""/>
             </a:pPr>
             <a:r>
-              <a:rPr lang="en-GB" altLang="en-US" sz="2800" dirty="0">
+              <a:rPr lang="en-GB" altLang="en-US" sz="2000" dirty="0">
                 <a:solidFill>
                   <a:srgbClr val="000000"/>
                 </a:solidFill>
               </a:rPr>
-              <a:t>In particular, pay attention to:</a:t>
+              <a:t>Reasonable computer to use</a:t>
             </a:r>
           </a:p>
           <a:p>
-            <a:pPr>
-              <a:lnSpc>
-                <a:spcPct val="90000"/>
+            <a:pPr lvl="1">
+              <a:lnSpc>
+                <a:spcPct val="100000"/>
               </a:lnSpc>
               <a:spcBef>
-                <a:spcPts val="500"/>
+                <a:spcPts val="600"/>
               </a:spcBef>
+              <a:buSzPct val="70000"/>
+              <a:buFont typeface="Monotype Sorts" charset="2"/>
+              <a:buChar char=""/>
             </a:pPr>
             <a:r>
-              <a:rPr lang="en-GB" altLang="en-US" sz="2800" dirty="0">
+              <a:rPr lang="en-GB" altLang="en-US" sz="1800" dirty="0">
                 <a:solidFill>
                   <a:srgbClr val="000000"/>
                 </a:solidFill>
-                <a:hlinkClick r:id="rId4"/>
               </a:rPr>
-              <a:t>https://dport96.github.io/ITM352/modules/</a:t>
-            </a:r>
-            <a:endParaRPr lang="en-GB" altLang="en-US" sz="2800" dirty="0">
-              <a:solidFill>
-                <a:srgbClr val="000000"/>
-              </a:solidFill>
-            </a:endParaRPr>
+              <a:t>See the laptop requirements on the course web-site</a:t>
+            </a:r>
           </a:p>
           <a:p>
-            <a:pPr>
-              <a:lnSpc>
-                <a:spcPct val="90000"/>
+            <a:pPr lvl="2">
+              <a:lnSpc>
+                <a:spcPct val="100000"/>
               </a:lnSpc>
               <a:spcBef>
-                <a:spcPts val="500"/>
+                <a:spcPts val="600"/>
               </a:spcBef>
+              <a:buSzPct val="70000"/>
+              <a:buFont typeface="Monotype Sorts" charset="2"/>
+              <a:buChar char=""/>
             </a:pPr>
-            <a:endParaRPr lang="en-GB" altLang="en-US" sz="2000" dirty="0">
-              <a:solidFill>
-                <a:srgbClr val="000000"/>
-              </a:solidFill>
-            </a:endParaRPr>
-          </a:p>
-          <a:p>
-            <a:pPr algn="ctr">
-              <a:lnSpc>
-                <a:spcPct val="90000"/>
-              </a:lnSpc>
-              <a:spcBef>
-                <a:spcPts val="1350"/>
-              </a:spcBef>
-            </a:pPr>
-            <a:endParaRPr lang="en-GB" altLang="en-US" sz="5400" dirty="0">
-              <a:solidFill>
-                <a:srgbClr val="000000"/>
-              </a:solidFill>
-            </a:endParaRPr>
+            <a:r>
+              <a:rPr lang="en-GB" altLang="en-US" sz="1800" dirty="0">
+                <a:solidFill>
+                  <a:srgbClr val="000000"/>
+                </a:solidFill>
+              </a:rPr>
+              <a:t>Mac</a:t>
+            </a:r>
+            <a:r>
+              <a:rPr lang="en-US" altLang="en-US" sz="1800" dirty="0">
+                <a:solidFill>
+                  <a:srgbClr val="000000"/>
+                </a:solidFill>
+              </a:rPr>
+              <a:t>’</a:t>
+            </a:r>
+            <a:r>
+              <a:rPr lang="en-GB" altLang="ja-JP" sz="1800" dirty="0">
+                <a:solidFill>
+                  <a:srgbClr val="000000"/>
+                </a:solidFill>
+              </a:rPr>
+              <a:t>s are fine, but some things may appear a bit different than what you see in class and in the instructions</a:t>
+            </a:r>
           </a:p>
         </p:txBody>
       </p:sp>
@@ -18586,10 +19954,10 @@
       </p:grpSpPr>
       <p:sp>
         <p:nvSpPr>
-          <p:cNvPr id="24578" name="Text Box 1">
+          <p:cNvPr id="26626" name="Text Box 1">
             <a:extLst>
               <a:ext uri="{FF2B5EF4-FFF2-40B4-BE49-F238E27FC236}">
-                <a16:creationId xmlns:a16="http://schemas.microsoft.com/office/drawing/2014/main" id="{B51AE20E-9B4E-4C4F-9142-6EE75D141100}"/>
+                <a16:creationId xmlns:a16="http://schemas.microsoft.com/office/drawing/2014/main" id="{D93BDDB5-664F-48E8-92EB-42195DE5B57E}"/>
               </a:ext>
             </a:extLst>
           </p:cNvPr>
@@ -19030,17 +20398,17 @@
                   <a:srgbClr val="221304"/>
                 </a:solidFill>
               </a:rPr>
-              <a:t>Requirements</a:t>
+              <a:t>Assignments</a:t>
             </a:r>
           </a:p>
         </p:txBody>
       </p:sp>
       <p:sp>
         <p:nvSpPr>
-          <p:cNvPr id="24579" name="Text Box 2">
+          <p:cNvPr id="26627" name="Text Box 2">
             <a:extLst>
               <a:ext uri="{FF2B5EF4-FFF2-40B4-BE49-F238E27FC236}">
-                <a16:creationId xmlns:a16="http://schemas.microsoft.com/office/drawing/2014/main" id="{AB05B735-DB42-40F5-8FA8-2C7BB326E99F}"/>
+                <a16:creationId xmlns:a16="http://schemas.microsoft.com/office/drawing/2014/main" id="{62016B7A-1EA5-4D3D-9873-EFECF39D64AA}"/>
               </a:ext>
             </a:extLst>
           </p:cNvPr>
@@ -19051,8 +20419,8 @@
         </p:nvSpPr>
         <p:spPr bwMode="auto">
           <a:xfrm>
-            <a:off x="685800" y="1295400"/>
-            <a:ext cx="7772400" cy="4648200"/>
+            <a:off x="685800" y="1371600"/>
+            <a:ext cx="7772400" cy="4572000"/>
           </a:xfrm>
           <a:prstGeom prst="rect">
             <a:avLst/>
@@ -19463,10 +20831,10 @@
           <a:p>
             <a:pPr>
               <a:lnSpc>
-                <a:spcPct val="100000"/>
+                <a:spcPct val="80000"/>
               </a:lnSpc>
               <a:spcBef>
-                <a:spcPts val="700"/>
+                <a:spcPts val="600"/>
               </a:spcBef>
               <a:buSzPct val="85000"/>
               <a:buFont typeface="Monotype Sorts" charset="2"/>
@@ -19478,16 +20846,16 @@
                   <a:srgbClr val="000000"/>
                 </a:solidFill>
               </a:rPr>
-              <a:t>Textbooks:</a:t>
+              <a:t>Three (3) major programming assignments</a:t>
             </a:r>
           </a:p>
           <a:p>
             <a:pPr lvl="1">
               <a:lnSpc>
-                <a:spcPct val="100000"/>
+                <a:spcPct val="80000"/>
               </a:lnSpc>
               <a:spcBef>
-                <a:spcPts val="600"/>
+                <a:spcPts val="500"/>
               </a:spcBef>
               <a:buSzPct val="70000"/>
               <a:buFont typeface="Monotype Sorts" charset="2"/>
@@ -19499,29 +20867,106 @@
                   <a:srgbClr val="000000"/>
                 </a:solidFill>
               </a:rPr>
-              <a:t>No required book, but some references you will want to use are</a:t>
+              <a:t>See class schedule for approximate locations in class</a:t>
             </a:r>
           </a:p>
           <a:p>
-            <a:pPr marL="457200" lvl="1" indent="0">
-              <a:lnSpc>
-                <a:spcPct val="100000"/>
+            <a:pPr lvl="1">
+              <a:lnSpc>
+                <a:spcPct val="80000"/>
               </a:lnSpc>
               <a:spcBef>
-                <a:spcPts val="600"/>
+                <a:spcPts val="500"/>
               </a:spcBef>
               <a:buSzPct val="70000"/>
+              <a:buFont typeface="Monotype Sorts" charset="2"/>
+              <a:buChar char=""/>
             </a:pPr>
             <a:r>
-              <a:rPr lang="en-GB" altLang="en-US" sz="1600" dirty="0">
+              <a:rPr lang="en-GB" altLang="en-US" sz="1800" dirty="0">
                 <a:solidFill>
                   <a:srgbClr val="000000"/>
                 </a:solidFill>
-                <a:hlinkClick r:id="rId3"/>
               </a:rPr>
-              <a:t>https://dport96.github.io/ITM352/morea/010.introduction/reading-references.html</a:t>
-            </a:r>
-            <a:endParaRPr lang="en-GB" altLang="en-US" sz="1100" dirty="0">
+              <a:t>Work first individually, and later in the semester in groups</a:t>
+            </a:r>
+          </a:p>
+          <a:p>
+            <a:pPr lvl="2">
+              <a:lnSpc>
+                <a:spcPct val="80000"/>
+              </a:lnSpc>
+              <a:spcBef>
+                <a:spcPts val="500"/>
+              </a:spcBef>
+              <a:buSzPct val="60000"/>
+              <a:buFont typeface="Monotype Sorts" charset="2"/>
+              <a:buChar char=""/>
+            </a:pPr>
+            <a:r>
+              <a:rPr lang="en-GB" altLang="en-US" sz="1800" dirty="0">
+                <a:solidFill>
+                  <a:srgbClr val="000000"/>
+                </a:solidFill>
+              </a:rPr>
+              <a:t>Groups will be randomly assigned or perhaps self-selected</a:t>
+            </a:r>
+          </a:p>
+          <a:p>
+            <a:pPr lvl="2">
+              <a:lnSpc>
+                <a:spcPct val="80000"/>
+              </a:lnSpc>
+              <a:spcBef>
+                <a:spcPts val="500"/>
+              </a:spcBef>
+              <a:buSzPct val="60000"/>
+              <a:buFont typeface="Monotype Sorts" charset="2"/>
+              <a:buChar char=""/>
+            </a:pPr>
+            <a:r>
+              <a:rPr lang="en-GB" altLang="en-US" sz="1800" dirty="0">
+                <a:solidFill>
+                  <a:srgbClr val="000000"/>
+                </a:solidFill>
+              </a:rPr>
+              <a:t>Confidential evaluation of team members (including yourself) required for group assignment</a:t>
+            </a:r>
+          </a:p>
+          <a:p>
+            <a:pPr lvl="1">
+              <a:lnSpc>
+                <a:spcPct val="80000"/>
+              </a:lnSpc>
+              <a:spcBef>
+                <a:spcPts val="500"/>
+              </a:spcBef>
+              <a:buSzPct val="70000"/>
+              <a:buFont typeface="Monotype Sorts" charset="2"/>
+              <a:buChar char=""/>
+            </a:pPr>
+            <a:r>
+              <a:rPr lang="en-GB" altLang="en-US" sz="1800" dirty="0">
+                <a:solidFill>
+                  <a:srgbClr val="000000"/>
+                </a:solidFill>
+              </a:rPr>
+              <a:t>Always must be “deployed” on class server (I will explain this later). Code available in GitHub repository, screencast demo and explanation of code.</a:t>
+            </a:r>
+          </a:p>
+          <a:p>
+            <a:pPr lvl="1">
+              <a:lnSpc>
+                <a:spcPct val="80000"/>
+              </a:lnSpc>
+              <a:spcBef>
+                <a:spcPts val="500"/>
+              </a:spcBef>
+              <a:buSzPct val="70000"/>
+              <a:buFont typeface="Monotype Sorts" charset="2"/>
+              <a:buChar char=""/>
+            </a:pPr>
+            <a:endParaRPr lang="en-GB" altLang="en-US" sz="1800" dirty="0">
               <a:solidFill>
                 <a:srgbClr val="000000"/>
               </a:solidFill>
@@ -19530,10 +20975,10 @@
           <a:p>
             <a:pPr>
               <a:lnSpc>
-                <a:spcPct val="100000"/>
+                <a:spcPct val="80000"/>
               </a:lnSpc>
               <a:spcBef>
-                <a:spcPts val="700"/>
+                <a:spcPts val="600"/>
               </a:spcBef>
               <a:buSzPct val="85000"/>
               <a:buFont typeface="Monotype Sorts" charset="2"/>
@@ -19545,16 +20990,16 @@
                   <a:srgbClr val="000000"/>
                 </a:solidFill>
               </a:rPr>
-              <a:t>Software needed:</a:t>
+              <a:t>Workouts of the Day (WODs)</a:t>
             </a:r>
           </a:p>
           <a:p>
             <a:pPr lvl="1">
               <a:lnSpc>
-                <a:spcPct val="100000"/>
+                <a:spcPct val="80000"/>
               </a:lnSpc>
               <a:spcBef>
-                <a:spcPts val="600"/>
+                <a:spcPts val="500"/>
               </a:spcBef>
               <a:buSzPct val="70000"/>
               <a:buFont typeface="Monotype Sorts" charset="2"/>
@@ -19566,16 +21011,48 @@
                   <a:srgbClr val="000000"/>
                 </a:solidFill>
               </a:rPr>
-              <a:t>Web browser (Chrome preferred but Firefox or Safari are ok)</a:t>
+              <a:t>There will be a number of small programming assignments to build your skill. You </a:t>
+            </a:r>
+            <a:r>
+              <a:rPr lang="en-GB" altLang="en-US" sz="1800" u="sng" dirty="0">
+                <a:solidFill>
+                  <a:srgbClr val="000000"/>
+                </a:solidFill>
+              </a:rPr>
+              <a:t>get out </a:t>
+            </a:r>
+            <a:r>
+              <a:rPr lang="en-GB" altLang="en-US" sz="1800" dirty="0">
+                <a:solidFill>
+                  <a:srgbClr val="000000"/>
+                </a:solidFill>
+              </a:rPr>
+              <a:t>what you </a:t>
+            </a:r>
+            <a:r>
+              <a:rPr lang="en-GB" altLang="en-US" sz="1800" u="sng" dirty="0">
+                <a:solidFill>
+                  <a:srgbClr val="000000"/>
+                </a:solidFill>
+              </a:rPr>
+              <a:t>put in</a:t>
+            </a:r>
+            <a:r>
+              <a:rPr lang="en-GB" altLang="en-US" sz="1800" dirty="0">
+                <a:solidFill>
+                  <a:srgbClr val="000000"/>
+                </a:solidFill>
+              </a:rPr>
+              <a:t> to these!</a:t>
             </a:r>
           </a:p>
           <a:p>
             <a:pPr lvl="1">
               <a:lnSpc>
-                <a:spcPct val="100000"/>
+                <a:spcPct val="80000"/>
               </a:lnSpc>
               <a:spcBef>
-                <a:spcPts val="600"/>
+                <a:spcPts val="500"/>
               </a:spcBef>
               <a:buSzPct val="70000"/>
               <a:buFont typeface="Monotype Sorts" charset="2"/>
@@ -19587,16 +21064,32 @@
                   <a:srgbClr val="000000"/>
                 </a:solidFill>
               </a:rPr>
-              <a:t>VS Code (free from Microsoft)</a:t>
+              <a:t>You are expected to record a screencast and </a:t>
+            </a:r>
+            <a:r>
+              <a:rPr lang="en-GB" altLang="en-US" sz="1800" u="sng" dirty="0">
+                <a:solidFill>
+                  <a:srgbClr val="000000"/>
+                </a:solidFill>
+              </a:rPr>
+              <a:t>time yourself </a:t>
+            </a:r>
+            <a:r>
+              <a:rPr lang="en-GB" altLang="en-US" sz="1800" dirty="0">
+                <a:solidFill>
+                  <a:srgbClr val="000000"/>
+                </a:solidFill>
+              </a:rPr>
+              <a:t>and rework until you can complete before the DNF time.</a:t>
             </a:r>
           </a:p>
           <a:p>
             <a:pPr lvl="1">
               <a:lnSpc>
-                <a:spcPct val="100000"/>
+                <a:spcPct val="80000"/>
               </a:lnSpc>
               <a:spcBef>
-                <a:spcPts val="600"/>
+                <a:spcPts val="500"/>
               </a:spcBef>
               <a:buSzPct val="70000"/>
               <a:buFont typeface="Monotype Sorts" charset="2"/>
@@ -19608,171 +21101,7 @@
                   <a:srgbClr val="000000"/>
                 </a:solidFill>
               </a:rPr>
-              <a:t>Node.js (free from </a:t>
-            </a:r>
-            <a:r>
-              <a:rPr lang="en-GB" altLang="en-US" sz="1800" dirty="0" err="1">
-                <a:solidFill>
-                  <a:srgbClr val="000000"/>
-                </a:solidFill>
-              </a:rPr>
-              <a:t>OpenJS</a:t>
-            </a:r>
-            <a:r>
-              <a:rPr lang="en-GB" altLang="en-US" sz="1800" dirty="0">
-                <a:solidFill>
-                  <a:srgbClr val="000000"/>
-                </a:solidFill>
-              </a:rPr>
-              <a:t> Foundation)</a:t>
-            </a:r>
-          </a:p>
-          <a:p>
-            <a:pPr lvl="1">
-              <a:lnSpc>
-                <a:spcPct val="100000"/>
-              </a:lnSpc>
-              <a:spcBef>
-                <a:spcPts val="600"/>
-              </a:spcBef>
-              <a:buSzPct val="70000"/>
-              <a:buFont typeface="Monotype Sorts" charset="2"/>
-              <a:buChar char=""/>
-            </a:pPr>
-            <a:r>
-              <a:rPr lang="en-GB" altLang="en-US" sz="1800" dirty="0" err="1">
-                <a:solidFill>
-                  <a:srgbClr val="000000"/>
-                </a:solidFill>
-              </a:rPr>
-              <a:t>Cyberduck</a:t>
-            </a:r>
-            <a:r>
-              <a:rPr lang="en-GB" altLang="en-US" sz="1800" dirty="0">
-                <a:solidFill>
-                  <a:srgbClr val="000000"/>
-                </a:solidFill>
-              </a:rPr>
-              <a:t> (free from </a:t>
-            </a:r>
-            <a:r>
-              <a:rPr lang="en-US" sz="1800" dirty="0">
-                <a:hlinkClick r:id="rId4"/>
-              </a:rPr>
-              <a:t>https://cyberduck.io/</a:t>
-            </a:r>
-            <a:r>
-              <a:rPr lang="en-US" sz="1800" dirty="0">
-                <a:solidFill>
-                  <a:schemeClr val="tx1"/>
-                </a:solidFill>
-              </a:rPr>
-              <a:t>)</a:t>
-            </a:r>
-            <a:endParaRPr lang="en-GB" altLang="en-US" sz="1800" dirty="0">
-              <a:solidFill>
-                <a:schemeClr val="tx1"/>
-              </a:solidFill>
-            </a:endParaRPr>
-          </a:p>
-          <a:p>
-            <a:pPr lvl="1">
-              <a:lnSpc>
-                <a:spcPct val="100000"/>
-              </a:lnSpc>
-              <a:spcBef>
-                <a:spcPts val="600"/>
-              </a:spcBef>
-              <a:buSzPct val="70000"/>
-              <a:buFont typeface="Monotype Sorts" charset="2"/>
-              <a:buChar char=""/>
-            </a:pPr>
-            <a:r>
-              <a:rPr lang="en-GB" altLang="en-US" sz="1800" dirty="0">
-                <a:solidFill>
-                  <a:srgbClr val="000000"/>
-                </a:solidFill>
-              </a:rPr>
-              <a:t>Other misc. tools, components, and packages as needed and desired</a:t>
-            </a:r>
-          </a:p>
-          <a:p>
-            <a:pPr>
-              <a:lnSpc>
-                <a:spcPct val="100000"/>
-              </a:lnSpc>
-              <a:spcBef>
-                <a:spcPts val="700"/>
-              </a:spcBef>
-              <a:buSzPct val="85000"/>
-              <a:buFont typeface="Monotype Sorts" charset="2"/>
-              <a:buChar char=""/>
-            </a:pPr>
-            <a:r>
-              <a:rPr lang="en-GB" altLang="en-US" sz="2000" dirty="0">
-                <a:solidFill>
-                  <a:srgbClr val="000000"/>
-                </a:solidFill>
-              </a:rPr>
-              <a:t>Reasonable computer to use</a:t>
-            </a:r>
-          </a:p>
-          <a:p>
-            <a:pPr lvl="1">
-              <a:lnSpc>
-                <a:spcPct val="100000"/>
-              </a:lnSpc>
-              <a:spcBef>
-                <a:spcPts val="600"/>
-              </a:spcBef>
-              <a:buSzPct val="70000"/>
-              <a:buFont typeface="Monotype Sorts" charset="2"/>
-              <a:buChar char=""/>
-            </a:pPr>
-            <a:r>
-              <a:rPr lang="en-GB" altLang="en-US" sz="1800" dirty="0">
-                <a:solidFill>
-                  <a:srgbClr val="000000"/>
-                </a:solidFill>
-              </a:rPr>
-              <a:t>See the laptop requirements on the course web-site</a:t>
-            </a:r>
-          </a:p>
-          <a:p>
-            <a:pPr lvl="2">
-              <a:lnSpc>
-                <a:spcPct val="100000"/>
-              </a:lnSpc>
-              <a:spcBef>
-                <a:spcPts val="600"/>
-              </a:spcBef>
-              <a:buSzPct val="70000"/>
-              <a:buFont typeface="Monotype Sorts" charset="2"/>
-              <a:buChar char=""/>
-            </a:pPr>
-            <a:r>
-              <a:rPr lang="en-GB" altLang="en-US" sz="1800" dirty="0">
-                <a:solidFill>
-                  <a:srgbClr val="000000"/>
-                </a:solidFill>
-              </a:rPr>
-              <a:t>Mac</a:t>
-            </a:r>
-            <a:r>
-              <a:rPr lang="en-US" altLang="en-US" sz="1800" dirty="0">
-                <a:solidFill>
-                  <a:srgbClr val="000000"/>
-                </a:solidFill>
-              </a:rPr>
-              <a:t>’</a:t>
-            </a:r>
-            <a:r>
-              <a:rPr lang="en-GB" altLang="ja-JP" sz="1800" dirty="0">
-                <a:solidFill>
-                  <a:srgbClr val="000000"/>
-                </a:solidFill>
-              </a:rPr>
-              <a:t>s are fine, but some things may appear a bit different than what you see in class and in the instructions</a:t>
+              <a:t>These are an important self-check on your skill development. We do not assess your work. You get credit for just doing them. You only cheat yourself from needed skills if you skimp on these. </a:t>
             </a:r>
           </a:p>
         </p:txBody>
@@ -19832,10 +21161,10 @@
       </p:grpSpPr>
       <p:sp>
         <p:nvSpPr>
-          <p:cNvPr id="26626" name="Text Box 1">
+          <p:cNvPr id="28674" name="Text Box 1">
             <a:extLst>
               <a:ext uri="{FF2B5EF4-FFF2-40B4-BE49-F238E27FC236}">
-                <a16:creationId xmlns:a16="http://schemas.microsoft.com/office/drawing/2014/main" id="{D93BDDB5-664F-48E8-92EB-42195DE5B57E}"/>
+                <a16:creationId xmlns:a16="http://schemas.microsoft.com/office/drawing/2014/main" id="{8731EE7D-CE0E-4D19-8D3B-1D10149E9E44}"/>
               </a:ext>
             </a:extLst>
           </p:cNvPr>
@@ -20276,17 +21605,17 @@
                   <a:srgbClr val="221304"/>
                 </a:solidFill>
               </a:rPr>
-              <a:t>Assignments</a:t>
+              <a:t>Exams</a:t>
             </a:r>
           </a:p>
         </p:txBody>
       </p:sp>
       <p:sp>
         <p:nvSpPr>
-          <p:cNvPr id="26627" name="Text Box 2">
+          <p:cNvPr id="28675" name="Text Box 2">
             <a:extLst>
               <a:ext uri="{FF2B5EF4-FFF2-40B4-BE49-F238E27FC236}">
-                <a16:creationId xmlns:a16="http://schemas.microsoft.com/office/drawing/2014/main" id="{62016B7A-1EA5-4D3D-9873-EFECF39D64AA}"/>
+                <a16:creationId xmlns:a16="http://schemas.microsoft.com/office/drawing/2014/main" id="{05356CA8-4E54-4E8C-8D5C-39A754917311}"/>
               </a:ext>
             </a:extLst>
           </p:cNvPr>
@@ -20297,8 +21626,8 @@
         </p:nvSpPr>
         <p:spPr bwMode="auto">
           <a:xfrm>
-            <a:off x="685800" y="1371600"/>
-            <a:ext cx="7772400" cy="4572000"/>
+            <a:off x="533400" y="1295400"/>
+            <a:ext cx="7772400" cy="4724400"/>
           </a:xfrm>
           <a:prstGeom prst="rect">
             <a:avLst/>
@@ -20369,7 +21698,7 @@
                 <a:ea typeface="MS PGothic" panose="020B0600070205080204" pitchFamily="34" charset="-128"/>
               </a:defRPr>
             </a:lvl1pPr>
-            <a:lvl2pPr marL="736600" indent="-279400">
+            <a:lvl2pPr>
               <a:lnSpc>
                 <a:spcPct val="86000"/>
               </a:lnSpc>
@@ -20709,277 +22038,143 @@
           <a:p>
             <a:pPr>
               <a:lnSpc>
-                <a:spcPct val="80000"/>
+                <a:spcPct val="100000"/>
               </a:lnSpc>
               <a:spcBef>
-                <a:spcPts val="600"/>
+                <a:spcPts val="800"/>
               </a:spcBef>
               <a:buSzPct val="85000"/>
               <a:buFont typeface="Monotype Sorts" charset="2"/>
               <a:buChar char=""/>
             </a:pPr>
             <a:r>
-              <a:rPr lang="en-GB" altLang="en-US" sz="2000" dirty="0">
+              <a:rPr lang="en-GB" altLang="en-US" sz="3200" dirty="0">
                 <a:solidFill>
                   <a:srgbClr val="000000"/>
                 </a:solidFill>
               </a:rPr>
-              <a:t>Three (3) major programming assignments</a:t>
+              <a:t>None! </a:t>
             </a:r>
           </a:p>
           <a:p>
             <a:pPr lvl="1">
               <a:lnSpc>
-                <a:spcPct val="80000"/>
+                <a:spcPct val="100000"/>
               </a:lnSpc>
               <a:spcBef>
-                <a:spcPts val="500"/>
-              </a:spcBef>
-              <a:buSzPct val="70000"/>
-              <a:buFont typeface="Monotype Sorts" charset="2"/>
-              <a:buChar char=""/>
-            </a:pPr>
-            <a:r>
-              <a:rPr lang="en-GB" altLang="en-US" sz="1800" dirty="0">
-                <a:solidFill>
-                  <a:srgbClr val="000000"/>
-                </a:solidFill>
-              </a:rPr>
-              <a:t>See class schedule for approximate locations in class</a:t>
-            </a:r>
-          </a:p>
-          <a:p>
-            <a:pPr lvl="1">
-              <a:lnSpc>
-                <a:spcPct val="80000"/>
-              </a:lnSpc>
-              <a:spcBef>
-                <a:spcPts val="500"/>
-              </a:spcBef>
-              <a:buSzPct val="70000"/>
-              <a:buFont typeface="Monotype Sorts" charset="2"/>
-              <a:buChar char=""/>
-            </a:pPr>
-            <a:r>
-              <a:rPr lang="en-GB" altLang="en-US" sz="1800" dirty="0">
-                <a:solidFill>
-                  <a:srgbClr val="000000"/>
-                </a:solidFill>
-              </a:rPr>
-              <a:t>Work first individually, and later in the semester in groups</a:t>
-            </a:r>
-          </a:p>
-          <a:p>
-            <a:pPr lvl="2">
-              <a:lnSpc>
-                <a:spcPct val="80000"/>
-              </a:lnSpc>
-              <a:spcBef>
-                <a:spcPts val="500"/>
-              </a:spcBef>
-              <a:buSzPct val="60000"/>
-              <a:buFont typeface="Monotype Sorts" charset="2"/>
-              <a:buChar char=""/>
-            </a:pPr>
-            <a:r>
-              <a:rPr lang="en-GB" altLang="en-US" sz="1800" dirty="0">
-                <a:solidFill>
-                  <a:srgbClr val="000000"/>
-                </a:solidFill>
-              </a:rPr>
-              <a:t>Groups will be randomly assigned or perhaps self-selected</a:t>
-            </a:r>
-          </a:p>
-          <a:p>
-            <a:pPr lvl="2">
-              <a:lnSpc>
-                <a:spcPct val="80000"/>
-              </a:lnSpc>
-              <a:spcBef>
-                <a:spcPts val="500"/>
-              </a:spcBef>
-              <a:buSzPct val="60000"/>
-              <a:buFont typeface="Monotype Sorts" charset="2"/>
-              <a:buChar char=""/>
-            </a:pPr>
-            <a:r>
-              <a:rPr lang="en-GB" altLang="en-US" sz="1800" dirty="0">
-                <a:solidFill>
-                  <a:srgbClr val="000000"/>
-                </a:solidFill>
-              </a:rPr>
-              <a:t>Confidential evaluation of team members (including yourself) required for group assignment</a:t>
-            </a:r>
-          </a:p>
-          <a:p>
-            <a:pPr lvl="1">
-              <a:lnSpc>
-                <a:spcPct val="80000"/>
-              </a:lnSpc>
-              <a:spcBef>
-                <a:spcPts val="500"/>
-              </a:spcBef>
-              <a:buSzPct val="70000"/>
-              <a:buFont typeface="Monotype Sorts" charset="2"/>
-              <a:buChar char=""/>
-            </a:pPr>
-            <a:r>
-              <a:rPr lang="en-GB" altLang="en-US" sz="1800" dirty="0">
-                <a:solidFill>
-                  <a:srgbClr val="000000"/>
-                </a:solidFill>
-              </a:rPr>
-              <a:t>Always must be “deployed” on class server (I will explain this later). Code available in GitHub repository, screencast demo and explanation of code.</a:t>
-            </a:r>
-          </a:p>
-          <a:p>
-            <a:pPr lvl="1">
-              <a:lnSpc>
-                <a:spcPct val="80000"/>
-              </a:lnSpc>
-              <a:spcBef>
-                <a:spcPts val="500"/>
-              </a:spcBef>
-              <a:buSzPct val="70000"/>
-              <a:buFont typeface="Monotype Sorts" charset="2"/>
-              <a:buChar char=""/>
-            </a:pPr>
-            <a:endParaRPr lang="en-GB" altLang="en-US" sz="1800" dirty="0">
-              <a:solidFill>
-                <a:srgbClr val="000000"/>
-              </a:solidFill>
-            </a:endParaRPr>
-          </a:p>
-          <a:p>
-            <a:pPr>
-              <a:lnSpc>
-                <a:spcPct val="80000"/>
-              </a:lnSpc>
-              <a:spcBef>
-                <a:spcPts val="600"/>
+                <a:spcPts val="800"/>
               </a:spcBef>
               <a:buSzPct val="85000"/>
               <a:buFont typeface="Monotype Sorts" charset="2"/>
               <a:buChar char=""/>
             </a:pPr>
             <a:r>
-              <a:rPr lang="en-GB" altLang="en-US" sz="2000" dirty="0">
+              <a:rPr lang="en-GB" altLang="en-US" dirty="0">
                 <a:solidFill>
                   <a:srgbClr val="000000"/>
                 </a:solidFill>
               </a:rPr>
-              <a:t>Workouts of the Day (WODs)</a:t>
+              <a:t>The labs and assignments are hard enough</a:t>
+            </a:r>
+          </a:p>
+          <a:p>
+            <a:pPr>
+              <a:lnSpc>
+                <a:spcPct val="100000"/>
+              </a:lnSpc>
+              <a:spcBef>
+                <a:spcPts val="800"/>
+              </a:spcBef>
+              <a:buSzPct val="85000"/>
+              <a:buFont typeface="Monotype Sorts" charset="2"/>
+              <a:buChar char=""/>
+            </a:pPr>
+            <a:r>
+              <a:rPr lang="en-GB" altLang="en-US" sz="3200" dirty="0">
+                <a:solidFill>
+                  <a:srgbClr val="000000"/>
+                </a:solidFill>
+              </a:rPr>
+              <a:t>However </a:t>
+            </a:r>
+            <a:r>
+              <a:rPr lang="en-US" altLang="en-US" sz="3200" dirty="0">
+                <a:solidFill>
+                  <a:srgbClr val="000000"/>
+                </a:solidFill>
+              </a:rPr>
+              <a:t>you will be expected to work on the lab after (or during) a screencast </a:t>
+            </a:r>
+            <a:r>
+              <a:rPr lang="en-GB" altLang="ja-JP" sz="3200" dirty="0">
+                <a:solidFill>
+                  <a:srgbClr val="000000"/>
+                </a:solidFill>
+              </a:rPr>
+              <a:t>to be sure you are prepared for class</a:t>
             </a:r>
           </a:p>
           <a:p>
             <a:pPr lvl="1">
               <a:lnSpc>
-                <a:spcPct val="80000"/>
+                <a:spcPct val="100000"/>
               </a:lnSpc>
               <a:spcBef>
-                <a:spcPts val="500"/>
+                <a:spcPts val="800"/>
               </a:spcBef>
-              <a:buSzPct val="70000"/>
+              <a:buSzPct val="85000"/>
               <a:buFont typeface="Monotype Sorts" charset="2"/>
-              <a:buChar char=""/>
+              <a:buChar char=""/>
             </a:pPr>
             <a:r>
-              <a:rPr lang="en-GB" altLang="en-US" sz="1800" dirty="0">
+              <a:rPr lang="en-GB" altLang="en-US" dirty="0">
                 <a:solidFill>
                   <a:srgbClr val="000000"/>
                 </a:solidFill>
               </a:rPr>
-              <a:t>There will be a number of small programming assignments to build your skill. You </a:t>
-            </a:r>
-            <a:r>
-              <a:rPr lang="en-GB" altLang="en-US" sz="1800" u="sng" dirty="0">
-                <a:solidFill>
-                  <a:srgbClr val="000000"/>
-                </a:solidFill>
-              </a:rPr>
-              <a:t>get out </a:t>
-            </a:r>
-            <a:r>
-              <a:rPr lang="en-GB" altLang="en-US" sz="1800" dirty="0">
-                <a:solidFill>
-                  <a:srgbClr val="000000"/>
-                </a:solidFill>
-              </a:rPr>
-              <a:t>what you </a:t>
-            </a:r>
-            <a:r>
-              <a:rPr lang="en-GB" altLang="en-US" sz="1800" u="sng" dirty="0">
-                <a:solidFill>
-                  <a:srgbClr val="000000"/>
-                </a:solidFill>
-              </a:rPr>
-              <a:t>put in</a:t>
-            </a:r>
-            <a:r>
-              <a:rPr lang="en-GB" altLang="en-US" sz="1800" dirty="0">
-                <a:solidFill>
-                  <a:srgbClr val="000000"/>
-                </a:solidFill>
-              </a:rPr>
-              <a:t> to these!</a:t>
+              <a:t>The labs will be checked and graded</a:t>
             </a:r>
           </a:p>
           <a:p>
             <a:pPr lvl="1">
               <a:lnSpc>
-                <a:spcPct val="80000"/>
+                <a:spcPct val="100000"/>
               </a:lnSpc>
               <a:spcBef>
-                <a:spcPts val="500"/>
+                <a:spcPts val="800"/>
               </a:spcBef>
-              <a:buSzPct val="70000"/>
+              <a:buSzPct val="85000"/>
               <a:buFont typeface="Monotype Sorts" charset="2"/>
-              <a:buChar char=""/>
+              <a:buChar char=""/>
             </a:pPr>
             <a:r>
-              <a:rPr lang="en-GB" altLang="en-US" sz="1800" dirty="0">
+              <a:rPr lang="en-GB" altLang="en-US" dirty="0">
                 <a:solidFill>
                   <a:srgbClr val="000000"/>
                 </a:solidFill>
               </a:rPr>
-              <a:t>You are expected to record a screencast and </a:t>
-            </a:r>
-            <a:r>
-              <a:rPr lang="en-GB" altLang="en-US" sz="1800" u="sng" dirty="0">
-                <a:solidFill>
-                  <a:srgbClr val="000000"/>
-                </a:solidFill>
-              </a:rPr>
-              <a:t>time yourself </a:t>
-            </a:r>
-            <a:r>
-              <a:rPr lang="en-GB" altLang="en-US" sz="1800" dirty="0">
-                <a:solidFill>
-                  <a:srgbClr val="000000"/>
-                </a:solidFill>
-              </a:rPr>
-              <a:t>and rework until you can complete before the DNF time.</a:t>
+              <a:t>You will not be able to follow along in class if you have not started work on the lab</a:t>
             </a:r>
           </a:p>
           <a:p>
             <a:pPr lvl="1">
               <a:lnSpc>
-                <a:spcPct val="80000"/>
+                <a:spcPct val="100000"/>
               </a:lnSpc>
               <a:spcBef>
-                <a:spcPts val="500"/>
+                <a:spcPts val="800"/>
               </a:spcBef>
-              <a:buSzPct val="70000"/>
+              <a:buSzPct val="85000"/>
               <a:buFont typeface="Monotype Sorts" charset="2"/>
-              <a:buChar char=""/>
+              <a:buChar char=""/>
             </a:pPr>
             <a:r>
-              <a:rPr lang="en-GB" altLang="en-US" sz="1800" dirty="0">
+              <a:rPr lang="en-GB" altLang="en-US" dirty="0">
                 <a:solidFill>
                   <a:srgbClr val="000000"/>
                 </a:solidFill>
               </a:rPr>
-              <a:t>These are an important self-check on your skill development. We do not assess your work. You get credit for just doing them. You only cheat yourself from needed skills if you skimp on these. </a:t>
+              <a:t>Labs must be completed and submitted on time. No late labs will be accepted.</a:t>
             </a:r>
           </a:p>
         </p:txBody>
@@ -21483,7 +22678,7 @@
                   <a:srgbClr val="221304"/>
                 </a:solidFill>
               </a:rPr>
-              <a:t>Welcome to MIS</a:t>
+              <a:t>Welcome to MIS!</a:t>
             </a:r>
           </a:p>
         </p:txBody>
@@ -21931,7 +23126,7 @@
                   <a:srgbClr val="000000"/>
                 </a:solidFill>
               </a:rPr>
-              <a:t>Information systems are not singular applications</a:t>
+              <a:t>Information systems are not singular applications. They are:</a:t>
             </a:r>
           </a:p>
           <a:p>
@@ -22117,7 +23312,7 @@
                   <a:srgbClr val="000000"/>
                 </a:solidFill>
               </a:rPr>
-              <a:t>Application of technology to meet business needs</a:t>
+              <a:t>Determine application of technology to meet business needs</a:t>
             </a:r>
           </a:p>
           <a:p>
@@ -22138,7 +23333,7 @@
                   <a:srgbClr val="000000"/>
                 </a:solidFill>
               </a:rPr>
-              <a:t>Adapt technologies</a:t>
+              <a:t>Maintain and enhance systems in use</a:t>
             </a:r>
           </a:p>
           <a:p>
@@ -22298,10 +23493,10 @@
       </p:grpSpPr>
       <p:sp>
         <p:nvSpPr>
-          <p:cNvPr id="28674" name="Text Box 1">
+          <p:cNvPr id="32770" name="Text Box 1">
             <a:extLst>
               <a:ext uri="{FF2B5EF4-FFF2-40B4-BE49-F238E27FC236}">
-                <a16:creationId xmlns:a16="http://schemas.microsoft.com/office/drawing/2014/main" id="{8731EE7D-CE0E-4D19-8D3B-1D10149E9E44}"/>
+                <a16:creationId xmlns:a16="http://schemas.microsoft.com/office/drawing/2014/main" id="{70693565-B4DF-473B-BF11-1BB247118081}"/>
               </a:ext>
             </a:extLst>
           </p:cNvPr>
@@ -22742,17 +23937,17 @@
                   <a:srgbClr val="221304"/>
                 </a:solidFill>
               </a:rPr>
-              <a:t>Exams</a:t>
+              <a:t>Grades</a:t>
             </a:r>
           </a:p>
         </p:txBody>
       </p:sp>
       <p:sp>
         <p:nvSpPr>
-          <p:cNvPr id="28675" name="Text Box 2">
+          <p:cNvPr id="32771" name="Text Box 2">
             <a:extLst>
               <a:ext uri="{FF2B5EF4-FFF2-40B4-BE49-F238E27FC236}">
-                <a16:creationId xmlns:a16="http://schemas.microsoft.com/office/drawing/2014/main" id="{05356CA8-4E54-4E8C-8D5C-39A754917311}"/>
+                <a16:creationId xmlns:a16="http://schemas.microsoft.com/office/drawing/2014/main" id="{D1F74B5D-B365-4908-9D1F-4F8A06159E8B}"/>
               </a:ext>
             </a:extLst>
           </p:cNvPr>
@@ -22763,8 +23958,8 @@
         </p:nvSpPr>
         <p:spPr bwMode="auto">
           <a:xfrm>
-            <a:off x="533400" y="1295400"/>
-            <a:ext cx="7772400" cy="4724400"/>
+            <a:off x="457200" y="1371600"/>
+            <a:ext cx="8332076" cy="4724400"/>
           </a:xfrm>
           <a:prstGeom prst="rect">
             <a:avLst/>
@@ -22835,7 +24030,7 @@
                 <a:ea typeface="MS PGothic" panose="020B0600070205080204" pitchFamily="34" charset="-128"/>
               </a:defRPr>
             </a:lvl1pPr>
-            <a:lvl2pPr>
+            <a:lvl2pPr marL="736600" indent="-279400">
               <a:lnSpc>
                 <a:spcPct val="86000"/>
               </a:lnSpc>
@@ -23175,31 +24370,31 @@
           <a:p>
             <a:pPr>
               <a:lnSpc>
-                <a:spcPct val="100000"/>
+                <a:spcPct val="80000"/>
               </a:lnSpc>
               <a:spcBef>
-                <a:spcPts val="800"/>
+                <a:spcPts val="600"/>
               </a:spcBef>
               <a:buSzPct val="85000"/>
               <a:buFont typeface="Monotype Sorts" charset="2"/>
               <a:buChar char=""/>
             </a:pPr>
             <a:r>
-              <a:rPr lang="en-GB" altLang="en-US" sz="3200" dirty="0">
+              <a:rPr lang="en-GB" altLang="en-US" b="1" dirty="0">
                 <a:solidFill>
                   <a:srgbClr val="000000"/>
                 </a:solidFill>
               </a:rPr>
-              <a:t>None! </a:t>
+              <a:t>See the course web-site for the grade breakdown</a:t>
             </a:r>
           </a:p>
           <a:p>
-            <a:pPr lvl="1">
-              <a:lnSpc>
-                <a:spcPct val="100000"/>
+            <a:pPr>
+              <a:lnSpc>
+                <a:spcPct val="80000"/>
               </a:lnSpc>
               <a:spcBef>
-                <a:spcPts val="800"/>
+                <a:spcPts val="600"/>
               </a:spcBef>
               <a:buSzPct val="85000"/>
               <a:buFont typeface="Monotype Sorts" charset="2"/>
@@ -23211,95 +24406,174 @@
                   <a:srgbClr val="000000"/>
                 </a:solidFill>
               </a:rPr>
-              <a:t>The labs and assignments are hard enough</a:t>
+              <a:t>Approximate scale:</a:t>
+            </a:r>
+          </a:p>
+          <a:p>
+            <a:pPr lvl="1">
+              <a:lnSpc>
+                <a:spcPct val="80000"/>
+              </a:lnSpc>
+              <a:spcBef>
+                <a:spcPts val="500"/>
+              </a:spcBef>
+              <a:buSzPct val="70000"/>
+              <a:buFont typeface="Monotype Sorts" charset="2"/>
+              <a:buChar char=""/>
+            </a:pPr>
+            <a:r>
+              <a:rPr lang="en-GB" altLang="en-US" sz="1800" dirty="0">
+                <a:solidFill>
+                  <a:srgbClr val="000000"/>
+                </a:solidFill>
+              </a:rPr>
+              <a:t>&gt;= 90%   A</a:t>
+            </a:r>
+          </a:p>
+          <a:p>
+            <a:pPr lvl="1">
+              <a:lnSpc>
+                <a:spcPct val="80000"/>
+              </a:lnSpc>
+              <a:spcBef>
+                <a:spcPts val="500"/>
+              </a:spcBef>
+              <a:buSzPct val="70000"/>
+              <a:buFont typeface="Monotype Sorts" charset="2"/>
+              <a:buChar char=""/>
+            </a:pPr>
+            <a:r>
+              <a:rPr lang="en-GB" altLang="en-US" sz="1800" dirty="0">
+                <a:solidFill>
+                  <a:srgbClr val="000000"/>
+                </a:solidFill>
+              </a:rPr>
+              <a:t>&gt;= 80%   B</a:t>
+            </a:r>
+          </a:p>
+          <a:p>
+            <a:pPr lvl="1">
+              <a:lnSpc>
+                <a:spcPct val="80000"/>
+              </a:lnSpc>
+              <a:spcBef>
+                <a:spcPts val="500"/>
+              </a:spcBef>
+              <a:buSzPct val="70000"/>
+              <a:buFont typeface="Monotype Sorts" charset="2"/>
+              <a:buChar char=""/>
+            </a:pPr>
+            <a:r>
+              <a:rPr lang="en-GB" altLang="en-US" sz="1800" dirty="0">
+                <a:solidFill>
+                  <a:srgbClr val="000000"/>
+                </a:solidFill>
+              </a:rPr>
+              <a:t>&gt;= 70%   C</a:t>
             </a:r>
           </a:p>
           <a:p>
             <a:pPr>
               <a:lnSpc>
-                <a:spcPct val="100000"/>
+                <a:spcPct val="80000"/>
               </a:lnSpc>
               <a:spcBef>
-                <a:spcPts val="800"/>
+                <a:spcPts val="600"/>
               </a:spcBef>
               <a:buSzPct val="85000"/>
               <a:buFont typeface="Monotype Sorts" charset="2"/>
               <a:buChar char=""/>
             </a:pPr>
             <a:r>
-              <a:rPr lang="en-GB" altLang="en-US" sz="3200" dirty="0">
+              <a:rPr lang="en-GB" altLang="en-US" dirty="0">
                 <a:solidFill>
                   <a:srgbClr val="000000"/>
                 </a:solidFill>
               </a:rPr>
-              <a:t>However </a:t>
-            </a:r>
-            <a:r>
-              <a:rPr lang="en-US" altLang="en-US" sz="3200" dirty="0">
-                <a:solidFill>
-                  <a:srgbClr val="000000"/>
-                </a:solidFill>
-              </a:rPr>
-              <a:t>you will be expected to work on the lab after (or during) a screencast </a:t>
-            </a:r>
-            <a:r>
-              <a:rPr lang="en-GB" altLang="ja-JP" sz="3200" dirty="0">
-                <a:solidFill>
-                  <a:srgbClr val="000000"/>
-                </a:solidFill>
-              </a:rPr>
-              <a:t>to be sure you are prepared for class</a:t>
+              <a:t>Anyone can get an "A”</a:t>
             </a:r>
           </a:p>
           <a:p>
             <a:pPr lvl="1">
               <a:lnSpc>
-                <a:spcPct val="100000"/>
+                <a:spcPct val="80000"/>
               </a:lnSpc>
               <a:spcBef>
-                <a:spcPts val="800"/>
+                <a:spcPts val="600"/>
               </a:spcBef>
               <a:buSzPct val="85000"/>
               <a:buFont typeface="Monotype Sorts" charset="2"/>
               <a:buChar char=""/>
             </a:pPr>
             <a:r>
-              <a:rPr lang="en-GB" altLang="en-US" dirty="0">
+              <a:rPr lang="en-GB" altLang="en-US" sz="2000" dirty="0">
                 <a:solidFill>
                   <a:srgbClr val="000000"/>
                 </a:solidFill>
               </a:rPr>
-              <a:t>The labs will be checked and graded</a:t>
+              <a:t>But you need to earn it. Get help early and often when you need it.</a:t>
             </a:r>
           </a:p>
           <a:p>
             <a:pPr lvl="1">
               <a:lnSpc>
-                <a:spcPct val="100000"/>
+                <a:spcPct val="80000"/>
               </a:lnSpc>
               <a:spcBef>
-                <a:spcPts val="800"/>
+                <a:spcPts val="600"/>
               </a:spcBef>
               <a:buSzPct val="85000"/>
               <a:buFont typeface="Monotype Sorts" charset="2"/>
               <a:buChar char=""/>
             </a:pPr>
             <a:r>
-              <a:rPr lang="en-GB" altLang="en-US" dirty="0">
+              <a:rPr lang="en-GB" altLang="en-US" sz="2000" dirty="0">
                 <a:solidFill>
                   <a:srgbClr val="000000"/>
                 </a:solidFill>
               </a:rPr>
-              <a:t>You will not be able to follow along in class if you have not started work on the lab</a:t>
+              <a:t>Do </a:t>
+            </a:r>
+            <a:r>
+              <a:rPr lang="en-GB" altLang="en-US" sz="2000" b="1" u="sng" dirty="0">
+                <a:solidFill>
+                  <a:srgbClr val="000000"/>
+                </a:solidFill>
+              </a:rPr>
+              <a:t>all</a:t>
+            </a:r>
+            <a:r>
+              <a:rPr lang="en-GB" altLang="en-US" sz="2000" dirty="0">
+                <a:solidFill>
+                  <a:srgbClr val="000000"/>
+                </a:solidFill>
+              </a:rPr>
+              <a:t> the work, </a:t>
+            </a:r>
+            <a:r>
+              <a:rPr lang="en-GB" altLang="en-US" sz="2000" b="1" dirty="0">
+                <a:solidFill>
+                  <a:srgbClr val="000000"/>
+                </a:solidFill>
+              </a:rPr>
+              <a:t>do not </a:t>
+            </a:r>
+            <a:r>
+              <a:rPr lang="en-GB" altLang="en-US" sz="2000" dirty="0">
+                <a:solidFill>
+                  <a:srgbClr val="000000"/>
+                </a:solidFill>
+              </a:rPr>
+              <a:t>try to take short cuts</a:t>
             </a:r>
           </a:p>
           <a:p>
-            <a:pPr lvl="1">
-              <a:lnSpc>
-                <a:spcPct val="100000"/>
+            <a:pPr>
+              <a:lnSpc>
+                <a:spcPct val="80000"/>
               </a:lnSpc>
               <a:spcBef>
-                <a:spcPts val="800"/>
+                <a:spcPts val="600"/>
               </a:spcBef>
               <a:buSzPct val="85000"/>
               <a:buFont typeface="Monotype Sorts" charset="2"/>
@@ -23311,7 +24585,70 @@
                   <a:srgbClr val="000000"/>
                 </a:solidFill>
               </a:rPr>
-              <a:t>Labs must be completed and submitted on time. No late labs will be accepted.</a:t>
+              <a:t>Your progress will be continuously posted on the class web site. </a:t>
+            </a:r>
+          </a:p>
+          <a:p>
+            <a:pPr lvl="1">
+              <a:lnSpc>
+                <a:spcPct val="80000"/>
+              </a:lnSpc>
+              <a:spcBef>
+                <a:spcPts val="600"/>
+              </a:spcBef>
+              <a:buSzPct val="85000"/>
+              <a:buFont typeface="Monotype Sorts" charset="2"/>
+              <a:buChar char=""/>
+            </a:pPr>
+            <a:r>
+              <a:rPr lang="en-GB" altLang="en-US" sz="2000" dirty="0">
+                <a:solidFill>
+                  <a:srgbClr val="000000"/>
+                </a:solidFill>
+              </a:rPr>
+              <a:t>Do not expect me or the TA to know if you are having trouble. </a:t>
+            </a:r>
+          </a:p>
+          <a:p>
+            <a:pPr lvl="1">
+              <a:lnSpc>
+                <a:spcPct val="80000"/>
+              </a:lnSpc>
+              <a:spcBef>
+                <a:spcPts val="600"/>
+              </a:spcBef>
+              <a:buSzPct val="85000"/>
+              <a:buFont typeface="Monotype Sorts" charset="2"/>
+              <a:buChar char=""/>
+            </a:pPr>
+            <a:r>
+              <a:rPr lang="en-GB" altLang="en-US" sz="2000" dirty="0">
+                <a:solidFill>
+                  <a:srgbClr val="000000"/>
+                </a:solidFill>
+              </a:rPr>
+              <a:t>Get help before something is a major problem. It will not be possible to “catch up” or “make up” at end of the semester </a:t>
+            </a:r>
+          </a:p>
+          <a:p>
+            <a:pPr>
+              <a:lnSpc>
+                <a:spcPct val="80000"/>
+              </a:lnSpc>
+              <a:spcBef>
+                <a:spcPts val="600"/>
+              </a:spcBef>
+              <a:buSzPct val="85000"/>
+              <a:buFont typeface="Monotype Sorts" charset="2"/>
+              <a:buChar char=""/>
+            </a:pPr>
+            <a:r>
+              <a:rPr lang="en-GB" altLang="en-US" dirty="0">
+                <a:solidFill>
+                  <a:srgbClr val="000000"/>
+                </a:solidFill>
+              </a:rPr>
+              <a:t>If you are not doing as well as you would like, there are always opportunities for extra credit. </a:t>
             </a:r>
           </a:p>
         </p:txBody>
@@ -23371,10 +24708,10 @@
       </p:grpSpPr>
       <p:sp>
         <p:nvSpPr>
-          <p:cNvPr id="32770" name="Text Box 1">
+          <p:cNvPr id="34818" name="Text Box 1">
             <a:extLst>
               <a:ext uri="{FF2B5EF4-FFF2-40B4-BE49-F238E27FC236}">
-                <a16:creationId xmlns:a16="http://schemas.microsoft.com/office/drawing/2014/main" id="{70693565-B4DF-473B-BF11-1BB247118081}"/>
+                <a16:creationId xmlns:a16="http://schemas.microsoft.com/office/drawing/2014/main" id="{BD730ED4-9D46-4DF5-B13B-12FCD3324317}"/>
               </a:ext>
             </a:extLst>
           </p:cNvPr>
@@ -23416,7 +24753,7 @@
           </a:extLst>
         </p:spPr>
         <p:txBody>
-          <a:bodyPr lIns="90360" tIns="44280" rIns="90360" bIns="44280" anchor="ctr"/>
+          <a:bodyPr lIns="90000" tIns="46800" rIns="90000" bIns="46800" anchor="ctr"/>
           <a:lstStyle>
             <a:lvl1pPr>
               <a:lnSpc>
@@ -23815,17 +25152,17 @@
                   <a:srgbClr val="221304"/>
                 </a:solidFill>
               </a:rPr>
-              <a:t>Grades</a:t>
+              <a:t>Class Lectures</a:t>
             </a:r>
           </a:p>
         </p:txBody>
       </p:sp>
       <p:sp>
         <p:nvSpPr>
-          <p:cNvPr id="32771" name="Text Box 2">
+          <p:cNvPr id="34819" name="Text Box 2">
             <a:extLst>
               <a:ext uri="{FF2B5EF4-FFF2-40B4-BE49-F238E27FC236}">
-                <a16:creationId xmlns:a16="http://schemas.microsoft.com/office/drawing/2014/main" id="{D1F74B5D-B365-4908-9D1F-4F8A06159E8B}"/>
+                <a16:creationId xmlns:a16="http://schemas.microsoft.com/office/drawing/2014/main" id="{8F8A687F-66B1-48F0-A855-17B520939224}"/>
               </a:ext>
             </a:extLst>
           </p:cNvPr>
@@ -23836,8 +25173,8 @@
         </p:nvSpPr>
         <p:spPr bwMode="auto">
           <a:xfrm>
-            <a:off x="457200" y="1371600"/>
-            <a:ext cx="8332076" cy="4724400"/>
+            <a:off x="342900" y="1295400"/>
+            <a:ext cx="8458200" cy="4648200"/>
           </a:xfrm>
           <a:prstGeom prst="rect">
             <a:avLst/>
@@ -23867,7 +25204,7 @@
           </a:extLst>
         </p:spPr>
         <p:txBody>
-          <a:bodyPr lIns="90360" tIns="44280" rIns="90360" bIns="44280"/>
+          <a:bodyPr lIns="90000" tIns="46800" rIns="90000" bIns="46800"/>
           <a:lstStyle>
             <a:lvl1pPr marL="336550" indent="-336550">
               <a:lnSpc>
@@ -23908,7 +25245,7 @@
                 <a:ea typeface="MS PGothic" panose="020B0600070205080204" pitchFamily="34" charset="-128"/>
               </a:defRPr>
             </a:lvl1pPr>
-            <a:lvl2pPr marL="736600" indent="-279400">
+            <a:lvl2pPr>
               <a:lnSpc>
                 <a:spcPct val="86000"/>
               </a:lnSpc>
@@ -24248,136 +25585,108 @@
           <a:p>
             <a:pPr>
               <a:lnSpc>
-                <a:spcPct val="80000"/>
+                <a:spcPct val="100000"/>
               </a:lnSpc>
               <a:spcBef>
-                <a:spcPts val="600"/>
+                <a:spcPts val="800"/>
               </a:spcBef>
               <a:buSzPct val="85000"/>
               <a:buFont typeface="Monotype Sorts" charset="2"/>
               <a:buChar char=""/>
             </a:pPr>
             <a:r>
-              <a:rPr lang="en-GB" altLang="en-US" b="1" dirty="0">
+              <a:rPr lang="en-GB" altLang="en-US" sz="2800" dirty="0">
                 <a:solidFill>
                   <a:srgbClr val="000000"/>
                 </a:solidFill>
               </a:rPr>
-              <a:t>See the course web-site for the grade breakdown</a:t>
+              <a:t>Lectures are generally available on the class web page and are viewed at home </a:t>
+            </a:r>
+            <a:r>
+              <a:rPr lang="en-GB" altLang="en-US" sz="2800" u="sng" dirty="0">
+                <a:solidFill>
+                  <a:srgbClr val="000000"/>
+                </a:solidFill>
+              </a:rPr>
+              <a:t>prior</a:t>
+            </a:r>
+            <a:r>
+              <a:rPr lang="en-GB" altLang="en-US" sz="2800" dirty="0">
+                <a:solidFill>
+                  <a:srgbClr val="000000"/>
+                </a:solidFill>
+              </a:rPr>
+              <a:t> to class </a:t>
             </a:r>
           </a:p>
           <a:p>
-            <a:pPr>
-              <a:lnSpc>
-                <a:spcPct val="80000"/>
+            <a:pPr lvl="1">
+              <a:lnSpc>
+                <a:spcPct val="100000"/>
               </a:lnSpc>
               <a:spcBef>
-                <a:spcPts val="600"/>
+                <a:spcPts val="800"/>
               </a:spcBef>
               <a:buSzPct val="85000"/>
               <a:buFont typeface="Monotype Sorts" charset="2"/>
               <a:buChar char=""/>
             </a:pPr>
             <a:r>
-              <a:rPr lang="en-GB" altLang="en-US" dirty="0">
+              <a:rPr lang="en-GB" altLang="en-US" sz="2000" i="1" dirty="0">
                 <a:solidFill>
                   <a:srgbClr val="000000"/>
                 </a:solidFill>
               </a:rPr>
-              <a:t>Approximate scale:</a:t>
+              <a:t>Skipping lectures will make the in-class labs very difficult to follow</a:t>
             </a:r>
           </a:p>
           <a:p>
-            <a:pPr lvl="1">
-              <a:lnSpc>
-                <a:spcPct val="80000"/>
+            <a:pPr marL="457200" lvl="1" indent="0">
+              <a:lnSpc>
+                <a:spcPct val="100000"/>
               </a:lnSpc>
               <a:spcBef>
-                <a:spcPts val="500"/>
+                <a:spcPts val="800"/>
               </a:spcBef>
-              <a:buSzPct val="70000"/>
-              <a:buFont typeface="Monotype Sorts" charset="2"/>
-              <a:buChar char=""/>
+              <a:buSzPct val="85000"/>
             </a:pPr>
             <a:r>
-              <a:rPr lang="en-GB" altLang="en-US" sz="1800" dirty="0">
+              <a:rPr lang="en-GB" altLang="en-US" sz="2000" i="1" dirty="0">
                 <a:solidFill>
                   <a:srgbClr val="000000"/>
                 </a:solidFill>
               </a:rPr>
-              <a:t>&gt;= 90%   A</a:t>
-            </a:r>
-          </a:p>
-          <a:p>
-            <a:pPr lvl="1">
-              <a:lnSpc>
-                <a:spcPct val="80000"/>
-              </a:lnSpc>
-              <a:spcBef>
-                <a:spcPts val="500"/>
-              </a:spcBef>
-              <a:buSzPct val="70000"/>
-              <a:buFont typeface="Monotype Sorts" charset="2"/>
-              <a:buChar char=""/>
-            </a:pPr>
-            <a:r>
-              <a:rPr lang="en-GB" altLang="en-US" sz="1800" dirty="0">
-                <a:solidFill>
-                  <a:srgbClr val="000000"/>
-                </a:solidFill>
-              </a:rPr>
-              <a:t>&gt;= 80%   B</a:t>
-            </a:r>
-          </a:p>
-          <a:p>
-            <a:pPr lvl="1">
-              <a:lnSpc>
-                <a:spcPct val="80000"/>
-              </a:lnSpc>
-              <a:spcBef>
-                <a:spcPts val="500"/>
-              </a:spcBef>
-              <a:buSzPct val="70000"/>
-              <a:buFont typeface="Monotype Sorts" charset="2"/>
-              <a:buChar char=""/>
-            </a:pPr>
-            <a:r>
-              <a:rPr lang="en-GB" altLang="en-US" sz="1800" dirty="0">
-                <a:solidFill>
-                  <a:srgbClr val="000000"/>
-                </a:solidFill>
-              </a:rPr>
-              <a:t>&gt;= 70%   C</a:t>
+              <a:t> * Do not expect to be able to learn and apply the concepts during class * </a:t>
             </a:r>
           </a:p>
           <a:p>
             <a:pPr>
               <a:lnSpc>
-                <a:spcPct val="80000"/>
+                <a:spcPct val="100000"/>
               </a:lnSpc>
               <a:spcBef>
-                <a:spcPts val="600"/>
+                <a:spcPts val="800"/>
               </a:spcBef>
               <a:buSzPct val="85000"/>
               <a:buFont typeface="Monotype Sorts" charset="2"/>
               <a:buChar char=""/>
             </a:pPr>
             <a:r>
-              <a:rPr lang="en-GB" altLang="en-US" dirty="0">
+              <a:rPr lang="en-GB" altLang="en-US" sz="2800" dirty="0">
                 <a:solidFill>
                   <a:srgbClr val="000000"/>
                 </a:solidFill>
               </a:rPr>
-              <a:t>Anyone can get an "A”</a:t>
+              <a:t>Readings are to be done at home prior to class</a:t>
             </a:r>
           </a:p>
           <a:p>
             <a:pPr lvl="1">
               <a:lnSpc>
-                <a:spcPct val="80000"/>
+                <a:spcPct val="100000"/>
               </a:lnSpc>
               <a:spcBef>
-                <a:spcPts val="600"/>
+                <a:spcPts val="800"/>
               </a:spcBef>
               <a:buSzPct val="85000"/>
               <a:buFont typeface="Monotype Sorts" charset="2"/>
@@ -24389,69 +25698,69 @@
                   <a:srgbClr val="000000"/>
                 </a:solidFill>
               </a:rPr>
-              <a:t>But you need to earn it. Get help early and often when you need it.</a:t>
+              <a:t>These will be important reference materials for you!</a:t>
             </a:r>
           </a:p>
           <a:p>
-            <a:pPr lvl="1">
-              <a:lnSpc>
-                <a:spcPct val="80000"/>
+            <a:pPr>
+              <a:lnSpc>
+                <a:spcPct val="100000"/>
               </a:lnSpc>
               <a:spcBef>
-                <a:spcPts val="600"/>
+                <a:spcPts val="800"/>
               </a:spcBef>
               <a:buSzPct val="85000"/>
               <a:buFont typeface="Monotype Sorts" charset="2"/>
               <a:buChar char=""/>
             </a:pPr>
             <a:r>
-              <a:rPr lang="en-GB" altLang="en-US" sz="2000" dirty="0">
+              <a:rPr lang="en-GB" altLang="en-US" sz="2800" dirty="0">
                 <a:solidFill>
                   <a:srgbClr val="000000"/>
                 </a:solidFill>
               </a:rPr>
-              <a:t>Do </a:t>
-            </a:r>
-            <a:r>
-              <a:rPr lang="en-GB" altLang="en-US" sz="2000" b="1" u="sng" dirty="0">
+              <a:t>Most classes will be </a:t>
+            </a:r>
+            <a:r>
+              <a:rPr lang="ja-JP" altLang="en-GB" sz="2800" dirty="0">
                 <a:solidFill>
                   <a:srgbClr val="000000"/>
                 </a:solidFill>
               </a:rPr>
-              <a:t>all</a:t>
-            </a:r>
-            <a:r>
-              <a:rPr lang="en-GB" altLang="en-US" sz="2000" dirty="0">
+              <a:t>“</a:t>
+            </a:r>
+            <a:r>
+              <a:rPr lang="en-GB" altLang="ja-JP" sz="2800" dirty="0">
                 <a:solidFill>
                   <a:srgbClr val="000000"/>
                 </a:solidFill>
               </a:rPr>
-              <a:t> the work, </a:t>
-            </a:r>
-            <a:r>
-              <a:rPr lang="en-GB" altLang="en-US" sz="2000" b="1" dirty="0">
+              <a:t>follow along</a:t>
+            </a:r>
+            <a:r>
+              <a:rPr lang="ja-JP" altLang="en-GB" sz="2800" dirty="0">
                 <a:solidFill>
                   <a:srgbClr val="000000"/>
                 </a:solidFill>
               </a:rPr>
-              <a:t>do not </a:t>
-            </a:r>
-            <a:r>
-              <a:rPr lang="en-GB" altLang="en-US" sz="2000" dirty="0">
+              <a:t>”</a:t>
+            </a:r>
+            <a:r>
+              <a:rPr lang="en-GB" altLang="ja-JP" sz="2800" dirty="0">
                 <a:solidFill>
                   <a:srgbClr val="000000"/>
                 </a:solidFill>
               </a:rPr>
-              <a:t>try to take short cuts</a:t>
+              <a:t> labs with the professor, class exercises, or major assignment “workshops”</a:t>
             </a:r>
           </a:p>
           <a:p>
-            <a:pPr>
-              <a:lnSpc>
-                <a:spcPct val="80000"/>
+            <a:pPr lvl="1">
+              <a:lnSpc>
+                <a:spcPct val="100000"/>
               </a:lnSpc>
               <a:spcBef>
-                <a:spcPts val="600"/>
+                <a:spcPts val="800"/>
               </a:spcBef>
               <a:buSzPct val="85000"/>
               <a:buFont typeface="Monotype Sorts" charset="2"/>
@@ -24463,71 +25772,21 @@
                   <a:srgbClr val="000000"/>
                 </a:solidFill>
               </a:rPr>
-              <a:t>Your progress will be continuously posted on the class web site. </a:t>
-            </a:r>
-          </a:p>
-          <a:p>
-            <a:pPr lvl="1">
-              <a:lnSpc>
-                <a:spcPct val="80000"/>
-              </a:lnSpc>
-              <a:spcBef>
-                <a:spcPts val="600"/>
-              </a:spcBef>
-              <a:buSzPct val="85000"/>
-              <a:buFont typeface="Monotype Sorts" charset="2"/>
-              <a:buChar char=""/>
-            </a:pPr>
-            <a:r>
-              <a:rPr lang="en-GB" altLang="en-US" sz="2000" dirty="0">
+              <a:t> </a:t>
+            </a:r>
+            <a:r>
+              <a:rPr lang="en-GB" altLang="en-US" sz="1800" dirty="0">
                 <a:solidFill>
                   <a:srgbClr val="000000"/>
                 </a:solidFill>
               </a:rPr>
-              <a:t>Do not expect me or the TA to know if you are having trouble. </a:t>
-            </a:r>
-          </a:p>
-          <a:p>
-            <a:pPr lvl="1">
-              <a:lnSpc>
-                <a:spcPct val="80000"/>
-              </a:lnSpc>
-              <a:spcBef>
-                <a:spcPts val="600"/>
-              </a:spcBef>
-              <a:buSzPct val="85000"/>
-              <a:buFont typeface="Monotype Sorts" charset="2"/>
-              <a:buChar char=""/>
-            </a:pPr>
-            <a:r>
-              <a:rPr lang="en-GB" altLang="en-US" sz="2000" dirty="0">
-                <a:solidFill>
-                  <a:srgbClr val="000000"/>
-                </a:solidFill>
-              </a:rPr>
-              <a:t>Get help before something is a major problem. It will not be possible to “catch up” or “make up” at end of the semester </a:t>
-            </a:r>
-          </a:p>
-          <a:p>
-            <a:pPr>
-              <a:lnSpc>
-                <a:spcPct val="80000"/>
-              </a:lnSpc>
-              <a:spcBef>
-                <a:spcPts val="600"/>
-              </a:spcBef>
-              <a:buSzPct val="85000"/>
-              <a:buFont typeface="Monotype Sorts" charset="2"/>
-              <a:buChar char=""/>
-            </a:pPr>
-            <a:r>
-              <a:rPr lang="en-GB" altLang="en-US" dirty="0">
-                <a:solidFill>
-                  <a:srgbClr val="000000"/>
-                </a:solidFill>
-              </a:rPr>
-              <a:t>If you are not doing as well as you would like, there are always opportunities for extra credit. </a:t>
-            </a:r>
+              <a:t>You will get little “lecture” (except this class of course!)</a:t>
+            </a:r>
+            <a:endParaRPr lang="en-GB" altLang="en-US" dirty="0">
+              <a:solidFill>
+                <a:srgbClr val="000000"/>
+              </a:solidFill>
+            </a:endParaRPr>
           </a:p>
         </p:txBody>
       </p:sp>
@@ -24536,7 +25795,7 @@
   <p:clrMapOvr>
     <a:masterClrMapping/>
   </p:clrMapOvr>
-  <p:transition/>
+  <p:transition spd="med"/>
   <p:timing>
     <p:tnLst>
       <p:par>
@@ -24586,10 +25845,10 @@
       </p:grpSpPr>
       <p:sp>
         <p:nvSpPr>
-          <p:cNvPr id="34818" name="Text Box 1">
+          <p:cNvPr id="36866" name="Text Box 1">
             <a:extLst>
               <a:ext uri="{FF2B5EF4-FFF2-40B4-BE49-F238E27FC236}">
-                <a16:creationId xmlns:a16="http://schemas.microsoft.com/office/drawing/2014/main" id="{BD730ED4-9D46-4DF5-B13B-12FCD3324317}"/>
+                <a16:creationId xmlns:a16="http://schemas.microsoft.com/office/drawing/2014/main" id="{208B2ABE-11AF-4B79-B1CD-888127753744}"/>
               </a:ext>
             </a:extLst>
           </p:cNvPr>
@@ -24631,7 +25890,7 @@
           </a:extLst>
         </p:spPr>
         <p:txBody>
-          <a:bodyPr lIns="90000" tIns="46800" rIns="90000" bIns="46800" anchor="ctr"/>
+          <a:bodyPr lIns="90360" tIns="44280" rIns="90360" bIns="44280" anchor="ctr"/>
           <a:lstStyle>
             <a:lvl1pPr>
               <a:lnSpc>
@@ -25030,17 +26289,17 @@
                   <a:srgbClr val="221304"/>
                 </a:solidFill>
               </a:rPr>
-              <a:t>Class Lectures</a:t>
+              <a:t>How to do Well in ITM352</a:t>
             </a:r>
           </a:p>
         </p:txBody>
       </p:sp>
       <p:sp>
         <p:nvSpPr>
-          <p:cNvPr id="34819" name="Text Box 2">
+          <p:cNvPr id="36867" name="Text Box 2">
             <a:extLst>
               <a:ext uri="{FF2B5EF4-FFF2-40B4-BE49-F238E27FC236}">
-                <a16:creationId xmlns:a16="http://schemas.microsoft.com/office/drawing/2014/main" id="{8F8A687F-66B1-48F0-A855-17B520939224}"/>
+                <a16:creationId xmlns:a16="http://schemas.microsoft.com/office/drawing/2014/main" id="{163EA620-A743-4498-B081-7D644CE0D106}"/>
               </a:ext>
             </a:extLst>
           </p:cNvPr>
@@ -25051,8 +26310,8 @@
         </p:nvSpPr>
         <p:spPr bwMode="auto">
           <a:xfrm>
-            <a:off x="342900" y="1219200"/>
-            <a:ext cx="8458200" cy="4876800"/>
+            <a:off x="684213" y="1447800"/>
+            <a:ext cx="7697787" cy="4495800"/>
           </a:xfrm>
           <a:prstGeom prst="rect">
             <a:avLst/>
@@ -25082,7 +26341,7 @@
           </a:extLst>
         </p:spPr>
         <p:txBody>
-          <a:bodyPr lIns="90000" tIns="46800" rIns="90000" bIns="46800"/>
+          <a:bodyPr lIns="90360" tIns="44280" rIns="90360" bIns="44280"/>
           <a:lstStyle>
             <a:lvl1pPr marL="336550" indent="-336550">
               <a:lnSpc>
@@ -25123,7 +26382,7 @@
                 <a:ea typeface="MS PGothic" panose="020B0600070205080204" pitchFamily="34" charset="-128"/>
               </a:defRPr>
             </a:lvl1pPr>
-            <a:lvl2pPr>
+            <a:lvl2pPr marL="736600" indent="-279400">
               <a:lnSpc>
                 <a:spcPct val="86000"/>
               </a:lnSpc>
@@ -25463,96 +26722,93 @@
           <a:p>
             <a:pPr>
               <a:lnSpc>
-                <a:spcPct val="100000"/>
+                <a:spcPct val="80000"/>
               </a:lnSpc>
               <a:spcBef>
-                <a:spcPts val="800"/>
+                <a:spcPts val="700"/>
               </a:spcBef>
               <a:buSzPct val="85000"/>
               <a:buFont typeface="Monotype Sorts" charset="2"/>
               <a:buChar char=""/>
             </a:pPr>
             <a:r>
-              <a:rPr lang="en-GB" altLang="en-US" sz="2800" dirty="0">
+              <a:rPr lang="en-GB" altLang="en-US" dirty="0">
                 <a:solidFill>
                   <a:srgbClr val="000000"/>
                 </a:solidFill>
               </a:rPr>
-              <a:t>Lectures are generally available on the class web page and are viewed at home prior to class </a:t>
+              <a:t>Attend class, ask lots of questions, get help when you need as soon as possible</a:t>
             </a:r>
           </a:p>
           <a:p>
-            <a:pPr lvl="1">
-              <a:lnSpc>
-                <a:spcPct val="100000"/>
+            <a:pPr>
+              <a:lnSpc>
+                <a:spcPct val="80000"/>
               </a:lnSpc>
               <a:spcBef>
-                <a:spcPts val="800"/>
+                <a:spcPts val="700"/>
               </a:spcBef>
               <a:buSzPct val="85000"/>
               <a:buFont typeface="Monotype Sorts" charset="2"/>
               <a:buChar char=""/>
             </a:pPr>
             <a:r>
-              <a:rPr lang="en-GB" altLang="en-US" sz="2000" i="1" dirty="0">
+              <a:rPr lang="en-GB" altLang="en-US" dirty="0">
                 <a:solidFill>
                   <a:srgbClr val="000000"/>
                 </a:solidFill>
               </a:rPr>
-              <a:t>Skipping lectures will make the in-class labs very difficult to follow</a:t>
-            </a:r>
-          </a:p>
-          <a:p>
-            <a:pPr marL="457200" lvl="1" indent="0">
-              <a:lnSpc>
-                <a:spcPct val="100000"/>
-              </a:lnSpc>
-              <a:spcBef>
-                <a:spcPts val="800"/>
-              </a:spcBef>
-              <a:buSzPct val="85000"/>
-            </a:pPr>
-            <a:r>
-              <a:rPr lang="en-GB" altLang="en-US" sz="2000" i="1" dirty="0">
+              <a:t>Do </a:t>
+            </a:r>
+            <a:r>
+              <a:rPr lang="en-GB" altLang="en-US" u="sng" dirty="0">
                 <a:solidFill>
                   <a:srgbClr val="000000"/>
                 </a:solidFill>
               </a:rPr>
-              <a:t> * Do not expect to be able to learn and apply the concepts during class * </a:t>
+              <a:t>all</a:t>
+            </a:r>
+            <a:r>
+              <a:rPr lang="en-GB" altLang="en-US" dirty="0">
+                <a:solidFill>
+                  <a:srgbClr val="000000"/>
+                </a:solidFill>
+              </a:rPr>
+              <a:t> assignments early (especially WODs!!!)</a:t>
             </a:r>
           </a:p>
           <a:p>
             <a:pPr>
               <a:lnSpc>
-                <a:spcPct val="100000"/>
+                <a:spcPct val="80000"/>
               </a:lnSpc>
               <a:spcBef>
-                <a:spcPts val="800"/>
+                <a:spcPts val="700"/>
               </a:spcBef>
               <a:buSzPct val="85000"/>
               <a:buFont typeface="Monotype Sorts" charset="2"/>
               <a:buChar char=""/>
             </a:pPr>
             <a:r>
-              <a:rPr lang="en-GB" altLang="en-US" sz="2800" dirty="0">
+              <a:rPr lang="en-GB" altLang="en-US" dirty="0">
                 <a:solidFill>
                   <a:srgbClr val="000000"/>
                 </a:solidFill>
               </a:rPr>
-              <a:t>Readings are to be done at home prior to class</a:t>
+              <a:t>Best advice (thanks mom!):</a:t>
             </a:r>
           </a:p>
           <a:p>
             <a:pPr lvl="1">
               <a:lnSpc>
-                <a:spcPct val="100000"/>
+                <a:spcPct val="80000"/>
               </a:lnSpc>
               <a:spcBef>
-                <a:spcPts val="800"/>
+                <a:spcPts val="600"/>
               </a:spcBef>
-              <a:buSzPct val="85000"/>
+              <a:buSzPct val="70000"/>
               <a:buFont typeface="Monotype Sorts" charset="2"/>
-              <a:buChar char=""/>
+              <a:buChar char=""/>
             </a:pPr>
             <a:r>
               <a:rPr lang="en-GB" altLang="en-US" sz="2000" dirty="0">
@@ -25560,89 +26816,175 @@
                   <a:srgbClr val="000000"/>
                 </a:solidFill>
               </a:rPr>
-              <a:t>These will be important reference materials for you!</a:t>
-            </a:r>
-          </a:p>
-          <a:p>
-            <a:pPr>
-              <a:lnSpc>
-                <a:spcPct val="100000"/>
-              </a:lnSpc>
-              <a:spcBef>
-                <a:spcPts val="800"/>
-              </a:spcBef>
-              <a:buSzPct val="85000"/>
-              <a:buFont typeface="Monotype Sorts" charset="2"/>
-              <a:buChar char=""/>
-            </a:pPr>
-            <a:r>
-              <a:rPr lang="en-GB" altLang="en-US" sz="2800" dirty="0">
-                <a:solidFill>
-                  <a:srgbClr val="000000"/>
-                </a:solidFill>
-              </a:rPr>
-              <a:t>Most classes will be </a:t>
-            </a:r>
-            <a:r>
-              <a:rPr lang="ja-JP" altLang="en-GB" sz="2800" dirty="0">
-                <a:solidFill>
-                  <a:srgbClr val="000000"/>
-                </a:solidFill>
-              </a:rPr>
-              <a:t>“</a:t>
-            </a:r>
-            <a:r>
-              <a:rPr lang="en-GB" altLang="ja-JP" sz="2800" dirty="0">
-                <a:solidFill>
-                  <a:srgbClr val="000000"/>
-                </a:solidFill>
-              </a:rPr>
-              <a:t>follow along</a:t>
-            </a:r>
-            <a:r>
-              <a:rPr lang="ja-JP" altLang="en-GB" sz="2800" dirty="0">
-                <a:solidFill>
-                  <a:srgbClr val="000000"/>
-                </a:solidFill>
-              </a:rPr>
-              <a:t>”</a:t>
-            </a:r>
-            <a:r>
-              <a:rPr lang="en-GB" altLang="ja-JP" sz="2800" dirty="0">
-                <a:solidFill>
-                  <a:srgbClr val="000000"/>
-                </a:solidFill>
-              </a:rPr>
-              <a:t> labs with the professor, class exercises, or major assignment “workshops”</a:t>
+              <a:t>Go to class and pay attention</a:t>
             </a:r>
           </a:p>
           <a:p>
             <a:pPr lvl="1">
               <a:lnSpc>
-                <a:spcPct val="100000"/>
+                <a:spcPct val="80000"/>
               </a:lnSpc>
               <a:spcBef>
-                <a:spcPts val="800"/>
+                <a:spcPts val="600"/>
               </a:spcBef>
-              <a:buSzPct val="85000"/>
+              <a:buSzPct val="70000"/>
               <a:buFont typeface="Monotype Sorts" charset="2"/>
-              <a:buChar char=""/>
+              <a:buChar char=""/>
             </a:pPr>
             <a:r>
-              <a:rPr lang="en-GB" altLang="en-US" dirty="0">
+              <a:rPr lang="en-GB" altLang="en-US" sz="2000" dirty="0">
                 <a:solidFill>
                   <a:srgbClr val="000000"/>
                 </a:solidFill>
               </a:rPr>
-              <a:t> </a:t>
-            </a:r>
-            <a:r>
-              <a:rPr lang="en-GB" altLang="en-US" sz="1800" dirty="0">
+              <a:t>Always ask questions when they occur to you</a:t>
+            </a:r>
+          </a:p>
+          <a:p>
+            <a:pPr lvl="1">
+              <a:lnSpc>
+                <a:spcPct val="80000"/>
+              </a:lnSpc>
+              <a:spcBef>
+                <a:spcPts val="600"/>
+              </a:spcBef>
+              <a:buSzPct val="70000"/>
+              <a:buFont typeface="Monotype Sorts" charset="2"/>
+              <a:buChar char=""/>
+            </a:pPr>
+            <a:r>
+              <a:rPr lang="en-GB" altLang="en-US" sz="2000" dirty="0">
                 <a:solidFill>
                   <a:srgbClr val="000000"/>
                 </a:solidFill>
               </a:rPr>
-              <a:t>You will get little “lecture” (except this class of course!)</a:t>
+              <a:t>Explore; don’t be afraid to play; share your insights with others</a:t>
+            </a:r>
+          </a:p>
+          <a:p>
+            <a:pPr lvl="1">
+              <a:lnSpc>
+                <a:spcPct val="80000"/>
+              </a:lnSpc>
+              <a:spcBef>
+                <a:spcPts val="600"/>
+              </a:spcBef>
+              <a:buSzPct val="70000"/>
+              <a:buFont typeface="Monotype Sorts" charset="2"/>
+              <a:buChar char=""/>
+            </a:pPr>
+            <a:r>
+              <a:rPr lang="en-GB" altLang="en-US" sz="2000" dirty="0">
+                <a:solidFill>
+                  <a:srgbClr val="000000"/>
+                </a:solidFill>
+              </a:rPr>
+              <a:t>Get help when you are stuck. Don’t worry about “holding the class up”</a:t>
+            </a:r>
+          </a:p>
+          <a:p>
+            <a:pPr lvl="1">
+              <a:lnSpc>
+                <a:spcPct val="80000"/>
+              </a:lnSpc>
+              <a:spcBef>
+                <a:spcPts val="600"/>
+              </a:spcBef>
+              <a:buSzPct val="70000"/>
+              <a:buFont typeface="Monotype Sorts" charset="2"/>
+              <a:buChar char=""/>
+            </a:pPr>
+            <a:r>
+              <a:rPr lang="en-GB" altLang="en-US" sz="2000" dirty="0">
+                <a:solidFill>
+                  <a:srgbClr val="000000"/>
+                </a:solidFill>
+              </a:rPr>
+              <a:t>Find something interesting about the material</a:t>
+            </a:r>
+          </a:p>
+          <a:p>
+            <a:pPr lvl="1">
+              <a:lnSpc>
+                <a:spcPct val="80000"/>
+              </a:lnSpc>
+              <a:spcBef>
+                <a:spcPts val="600"/>
+              </a:spcBef>
+              <a:buSzPct val="70000"/>
+              <a:buFont typeface="Monotype Sorts" charset="2"/>
+              <a:buChar char=""/>
+            </a:pPr>
+            <a:r>
+              <a:rPr lang="en-GB" altLang="en-US" sz="2000" dirty="0">
+                <a:solidFill>
+                  <a:srgbClr val="000000"/>
+                </a:solidFill>
+              </a:rPr>
+              <a:t>Go above and beyond what is asked for (get creative!)</a:t>
+            </a:r>
+          </a:p>
+          <a:p>
+            <a:pPr lvl="1">
+              <a:lnSpc>
+                <a:spcPct val="80000"/>
+              </a:lnSpc>
+              <a:spcBef>
+                <a:spcPts val="600"/>
+              </a:spcBef>
+              <a:buSzPct val="70000"/>
+              <a:buFont typeface="Monotype Sorts" charset="2"/>
+              <a:buChar char=""/>
+            </a:pPr>
+            <a:r>
+              <a:rPr lang="en-GB" altLang="en-US" sz="2000" dirty="0">
+                <a:solidFill>
+                  <a:srgbClr val="000000"/>
+                </a:solidFill>
+              </a:rPr>
+              <a:t>Always take advantage of "extra credit" opportunities</a:t>
+            </a:r>
+          </a:p>
+          <a:p>
+            <a:pPr lvl="1">
+              <a:lnSpc>
+                <a:spcPct val="80000"/>
+              </a:lnSpc>
+              <a:spcBef>
+                <a:spcPts val="600"/>
+              </a:spcBef>
+              <a:buSzPct val="70000"/>
+              <a:buFont typeface="Monotype Sorts" charset="2"/>
+              <a:buChar char=""/>
+            </a:pPr>
+            <a:r>
+              <a:rPr lang="en-GB" altLang="en-US" sz="2000" dirty="0">
+                <a:solidFill>
+                  <a:srgbClr val="000000"/>
+                </a:solidFill>
+              </a:rPr>
+              <a:t>Have (or fake) confidence, ditch "worry"</a:t>
+            </a:r>
+          </a:p>
+          <a:p>
+            <a:pPr lvl="1">
+              <a:lnSpc>
+                <a:spcPct val="80000"/>
+              </a:lnSpc>
+              <a:spcBef>
+                <a:spcPts val="600"/>
+              </a:spcBef>
+              <a:buSzPct val="70000"/>
+              <a:buFont typeface="Monotype Sorts" charset="2"/>
+              <a:buChar char=""/>
+            </a:pPr>
+            <a:r>
+              <a:rPr lang="en-GB" altLang="en-US" sz="2000" dirty="0">
+                <a:solidFill>
+                  <a:srgbClr val="000000"/>
+                </a:solidFill>
+              </a:rPr>
+              <a:t>And (duh) do what is asked of you without trying to shortcut</a:t>
             </a:r>
             <a:endParaRPr lang="en-GB" altLang="en-US" dirty="0">
               <a:solidFill>
@@ -25657,7 +26999,7 @@
   <p:clrMapOvr>
     <a:masterClrMapping/>
   </p:clrMapOvr>
-  <p:transition spd="med"/>
+  <p:transition/>
   <p:timing>
     <p:tnLst>
       <p:par>
@@ -25707,10 +27049,10 @@
       </p:grpSpPr>
       <p:sp>
         <p:nvSpPr>
-          <p:cNvPr id="36866" name="Text Box 1">
+          <p:cNvPr id="38914" name="Text Box 1">
             <a:extLst>
               <a:ext uri="{FF2B5EF4-FFF2-40B4-BE49-F238E27FC236}">
-                <a16:creationId xmlns:a16="http://schemas.microsoft.com/office/drawing/2014/main" id="{208B2ABE-11AF-4B79-B1CD-888127753744}"/>
+                <a16:creationId xmlns:a16="http://schemas.microsoft.com/office/drawing/2014/main" id="{40E74344-0E62-48A0-95CE-EBB377F58EC9}"/>
               </a:ext>
             </a:extLst>
           </p:cNvPr>
@@ -26151,17 +27493,17 @@
                   <a:srgbClr val="221304"/>
                 </a:solidFill>
               </a:rPr>
-              <a:t>How to do Well in ITM352</a:t>
+              <a:t>Course Policies</a:t>
             </a:r>
           </a:p>
         </p:txBody>
       </p:sp>
       <p:sp>
         <p:nvSpPr>
-          <p:cNvPr id="36867" name="Text Box 2">
+          <p:cNvPr id="38915" name="Text Box 2">
             <a:extLst>
               <a:ext uri="{FF2B5EF4-FFF2-40B4-BE49-F238E27FC236}">
-                <a16:creationId xmlns:a16="http://schemas.microsoft.com/office/drawing/2014/main" id="{163EA620-A743-4498-B081-7D644CE0D106}"/>
+                <a16:creationId xmlns:a16="http://schemas.microsoft.com/office/drawing/2014/main" id="{57672353-99B8-4730-8B12-88E42F6A4EE3}"/>
               </a:ext>
             </a:extLst>
           </p:cNvPr>
@@ -26172,8 +27514,8 @@
         </p:nvSpPr>
         <p:spPr bwMode="auto">
           <a:xfrm>
-            <a:off x="684213" y="1447800"/>
-            <a:ext cx="7697787" cy="4495800"/>
+            <a:off x="609600" y="1447800"/>
+            <a:ext cx="7924800" cy="4695825"/>
           </a:xfrm>
           <a:prstGeom prst="rect">
             <a:avLst/>
@@ -26584,275 +27926,86 @@
           <a:p>
             <a:pPr>
               <a:lnSpc>
-                <a:spcPct val="80000"/>
+                <a:spcPct val="90000"/>
               </a:lnSpc>
               <a:spcBef>
-                <a:spcPts val="700"/>
+                <a:spcPts val="800"/>
               </a:spcBef>
               <a:buSzPct val="85000"/>
               <a:buFont typeface="Monotype Sorts" charset="2"/>
               <a:buChar char=""/>
             </a:pPr>
             <a:r>
-              <a:rPr lang="en-GB" altLang="en-US" dirty="0">
+              <a:rPr lang="en-GB" altLang="en-US" sz="3600" dirty="0">
                 <a:solidFill>
                   <a:srgbClr val="000000"/>
                 </a:solidFill>
               </a:rPr>
-              <a:t>Attend class, ask lots of questions, get help when you need as soon as possible</a:t>
-            </a:r>
-          </a:p>
-          <a:p>
-            <a:pPr>
-              <a:lnSpc>
-                <a:spcPct val="80000"/>
-              </a:lnSpc>
-              <a:spcBef>
-                <a:spcPts val="700"/>
-              </a:spcBef>
-              <a:buSzPct val="85000"/>
-              <a:buFont typeface="Monotype Sorts" charset="2"/>
-              <a:buChar char=""/>
-            </a:pPr>
-            <a:r>
-              <a:rPr lang="en-GB" altLang="en-US" dirty="0">
-                <a:solidFill>
-                  <a:srgbClr val="000000"/>
-                </a:solidFill>
-              </a:rPr>
-              <a:t>Do </a:t>
-            </a:r>
-            <a:r>
-              <a:rPr lang="en-GB" altLang="en-US" u="sng" dirty="0">
-                <a:solidFill>
-                  <a:srgbClr val="000000"/>
-                </a:solidFill>
-              </a:rPr>
-              <a:t>all</a:t>
-            </a:r>
-            <a:r>
-              <a:rPr lang="en-GB" altLang="en-US" dirty="0">
-                <a:solidFill>
-                  <a:srgbClr val="000000"/>
-                </a:solidFill>
-              </a:rPr>
-              <a:t> assignments early (especially WODs!!!)</a:t>
-            </a:r>
-          </a:p>
-          <a:p>
-            <a:pPr>
-              <a:lnSpc>
-                <a:spcPct val="80000"/>
-              </a:lnSpc>
-              <a:spcBef>
-                <a:spcPts val="700"/>
-              </a:spcBef>
-              <a:buSzPct val="85000"/>
-              <a:buFont typeface="Monotype Sorts" charset="2"/>
-              <a:buChar char=""/>
-            </a:pPr>
-            <a:r>
-              <a:rPr lang="en-GB" altLang="en-US" dirty="0">
-                <a:solidFill>
-                  <a:srgbClr val="000000"/>
-                </a:solidFill>
-              </a:rPr>
-              <a:t>Best advice (thanks mom!):</a:t>
+              <a:t>Lateness</a:t>
             </a:r>
           </a:p>
           <a:p>
             <a:pPr lvl="1">
               <a:lnSpc>
-                <a:spcPct val="80000"/>
+                <a:spcPct val="90000"/>
               </a:lnSpc>
               <a:spcBef>
-                <a:spcPts val="600"/>
+                <a:spcPts val="700"/>
               </a:spcBef>
               <a:buSzPct val="70000"/>
               <a:buFont typeface="Monotype Sorts" charset="2"/>
               <a:buChar char=""/>
             </a:pPr>
             <a:r>
-              <a:rPr lang="en-GB" altLang="en-US" sz="2000" dirty="0">
+              <a:rPr lang="en-GB" altLang="en-US" sz="2800" dirty="0">
                 <a:solidFill>
                   <a:srgbClr val="000000"/>
                 </a:solidFill>
               </a:rPr>
-              <a:t>Go to class and pay attention</a:t>
+              <a:t>Programming assignments and labs will not normally be accepted late unless arrangements are made in advance of due date.</a:t>
             </a:r>
           </a:p>
           <a:p>
             <a:pPr lvl="1">
               <a:lnSpc>
-                <a:spcPct val="80000"/>
+                <a:spcPct val="90000"/>
               </a:lnSpc>
               <a:spcBef>
-                <a:spcPts val="600"/>
+                <a:spcPts val="700"/>
               </a:spcBef>
               <a:buSzPct val="70000"/>
               <a:buFont typeface="Monotype Sorts" charset="2"/>
               <a:buChar char=""/>
             </a:pPr>
             <a:r>
-              <a:rPr lang="en-GB" altLang="en-US" sz="2000" dirty="0">
+              <a:rPr lang="en-GB" altLang="en-US" sz="2800" dirty="0">
                 <a:solidFill>
                   <a:srgbClr val="000000"/>
                 </a:solidFill>
               </a:rPr>
-              <a:t>Always ask questions when they occur to you</a:t>
+              <a:t>This is because subsequent material invariably builds on previous material </a:t>
             </a:r>
           </a:p>
           <a:p>
-            <a:pPr lvl="1">
-              <a:lnSpc>
-                <a:spcPct val="80000"/>
+            <a:pPr marL="1371600" lvl="2" indent="-457200">
+              <a:lnSpc>
+                <a:spcPct val="90000"/>
               </a:lnSpc>
               <a:spcBef>
-                <a:spcPts val="600"/>
+                <a:spcPts val="700"/>
               </a:spcBef>
               <a:buSzPct val="70000"/>
-              <a:buFont typeface="Monotype Sorts" charset="2"/>
-              <a:buChar char=""/>
+              <a:buFontTx/>
+              <a:buChar char="-"/>
             </a:pPr>
             <a:r>
-              <a:rPr lang="en-GB" altLang="en-US" sz="2000" dirty="0">
+              <a:rPr lang="en-GB" altLang="en-US" dirty="0">
                 <a:solidFill>
                   <a:srgbClr val="000000"/>
                 </a:solidFill>
               </a:rPr>
-              <a:t>Explore; don’t be afraid to play; share your insights with others</a:t>
-            </a:r>
-          </a:p>
-          <a:p>
-            <a:pPr lvl="1">
-              <a:lnSpc>
-                <a:spcPct val="80000"/>
-              </a:lnSpc>
-              <a:spcBef>
-                <a:spcPts val="600"/>
-              </a:spcBef>
-              <a:buSzPct val="70000"/>
-              <a:buFont typeface="Monotype Sorts" charset="2"/>
-              <a:buChar char=""/>
-            </a:pPr>
-            <a:r>
-              <a:rPr lang="en-GB" altLang="en-US" sz="2000" dirty="0">
-                <a:solidFill>
-                  <a:srgbClr val="000000"/>
-                </a:solidFill>
-              </a:rPr>
-              <a:t>Get help when you are stuck. Don’t worry about “holding the class up”</a:t>
-            </a:r>
-          </a:p>
-          <a:p>
-            <a:pPr lvl="1">
-              <a:lnSpc>
-                <a:spcPct val="80000"/>
-              </a:lnSpc>
-              <a:spcBef>
-                <a:spcPts val="600"/>
-              </a:spcBef>
-              <a:buSzPct val="70000"/>
-              <a:buFont typeface="Monotype Sorts" charset="2"/>
-              <a:buChar char=""/>
-            </a:pPr>
-            <a:r>
-              <a:rPr lang="en-GB" altLang="en-US" sz="2000" dirty="0">
-                <a:solidFill>
-                  <a:srgbClr val="000000"/>
-                </a:solidFill>
-              </a:rPr>
-              <a:t>Find something interesting about the material</a:t>
-            </a:r>
-          </a:p>
-          <a:p>
-            <a:pPr lvl="1">
-              <a:lnSpc>
-                <a:spcPct val="80000"/>
-              </a:lnSpc>
-              <a:spcBef>
-                <a:spcPts val="600"/>
-              </a:spcBef>
-              <a:buSzPct val="70000"/>
-              <a:buFont typeface="Monotype Sorts" charset="2"/>
-              <a:buChar char=""/>
-            </a:pPr>
-            <a:r>
-              <a:rPr lang="en-GB" altLang="en-US" sz="2000" dirty="0">
-                <a:solidFill>
-                  <a:srgbClr val="000000"/>
-                </a:solidFill>
-              </a:rPr>
-              <a:t>Go above and beyond what is asked for (get creative!)</a:t>
-            </a:r>
-          </a:p>
-          <a:p>
-            <a:pPr lvl="1">
-              <a:lnSpc>
-                <a:spcPct val="80000"/>
-              </a:lnSpc>
-              <a:spcBef>
-                <a:spcPts val="600"/>
-              </a:spcBef>
-              <a:buSzPct val="70000"/>
-              <a:buFont typeface="Monotype Sorts" charset="2"/>
-              <a:buChar char=""/>
-            </a:pPr>
-            <a:r>
-              <a:rPr lang="en-GB" altLang="en-US" sz="2000" dirty="0">
-                <a:solidFill>
-                  <a:srgbClr val="000000"/>
-                </a:solidFill>
-              </a:rPr>
-              <a:t>Always take advantage of "extra credit" opportunities</a:t>
-            </a:r>
-          </a:p>
-          <a:p>
-            <a:pPr lvl="1">
-              <a:lnSpc>
-                <a:spcPct val="80000"/>
-              </a:lnSpc>
-              <a:spcBef>
-                <a:spcPts val="600"/>
-              </a:spcBef>
-              <a:buSzPct val="70000"/>
-              <a:buFont typeface="Monotype Sorts" charset="2"/>
-              <a:buChar char=""/>
-            </a:pPr>
-            <a:r>
-              <a:rPr lang="en-GB" altLang="en-US" sz="2000" dirty="0">
-                <a:solidFill>
-                  <a:srgbClr val="000000"/>
-                </a:solidFill>
-              </a:rPr>
-              <a:t>Have (or fake) confidence, ditch "worry"</a:t>
-            </a:r>
-          </a:p>
-          <a:p>
-            <a:pPr lvl="1">
-              <a:lnSpc>
-                <a:spcPct val="80000"/>
-              </a:lnSpc>
-              <a:spcBef>
-                <a:spcPts val="600"/>
-              </a:spcBef>
-              <a:buSzPct val="70000"/>
-              <a:buFont typeface="Monotype Sorts" charset="2"/>
-              <a:buChar char=""/>
-            </a:pPr>
-            <a:r>
-              <a:rPr lang="en-GB" altLang="en-US" sz="2000" dirty="0">
-                <a:solidFill>
-                  <a:srgbClr val="000000"/>
-                </a:solidFill>
-              </a:rPr>
-              <a:t>And (duh) do what is asked of you without trying to shortcut</a:t>
-            </a:r>
-            <a:endParaRPr lang="en-GB" altLang="en-US" dirty="0">
-              <a:solidFill>
-                <a:srgbClr val="000000"/>
-              </a:solidFill>
-            </a:endParaRPr>
+              <a:t>e.g. a lab exercise may refer to a previous lab, WOD, or assignment so you will need to have these done in order to do the exercise</a:t>
+            </a:r>
           </a:p>
         </p:txBody>
       </p:sp>
@@ -27376,8 +28529,8 @@
         </p:nvSpPr>
         <p:spPr bwMode="auto">
           <a:xfrm>
-            <a:off x="609600" y="1447800"/>
-            <a:ext cx="7924800" cy="4695825"/>
+            <a:off x="228600" y="1295400"/>
+            <a:ext cx="8686800" cy="4800600"/>
           </a:xfrm>
           <a:prstGeom prst="rect">
             <a:avLst/>
@@ -27798,13 +28951,18 @@
               <a:buChar char=""/>
             </a:pPr>
             <a:r>
-              <a:rPr lang="en-GB" altLang="en-US" sz="3600" dirty="0">
+              <a:rPr lang="en-GB" altLang="en-US" sz="2800" dirty="0">
                 <a:solidFill>
                   <a:srgbClr val="000000"/>
                 </a:solidFill>
               </a:rPr>
-              <a:t>Lateness</a:t>
-            </a:r>
+              <a:t>Cheating </a:t>
+            </a:r>
+            <a:endParaRPr lang="en-GB" altLang="en-US" dirty="0">
+              <a:solidFill>
+                <a:srgbClr val="000000"/>
+              </a:solidFill>
+            </a:endParaRPr>
           </a:p>
           <a:p>
             <a:pPr lvl="1">
@@ -27819,16 +28977,32 @@
               <a:buChar char=""/>
             </a:pPr>
             <a:r>
-              <a:rPr lang="en-GB" altLang="en-US" sz="2800" dirty="0">
+              <a:rPr lang="en-GB" altLang="en-US" sz="2000" dirty="0">
                 <a:solidFill>
                   <a:srgbClr val="000000"/>
                 </a:solidFill>
               </a:rPr>
-              <a:t>Programming assignments and labs will not normally be accepted late unless arrangements are made in advance of due date.</a:t>
+              <a:t>It’s always ok to get help. But turning in </a:t>
+            </a:r>
+            <a:r>
+              <a:rPr lang="en-GB" altLang="en-US" sz="2000" u="sng" dirty="0">
+                <a:solidFill>
+                  <a:srgbClr val="000000"/>
+                </a:solidFill>
+              </a:rPr>
+              <a:t>someone else's work</a:t>
+            </a:r>
+            <a:r>
+              <a:rPr lang="en-GB" altLang="en-US" sz="2000" dirty="0">
+                <a:solidFill>
+                  <a:srgbClr val="000000"/>
+                </a:solidFill>
+              </a:rPr>
+              <a:t> as your own is robbing you of the experience you need to be successful. </a:t>
             </a:r>
           </a:p>
           <a:p>
-            <a:pPr lvl="1">
+            <a:pPr lvl="2">
               <a:lnSpc>
                 <a:spcPct val="90000"/>
               </a:lnSpc>
@@ -27840,16 +29014,48 @@
               <a:buChar char=""/>
             </a:pPr>
             <a:r>
-              <a:rPr lang="en-GB" altLang="en-US" sz="2800" dirty="0">
+              <a:rPr lang="en-GB" altLang="en-US" sz="1800" dirty="0">
                 <a:solidFill>
                   <a:srgbClr val="000000"/>
                 </a:solidFill>
               </a:rPr>
-              <a:t>This is because subsequent material invariably builds on previous material </a:t>
+              <a:t>There is often a lot of confusion about using code from labs, the class website, or online resources. This is generally </a:t>
+            </a:r>
+            <a:r>
+              <a:rPr lang="en-GB" altLang="en-US" sz="1800" b="1" dirty="0">
+                <a:solidFill>
+                  <a:srgbClr val="000000"/>
+                </a:solidFill>
+              </a:rPr>
+              <a:t>OK</a:t>
+            </a:r>
+            <a:r>
+              <a:rPr lang="en-GB" altLang="en-US" sz="1800" dirty="0">
+                <a:solidFill>
+                  <a:srgbClr val="000000"/>
+                </a:solidFill>
+              </a:rPr>
+              <a:t> so long as you make </a:t>
+            </a:r>
+            <a:r>
+              <a:rPr lang="en-GB" altLang="en-US" sz="1800" b="1" dirty="0">
+                <a:solidFill>
+                  <a:srgbClr val="000000"/>
+                </a:solidFill>
+              </a:rPr>
+              <a:t>CLEAR</a:t>
+            </a:r>
+            <a:r>
+              <a:rPr lang="en-GB" altLang="en-US" sz="1800" dirty="0">
+                <a:solidFill>
+                  <a:srgbClr val="000000"/>
+                </a:solidFill>
+              </a:rPr>
+              <a:t> reference to where this code came from and you indicate you understand what you are using (usually by lots of comments in the code)</a:t>
             </a:r>
           </a:p>
           <a:p>
-            <a:pPr marL="1371600" lvl="2" indent="-457200">
+            <a:pPr lvl="2">
               <a:lnSpc>
                 <a:spcPct val="90000"/>
               </a:lnSpc>
@@ -27857,21 +29063,170 @@
                 <a:spcPts val="700"/>
               </a:spcBef>
               <a:buSzPct val="70000"/>
+              <a:buFont typeface="Monotype Sorts" charset="2"/>
+              <a:buChar char=""/>
+            </a:pPr>
+            <a:r>
+              <a:rPr lang="en-GB" altLang="en-US" sz="1800" dirty="0">
+                <a:solidFill>
+                  <a:srgbClr val="000000"/>
+                </a:solidFill>
+              </a:rPr>
+              <a:t>In general it is </a:t>
+            </a:r>
+            <a:r>
+              <a:rPr lang="en-GB" altLang="en-US" sz="1800" b="1" dirty="0">
+                <a:solidFill>
+                  <a:srgbClr val="000000"/>
+                </a:solidFill>
+              </a:rPr>
+              <a:t>NOT OK</a:t>
+            </a:r>
+            <a:r>
+              <a:rPr lang="en-GB" altLang="en-US" sz="1800" dirty="0">
+                <a:solidFill>
+                  <a:srgbClr val="000000"/>
+                </a:solidFill>
+              </a:rPr>
+              <a:t> to use another students code, an entire project or system, or have someone write code for you.</a:t>
+            </a:r>
+          </a:p>
+          <a:p>
+            <a:pPr lvl="1">
+              <a:lnSpc>
+                <a:spcPct val="90000"/>
+              </a:lnSpc>
+              <a:spcBef>
+                <a:spcPts val="700"/>
+              </a:spcBef>
+              <a:buSzPct val="70000"/>
+              <a:buFont typeface="Monotype Sorts" charset="2"/>
+              <a:buChar char=""/>
+            </a:pPr>
+            <a:r>
+              <a:rPr lang="en-GB" altLang="en-US" sz="2000" dirty="0">
+                <a:solidFill>
+                  <a:srgbClr val="000000"/>
+                </a:solidFill>
+              </a:rPr>
+              <a:t>On programming assignments: zero on first offence, notice sent to deans office</a:t>
+            </a:r>
+          </a:p>
+          <a:p>
+            <a:pPr lvl="1">
+              <a:lnSpc>
+                <a:spcPct val="90000"/>
+              </a:lnSpc>
+              <a:spcBef>
+                <a:spcPts val="700"/>
+              </a:spcBef>
+              <a:buSzPct val="70000"/>
+              <a:buFont typeface="Monotype Sorts" charset="2"/>
+              <a:buChar char=""/>
+            </a:pPr>
+            <a:r>
+              <a:rPr lang="en-GB" altLang="en-US" sz="2000" dirty="0">
+                <a:solidFill>
+                  <a:srgbClr val="000000"/>
+                </a:solidFill>
+              </a:rPr>
+              <a:t>Second offence (of any kind): "F" in course, action by Dean</a:t>
+            </a:r>
+            <a:r>
+              <a:rPr lang="ja-JP" altLang="en-GB" sz="2000">
+                <a:solidFill>
+                  <a:srgbClr val="000000"/>
+                </a:solidFill>
+              </a:rPr>
+              <a:t>’</a:t>
+            </a:r>
+            <a:r>
+              <a:rPr lang="en-GB" altLang="ja-JP" sz="2000" dirty="0">
+                <a:solidFill>
+                  <a:srgbClr val="000000"/>
+                </a:solidFill>
+              </a:rPr>
+              <a:t>s office</a:t>
+            </a:r>
+          </a:p>
+          <a:p>
+            <a:pPr marL="457200" lvl="1" indent="0">
+              <a:lnSpc>
+                <a:spcPct val="90000"/>
+              </a:lnSpc>
+              <a:spcBef>
+                <a:spcPts val="700"/>
+              </a:spcBef>
+              <a:buSzPct val="70000"/>
+            </a:pPr>
+            <a:r>
+              <a:rPr lang="en-GB" altLang="en-US" sz="2000" b="1" dirty="0">
+                <a:solidFill>
+                  <a:srgbClr val="000000"/>
+                </a:solidFill>
+              </a:rPr>
+              <a:t>Bottom line: </a:t>
+            </a:r>
+            <a:r>
+              <a:rPr lang="en-GB" altLang="en-US" sz="2000" dirty="0">
+                <a:solidFill>
+                  <a:srgbClr val="FF0000"/>
+                </a:solidFill>
+              </a:rPr>
+              <a:t>Don't do it! </a:t>
+            </a:r>
+            <a:r>
+              <a:rPr lang="en-GB" altLang="en-US" sz="2000" dirty="0">
+                <a:solidFill>
+                  <a:srgbClr val="000000"/>
+                </a:solidFill>
+              </a:rPr>
+              <a:t>It's never worth it. Since you are building a skill here</a:t>
+            </a:r>
+            <a:r>
+              <a:rPr lang="en-GB" altLang="en-US" sz="2800" dirty="0">
+                <a:solidFill>
+                  <a:srgbClr val="000000"/>
+                </a:solidFill>
+              </a:rPr>
+              <a:t> </a:t>
+            </a:r>
+            <a:r>
+              <a:rPr lang="en-GB" altLang="en-US" sz="2000" dirty="0">
+                <a:solidFill>
+                  <a:srgbClr val="000000"/>
+                </a:solidFill>
+              </a:rPr>
+              <a:t>you only end up cheating yourself. There also really is never any need. We will help you achieve success if you put in a honest effort.</a:t>
+            </a:r>
+          </a:p>
+          <a:p>
+            <a:pPr>
+              <a:lnSpc>
+                <a:spcPct val="90000"/>
+              </a:lnSpc>
+              <a:spcBef>
+                <a:spcPts val="500"/>
+              </a:spcBef>
+              <a:buClrTx/>
+              <a:buSzTx/>
               <a:buFontTx/>
-              <a:buChar char="-"/>
+              <a:buNone/>
             </a:pPr>
-            <a:r>
-              <a:rPr lang="en-GB" altLang="en-US" dirty="0">
-                <a:solidFill>
-                  <a:srgbClr val="000000"/>
-                </a:solidFill>
-              </a:rPr>
-              <a:t>e.g. a lab exercise may refer to a previous lab, WOD, or assignment so you will need to have these done in order to do the exercise</a:t>
-            </a:r>
+            <a:endParaRPr lang="en-GB" altLang="en-US" sz="2000" dirty="0">
+              <a:solidFill>
+                <a:srgbClr val="000000"/>
+              </a:solidFill>
+            </a:endParaRPr>
           </a:p>
         </p:txBody>
       </p:sp>
     </p:spTree>
+    <p:extLst>
+      <p:ext uri="{BB962C8B-B14F-4D97-AF65-F5344CB8AC3E}">
+        <p14:creationId xmlns:p14="http://schemas.microsoft.com/office/powerpoint/2010/main" val="1023308168"/>
+      </p:ext>
+    </p:extLst>
   </p:cSld>
   <p:clrMapOvr>
     <a:masterClrMapping/>
@@ -28365,12 +29720,12 @@
               </a:lnSpc>
             </a:pPr>
             <a:r>
-              <a:rPr lang="en-GB" altLang="en-US" sz="4400">
+              <a:rPr lang="en-GB" altLang="en-US" sz="4400" dirty="0">
                 <a:solidFill>
                   <a:srgbClr val="221304"/>
                 </a:solidFill>
               </a:rPr>
-              <a:t>Course Policies</a:t>
+              <a:t>Use of Generative AI</a:t>
             </a:r>
           </a:p>
         </p:txBody>
@@ -28391,8 +29746,8 @@
         </p:nvSpPr>
         <p:spPr bwMode="auto">
           <a:xfrm>
-            <a:off x="228600" y="1295400"/>
-            <a:ext cx="8686800" cy="4800600"/>
+            <a:off x="228600" y="1344168"/>
+            <a:ext cx="8686800" cy="4724400"/>
           </a:xfrm>
           <a:prstGeom prst="rect">
             <a:avLst/>
@@ -28422,7 +29777,9 @@
           </a:extLst>
         </p:spPr>
         <p:txBody>
-          <a:bodyPr lIns="90360" tIns="44280" rIns="90360" bIns="44280"/>
+          <a:bodyPr lIns="90360" tIns="44280" rIns="90360" bIns="44280">
+            <a:normAutofit fontScale="92500" lnSpcReduction="20000"/>
+          </a:bodyPr>
           <a:lstStyle>
             <a:lvl1pPr marL="336550" indent="-336550">
               <a:lnSpc>
@@ -28813,18 +30170,45 @@
               <a:buChar char=""/>
             </a:pPr>
             <a:r>
-              <a:rPr lang="en-GB" altLang="en-US" sz="2800" dirty="0">
+              <a:rPr lang="en-GB" altLang="en-US" sz="2000" dirty="0">
                 <a:solidFill>
                   <a:srgbClr val="000000"/>
                 </a:solidFill>
               </a:rPr>
-              <a:t>Cheating </a:t>
-            </a:r>
-            <a:endParaRPr lang="en-GB" altLang="en-US" dirty="0">
-              <a:solidFill>
-                <a:srgbClr val="000000"/>
-              </a:solidFill>
-            </a:endParaRPr>
+              <a:t>You will be tempted to use generative AI such as </a:t>
+            </a:r>
+            <a:r>
+              <a:rPr lang="en-GB" altLang="en-US" sz="2000" dirty="0" err="1">
+                <a:solidFill>
+                  <a:srgbClr val="000000"/>
+                </a:solidFill>
+              </a:rPr>
+              <a:t>ChatGPT</a:t>
+            </a:r>
+            <a:r>
+              <a:rPr lang="en-GB" altLang="en-US" sz="2000" dirty="0">
+                <a:solidFill>
+                  <a:srgbClr val="000000"/>
+                </a:solidFill>
+              </a:rPr>
+              <a:t>, Bard, and </a:t>
+            </a:r>
+            <a:r>
+              <a:rPr lang="en-GB" altLang="en-US" sz="2000" dirty="0" err="1">
+                <a:solidFill>
+                  <a:srgbClr val="000000"/>
+                </a:solidFill>
+              </a:rPr>
+              <a:t>CoPilot</a:t>
+            </a:r>
+            <a:r>
+              <a:rPr lang="en-GB" altLang="en-US" sz="2000" dirty="0">
+                <a:solidFill>
+                  <a:srgbClr val="000000"/>
+                </a:solidFill>
+              </a:rPr>
+              <a:t> to help you in this class</a:t>
+            </a:r>
           </a:p>
           <a:p>
             <a:pPr lvl="1">
@@ -28839,32 +30223,32 @@
               <a:buChar char=""/>
             </a:pPr>
             <a:r>
-              <a:rPr lang="en-GB" altLang="en-US" sz="2000" dirty="0">
+              <a:rPr lang="en-GB" altLang="en-US" sz="1600" dirty="0">
                 <a:solidFill>
                   <a:srgbClr val="000000"/>
                 </a:solidFill>
               </a:rPr>
-              <a:t>It’s always ok to get help. But turning in </a:t>
-            </a:r>
-            <a:r>
-              <a:rPr lang="en-GB" altLang="en-US" sz="2000" u="sng" dirty="0">
+              <a:t>Our policy on this is “go for it” and we </a:t>
+            </a:r>
+            <a:r>
+              <a:rPr lang="en-GB" altLang="en-US" sz="1600" u="sng" dirty="0">
                 <a:solidFill>
                   <a:srgbClr val="000000"/>
                 </a:solidFill>
               </a:rPr>
-              <a:t>someone else's work</a:t>
-            </a:r>
-            <a:r>
-              <a:rPr lang="en-GB" altLang="en-US" sz="2000" dirty="0">
+              <a:t>encourage</a:t>
+            </a:r>
+            <a:r>
+              <a:rPr lang="en-GB" altLang="en-US" sz="1600" dirty="0">
                 <a:solidFill>
                   <a:srgbClr val="000000"/>
                 </a:solidFill>
               </a:rPr>
-              <a:t> as your own is robbing you of the experience you need to be successful. </a:t>
+              <a:t> you to find and use these excellent tools!</a:t>
             </a:r>
           </a:p>
           <a:p>
-            <a:pPr lvl="2">
+            <a:pPr lvl="1">
               <a:lnSpc>
                 <a:spcPct val="90000"/>
               </a:lnSpc>
@@ -28876,44 +30260,12 @@
               <a:buChar char=""/>
             </a:pPr>
             <a:r>
-              <a:rPr lang="en-GB" altLang="en-US" sz="1800" dirty="0">
+              <a:rPr lang="en-GB" altLang="en-US" sz="1600" dirty="0">
                 <a:solidFill>
                   <a:srgbClr val="000000"/>
                 </a:solidFill>
               </a:rPr>
-              <a:t>There is often a lot of confusion about using code from labs, the class website, or online resources. This is generally </a:t>
-            </a:r>
-            <a:r>
-              <a:rPr lang="en-GB" altLang="en-US" sz="1800" b="1" dirty="0">
-                <a:solidFill>
-                  <a:srgbClr val="000000"/>
-                </a:solidFill>
-              </a:rPr>
-              <a:t>OK</a:t>
-            </a:r>
-            <a:r>
-              <a:rPr lang="en-GB" altLang="en-US" sz="1800" dirty="0">
-                <a:solidFill>
-                  <a:srgbClr val="000000"/>
-                </a:solidFill>
-              </a:rPr>
-              <a:t> so long as you make </a:t>
-            </a:r>
-            <a:r>
-              <a:rPr lang="en-GB" altLang="en-US" sz="1800" b="1" dirty="0">
-                <a:solidFill>
-                  <a:srgbClr val="000000"/>
-                </a:solidFill>
-              </a:rPr>
-              <a:t>CLEAR</a:t>
-            </a:r>
-            <a:r>
-              <a:rPr lang="en-GB" altLang="en-US" sz="1800" dirty="0">
-                <a:solidFill>
-                  <a:srgbClr val="000000"/>
-                </a:solidFill>
-              </a:rPr>
-              <a:t> reference to where this code came from and you indicate you understand what you are using (usually by lots of comments in the code)</a:t>
+              <a:t>We only ask that you be “smart” about use of these tools to assist your learning and not to avoid learning difficult things</a:t>
             </a:r>
           </a:p>
           <a:p>
@@ -28929,32 +30281,16 @@
               <a:buChar char=""/>
             </a:pPr>
             <a:r>
-              <a:rPr lang="en-GB" altLang="en-US" sz="1800" dirty="0">
+              <a:rPr lang="en-GB" altLang="en-US" sz="1200" dirty="0">
                 <a:solidFill>
                   <a:srgbClr val="000000"/>
                 </a:solidFill>
               </a:rPr>
-              <a:t>In general it is </a:t>
-            </a:r>
-            <a:r>
-              <a:rPr lang="en-GB" altLang="en-US" sz="1800" b="1" dirty="0">
-                <a:solidFill>
-                  <a:srgbClr val="000000"/>
-                </a:solidFill>
-              </a:rPr>
-              <a:t>NOT OK</a:t>
-            </a:r>
-            <a:r>
-              <a:rPr lang="en-GB" altLang="en-US" sz="1800" dirty="0">
-                <a:solidFill>
-                  <a:srgbClr val="000000"/>
-                </a:solidFill>
-              </a:rPr>
-              <a:t> to use another students code, an entire project or system, or have someone write code for you.</a:t>
+              <a:t>Use to get ideas on what code to use or examples of how to do something</a:t>
             </a:r>
           </a:p>
           <a:p>
-            <a:pPr lvl="1">
+            <a:pPr lvl="2">
               <a:lnSpc>
                 <a:spcPct val="90000"/>
               </a:lnSpc>
@@ -28966,16 +30302,16 @@
               <a:buChar char=""/>
             </a:pPr>
             <a:r>
-              <a:rPr lang="en-GB" altLang="en-US" sz="2000" dirty="0">
+              <a:rPr lang="en-GB" altLang="en-US" sz="1200" dirty="0">
                 <a:solidFill>
                   <a:srgbClr val="000000"/>
                 </a:solidFill>
               </a:rPr>
-              <a:t>On programming assignments: zero on first offence, notice sent to deans office</a:t>
+              <a:t>Use to help communicate or refine your answers to lab questions</a:t>
             </a:r>
           </a:p>
           <a:p>
-            <a:pPr lvl="1">
+            <a:pPr lvl="2">
               <a:lnSpc>
                 <a:spcPct val="90000"/>
               </a:lnSpc>
@@ -28987,32 +30323,277 @@
               <a:buChar char=""/>
             </a:pPr>
             <a:r>
-              <a:rPr lang="en-GB" altLang="en-US" sz="2000" dirty="0">
+              <a:rPr lang="en-GB" altLang="en-US" sz="1200" dirty="0">
                 <a:solidFill>
                   <a:srgbClr val="000000"/>
                 </a:solidFill>
               </a:rPr>
-              <a:t>Second offence (of any kind): "F" in course, action by Dean</a:t>
-            </a:r>
-            <a:r>
-              <a:rPr lang="ja-JP" altLang="en-GB" sz="2000">
-                <a:solidFill>
-                  <a:srgbClr val="000000"/>
-                </a:solidFill>
-              </a:rPr>
-              <a:t>’</a:t>
-            </a:r>
-            <a:r>
-              <a:rPr lang="en-GB" altLang="ja-JP" sz="2000" dirty="0">
-                <a:solidFill>
-                  <a:srgbClr val="000000"/>
-                </a:solidFill>
-              </a:rPr>
-              <a:t>s office</a:t>
+              <a:t>Use to help debug or find problems in your code</a:t>
             </a:r>
           </a:p>
           <a:p>
-            <a:pPr marL="457200" lvl="1" indent="0">
+            <a:pPr lvl="2">
+              <a:lnSpc>
+                <a:spcPct val="90000"/>
+              </a:lnSpc>
+              <a:spcBef>
+                <a:spcPts val="700"/>
+              </a:spcBef>
+              <a:buSzPct val="70000"/>
+              <a:buFont typeface="Monotype Sorts" charset="2"/>
+              <a:buChar char=""/>
+            </a:pPr>
+            <a:r>
+              <a:rPr lang="en-GB" altLang="en-US" sz="1200" dirty="0">
+                <a:solidFill>
+                  <a:srgbClr val="000000"/>
+                </a:solidFill>
+              </a:rPr>
+              <a:t>Use to help document/comment your code</a:t>
+            </a:r>
+          </a:p>
+          <a:p>
+            <a:pPr lvl="2">
+              <a:lnSpc>
+                <a:spcPct val="90000"/>
+              </a:lnSpc>
+              <a:spcBef>
+                <a:spcPts val="700"/>
+              </a:spcBef>
+              <a:buSzPct val="70000"/>
+              <a:buFont typeface="Monotype Sorts" charset="2"/>
+              <a:buChar char=""/>
+            </a:pPr>
+            <a:r>
+              <a:rPr lang="en-GB" altLang="en-US" sz="1200" dirty="0">
+                <a:solidFill>
+                  <a:srgbClr val="000000"/>
+                </a:solidFill>
+              </a:rPr>
+              <a:t>Use to explain concepts you may be confused about</a:t>
+            </a:r>
+          </a:p>
+          <a:p>
+            <a:pPr lvl="1">
+              <a:lnSpc>
+                <a:spcPct val="90000"/>
+              </a:lnSpc>
+              <a:spcBef>
+                <a:spcPts val="700"/>
+              </a:spcBef>
+              <a:buSzPct val="70000"/>
+              <a:buFont typeface="Monotype Sorts" charset="2"/>
+              <a:buChar char=""/>
+            </a:pPr>
+            <a:r>
+              <a:rPr lang="en-GB" altLang="en-US" sz="1600" u="sng" dirty="0">
+                <a:solidFill>
+                  <a:srgbClr val="000000"/>
+                </a:solidFill>
+              </a:rPr>
+              <a:t>Blind copy and paste </a:t>
+            </a:r>
+            <a:r>
+              <a:rPr lang="en-GB" altLang="en-US" sz="1600" dirty="0">
+                <a:solidFill>
+                  <a:srgbClr val="000000"/>
+                </a:solidFill>
+              </a:rPr>
+              <a:t>of answers from generative AI is strongly discouraged and will often result in poor quality answers</a:t>
+            </a:r>
+          </a:p>
+          <a:p>
+            <a:pPr lvl="2">
+              <a:lnSpc>
+                <a:spcPct val="90000"/>
+              </a:lnSpc>
+              <a:spcBef>
+                <a:spcPts val="700"/>
+              </a:spcBef>
+              <a:buSzPct val="70000"/>
+              <a:buFont typeface="Monotype Sorts" charset="2"/>
+              <a:buChar char=""/>
+            </a:pPr>
+            <a:r>
+              <a:rPr lang="en-GB" altLang="en-US" sz="1200" dirty="0">
+                <a:solidFill>
+                  <a:srgbClr val="000000"/>
+                </a:solidFill>
+              </a:rPr>
+              <a:t>The tools do not know the context of what you are trying to address. Trying to add this in is often more effort than just addressing the issue on your own</a:t>
+            </a:r>
+          </a:p>
+          <a:p>
+            <a:pPr lvl="2">
+              <a:lnSpc>
+                <a:spcPct val="90000"/>
+              </a:lnSpc>
+              <a:spcBef>
+                <a:spcPts val="700"/>
+              </a:spcBef>
+              <a:buSzPct val="70000"/>
+              <a:buFont typeface="Monotype Sorts" charset="2"/>
+              <a:buChar char=""/>
+            </a:pPr>
+            <a:r>
+              <a:rPr lang="en-GB" altLang="en-US" sz="1200" dirty="0">
+                <a:solidFill>
+                  <a:srgbClr val="000000"/>
+                </a:solidFill>
+              </a:rPr>
+              <a:t>Be careful that these tools often provide incorrect or not contextually aware answers. Frequently answers are total fabrications and </a:t>
+            </a:r>
+            <a:r>
+              <a:rPr lang="en-GB" altLang="en-US" sz="1200" u="sng" dirty="0">
+                <a:solidFill>
+                  <a:srgbClr val="000000"/>
+                </a:solidFill>
+              </a:rPr>
+              <a:t>wrong</a:t>
+            </a:r>
+            <a:r>
+              <a:rPr lang="en-GB" altLang="en-US" sz="1200" dirty="0">
+                <a:solidFill>
+                  <a:srgbClr val="000000"/>
+                </a:solidFill>
+              </a:rPr>
+              <a:t>!</a:t>
+            </a:r>
+          </a:p>
+          <a:p>
+            <a:pPr lvl="2">
+              <a:lnSpc>
+                <a:spcPct val="90000"/>
+              </a:lnSpc>
+              <a:spcBef>
+                <a:spcPts val="700"/>
+              </a:spcBef>
+              <a:buSzPct val="70000"/>
+              <a:buFont typeface="Monotype Sorts" charset="2"/>
+              <a:buChar char=""/>
+            </a:pPr>
+            <a:r>
+              <a:rPr lang="en-GB" altLang="en-US" sz="1200" dirty="0">
+                <a:solidFill>
+                  <a:srgbClr val="000000"/>
+                </a:solidFill>
+              </a:rPr>
+              <a:t>If you use something to answer a lab question, read and edit the answer carefully and make sure you fully verify the correctness and completeness of the answer. </a:t>
+            </a:r>
+          </a:p>
+          <a:p>
+            <a:pPr lvl="1">
+              <a:lnSpc>
+                <a:spcPct val="90000"/>
+              </a:lnSpc>
+              <a:spcBef>
+                <a:spcPts val="700"/>
+              </a:spcBef>
+              <a:buSzPct val="70000"/>
+              <a:buFont typeface="Monotype Sorts" charset="2"/>
+              <a:buChar char=""/>
+            </a:pPr>
+            <a:r>
+              <a:rPr lang="en-GB" altLang="en-US" sz="1600" dirty="0">
+                <a:solidFill>
+                  <a:srgbClr val="000000"/>
+                </a:solidFill>
+              </a:rPr>
+              <a:t>If you use something from </a:t>
+            </a:r>
+            <a:r>
+              <a:rPr lang="en-GB" altLang="en-US" sz="1600" dirty="0" err="1">
+                <a:solidFill>
+                  <a:srgbClr val="000000"/>
+                </a:solidFill>
+              </a:rPr>
+              <a:t>ChatGPT</a:t>
+            </a:r>
+            <a:r>
+              <a:rPr lang="en-GB" altLang="en-US" sz="1600" dirty="0">
+                <a:solidFill>
+                  <a:srgbClr val="000000"/>
+                </a:solidFill>
+              </a:rPr>
+              <a:t> (or similar thing), always provide a note of what you used and how you used it</a:t>
+            </a:r>
+          </a:p>
+          <a:p>
+            <a:pPr lvl="2">
+              <a:lnSpc>
+                <a:spcPct val="90000"/>
+              </a:lnSpc>
+              <a:spcBef>
+                <a:spcPts val="700"/>
+              </a:spcBef>
+              <a:buSzPct val="70000"/>
+              <a:buFont typeface="Monotype Sorts" charset="2"/>
+              <a:buChar char=""/>
+            </a:pPr>
+            <a:r>
+              <a:rPr lang="en-GB" altLang="en-US" sz="1600" dirty="0">
+                <a:solidFill>
+                  <a:srgbClr val="000000"/>
+                </a:solidFill>
+              </a:rPr>
+              <a:t>Ex. “Used </a:t>
+            </a:r>
+            <a:r>
+              <a:rPr lang="en-GB" altLang="en-US" sz="1600" dirty="0" err="1">
+                <a:solidFill>
+                  <a:srgbClr val="000000"/>
+                </a:solidFill>
+              </a:rPr>
+              <a:t>ChatGPT</a:t>
+            </a:r>
+            <a:r>
+              <a:rPr lang="en-GB" altLang="en-US" sz="1600" dirty="0">
+                <a:solidFill>
+                  <a:srgbClr val="000000"/>
+                </a:solidFill>
+              </a:rPr>
+              <a:t> “write </a:t>
+            </a:r>
+            <a:r>
+              <a:rPr lang="en-GB" altLang="en-US" sz="1600" dirty="0" err="1">
+                <a:solidFill>
+                  <a:srgbClr val="000000"/>
+                </a:solidFill>
+              </a:rPr>
+              <a:t>Javascriopt</a:t>
+            </a:r>
+            <a:r>
+              <a:rPr lang="en-GB" altLang="en-US" sz="1600" dirty="0">
+                <a:solidFill>
+                  <a:srgbClr val="000000"/>
+                </a:solidFill>
+              </a:rPr>
+              <a:t> to convert HTML input to lowercase on keypress”</a:t>
+            </a:r>
+          </a:p>
+          <a:p>
+            <a:pPr lvl="2">
+              <a:lnSpc>
+                <a:spcPct val="90000"/>
+              </a:lnSpc>
+              <a:spcBef>
+                <a:spcPts val="700"/>
+              </a:spcBef>
+              <a:buSzPct val="70000"/>
+              <a:buFont typeface="Monotype Sorts" charset="2"/>
+              <a:buChar char=""/>
+            </a:pPr>
+            <a:r>
+              <a:rPr lang="en-GB" altLang="en-US" sz="1600" dirty="0">
+                <a:solidFill>
+                  <a:srgbClr val="000000"/>
+                </a:solidFill>
+              </a:rPr>
+              <a:t>This will not only help you, but will also help us understand how best to make use of these tools and what their limitations are and better enable us to help you “live” </a:t>
+            </a:r>
+          </a:p>
+          <a:p>
+            <a:pPr marL="0" indent="0">
               <a:lnSpc>
                 <a:spcPct val="90000"/>
               </a:lnSpc>
@@ -29021,59 +30602,41 @@
               </a:spcBef>
               <a:buSzPct val="70000"/>
             </a:pPr>
-            <a:r>
-              <a:rPr lang="en-GB" altLang="en-US" sz="2000" b="1" dirty="0">
-                <a:solidFill>
-                  <a:srgbClr val="000000"/>
-                </a:solidFill>
-              </a:rPr>
-              <a:t>Bottom line: </a:t>
-            </a:r>
-            <a:r>
-              <a:rPr lang="en-GB" altLang="en-US" sz="2000" dirty="0">
-                <a:solidFill>
-                  <a:srgbClr val="FF0000"/>
-                </a:solidFill>
-              </a:rPr>
-              <a:t>Don't do it! </a:t>
-            </a:r>
-            <a:r>
-              <a:rPr lang="en-GB" altLang="en-US" sz="2000" dirty="0">
-                <a:solidFill>
-                  <a:srgbClr val="000000"/>
-                </a:solidFill>
-              </a:rPr>
-              <a:t>It's never worth it. Since you are building a skill here</a:t>
-            </a:r>
-            <a:r>
-              <a:rPr lang="en-GB" altLang="en-US" sz="2800" dirty="0">
-                <a:solidFill>
-                  <a:srgbClr val="000000"/>
-                </a:solidFill>
-              </a:rPr>
-              <a:t> </a:t>
-            </a:r>
-            <a:r>
-              <a:rPr lang="en-GB" altLang="en-US" sz="2000" dirty="0">
-                <a:solidFill>
-                  <a:srgbClr val="000000"/>
-                </a:solidFill>
-              </a:rPr>
-              <a:t>you only end up cheating yourself. There also really is never any need. We will help you achieve success if you put in a honest effort.</a:t>
-            </a:r>
+            <a:endParaRPr lang="en-GB" altLang="en-US" sz="1200" dirty="0">
+              <a:solidFill>
+                <a:srgbClr val="000000"/>
+              </a:solidFill>
+            </a:endParaRPr>
           </a:p>
           <a:p>
-            <a:pPr>
+            <a:pPr lvl="1">
               <a:lnSpc>
                 <a:spcPct val="90000"/>
               </a:lnSpc>
               <a:spcBef>
-                <a:spcPts val="500"/>
+                <a:spcPts val="700"/>
               </a:spcBef>
-              <a:buClrTx/>
-              <a:buSzTx/>
-              <a:buFontTx/>
-              <a:buNone/>
+              <a:buSzPct val="70000"/>
+              <a:buFont typeface="Monotype Sorts" charset="2"/>
+              <a:buChar char=""/>
+            </a:pPr>
+            <a:endParaRPr lang="en-GB" altLang="en-US" sz="1600" dirty="0">
+              <a:solidFill>
+                <a:srgbClr val="000000"/>
+              </a:solidFill>
+            </a:endParaRPr>
+          </a:p>
+          <a:p>
+            <a:pPr lvl="1">
+              <a:lnSpc>
+                <a:spcPct val="90000"/>
+              </a:lnSpc>
+              <a:spcBef>
+                <a:spcPts val="700"/>
+              </a:spcBef>
+              <a:buSzPct val="70000"/>
+              <a:buFont typeface="Monotype Sorts" charset="2"/>
+              <a:buChar char=""/>
             </a:pPr>
             <a:endParaRPr lang="en-GB" altLang="en-US" sz="2000" dirty="0">
               <a:solidFill>
@@ -29086,7 +30649,7 @@
     </p:spTree>
     <p:extLst>
       <p:ext uri="{BB962C8B-B14F-4D97-AF65-F5344CB8AC3E}">
-        <p14:creationId xmlns:p14="http://schemas.microsoft.com/office/powerpoint/2010/main" val="1023308168"/>
+        <p14:creationId xmlns:p14="http://schemas.microsoft.com/office/powerpoint/2010/main" val="903302601"/>
       </p:ext>
     </p:extLst>
   </p:cSld>
@@ -29608,8 +31171,8 @@
         </p:nvSpPr>
         <p:spPr bwMode="auto">
           <a:xfrm>
-            <a:off x="457200" y="1295400"/>
-            <a:ext cx="8229600" cy="5075238"/>
+            <a:off x="228600" y="1295400"/>
+            <a:ext cx="8458200" cy="5075238"/>
           </a:xfrm>
           <a:prstGeom prst="rect">
             <a:avLst/>
@@ -29639,7 +31202,9 @@
           </a:extLst>
         </p:spPr>
         <p:txBody>
-          <a:bodyPr lIns="90360" tIns="44280" rIns="90360" bIns="44280"/>
+          <a:bodyPr lIns="90360" tIns="44280" rIns="90360" bIns="44280">
+            <a:normAutofit lnSpcReduction="10000"/>
+          </a:bodyPr>
           <a:lstStyle>
             <a:lvl1pPr>
               <a:lnSpc>
@@ -30077,7 +31642,7 @@
                   <a:srgbClr val="000000"/>
                 </a:solidFill>
               </a:rPr>
-              <a:t>Copying someone else's program</a:t>
+              <a:t>Copying someone else’s work</a:t>
             </a:r>
           </a:p>
           <a:p>
@@ -30120,6 +31685,27 @@
                 </a:solidFill>
               </a:rPr>
               <a:t>Acquiring sample assignment/quiz solutions beforehand</a:t>
+            </a:r>
+          </a:p>
+          <a:p>
+            <a:pPr lvl="2">
+              <a:lnSpc>
+                <a:spcPct val="90000"/>
+              </a:lnSpc>
+              <a:spcBef>
+                <a:spcPts val="450"/>
+              </a:spcBef>
+              <a:buSzPct val="60000"/>
+              <a:buFont typeface="Monotype Sorts" charset="2"/>
+              <a:buChar char=""/>
+            </a:pPr>
+            <a:r>
+              <a:rPr lang="en-GB" altLang="en-US" dirty="0">
+                <a:solidFill>
+                  <a:srgbClr val="000000"/>
+                </a:solidFill>
+              </a:rPr>
+              <a:t>Not providing sufficient referencing for use of others code or generative AI</a:t>
             </a:r>
           </a:p>
           <a:p>
@@ -31294,21 +32880,8 @@
                   <a:srgbClr val="000000"/>
                 </a:solidFill>
               </a:rPr>
-              <a:t>  and </a:t>
-            </a:r>
-            <a:r>
-              <a:rPr lang="en-GB" altLang="en-US" sz="2000" dirty="0" err="1">
-                <a:solidFill>
-                  <a:srgbClr val="000000"/>
-                </a:solidFill>
-              </a:rPr>
-              <a:t>GitHUB</a:t>
-            </a:r>
-            <a:endParaRPr lang="en-GB" altLang="en-US" sz="2000" dirty="0">
-              <a:solidFill>
-                <a:srgbClr val="000000"/>
-              </a:solidFill>
-            </a:endParaRPr>
+              <a:t>  and GitHub</a:t>
+            </a:r>
           </a:p>
           <a:p>
             <a:pPr lvl="1">
@@ -31423,7 +32996,23 @@
                   <a:srgbClr val="000000"/>
                 </a:solidFill>
               </a:rPr>
-              <a:t>We may not complete all material in scheduled class time</a:t>
+              <a:t>We may not complete </a:t>
+            </a:r>
+            <a:r>
+              <a:rPr lang="en-GB" altLang="en-US" u="sng" dirty="0">
+                <a:solidFill>
+                  <a:srgbClr val="000000"/>
+                </a:solidFill>
+              </a:rPr>
+              <a:t>all material </a:t>
+            </a:r>
+            <a:r>
+              <a:rPr lang="en-GB" altLang="en-US" dirty="0">
+                <a:solidFill>
+                  <a:srgbClr val="000000"/>
+                </a:solidFill>
+              </a:rPr>
+              <a:t>in scheduled class time</a:t>
             </a:r>
           </a:p>
           <a:p>
@@ -31444,7 +33033,28 @@
                   <a:srgbClr val="000000"/>
                 </a:solidFill>
               </a:rPr>
-              <a:t>Whatever is not completed will be covered in the next class session (we go at the natural pace of the class). Labs generally are due only after they are completed in class.</a:t>
+              <a:t>Whatever is not completed will be covered in the next class session (we go at the natural pace of the class) OR give as an assignment to be worked on at home. </a:t>
+            </a:r>
+          </a:p>
+          <a:p>
+            <a:pPr lvl="2">
+              <a:lnSpc>
+                <a:spcPct val="80000"/>
+              </a:lnSpc>
+              <a:spcBef>
+                <a:spcPts val="600"/>
+              </a:spcBef>
+              <a:buSzPct val="60000"/>
+              <a:buFont typeface="Monotype Sorts" charset="2"/>
+              <a:buChar char=""/>
+            </a:pPr>
+            <a:r>
+              <a:rPr lang="en-GB" altLang="en-US" sz="2000" dirty="0">
+                <a:solidFill>
+                  <a:srgbClr val="000000"/>
+                </a:solidFill>
+              </a:rPr>
+              <a:t>Labs generally are due only after they are completed in class.</a:t>
             </a:r>
           </a:p>
         </p:txBody>
@@ -32438,7 +34048,7 @@
                   <a:srgbClr val="000000"/>
                 </a:solidFill>
               </a:rPr>
-              <a:t>Again, you must start on the exercises to ensure you are ready for the class. </a:t>
+              <a:t>You will take a short quiz to ensure you are ready for the lab in class. </a:t>
             </a:r>
           </a:p>
           <a:p>
@@ -33126,7 +34736,9 @@
           </a:extLst>
         </p:spPr>
         <p:txBody>
-          <a:bodyPr lIns="90360" tIns="44280" rIns="90360" bIns="44280"/>
+          <a:bodyPr lIns="90360" tIns="44280" rIns="90360" bIns="44280">
+            <a:normAutofit lnSpcReduction="10000"/>
+          </a:bodyPr>
           <a:lstStyle>
             <a:lvl1pPr marL="336550" indent="-336550">
               <a:lnSpc>
@@ -33517,7 +35129,7 @@
               <a:buChar char=""/>
             </a:pPr>
             <a:r>
-              <a:rPr lang="en-GB" altLang="en-US" dirty="0">
+              <a:rPr lang="en-GB" altLang="en-US" sz="2000" dirty="0">
                 <a:solidFill>
                   <a:srgbClr val="000000"/>
                 </a:solidFill>
@@ -33525,7 +35137,7 @@
               <a:t>The ITMA club and I are here to help you </a:t>
             </a:r>
             <a:r>
-              <a:rPr lang="en-GB" altLang="en-US" sz="2000" dirty="0">
+              <a:rPr lang="en-GB" altLang="en-US" sz="1800" dirty="0">
                 <a:solidFill>
                   <a:srgbClr val="000000"/>
                 </a:solidFill>
@@ -33546,7 +35158,7 @@
               <a:buChar char=""/>
             </a:pPr>
             <a:r>
-              <a:rPr lang="en-GB" altLang="en-US" sz="2000" dirty="0">
+              <a:rPr lang="en-GB" altLang="en-US" sz="1800" dirty="0">
                 <a:solidFill>
                   <a:srgbClr val="000000"/>
                 </a:solidFill>
@@ -33567,7 +35179,7 @@
               <a:buChar char=""/>
             </a:pPr>
             <a:r>
-              <a:rPr lang="en-GB" altLang="en-US" sz="1800" dirty="0">
+              <a:rPr lang="en-GB" altLang="en-US" sz="1600" dirty="0">
                 <a:solidFill>
                   <a:srgbClr val="000000"/>
                 </a:solidFill>
@@ -33588,7 +35200,7 @@
               <a:buChar char=""/>
             </a:pPr>
             <a:r>
-              <a:rPr lang="en-GB" altLang="en-US" sz="1800" dirty="0">
+              <a:rPr lang="en-GB" altLang="en-US" sz="1600" dirty="0">
                 <a:solidFill>
                   <a:srgbClr val="000000"/>
                 </a:solidFill>
@@ -33609,7 +35221,7 @@
               <a:buChar char=""/>
             </a:pPr>
             <a:r>
-              <a:rPr lang="en-GB" altLang="en-US" sz="1800" dirty="0">
+              <a:rPr lang="en-GB" altLang="en-US" sz="1600" dirty="0">
                 <a:solidFill>
                   <a:srgbClr val="000000"/>
                 </a:solidFill>
@@ -33630,7 +35242,7 @@
               <a:buChar char=""/>
             </a:pPr>
             <a:r>
-              <a:rPr lang="en-GB" altLang="en-US" sz="1800" dirty="0">
+              <a:rPr lang="en-GB" altLang="en-US" sz="1600" dirty="0">
                 <a:solidFill>
                   <a:srgbClr val="000000"/>
                 </a:solidFill>
@@ -33651,7 +35263,7 @@
               <a:buChar char=""/>
             </a:pPr>
             <a:r>
-              <a:rPr lang="en-GB" altLang="en-US" sz="2000" dirty="0">
+              <a:rPr lang="en-GB" altLang="en-US" sz="1800" dirty="0">
                 <a:solidFill>
                   <a:srgbClr val="000000"/>
                 </a:solidFill>
@@ -33672,7 +35284,7 @@
               <a:buChar char="-"/>
             </a:pPr>
             <a:r>
-              <a:rPr lang="en-GB" altLang="en-US" sz="2000" dirty="0">
+              <a:rPr lang="en-GB" altLang="en-US" sz="1800" dirty="0">
                 <a:solidFill>
                   <a:srgbClr val="000000"/>
                 </a:solidFill>
@@ -33693,7 +35305,49 @@
               <a:buChar char=""/>
             </a:pPr>
             <a:r>
-              <a:rPr lang="en-GB" altLang="en-US" sz="2000" dirty="0">
+              <a:rPr lang="en-GB" altLang="en-US" sz="1800" dirty="0">
+                <a:solidFill>
+                  <a:srgbClr val="000000"/>
+                </a:solidFill>
+              </a:rPr>
+              <a:t>We encourage you to work together and help each other out</a:t>
+            </a:r>
+          </a:p>
+          <a:p>
+            <a:pPr lvl="1">
+              <a:lnSpc>
+                <a:spcPct val="100000"/>
+              </a:lnSpc>
+              <a:spcBef>
+                <a:spcPts val="700"/>
+              </a:spcBef>
+              <a:buSzPct val="85000"/>
+              <a:buFont typeface="Monotype Sorts" charset="2"/>
+              <a:buChar char=""/>
+            </a:pPr>
+            <a:r>
+              <a:rPr lang="en-GB" altLang="en-US" sz="1800" dirty="0">
+                <a:solidFill>
+                  <a:srgbClr val="000000"/>
+                </a:solidFill>
+              </a:rPr>
+              <a:t>But do this with integrity. Make sure everyone is learning.</a:t>
+            </a:r>
+          </a:p>
+          <a:p>
+            <a:pPr>
+              <a:lnSpc>
+                <a:spcPct val="100000"/>
+              </a:lnSpc>
+              <a:spcBef>
+                <a:spcPts val="700"/>
+              </a:spcBef>
+              <a:buSzPct val="85000"/>
+              <a:buFont typeface="Monotype Sorts" charset="2"/>
+              <a:buChar char=""/>
+            </a:pPr>
+            <a:r>
+              <a:rPr lang="en-GB" altLang="en-US" sz="1800" dirty="0">
                 <a:solidFill>
                   <a:srgbClr val="000000"/>
                 </a:solidFill>
@@ -34261,8 +35915,8 @@
         </p:nvSpPr>
         <p:spPr bwMode="auto">
           <a:xfrm>
-            <a:off x="609600" y="1371600"/>
-            <a:ext cx="8002587" cy="4724400"/>
+            <a:off x="457200" y="1371600"/>
+            <a:ext cx="8229600" cy="4724400"/>
           </a:xfrm>
           <a:prstGeom prst="rect">
             <a:avLst/>
@@ -34673,7 +36327,7 @@
           <a:p>
             <a:pPr>
               <a:lnSpc>
-                <a:spcPct val="80000"/>
+                <a:spcPct val="100000"/>
               </a:lnSpc>
               <a:spcBef>
                 <a:spcPts val="600"/>
@@ -34694,7 +36348,7 @@
           <a:p>
             <a:pPr lvl="1">
               <a:lnSpc>
-                <a:spcPct val="80000"/>
+                <a:spcPct val="100000"/>
               </a:lnSpc>
               <a:spcBef>
                 <a:spcPts val="600"/>
@@ -34723,7 +36377,7 @@
           <a:p>
             <a:pPr lvl="1">
               <a:lnSpc>
-                <a:spcPct val="80000"/>
+                <a:spcPct val="100000"/>
               </a:lnSpc>
               <a:spcBef>
                 <a:spcPts val="600"/>
@@ -34752,7 +36406,7 @@
           <a:p>
             <a:pPr lvl="1">
               <a:lnSpc>
-                <a:spcPct val="80000"/>
+                <a:spcPct val="100000"/>
               </a:lnSpc>
               <a:spcBef>
                 <a:spcPts val="600"/>
@@ -34783,13 +36437,13 @@
                   <a:srgbClr val="000000"/>
                 </a:solidFill>
               </a:rPr>
-              <a:t> in developing actual software applications </a:t>
+              <a:t> in developing actual business relevant software applications </a:t>
             </a:r>
           </a:p>
           <a:p>
             <a:pPr lvl="1">
               <a:lnSpc>
-                <a:spcPct val="80000"/>
+                <a:spcPct val="100000"/>
               </a:lnSpc>
               <a:spcBef>
                 <a:spcPts val="600"/>
@@ -34818,7 +36472,7 @@
           <a:p>
             <a:pPr lvl="1">
               <a:lnSpc>
-                <a:spcPct val="80000"/>
+                <a:spcPct val="100000"/>
               </a:lnSpc>
               <a:spcBef>
                 <a:spcPts val="600"/>
@@ -34847,7 +36501,7 @@
           <a:p>
             <a:pPr lvl="1">
               <a:lnSpc>
-                <a:spcPct val="80000"/>
+                <a:spcPct val="100000"/>
               </a:lnSpc>
               <a:spcBef>
                 <a:spcPts val="600"/>
@@ -34889,7 +36543,7 @@
                   <a:srgbClr val="000000"/>
                 </a:solidFill>
               </a:rPr>
-              <a:t> of IS/IT technologies to addressing business technology problems</a:t>
+              <a:t> of IS/IT technologies for addressing business technology problems</a:t>
             </a:r>
           </a:p>
           <a:p>
@@ -37966,7 +39620,7 @@
                   <a:srgbClr val="000000"/>
                 </a:solidFill>
               </a:rPr>
-              <a:t>You want killer programming skills and become a technology leader?</a:t>
+              <a:t>You want to have competent and confident programming skills and become a technology leader?</a:t>
             </a:r>
           </a:p>
           <a:p>
@@ -42463,8 +44117,8 @@
         </p:nvSpPr>
         <p:spPr bwMode="auto">
           <a:xfrm>
-            <a:off x="304800" y="1447800"/>
-            <a:ext cx="8534400" cy="4495800"/>
+            <a:off x="304800" y="1371600"/>
+            <a:ext cx="8534400" cy="4648200"/>
           </a:xfrm>
           <a:prstGeom prst="rect">
             <a:avLst/>
@@ -43035,21 +44689,8 @@
                   <a:srgbClr val="000000"/>
                 </a:solidFill>
               </a:rPr>
-              <a:t>Doesn't require a serious and sustained </a:t>
-            </a:r>
-            <a:r>
-              <a:rPr lang="en-GB" altLang="en-US">
-                <a:solidFill>
-                  <a:srgbClr val="000000"/>
-                </a:solidFill>
-              </a:rPr>
-              <a:t>time investment</a:t>
-            </a:r>
-            <a:endParaRPr lang="en-GB" altLang="en-US" dirty="0">
-              <a:solidFill>
-                <a:srgbClr val="000000"/>
-              </a:solidFill>
-            </a:endParaRPr>
+              <a:t>Doesn't require a serious and sustained time investment</a:t>
+            </a:r>
           </a:p>
           <a:p>
             <a:pPr marL="800100" lvl="1" indent="-342900">
@@ -43185,7 +44826,7 @@
                   <a:srgbClr val="000000"/>
                 </a:solidFill>
               </a:rPr>
-              <a:t>I enjoy most working 1-1 with you! Even by email</a:t>
+              <a:t>I enjoy most working 1-1 with you! Even by Discord/email</a:t>
             </a:r>
           </a:p>
         </p:txBody>
@@ -43290,12 +44931,12 @@
         <p:spPr>
           <a:xfrm>
             <a:off x="381000" y="1368425"/>
-            <a:ext cx="8610600" cy="4643438"/>
+            <a:ext cx="8610600" cy="4117975"/>
           </a:xfrm>
         </p:spPr>
         <p:txBody>
           <a:bodyPr>
-            <a:normAutofit fontScale="77500" lnSpcReduction="20000"/>
+            <a:normAutofit fontScale="70000" lnSpcReduction="20000"/>
           </a:bodyPr>
           <a:lstStyle/>
           <a:p>
@@ -43363,7 +45004,7 @@
             </a:r>
             <a:r>
               <a:rPr lang="en-US" sz="2000" dirty="0"/>
-              <a:t> programmer to succeed in MIS.</a:t>
+              <a:t> programmer to succeed in MIS!</a:t>
             </a:r>
           </a:p>
           <a:p>
@@ -43512,6 +45153,71 @@
               <a:t>Self-service information systems (intranet/extranet applications, HR services)</a:t>
             </a:r>
             <a:endParaRPr lang="en-US" sz="1400" dirty="0"/>
+          </a:p>
+        </p:txBody>
+      </p:sp>
+      <p:sp>
+        <p:nvSpPr>
+          <p:cNvPr id="5" name="TextBox 4">
+            <a:extLst>
+              <a:ext uri="{FF2B5EF4-FFF2-40B4-BE49-F238E27FC236}">
+                <a16:creationId xmlns:a16="http://schemas.microsoft.com/office/drawing/2014/main" id="{F91A4EE5-15B8-552F-DFD8-235AC4B9217B}"/>
+              </a:ext>
+            </a:extLst>
+          </p:cNvPr>
+          <p:cNvSpPr txBox="1"/>
+          <p:nvPr/>
+        </p:nvSpPr>
+        <p:spPr>
+          <a:xfrm>
+            <a:off x="707571" y="5334000"/>
+            <a:ext cx="8114465" cy="584775"/>
+          </a:xfrm>
+          <a:prstGeom prst="rect">
+            <a:avLst/>
+          </a:prstGeom>
+          <a:noFill/>
+        </p:spPr>
+        <p:txBody>
+          <a:bodyPr wrap="none" rtlCol="0">
+            <a:spAutoFit/>
+          </a:bodyPr>
+          <a:lstStyle/>
+          <a:p>
+            <a:r>
+              <a:rPr lang="en-US" sz="1600" i="1" dirty="0">
+                <a:solidFill>
+                  <a:srgbClr val="FF0000"/>
+                </a:solidFill>
+              </a:rPr>
+              <a:t>Discussion: Try asking </a:t>
+            </a:r>
+            <a:r>
+              <a:rPr lang="en-US" sz="1600" i="1" dirty="0" err="1">
+                <a:solidFill>
+                  <a:srgbClr val="FF0000"/>
+                </a:solidFill>
+              </a:rPr>
+              <a:t>ChatGPT</a:t>
+            </a:r>
+            <a:r>
+              <a:rPr lang="en-US" sz="1600" i="1" dirty="0">
+                <a:solidFill>
+                  <a:srgbClr val="FF0000"/>
+                </a:solidFill>
+              </a:rPr>
+              <a:t> “Why would an MIS major need to learn programming?” and </a:t>
+            </a:r>
+          </a:p>
+          <a:p>
+            <a:r>
+              <a:rPr lang="en-US" sz="1600" i="1" dirty="0">
+                <a:solidFill>
+                  <a:srgbClr val="FF0000"/>
+                </a:solidFill>
+              </a:rPr>
+              <a:t>“Is it important for an MIS major to learn how to program?”</a:t>
+            </a:r>
           </a:p>
         </p:txBody>
       </p:sp>
@@ -43524,89 +45230,6 @@
 </file>
 
 <file path=ppt/slides/slide7.xml><?xml version="1.0" encoding="utf-8"?>
-<p:sld xmlns:a="http://schemas.openxmlformats.org/drawingml/2006/main" xmlns:r="http://schemas.openxmlformats.org/officeDocument/2006/relationships" xmlns:p="http://schemas.openxmlformats.org/presentationml/2006/main">
-  <p:cSld>
-    <p:spTree>
-      <p:nvGrpSpPr>
-        <p:cNvPr id="1" name=""/>
-        <p:cNvGrpSpPr/>
-        <p:nvPr/>
-      </p:nvGrpSpPr>
-      <p:grpSpPr>
-        <a:xfrm>
-          <a:off x="0" y="0"/>
-          <a:ext cx="0" cy="0"/>
-          <a:chOff x="0" y="0"/>
-          <a:chExt cx="0" cy="0"/>
-        </a:xfrm>
-      </p:grpSpPr>
-      <p:sp>
-        <p:nvSpPr>
-          <p:cNvPr id="2" name="Title 1">
-            <a:extLst>
-              <a:ext uri="{FF2B5EF4-FFF2-40B4-BE49-F238E27FC236}">
-                <a16:creationId xmlns:a16="http://schemas.microsoft.com/office/drawing/2014/main" id="{8671C073-8505-F3B6-3809-0EC6E01F8E85}"/>
-              </a:ext>
-            </a:extLst>
-          </p:cNvPr>
-          <p:cNvSpPr>
-            <a:spLocks noGrp="1"/>
-          </p:cNvSpPr>
-          <p:nvPr>
-            <p:ph type="title"/>
-          </p:nvPr>
-        </p:nvSpPr>
-        <p:spPr/>
-        <p:txBody>
-          <a:bodyPr/>
-          <a:lstStyle/>
-          <a:p>
-            <a:r>
-              <a:rPr lang="en-US" dirty="0"/>
-              <a:t>Example: Custom UI Widget</a:t>
-            </a:r>
-          </a:p>
-        </p:txBody>
-      </p:sp>
-      <p:sp>
-        <p:nvSpPr>
-          <p:cNvPr id="3" name="Content Placeholder 2">
-            <a:extLst>
-              <a:ext uri="{FF2B5EF4-FFF2-40B4-BE49-F238E27FC236}">
-                <a16:creationId xmlns:a16="http://schemas.microsoft.com/office/drawing/2014/main" id="{952F8B0F-57CF-9101-FD5E-161999F7A03C}"/>
-              </a:ext>
-            </a:extLst>
-          </p:cNvPr>
-          <p:cNvSpPr>
-            <a:spLocks noGrp="1"/>
-          </p:cNvSpPr>
-          <p:nvPr>
-            <p:ph idx="1"/>
-          </p:nvPr>
-        </p:nvSpPr>
-        <p:spPr/>
-        <p:txBody>
-          <a:bodyPr/>
-          <a:lstStyle/>
-          <a:p>
-            <a:endParaRPr lang="en-US" dirty="0"/>
-          </a:p>
-        </p:txBody>
-      </p:sp>
-    </p:spTree>
-    <p:extLst>
-      <p:ext uri="{BB962C8B-B14F-4D97-AF65-F5344CB8AC3E}">
-        <p14:creationId xmlns:p14="http://schemas.microsoft.com/office/powerpoint/2010/main" val="1663389447"/>
-      </p:ext>
-    </p:extLst>
-  </p:cSld>
-  <p:clrMapOvr>
-    <a:masterClrMapping/>
-  </p:clrMapOvr>
-</p:sld>
-</file>
-
-<file path=ppt/slides/slide8.xml><?xml version="1.0" encoding="utf-8"?>
 <p:sld xmlns:a="http://schemas.openxmlformats.org/drawingml/2006/main" xmlns:r="http://schemas.openxmlformats.org/officeDocument/2006/relationships" xmlns:p="http://schemas.openxmlformats.org/presentationml/2006/main">
   <p:cSld>
     <p:spTree>
@@ -43646,7 +45269,7 @@
           <a:p>
             <a:r>
               <a:rPr lang="en-US" sz="4000" dirty="0"/>
-              <a:t>Example: Scrape email Addresses</a:t>
+              <a:t>Examples</a:t>
             </a:r>
           </a:p>
         </p:txBody>
@@ -43667,15 +45290,328 @@
             <p:ph idx="1"/>
           </p:nvPr>
         </p:nvSpPr>
-        <p:spPr/>
+        <p:spPr>
+          <a:xfrm>
+            <a:off x="609600" y="1752600"/>
+            <a:ext cx="5334000" cy="4259263"/>
+          </a:xfrm>
+        </p:spPr>
         <p:txBody>
           <a:bodyPr/>
           <a:lstStyle/>
           <a:p>
             <a:r>
-              <a:rPr lang="en-US" dirty="0"/>
-              <a:t>Problem: Need to get all unique email addresses in a Gmail for emails with a given label </a:t>
-            </a:r>
+              <a:rPr lang="en-US" sz="2000" b="1" dirty="0"/>
+              <a:t>Problem: </a:t>
+            </a:r>
+            <a:r>
+              <a:rPr lang="en-US" sz="2000" dirty="0"/>
+              <a:t>Need to get all unique email addresses in a Gmail for emails with a given label </a:t>
+            </a:r>
+          </a:p>
+          <a:p>
+            <a:r>
+              <a:rPr lang="en-US" sz="2000" b="1" dirty="0"/>
+              <a:t>Solution: </a:t>
+            </a:r>
+            <a:r>
+              <a:rPr lang="en-US" sz="2000" dirty="0"/>
+              <a:t>Write a Google Apps Script (in </a:t>
+            </a:r>
+            <a:r>
+              <a:rPr lang="en-US" sz="2000" dirty="0" err="1"/>
+              <a:t>Javascript</a:t>
+            </a:r>
+            <a:r>
+              <a:rPr lang="en-US" sz="2000" dirty="0"/>
+              <a:t>) to scrape email addresses into a Google Sheet</a:t>
+            </a:r>
+          </a:p>
+          <a:p>
+            <a:endParaRPr lang="en-US" sz="2000" dirty="0"/>
+          </a:p>
+          <a:p>
+            <a:endParaRPr lang="en-US" sz="2000" dirty="0"/>
+          </a:p>
+          <a:p>
+            <a:endParaRPr lang="en-US" sz="2000" dirty="0"/>
+          </a:p>
+          <a:p>
+            <a:r>
+              <a:rPr lang="en-US" sz="2000" b="1" dirty="0"/>
+              <a:t>Problem</a:t>
+            </a:r>
+            <a:r>
+              <a:rPr lang="en-US" sz="2000" dirty="0"/>
+              <a:t>: Users mistakenly capitalize their user name when logging in to our website</a:t>
+            </a:r>
+          </a:p>
+          <a:p>
+            <a:r>
+              <a:rPr lang="en-US" sz="2000" b="1" dirty="0"/>
+              <a:t>Solution</a:t>
+            </a:r>
+            <a:r>
+              <a:rPr lang="en-US" sz="2000" dirty="0"/>
+              <a:t>: Add </a:t>
+            </a:r>
+            <a:r>
+              <a:rPr lang="en-US" sz="2000" dirty="0" err="1"/>
+              <a:t>Javascript</a:t>
+            </a:r>
+            <a:r>
+              <a:rPr lang="en-US" sz="2000" dirty="0"/>
+              <a:t> to the HTML input in the login to automatically convert input to lowercase</a:t>
+            </a:r>
+          </a:p>
+          <a:p>
+            <a:endParaRPr lang="en-US" sz="2400" dirty="0"/>
+          </a:p>
+          <a:p>
+            <a:endParaRPr lang="en-US" sz="2400" dirty="0"/>
+          </a:p>
+        </p:txBody>
+      </p:sp>
+      <p:sp>
+        <p:nvSpPr>
+          <p:cNvPr id="4" name="TextBox 3">
+            <a:extLst>
+              <a:ext uri="{FF2B5EF4-FFF2-40B4-BE49-F238E27FC236}">
+                <a16:creationId xmlns:a16="http://schemas.microsoft.com/office/drawing/2014/main" id="{AF29EC0C-4C22-8402-7F09-EB2EE989D1EE}"/>
+              </a:ext>
+            </a:extLst>
+          </p:cNvPr>
+          <p:cNvSpPr txBox="1"/>
+          <p:nvPr/>
+        </p:nvSpPr>
+        <p:spPr>
+          <a:xfrm>
+            <a:off x="697255" y="6019800"/>
+            <a:ext cx="7837145" cy="338554"/>
+          </a:xfrm>
+          <a:prstGeom prst="rect">
+            <a:avLst/>
+          </a:prstGeom>
+          <a:noFill/>
+        </p:spPr>
+        <p:txBody>
+          <a:bodyPr wrap="none" rtlCol="0">
+            <a:spAutoFit/>
+          </a:bodyPr>
+          <a:lstStyle/>
+          <a:p>
+            <a:r>
+              <a:rPr lang="en-US" sz="1600" i="1" dirty="0">
+                <a:solidFill>
+                  <a:srgbClr val="FF0000"/>
+                </a:solidFill>
+              </a:rPr>
+              <a:t>Discussion: Try asking </a:t>
+            </a:r>
+            <a:r>
+              <a:rPr lang="en-US" sz="1600" i="1" dirty="0" err="1">
+                <a:solidFill>
+                  <a:srgbClr val="FF0000"/>
+                </a:solidFill>
+              </a:rPr>
+              <a:t>ChatGPT</a:t>
+            </a:r>
+            <a:r>
+              <a:rPr lang="en-US" sz="1600" i="1" dirty="0">
+                <a:solidFill>
+                  <a:srgbClr val="FF0000"/>
+                </a:solidFill>
+              </a:rPr>
+              <a:t> “Give some examples of MIS oriented programming tasks”</a:t>
+            </a:r>
+          </a:p>
+        </p:txBody>
+      </p:sp>
+      <p:pic>
+        <p:nvPicPr>
+          <p:cNvPr id="5" name="Picture 4">
+            <a:extLst>
+              <a:ext uri="{FF2B5EF4-FFF2-40B4-BE49-F238E27FC236}">
+                <a16:creationId xmlns:a16="http://schemas.microsoft.com/office/drawing/2014/main" id="{A2D7DC25-91E4-8995-0534-1141C19951AC}"/>
+              </a:ext>
+            </a:extLst>
+          </p:cNvPr>
+          <p:cNvPicPr>
+            <a:picLocks noChangeAspect="1"/>
+          </p:cNvPicPr>
+          <p:nvPr/>
+        </p:nvPicPr>
+        <p:blipFill>
+          <a:blip r:embed="rId2"/>
+          <a:stretch>
+            <a:fillRect/>
+          </a:stretch>
+        </p:blipFill>
+        <p:spPr>
+          <a:xfrm>
+            <a:off x="5867400" y="1712912"/>
+            <a:ext cx="3189016" cy="1981200"/>
+          </a:xfrm>
+          <a:prstGeom prst="rect">
+            <a:avLst/>
+          </a:prstGeom>
+        </p:spPr>
+      </p:pic>
+      <p:sp>
+        <p:nvSpPr>
+          <p:cNvPr id="7" name="TextBox 6">
+            <a:extLst>
+              <a:ext uri="{FF2B5EF4-FFF2-40B4-BE49-F238E27FC236}">
+                <a16:creationId xmlns:a16="http://schemas.microsoft.com/office/drawing/2014/main" id="{09F39801-98B9-E9DD-45D9-25A1CDD65431}"/>
+              </a:ext>
+            </a:extLst>
+          </p:cNvPr>
+          <p:cNvSpPr txBox="1"/>
+          <p:nvPr/>
+        </p:nvSpPr>
+        <p:spPr>
+          <a:xfrm>
+            <a:off x="5878286" y="4019096"/>
+            <a:ext cx="3178130" cy="1384995"/>
+          </a:xfrm>
+          <a:prstGeom prst="rect">
+            <a:avLst/>
+          </a:prstGeom>
+          <a:noFill/>
+        </p:spPr>
+        <p:txBody>
+          <a:bodyPr wrap="square">
+            <a:spAutoFit/>
+          </a:bodyPr>
+          <a:lstStyle/>
+          <a:p>
+            <a:r>
+              <a:rPr lang="en-US" sz="1400" dirty="0">
+                <a:solidFill>
+                  <a:schemeClr val="tx1"/>
+                </a:solidFill>
+                <a:latin typeface="Courier New" panose="02070309020205020404" pitchFamily="49" charset="0"/>
+                <a:cs typeface="Courier New" panose="02070309020205020404" pitchFamily="49" charset="0"/>
+              </a:rPr>
+              <a:t>Username: &lt;input type="text" </a:t>
+            </a:r>
+            <a:r>
+              <a:rPr lang="en-US" sz="1400" dirty="0" err="1">
+                <a:solidFill>
+                  <a:schemeClr val="tx1"/>
+                </a:solidFill>
+                <a:latin typeface="Courier New" panose="02070309020205020404" pitchFamily="49" charset="0"/>
+                <a:cs typeface="Courier New" panose="02070309020205020404" pitchFamily="49" charset="0"/>
+              </a:rPr>
+              <a:t>onkeyup</a:t>
+            </a:r>
+            <a:r>
+              <a:rPr lang="en-US" sz="1400" dirty="0">
+                <a:solidFill>
+                  <a:schemeClr val="tx1"/>
+                </a:solidFill>
+                <a:latin typeface="Courier New" panose="02070309020205020404" pitchFamily="49" charset="0"/>
+                <a:cs typeface="Courier New" panose="02070309020205020404" pitchFamily="49" charset="0"/>
+              </a:rPr>
+              <a:t>="</a:t>
+            </a:r>
+            <a:r>
+              <a:rPr lang="en-US" sz="1400" dirty="0" err="1">
+                <a:solidFill>
+                  <a:schemeClr val="tx1"/>
+                </a:solidFill>
+                <a:latin typeface="Courier New" panose="02070309020205020404" pitchFamily="49" charset="0"/>
+                <a:cs typeface="Courier New" panose="02070309020205020404" pitchFamily="49" charset="0"/>
+              </a:rPr>
+              <a:t>this.value</a:t>
+            </a:r>
+            <a:r>
+              <a:rPr lang="en-US" sz="1400" dirty="0">
+                <a:solidFill>
+                  <a:schemeClr val="tx1"/>
+                </a:solidFill>
+                <a:latin typeface="Courier New" panose="02070309020205020404" pitchFamily="49" charset="0"/>
+                <a:cs typeface="Courier New" panose="02070309020205020404" pitchFamily="49" charset="0"/>
+              </a:rPr>
+              <a:t>=</a:t>
+            </a:r>
+            <a:r>
+              <a:rPr lang="en-US" sz="1400" dirty="0" err="1">
+                <a:solidFill>
+                  <a:schemeClr val="tx1"/>
+                </a:solidFill>
+                <a:latin typeface="Courier New" panose="02070309020205020404" pitchFamily="49" charset="0"/>
+                <a:cs typeface="Courier New" panose="02070309020205020404" pitchFamily="49" charset="0"/>
+              </a:rPr>
+              <a:t>this.value.toLowerCase</a:t>
+            </a:r>
+            <a:r>
+              <a:rPr lang="en-US" sz="1400" dirty="0">
+                <a:solidFill>
+                  <a:schemeClr val="tx1"/>
+                </a:solidFill>
+                <a:latin typeface="Courier New" panose="02070309020205020404" pitchFamily="49" charset="0"/>
+                <a:cs typeface="Courier New" panose="02070309020205020404" pitchFamily="49" charset="0"/>
+              </a:rPr>
+              <a:t>()" /&gt;</a:t>
+            </a:r>
+          </a:p>
+          <a:p>
+            <a:endParaRPr lang="en-US" sz="1400" dirty="0">
+              <a:solidFill>
+                <a:schemeClr val="tx1"/>
+              </a:solidFill>
+              <a:latin typeface="Courier New" panose="02070309020205020404" pitchFamily="49" charset="0"/>
+              <a:cs typeface="Courier New" panose="02070309020205020404" pitchFamily="49" charset="0"/>
+            </a:endParaRPr>
+          </a:p>
+          <a:p>
+            <a:r>
+              <a:rPr lang="en-US" sz="1400" i="1" dirty="0">
+                <a:solidFill>
+                  <a:srgbClr val="FF0000"/>
+                </a:solidFill>
+              </a:rPr>
+              <a:t>Go to </a:t>
+            </a:r>
+            <a:r>
+              <a:rPr lang="en-US" sz="1400" dirty="0">
+                <a:solidFill>
+                  <a:srgbClr val="FF0000"/>
+                </a:solidFill>
+                <a:hlinkClick r:id="rId3">
+                  <a:extLst>
+                    <a:ext uri="{A12FA001-AC4F-418D-AE19-62706E023703}">
+                      <ahyp:hlinkClr xmlns:ahyp="http://schemas.microsoft.com/office/drawing/2018/hyperlinkcolor" val="tx"/>
+                    </a:ext>
+                  </a:extLst>
+                </a:hlinkClick>
+              </a:rPr>
+              <a:t>https://texteditor.com/html</a:t>
+            </a:r>
+            <a:r>
+              <a:rPr lang="en-US" sz="1400" dirty="0">
+                <a:solidFill>
+                  <a:srgbClr val="FF0000"/>
+                </a:solidFill>
+              </a:rPr>
+              <a:t> </a:t>
+            </a:r>
+            <a:r>
+              <a:rPr lang="en-US" sz="1400" i="1" dirty="0">
+                <a:solidFill>
+                  <a:srgbClr val="FF0000"/>
+                </a:solidFill>
+              </a:rPr>
+              <a:t>and try this!</a:t>
+            </a:r>
+            <a:endParaRPr lang="en-US" sz="1400" i="1" dirty="0">
+              <a:solidFill>
+                <a:srgbClr val="FF0000"/>
+              </a:solidFill>
+              <a:latin typeface="Courier New" panose="02070309020205020404" pitchFamily="49" charset="0"/>
+              <a:cs typeface="Courier New" panose="02070309020205020404" pitchFamily="49" charset="0"/>
+            </a:endParaRPr>
           </a:p>
         </p:txBody>
       </p:sp>
@@ -43692,7 +45628,7 @@
 </p:sld>
 </file>
 
-<file path=ppt/slides/slide9.xml><?xml version="1.0" encoding="utf-8"?>
+<file path=ppt/slides/slide8.xml><?xml version="1.0" encoding="utf-8"?>
 <p:sld xmlns:a="http://schemas.openxmlformats.org/drawingml/2006/main" xmlns:r="http://schemas.openxmlformats.org/officeDocument/2006/relationships" xmlns:p="http://schemas.openxmlformats.org/presentationml/2006/main">
   <p:cSld>
     <p:spTree>
@@ -43894,6 +45830,95 @@
         </p:txBody>
       </p:sp>
     </p:spTree>
+  </p:cSld>
+  <p:clrMapOvr>
+    <a:masterClrMapping/>
+  </p:clrMapOvr>
+</p:sld>
+</file>
+
+<file path=ppt/slides/slide9.xml><?xml version="1.0" encoding="utf-8"?>
+<p:sld xmlns:a="http://schemas.openxmlformats.org/drawingml/2006/main" xmlns:r="http://schemas.openxmlformats.org/officeDocument/2006/relationships" xmlns:p="http://schemas.openxmlformats.org/presentationml/2006/main">
+  <p:cSld>
+    <p:spTree>
+      <p:nvGrpSpPr>
+        <p:cNvPr id="1" name=""/>
+        <p:cNvGrpSpPr/>
+        <p:nvPr/>
+      </p:nvGrpSpPr>
+      <p:grpSpPr>
+        <a:xfrm>
+          <a:off x="0" y="0"/>
+          <a:ext cx="0" cy="0"/>
+          <a:chOff x="0" y="0"/>
+          <a:chExt cx="0" cy="0"/>
+        </a:xfrm>
+      </p:grpSpPr>
+      <p:sp>
+        <p:nvSpPr>
+          <p:cNvPr id="2" name="Title 1">
+            <a:extLst>
+              <a:ext uri="{FF2B5EF4-FFF2-40B4-BE49-F238E27FC236}">
+                <a16:creationId xmlns:a16="http://schemas.microsoft.com/office/drawing/2014/main" id="{1DE9FE91-9F1A-41CC-B9E8-EF116BE15266}"/>
+              </a:ext>
+            </a:extLst>
+          </p:cNvPr>
+          <p:cNvSpPr>
+            <a:spLocks noGrp="1"/>
+          </p:cNvSpPr>
+          <p:nvPr>
+            <p:ph type="title"/>
+          </p:nvPr>
+        </p:nvSpPr>
+        <p:spPr/>
+        <p:txBody>
+          <a:bodyPr/>
+          <a:lstStyle/>
+          <a:p>
+            <a:r>
+              <a:rPr lang="en-US" dirty="0"/>
+              <a:t>The MIS Core</a:t>
+            </a:r>
+          </a:p>
+        </p:txBody>
+      </p:sp>
+      <p:graphicFrame>
+        <p:nvGraphicFramePr>
+          <p:cNvPr id="6" name="Content Placeholder 5">
+            <a:extLst>
+              <a:ext uri="{FF2B5EF4-FFF2-40B4-BE49-F238E27FC236}">
+                <a16:creationId xmlns:a16="http://schemas.microsoft.com/office/drawing/2014/main" id="{098E1274-5E6C-4DA3-8A5C-D9CBD4B58CE3}"/>
+              </a:ext>
+            </a:extLst>
+          </p:cNvPr>
+          <p:cNvGraphicFramePr>
+            <a:graphicFrameLocks noGrp="1"/>
+          </p:cNvGraphicFramePr>
+          <p:nvPr>
+            <p:ph idx="1"/>
+            <p:extLst>
+              <p:ext uri="{D42A27DB-BD31-4B8C-83A1-F6EECF244321}">
+                <p14:modId xmlns:p14="http://schemas.microsoft.com/office/powerpoint/2010/main" val="3765048694"/>
+              </p:ext>
+            </p:extLst>
+          </p:nvPr>
+        </p:nvGraphicFramePr>
+        <p:xfrm>
+          <a:off x="609600" y="1337930"/>
+          <a:ext cx="7766050" cy="4564063"/>
+        </p:xfrm>
+        <a:graphic>
+          <a:graphicData uri="http://schemas.openxmlformats.org/drawingml/2006/diagram">
+            <dgm:relIds xmlns:dgm="http://schemas.openxmlformats.org/drawingml/2006/diagram" xmlns:r="http://schemas.openxmlformats.org/officeDocument/2006/relationships" r:dm="rId3" r:lo="rId4" r:qs="rId5" r:cs="rId6"/>
+          </a:graphicData>
+        </a:graphic>
+      </p:graphicFrame>
+    </p:spTree>
+    <p:extLst>
+      <p:ext uri="{BB962C8B-B14F-4D97-AF65-F5344CB8AC3E}">
+        <p14:creationId xmlns:p14="http://schemas.microsoft.com/office/powerpoint/2010/main" val="2685611306"/>
+      </p:ext>
+    </p:extLst>
   </p:cSld>
   <p:clrMapOvr>
     <a:masterClrMapping/>
@@ -44151,7 +46176,7 @@
         <a:effectLst/>
         <a:extLst>
           <a:ext uri="{AF507438-7753-43e0-B8FC-AC1667EBCBE1}">
-            <a14:hiddenEffects xmlns:a14="http://schemas.microsoft.com/office/drawing/2010/main" xmlns="">
+            <a14:hiddenEffects xmlns="" xmlns:a14="http://schemas.microsoft.com/office/drawing/2010/main">
               <a:effectLst>
                 <a:outerShdw dist="35921" dir="2700000" algn="ctr" rotWithShape="0">
                   <a:schemeClr val="bg2"/>
@@ -44227,7 +46252,7 @@
         <a:effectLst/>
         <a:extLst>
           <a:ext uri="{AF507438-7753-43e0-B8FC-AC1667EBCBE1}">
-            <a14:hiddenEffects xmlns:a14="http://schemas.microsoft.com/office/drawing/2010/main" xmlns="">
+            <a14:hiddenEffects xmlns="" xmlns:a14="http://schemas.microsoft.com/office/drawing/2010/main">
               <a:effectLst>
                 <a:outerShdw dist="35921" dir="2700000" algn="ctr" rotWithShape="0">
                   <a:schemeClr val="bg2"/>

--- a/morea/010.introduction/ITM352_01_intro.pptx
+++ b/morea/010.introduction/ITM352_01_intro.pptx
@@ -15043,12 +15043,8 @@
           <a:lstStyle/>
           <a:p>
             <a:r>
-              <a:rPr lang="en-US" dirty="0" err="1"/>
-              <a:t>Javascript</a:t>
-            </a:r>
-            <a:r>
               <a:rPr lang="en-US" dirty="0"/>
-              <a:t> and Node.js</a:t>
+              <a:t>Is 352 Still Relevant?</a:t>
             </a:r>
           </a:p>
         </p:txBody>
@@ -15084,16 +15080,81 @@
               <a:buChar char="•"/>
             </a:pPr>
             <a:r>
-              <a:rPr lang="en-US" dirty="0"/>
-              <a:t>You will be learning </a:t>
-            </a:r>
-            <a:r>
-              <a:rPr lang="en-US" dirty="0" err="1"/>
+              <a:rPr lang="en-US" sz="2000" dirty="0"/>
+              <a:t>Why Web application development?</a:t>
+            </a:r>
+          </a:p>
+          <a:p>
+            <a:pPr marL="857250" lvl="1" indent="-457200">
+              <a:buFont typeface="Arial" panose="020B0604020202020204" pitchFamily="34" charset="0"/>
+              <a:buChar char="•"/>
+            </a:pPr>
+            <a:r>
+              <a:rPr lang="en-US" sz="1600" dirty="0"/>
+              <a:t>Most applications are web applications</a:t>
+            </a:r>
+          </a:p>
+          <a:p>
+            <a:pPr marL="857250" lvl="1" indent="-457200">
+              <a:buFont typeface="Arial" panose="020B0604020202020204" pitchFamily="34" charset="0"/>
+              <a:buChar char="•"/>
+            </a:pPr>
+            <a:r>
+              <a:rPr lang="en-US" sz="1600" dirty="0"/>
+              <a:t>Business rely on web applications for internal and external IS</a:t>
+            </a:r>
+            <a:endParaRPr lang="en-US" sz="1400" dirty="0"/>
+          </a:p>
+          <a:p>
+            <a:r>
+              <a:rPr lang="en-US" sz="1400" i="1" dirty="0">
+                <a:solidFill>
+                  <a:srgbClr val="FF0000"/>
+                </a:solidFill>
+              </a:rPr>
+              <a:t>Try asking </a:t>
+            </a:r>
+            <a:r>
+              <a:rPr lang="en-US" sz="1400" i="1" dirty="0" err="1">
+                <a:solidFill>
+                  <a:srgbClr val="FF0000"/>
+                </a:solidFill>
+              </a:rPr>
+              <a:t>ChatGPT</a:t>
+            </a:r>
+            <a:r>
+              <a:rPr lang="en-US" sz="1400" i="1" dirty="0">
+                <a:solidFill>
+                  <a:srgbClr val="FF0000"/>
+                </a:solidFill>
+              </a:rPr>
+              <a:t> “Why would an MIS major need to learn web application development?”  and “Why is it valuable for an MIS major to learn web application development?”</a:t>
+            </a:r>
+            <a:endParaRPr lang="en-US" sz="1400" dirty="0"/>
+          </a:p>
+          <a:p>
+            <a:pPr marL="457200" indent="-457200">
+              <a:buFont typeface="Arial" panose="020B0604020202020204" pitchFamily="34" charset="0"/>
+              <a:buChar char="•"/>
+            </a:pPr>
+            <a:endParaRPr lang="en-US" sz="2000" dirty="0"/>
+          </a:p>
+          <a:p>
+            <a:pPr marL="457200" indent="-457200">
+              <a:buFont typeface="Arial" panose="020B0604020202020204" pitchFamily="34" charset="0"/>
+              <a:buChar char="•"/>
+            </a:pPr>
+            <a:r>
+              <a:rPr lang="en-US" sz="2000" dirty="0"/>
+              <a:t>Why </a:t>
+            </a:r>
+            <a:r>
+              <a:rPr lang="en-US" sz="2000" dirty="0" err="1"/>
               <a:t>Javascript</a:t>
             </a:r>
             <a:r>
-              <a:rPr lang="en-US" dirty="0"/>
-              <a:t> and Node.js </a:t>
+              <a:rPr lang="en-US" sz="2000" dirty="0"/>
+              <a:t> and Node.js?</a:t>
             </a:r>
           </a:p>
           <a:p>
@@ -15102,7 +15163,7 @@
               <a:buChar char="-"/>
             </a:pPr>
             <a:r>
-              <a:rPr lang="en-US" sz="2400" dirty="0"/>
+              <a:rPr lang="en-US" sz="1600" dirty="0"/>
               <a:t>The leading edge of web application technologies </a:t>
             </a:r>
           </a:p>
@@ -15112,7 +15173,7 @@
               <a:buChar char="-"/>
             </a:pPr>
             <a:r>
-              <a:rPr lang="en-US" sz="2400" dirty="0"/>
+              <a:rPr lang="en-US" sz="1600" dirty="0"/>
               <a:t>10,000’s of available components, frameworks, and microservices!</a:t>
             </a:r>
           </a:p>
@@ -15122,48 +15183,49 @@
               <a:buChar char="-"/>
             </a:pPr>
             <a:r>
-              <a:rPr lang="en-US" sz="2400" dirty="0">
-                <a:hlinkClick r:id="rId2"/>
-              </a:rPr>
-              <a:t>https://medium.mybridge.co/45-amazing-node-js-open-source-for-the-past-year-v-2019-c774d750e925</a:t>
-            </a:r>
-            <a:endParaRPr lang="en-US" sz="2400" dirty="0"/>
+              <a:rPr lang="en-US" sz="1800" dirty="0"/>
+              <a:t>You can build totally awesome things!</a:t>
+            </a:r>
           </a:p>
           <a:p>
-            <a:pPr lvl="1" indent="-342900">
+            <a:pPr marL="1257300" lvl="2" indent="-457200">
               <a:buFontTx/>
               <a:buChar char="-"/>
             </a:pPr>
             <a:r>
-              <a:rPr lang="en-US" sz="2400" dirty="0">
-                <a:hlinkClick r:id="rId3"/>
+              <a:rPr lang="en-US" sz="1800" dirty="0">
+                <a:hlinkClick r:id="rId2"/>
               </a:rPr>
-              <a:t>https://www.javascripting.com/</a:t>
-            </a:r>
-            <a:endParaRPr lang="en-US" sz="2400" dirty="0"/>
+              <a:t>https://blog.teamtreehouse.com/7-awesome-things-can-build-node-js</a:t>
+            </a:r>
+            <a:endParaRPr lang="en-US" sz="1800" dirty="0"/>
           </a:p>
           <a:p>
-            <a:pPr marL="457200" indent="-457200">
-              <a:buFont typeface="Arial" panose="020B0604020202020204" pitchFamily="34" charset="0"/>
-              <a:buChar char="•"/>
-            </a:pPr>
-            <a:r>
-              <a:rPr lang="en-US" dirty="0"/>
-              <a:t>You can build totally awesome things</a:t>
-            </a:r>
-          </a:p>
-          <a:p>
-            <a:pPr marL="857250" lvl="1" indent="-457200">
-              <a:buFontTx/>
-              <a:buChar char="-"/>
-            </a:pPr>
-            <a:r>
-              <a:rPr lang="en-US" dirty="0">
-                <a:hlinkClick r:id="rId4"/>
+            <a:pPr marL="0" indent="0"/>
+            <a:r>
+              <a:rPr lang="en-US" sz="1400" i="1" dirty="0">
+                <a:solidFill>
+                  <a:srgbClr val="FF0000"/>
+                </a:solidFill>
               </a:rPr>
-              <a:t>https://blog.teamtreehouse.com/7-awesome-things-can-build-node-js</a:t>
-            </a:r>
-            <a:endParaRPr lang="en-US" dirty="0"/>
+              <a:t>Try asking </a:t>
+            </a:r>
+            <a:r>
+              <a:rPr lang="en-US" sz="1400" i="1" dirty="0" err="1">
+                <a:solidFill>
+                  <a:srgbClr val="FF0000"/>
+                </a:solidFill>
+              </a:rPr>
+              <a:t>ChatGPT</a:t>
+            </a:r>
+            <a:r>
+              <a:rPr lang="en-US" sz="1400" i="1" dirty="0">
+                <a:solidFill>
+                  <a:srgbClr val="FF0000"/>
+                </a:solidFill>
+              </a:rPr>
+              <a:t> “What technologies are most prevalent in web applications?”</a:t>
+            </a:r>
           </a:p>
         </p:txBody>
       </p:sp>
@@ -16189,7 +16251,7 @@
                   <a:srgbClr val="000000"/>
                 </a:solidFill>
               </a:rPr>
-              <a:t>technical problem solving </a:t>
+              <a:t>technical problem-solving </a:t>
             </a:r>
             <a:r>
               <a:rPr lang="en-US" altLang="en-US" sz="2000" dirty="0">
@@ -16456,6 +16518,68 @@
                 </a:solidFill>
               </a:rPr>
               <a:t>Everyone will hit a wall (or many walls) at some point. Realise these are opportunities, not obstacles</a:t>
+            </a:r>
+          </a:p>
+        </p:txBody>
+      </p:sp>
+      <p:sp>
+        <p:nvSpPr>
+          <p:cNvPr id="3" name="TextBox 2">
+            <a:extLst>
+              <a:ext uri="{FF2B5EF4-FFF2-40B4-BE49-F238E27FC236}">
+                <a16:creationId xmlns:a16="http://schemas.microsoft.com/office/drawing/2014/main" id="{3FA6114F-9DD3-799E-ED1A-68A7C3269C2A}"/>
+              </a:ext>
+            </a:extLst>
+          </p:cNvPr>
+          <p:cNvSpPr txBox="1"/>
+          <p:nvPr/>
+        </p:nvSpPr>
+        <p:spPr>
+          <a:xfrm>
+            <a:off x="1676400" y="6172200"/>
+            <a:ext cx="6172200" cy="338554"/>
+          </a:xfrm>
+          <a:prstGeom prst="rect">
+            <a:avLst/>
+          </a:prstGeom>
+          <a:noFill/>
+        </p:spPr>
+        <p:txBody>
+          <a:bodyPr wrap="square">
+            <a:spAutoFit/>
+          </a:bodyPr>
+          <a:lstStyle/>
+          <a:p>
+            <a:pPr algn="l"/>
+            <a:r>
+              <a:rPr lang="en-US" sz="1600" i="1" dirty="0">
+                <a:solidFill>
+                  <a:srgbClr val="FF0000"/>
+                </a:solidFill>
+                <a:effectLst/>
+                <a:latin typeface="Söhne"/>
+              </a:rPr>
+              <a:t>Ask </a:t>
+            </a:r>
+            <a:r>
+              <a:rPr lang="en-US" sz="1600" i="1" dirty="0" err="1">
+                <a:solidFill>
+                  <a:srgbClr val="FF0000"/>
+                </a:solidFill>
+                <a:effectLst/>
+                <a:latin typeface="Söhne"/>
+              </a:rPr>
+              <a:t>ChatGPT</a:t>
+            </a:r>
+            <a:r>
+              <a:rPr lang="en-US" sz="1600" i="1" dirty="0">
+                <a:solidFill>
+                  <a:srgbClr val="FF0000"/>
+                </a:solidFill>
+                <a:effectLst/>
+                <a:latin typeface="Söhne"/>
+              </a:rPr>
+              <a:t> “What's the difference between education and training?”</a:t>
             </a:r>
           </a:p>
         </p:txBody>
@@ -25147,12 +25271,12 @@
               </a:lnSpc>
             </a:pPr>
             <a:r>
-              <a:rPr lang="en-GB" altLang="en-US" sz="4400">
+              <a:rPr lang="en-GB" altLang="en-US" sz="4400" dirty="0">
                 <a:solidFill>
                   <a:srgbClr val="221304"/>
                 </a:solidFill>
               </a:rPr>
-              <a:t>Class Lectures</a:t>
+              <a:t>Class Flow</a:t>
             </a:r>
           </a:p>
         </p:txBody>
@@ -25595,7 +25719,7 @@
               <a:buChar char=""/>
             </a:pPr>
             <a:r>
-              <a:rPr lang="en-GB" altLang="en-US" sz="2800" dirty="0">
+              <a:rPr lang="en-GB" altLang="en-US" dirty="0">
                 <a:solidFill>
                   <a:srgbClr val="000000"/>
                 </a:solidFill>
@@ -25603,7 +25727,7 @@
               <a:t>Lectures are generally available on the class web page and are viewed at home </a:t>
             </a:r>
             <a:r>
-              <a:rPr lang="en-GB" altLang="en-US" sz="2800" u="sng" dirty="0">
+              <a:rPr lang="en-GB" altLang="en-US" u="sng" dirty="0">
                 <a:solidFill>
                   <a:srgbClr val="000000"/>
                 </a:solidFill>
@@ -25611,7 +25735,7 @@
               <a:t>prior</a:t>
             </a:r>
             <a:r>
-              <a:rPr lang="en-GB" altLang="en-US" sz="2800" dirty="0">
+              <a:rPr lang="en-GB" altLang="en-US" dirty="0">
                 <a:solidFill>
                   <a:srgbClr val="000000"/>
                 </a:solidFill>
@@ -25632,7 +25756,7 @@
               <a:buChar char=""/>
             </a:pPr>
             <a:r>
-              <a:rPr lang="en-GB" altLang="en-US" sz="2000" i="1" dirty="0">
+              <a:rPr lang="en-GB" altLang="en-US" sz="1800" i="1" dirty="0">
                 <a:solidFill>
                   <a:srgbClr val="000000"/>
                 </a:solidFill>
@@ -25651,7 +25775,7 @@
               <a:buSzPct val="85000"/>
             </a:pPr>
             <a:r>
-              <a:rPr lang="en-GB" altLang="en-US" sz="2000" i="1" dirty="0">
+              <a:rPr lang="en-GB" altLang="en-US" sz="1800" i="1" dirty="0">
                 <a:solidFill>
                   <a:srgbClr val="000000"/>
                 </a:solidFill>
@@ -25672,12 +25796,12 @@
               <a:buChar char=""/>
             </a:pPr>
             <a:r>
-              <a:rPr lang="en-GB" altLang="en-US" sz="2800" dirty="0">
+              <a:rPr lang="en-GB" altLang="en-US" dirty="0">
                 <a:solidFill>
                   <a:srgbClr val="000000"/>
                 </a:solidFill>
               </a:rPr>
-              <a:t>Readings are to be done at home prior to class</a:t>
+              <a:t>Readings are mandatory and to be done at home prior to class</a:t>
             </a:r>
           </a:p>
           <a:p>
@@ -25693,7 +25817,7 @@
               <a:buChar char=""/>
             </a:pPr>
             <a:r>
-              <a:rPr lang="en-GB" altLang="en-US" sz="2000" dirty="0">
+              <a:rPr lang="en-GB" altLang="en-US" sz="1800" dirty="0">
                 <a:solidFill>
                   <a:srgbClr val="000000"/>
                 </a:solidFill>
@@ -25702,7 +25826,7 @@
             </a:r>
           </a:p>
           <a:p>
-            <a:pPr>
+            <a:pPr lvl="1">
               <a:lnSpc>
                 <a:spcPct val="100000"/>
               </a:lnSpc>
@@ -25714,48 +25838,16 @@
               <a:buChar char=""/>
             </a:pPr>
             <a:r>
-              <a:rPr lang="en-GB" altLang="en-US" sz="2800" dirty="0">
+              <a:rPr lang="en-GB" altLang="en-US" sz="1800" dirty="0">
                 <a:solidFill>
                   <a:srgbClr val="000000"/>
                 </a:solidFill>
               </a:rPr>
-              <a:t>Most classes will be </a:t>
-            </a:r>
-            <a:r>
-              <a:rPr lang="ja-JP" altLang="en-GB" sz="2800" dirty="0">
-                <a:solidFill>
-                  <a:srgbClr val="000000"/>
-                </a:solidFill>
-              </a:rPr>
-              <a:t>“</a:t>
-            </a:r>
-            <a:r>
-              <a:rPr lang="en-GB" altLang="ja-JP" sz="2800" dirty="0">
-                <a:solidFill>
-                  <a:srgbClr val="000000"/>
-                </a:solidFill>
-              </a:rPr>
-              <a:t>follow along</a:t>
-            </a:r>
-            <a:r>
-              <a:rPr lang="ja-JP" altLang="en-GB" sz="2800" dirty="0">
-                <a:solidFill>
-                  <a:srgbClr val="000000"/>
-                </a:solidFill>
-              </a:rPr>
-              <a:t>”</a:t>
-            </a:r>
-            <a:r>
-              <a:rPr lang="en-GB" altLang="ja-JP" sz="2800" dirty="0">
-                <a:solidFill>
-                  <a:srgbClr val="000000"/>
-                </a:solidFill>
-              </a:rPr>
-              <a:t> labs with the professor, class exercises, or major assignment “workshops”</a:t>
+              <a:t>There will usually be a quiz on the readings due before class</a:t>
             </a:r>
           </a:p>
           <a:p>
-            <a:pPr lvl="1">
+            <a:pPr>
               <a:lnSpc>
                 <a:spcPct val="100000"/>
               </a:lnSpc>
@@ -25772,21 +25864,69 @@
                   <a:srgbClr val="000000"/>
                 </a:solidFill>
               </a:rPr>
+              <a:t>Most classes will be </a:t>
+            </a:r>
+            <a:r>
+              <a:rPr lang="ja-JP" altLang="en-GB" dirty="0">
+                <a:solidFill>
+                  <a:srgbClr val="000000"/>
+                </a:solidFill>
+              </a:rPr>
+              <a:t>“</a:t>
+            </a:r>
+            <a:r>
+              <a:rPr lang="en-GB" altLang="ja-JP" dirty="0">
+                <a:solidFill>
+                  <a:srgbClr val="000000"/>
+                </a:solidFill>
+              </a:rPr>
+              <a:t>follow along</a:t>
+            </a:r>
+            <a:r>
+              <a:rPr lang="ja-JP" altLang="en-GB">
+                <a:solidFill>
+                  <a:srgbClr val="000000"/>
+                </a:solidFill>
+              </a:rPr>
+              <a:t>”</a:t>
+            </a:r>
+            <a:r>
+              <a:rPr lang="en-GB" altLang="ja-JP" dirty="0">
+                <a:solidFill>
+                  <a:srgbClr val="000000"/>
+                </a:solidFill>
+              </a:rPr>
+              <a:t> labs with the professor (mini-lecture with lab exercises) , class exercises, or major assignment “workshops”</a:t>
+            </a:r>
+          </a:p>
+          <a:p>
+            <a:pPr lvl="1">
+              <a:lnSpc>
+                <a:spcPct val="100000"/>
+              </a:lnSpc>
+              <a:spcBef>
+                <a:spcPts val="800"/>
+              </a:spcBef>
+              <a:buSzPct val="85000"/>
+              <a:buFont typeface="Monotype Sorts" charset="2"/>
+              <a:buChar char=""/>
+            </a:pPr>
+            <a:r>
+              <a:rPr lang="en-GB" altLang="en-US" sz="2000" dirty="0">
+                <a:solidFill>
+                  <a:srgbClr val="000000"/>
+                </a:solidFill>
+              </a:rPr>
               <a:t> </a:t>
             </a:r>
             <a:r>
-              <a:rPr lang="en-GB" altLang="en-US" sz="1800" dirty="0">
+              <a:rPr lang="en-GB" altLang="en-US" sz="1600" dirty="0">
                 <a:solidFill>
                   <a:srgbClr val="000000"/>
                 </a:solidFill>
               </a:rPr>
               <a:t>You will get little “lecture” (except this class of course!)</a:t>
             </a:r>
-            <a:endParaRPr lang="en-GB" altLang="en-US" dirty="0">
-              <a:solidFill>
-                <a:srgbClr val="000000"/>
-              </a:solidFill>
-            </a:endParaRPr>
           </a:p>
         </p:txBody>
       </p:sp>
@@ -29088,7 +29228,7 @@
                   <a:srgbClr val="000000"/>
                 </a:solidFill>
               </a:rPr>
-              <a:t> to use another students code, an entire project or system, or have someone write code for you.</a:t>
+              <a:t> to use another student's code, an entire project or system, or have someone write code for you.</a:t>
             </a:r>
           </a:p>
           <a:p>
@@ -30170,7 +30310,7 @@
               <a:buChar char=""/>
             </a:pPr>
             <a:r>
-              <a:rPr lang="en-GB" altLang="en-US" sz="2000" dirty="0">
+              <a:rPr lang="en-GB" altLang="en-US" sz="1900" dirty="0">
                 <a:solidFill>
                   <a:srgbClr val="000000"/>
                 </a:solidFill>
@@ -30178,7 +30318,7 @@
               <a:t>You will be tempted to use generative AI such as </a:t>
             </a:r>
             <a:r>
-              <a:rPr lang="en-GB" altLang="en-US" sz="2000" dirty="0" err="1">
+              <a:rPr lang="en-GB" altLang="en-US" sz="1900" dirty="0" err="1">
                 <a:solidFill>
                   <a:srgbClr val="000000"/>
                 </a:solidFill>
@@ -30186,7 +30326,7 @@
               <a:t>ChatGPT</a:t>
             </a:r>
             <a:r>
-              <a:rPr lang="en-GB" altLang="en-US" sz="2000" dirty="0">
+              <a:rPr lang="en-GB" altLang="en-US" sz="1900" dirty="0">
                 <a:solidFill>
                   <a:srgbClr val="000000"/>
                 </a:solidFill>
@@ -30194,7 +30334,7 @@
               <a:t>, Bard, and </a:t>
             </a:r>
             <a:r>
-              <a:rPr lang="en-GB" altLang="en-US" sz="2000" dirty="0" err="1">
+              <a:rPr lang="en-GB" altLang="en-US" sz="1900" dirty="0" err="1">
                 <a:solidFill>
                   <a:srgbClr val="000000"/>
                 </a:solidFill>
@@ -30202,7 +30342,7 @@
               <a:t>CoPilot</a:t>
             </a:r>
             <a:r>
-              <a:rPr lang="en-GB" altLang="en-US" sz="2000" dirty="0">
+              <a:rPr lang="en-GB" altLang="en-US" sz="1900" dirty="0">
                 <a:solidFill>
                   <a:srgbClr val="000000"/>
                 </a:solidFill>
@@ -30223,7 +30363,7 @@
               <a:buChar char=""/>
             </a:pPr>
             <a:r>
-              <a:rPr lang="en-GB" altLang="en-US" sz="1600" dirty="0">
+              <a:rPr lang="en-GB" altLang="en-US" sz="1500" dirty="0">
                 <a:solidFill>
                   <a:srgbClr val="000000"/>
                 </a:solidFill>
@@ -30231,7 +30371,7 @@
               <a:t>Our policy on this is “go for it” and we </a:t>
             </a:r>
             <a:r>
-              <a:rPr lang="en-GB" altLang="en-US" sz="1600" u="sng" dirty="0">
+              <a:rPr lang="en-GB" altLang="en-US" sz="1500" u="sng" dirty="0">
                 <a:solidFill>
                   <a:srgbClr val="000000"/>
                 </a:solidFill>
@@ -30239,7 +30379,7 @@
               <a:t>encourage</a:t>
             </a:r>
             <a:r>
-              <a:rPr lang="en-GB" altLang="en-US" sz="1600" dirty="0">
+              <a:rPr lang="en-GB" altLang="en-US" sz="1500" dirty="0">
                 <a:solidFill>
                   <a:srgbClr val="000000"/>
                 </a:solidFill>
@@ -30260,7 +30400,7 @@
               <a:buChar char=""/>
             </a:pPr>
             <a:r>
-              <a:rPr lang="en-GB" altLang="en-US" sz="1600" dirty="0">
+              <a:rPr lang="en-GB" altLang="en-US" sz="1500" dirty="0">
                 <a:solidFill>
                   <a:srgbClr val="000000"/>
                 </a:solidFill>
@@ -30281,7 +30421,7 @@
               <a:buChar char=""/>
             </a:pPr>
             <a:r>
-              <a:rPr lang="en-GB" altLang="en-US" sz="1200" dirty="0">
+              <a:rPr lang="en-GB" altLang="en-US" sz="1100" dirty="0">
                 <a:solidFill>
                   <a:srgbClr val="000000"/>
                 </a:solidFill>
@@ -30302,7 +30442,7 @@
               <a:buChar char=""/>
             </a:pPr>
             <a:r>
-              <a:rPr lang="en-GB" altLang="en-US" sz="1200" dirty="0">
+              <a:rPr lang="en-GB" altLang="en-US" sz="1100" dirty="0">
                 <a:solidFill>
                   <a:srgbClr val="000000"/>
                 </a:solidFill>
@@ -30323,7 +30463,7 @@
               <a:buChar char=""/>
             </a:pPr>
             <a:r>
-              <a:rPr lang="en-GB" altLang="en-US" sz="1200" dirty="0">
+              <a:rPr lang="en-GB" altLang="en-US" sz="1100" dirty="0">
                 <a:solidFill>
                   <a:srgbClr val="000000"/>
                 </a:solidFill>
@@ -30344,7 +30484,7 @@
               <a:buChar char=""/>
             </a:pPr>
             <a:r>
-              <a:rPr lang="en-GB" altLang="en-US" sz="1200" dirty="0">
+              <a:rPr lang="en-GB" altLang="en-US" sz="1100" dirty="0">
                 <a:solidFill>
                   <a:srgbClr val="000000"/>
                 </a:solidFill>
@@ -30365,7 +30505,7 @@
               <a:buChar char=""/>
             </a:pPr>
             <a:r>
-              <a:rPr lang="en-GB" altLang="en-US" sz="1200" dirty="0">
+              <a:rPr lang="en-GB" altLang="en-US" sz="1100" dirty="0">
                 <a:solidFill>
                   <a:srgbClr val="000000"/>
                 </a:solidFill>
@@ -30386,7 +30526,7 @@
               <a:buChar char=""/>
             </a:pPr>
             <a:r>
-              <a:rPr lang="en-GB" altLang="en-US" sz="1600" u="sng" dirty="0">
+              <a:rPr lang="en-GB" altLang="en-US" sz="1500" u="sng" dirty="0">
                 <a:solidFill>
                   <a:srgbClr val="000000"/>
                 </a:solidFill>
@@ -30394,7 +30534,7 @@
               <a:t>Blind copy and paste </a:t>
             </a:r>
             <a:r>
-              <a:rPr lang="en-GB" altLang="en-US" sz="1600" dirty="0">
+              <a:rPr lang="en-GB" altLang="en-US" sz="1500" dirty="0">
                 <a:solidFill>
                   <a:srgbClr val="000000"/>
                 </a:solidFill>
@@ -30415,7 +30555,7 @@
               <a:buChar char=""/>
             </a:pPr>
             <a:r>
-              <a:rPr lang="en-GB" altLang="en-US" sz="1200" dirty="0">
+              <a:rPr lang="en-GB" altLang="en-US" sz="1100" dirty="0">
                 <a:solidFill>
                   <a:srgbClr val="000000"/>
                 </a:solidFill>
@@ -30436,7 +30576,7 @@
               <a:buChar char=""/>
             </a:pPr>
             <a:r>
-              <a:rPr lang="en-GB" altLang="en-US" sz="1200" dirty="0">
+              <a:rPr lang="en-GB" altLang="en-US" sz="1100" dirty="0">
                 <a:solidFill>
                   <a:srgbClr val="000000"/>
                 </a:solidFill>
@@ -30444,7 +30584,7 @@
               <a:t>Be careful that these tools often provide incorrect or not contextually aware answers. Frequently answers are total fabrications and </a:t>
             </a:r>
             <a:r>
-              <a:rPr lang="en-GB" altLang="en-US" sz="1200" u="sng" dirty="0">
+              <a:rPr lang="en-GB" altLang="en-US" sz="1100" u="sng" dirty="0">
                 <a:solidFill>
                   <a:srgbClr val="000000"/>
                 </a:solidFill>
@@ -30452,7 +30592,7 @@
               <a:t>wrong</a:t>
             </a:r>
             <a:r>
-              <a:rPr lang="en-GB" altLang="en-US" sz="1200" dirty="0">
+              <a:rPr lang="en-GB" altLang="en-US" sz="1100" dirty="0">
                 <a:solidFill>
                   <a:srgbClr val="000000"/>
                 </a:solidFill>
@@ -30473,7 +30613,7 @@
               <a:buChar char=""/>
             </a:pPr>
             <a:r>
-              <a:rPr lang="en-GB" altLang="en-US" sz="1200" dirty="0">
+              <a:rPr lang="en-GB" altLang="en-US" sz="1100" dirty="0">
                 <a:solidFill>
                   <a:srgbClr val="000000"/>
                 </a:solidFill>
@@ -30494,7 +30634,7 @@
               <a:buChar char=""/>
             </a:pPr>
             <a:r>
-              <a:rPr lang="en-GB" altLang="en-US" sz="1600" dirty="0">
+              <a:rPr lang="en-GB" altLang="en-US" sz="1500" dirty="0">
                 <a:solidFill>
                   <a:srgbClr val="000000"/>
                 </a:solidFill>
@@ -30502,7 +30642,7 @@
               <a:t>If you use something from </a:t>
             </a:r>
             <a:r>
-              <a:rPr lang="en-GB" altLang="en-US" sz="1600" dirty="0" err="1">
+              <a:rPr lang="en-GB" altLang="en-US" sz="1500" dirty="0" err="1">
                 <a:solidFill>
                   <a:srgbClr val="000000"/>
                 </a:solidFill>
@@ -30510,7 +30650,7 @@
               <a:t>ChatGPT</a:t>
             </a:r>
             <a:r>
-              <a:rPr lang="en-GB" altLang="en-US" sz="1600" dirty="0">
+              <a:rPr lang="en-GB" altLang="en-US" sz="1500" dirty="0">
                 <a:solidFill>
                   <a:srgbClr val="000000"/>
                 </a:solidFill>
@@ -30531,7 +30671,7 @@
               <a:buChar char=""/>
             </a:pPr>
             <a:r>
-              <a:rPr lang="en-GB" altLang="en-US" sz="1600" dirty="0">
+              <a:rPr lang="en-GB" altLang="en-US" sz="1500" dirty="0">
                 <a:solidFill>
                   <a:srgbClr val="000000"/>
                 </a:solidFill>
@@ -30539,7 +30679,7 @@
               <a:t>Ex. “Used </a:t>
             </a:r>
             <a:r>
-              <a:rPr lang="en-GB" altLang="en-US" sz="1600" dirty="0" err="1">
+              <a:rPr lang="en-GB" altLang="en-US" sz="1500" dirty="0" err="1">
                 <a:solidFill>
                   <a:srgbClr val="000000"/>
                 </a:solidFill>
@@ -30547,7 +30687,7 @@
               <a:t>ChatGPT</a:t>
             </a:r>
             <a:r>
-              <a:rPr lang="en-GB" altLang="en-US" sz="1600" dirty="0">
+              <a:rPr lang="en-GB" altLang="en-US" sz="1500" dirty="0">
                 <a:solidFill>
                   <a:srgbClr val="000000"/>
                 </a:solidFill>
@@ -30555,7 +30695,7 @@
               <a:t> “write </a:t>
             </a:r>
             <a:r>
-              <a:rPr lang="en-GB" altLang="en-US" sz="1600" dirty="0" err="1">
+              <a:rPr lang="en-GB" altLang="en-US" sz="1500" dirty="0" err="1">
                 <a:solidFill>
                   <a:srgbClr val="000000"/>
                 </a:solidFill>
@@ -30563,7 +30703,7 @@
               <a:t>Javascriopt</a:t>
             </a:r>
             <a:r>
-              <a:rPr lang="en-GB" altLang="en-US" sz="1600" dirty="0">
+              <a:rPr lang="en-GB" altLang="en-US" sz="1500" dirty="0">
                 <a:solidFill>
                   <a:srgbClr val="000000"/>
                 </a:solidFill>
@@ -30584,12 +30724,33 @@
               <a:buChar char=""/>
             </a:pPr>
             <a:r>
-              <a:rPr lang="en-GB" altLang="en-US" sz="1600" dirty="0">
+              <a:rPr lang="en-GB" altLang="en-US" sz="1500" dirty="0">
                 <a:solidFill>
                   <a:srgbClr val="000000"/>
                 </a:solidFill>
               </a:rPr>
               <a:t>This will not only help you, but will also help us understand how best to make use of these tools and what their limitations are and better enable us to help you “live” </a:t>
+            </a:r>
+          </a:p>
+          <a:p>
+            <a:pPr lvl="2">
+              <a:lnSpc>
+                <a:spcPct val="90000"/>
+              </a:lnSpc>
+              <a:spcBef>
+                <a:spcPts val="700"/>
+              </a:spcBef>
+              <a:buSzPct val="70000"/>
+              <a:buFont typeface="Monotype Sorts" charset="2"/>
+              <a:buChar char=""/>
+            </a:pPr>
+            <a:r>
+              <a:rPr lang="en-GB" altLang="en-US" sz="1500" dirty="0">
+                <a:solidFill>
+                  <a:srgbClr val="000000"/>
+                </a:solidFill>
+              </a:rPr>
+              <a:t>Avoid embarrassing yourself by not acknowledging use of AI. It’s very easy to tell when AI was used.</a:t>
             </a:r>
           </a:p>
           <a:p>
@@ -34737,7 +34898,7 @@
         </p:spPr>
         <p:txBody>
           <a:bodyPr lIns="90360" tIns="44280" rIns="90360" bIns="44280">
-            <a:normAutofit lnSpcReduction="10000"/>
+            <a:normAutofit fontScale="92500" lnSpcReduction="20000"/>
           </a:bodyPr>
           <a:lstStyle>
             <a:lvl1pPr marL="336550" indent="-336550">
@@ -35290,6 +35451,27 @@
                 </a:solidFill>
               </a:rPr>
               <a:t>But you have to ask. I will not monitor you.</a:t>
+            </a:r>
+          </a:p>
+          <a:p>
+            <a:pPr marL="800100" lvl="1" indent="-342900">
+              <a:lnSpc>
+                <a:spcPct val="100000"/>
+              </a:lnSpc>
+              <a:spcBef>
+                <a:spcPts val="700"/>
+              </a:spcBef>
+              <a:buSzPct val="85000"/>
+              <a:buFontTx/>
+              <a:buChar char="-"/>
+            </a:pPr>
+            <a:r>
+              <a:rPr lang="en-GB" altLang="en-US" sz="1800" dirty="0">
+                <a:solidFill>
+                  <a:srgbClr val="000000"/>
+                </a:solidFill>
+              </a:rPr>
+              <a:t>Avoid getting help from previous 352 students, friends, or anyone outside our class. They do not know exactly what we are doing or how best to help you</a:t>
             </a:r>
           </a:p>
           <a:p>
@@ -45170,7 +45352,7 @@
         </p:nvSpPr>
         <p:spPr>
           <a:xfrm>
-            <a:off x="707571" y="5334000"/>
+            <a:off x="511592" y="5334000"/>
             <a:ext cx="8114465" cy="584775"/>
           </a:xfrm>
           <a:prstGeom prst="rect">
@@ -45179,7 +45361,7 @@
           <a:noFill/>
         </p:spPr>
         <p:txBody>
-          <a:bodyPr wrap="none" rtlCol="0">
+          <a:bodyPr wrap="square" rtlCol="0">
             <a:spAutoFit/>
           </a:bodyPr>
           <a:lstStyle/>
@@ -45216,7 +45398,7 @@
                   <a:srgbClr val="FF0000"/>
                 </a:solidFill>
               </a:rPr>
-              <a:t>“Is it important for an MIS major to learn how to program?”</a:t>
+              <a:t>“Is it important for an MIS major to learn how to program?” and ”</a:t>
             </a:r>
           </a:p>
         </p:txBody>
@@ -46176,7 +46358,7 @@
         <a:effectLst/>
         <a:extLst>
           <a:ext uri="{AF507438-7753-43e0-B8FC-AC1667EBCBE1}">
-            <a14:hiddenEffects xmlns="" xmlns:a14="http://schemas.microsoft.com/office/drawing/2010/main">
+            <a14:hiddenEffects xmlns:a14="http://schemas.microsoft.com/office/drawing/2010/main" xmlns="">
               <a:effectLst>
                 <a:outerShdw dist="35921" dir="2700000" algn="ctr" rotWithShape="0">
                   <a:schemeClr val="bg2"/>
@@ -46252,7 +46434,7 @@
         <a:effectLst/>
         <a:extLst>
           <a:ext uri="{AF507438-7753-43e0-B8FC-AC1667EBCBE1}">
-            <a14:hiddenEffects xmlns="" xmlns:a14="http://schemas.microsoft.com/office/drawing/2010/main">
+            <a14:hiddenEffects xmlns:a14="http://schemas.microsoft.com/office/drawing/2010/main" xmlns="">
               <a:effectLst>
                 <a:outerShdw dist="35921" dir="2700000" algn="ctr" rotWithShape="0">
                   <a:schemeClr val="bg2"/>

--- a/morea/010.introduction/ITM352_01_intro.pptx
+++ b/morea/010.introduction/ITM352_01_intro.pptx
@@ -26872,7 +26872,7 @@
               <a:buChar char=""/>
             </a:pPr>
             <a:r>
-              <a:rPr lang="en-GB" altLang="en-US" dirty="0">
+              <a:rPr lang="en-GB" altLang="en-US" sz="2000" dirty="0">
                 <a:solidFill>
                   <a:srgbClr val="000000"/>
                 </a:solidFill>
@@ -26893,7 +26893,7 @@
               <a:buChar char=""/>
             </a:pPr>
             <a:r>
-              <a:rPr lang="en-GB" altLang="en-US" dirty="0">
+              <a:rPr lang="en-GB" altLang="en-US" sz="2000" dirty="0">
                 <a:solidFill>
                   <a:srgbClr val="000000"/>
                 </a:solidFill>
@@ -26901,7 +26901,7 @@
               <a:t>Do </a:t>
             </a:r>
             <a:r>
-              <a:rPr lang="en-GB" altLang="en-US" u="sng" dirty="0">
+              <a:rPr lang="en-GB" altLang="en-US" sz="2000" u="sng" dirty="0">
                 <a:solidFill>
                   <a:srgbClr val="000000"/>
                 </a:solidFill>
@@ -26909,7 +26909,7 @@
               <a:t>all</a:t>
             </a:r>
             <a:r>
-              <a:rPr lang="en-GB" altLang="en-US" dirty="0">
+              <a:rPr lang="en-GB" altLang="en-US" sz="2000" dirty="0">
                 <a:solidFill>
                   <a:srgbClr val="000000"/>
                 </a:solidFill>
@@ -26930,7 +26930,7 @@
               <a:buChar char=""/>
             </a:pPr>
             <a:r>
-              <a:rPr lang="en-GB" altLang="en-US" dirty="0">
+              <a:rPr lang="en-GB" altLang="en-US" sz="2000" dirty="0">
                 <a:solidFill>
                   <a:srgbClr val="000000"/>
                 </a:solidFill>
@@ -26951,7 +26951,7 @@
               <a:buChar char=""/>
             </a:pPr>
             <a:r>
-              <a:rPr lang="en-GB" altLang="en-US" sz="2000" dirty="0">
+              <a:rPr lang="en-GB" altLang="en-US" sz="1800" dirty="0">
                 <a:solidFill>
                   <a:srgbClr val="000000"/>
                 </a:solidFill>
@@ -26972,7 +26972,7 @@
               <a:buChar char=""/>
             </a:pPr>
             <a:r>
-              <a:rPr lang="en-GB" altLang="en-US" sz="2000" dirty="0">
+              <a:rPr lang="en-GB" altLang="en-US" sz="1800" dirty="0">
                 <a:solidFill>
                   <a:srgbClr val="000000"/>
                 </a:solidFill>
@@ -26993,7 +26993,7 @@
               <a:buChar char=""/>
             </a:pPr>
             <a:r>
-              <a:rPr lang="en-GB" altLang="en-US" sz="2000" dirty="0">
+              <a:rPr lang="en-GB" altLang="en-US" sz="1800" dirty="0">
                 <a:solidFill>
                   <a:srgbClr val="000000"/>
                 </a:solidFill>
@@ -27014,7 +27014,7 @@
               <a:buChar char=""/>
             </a:pPr>
             <a:r>
-              <a:rPr lang="en-GB" altLang="en-US" sz="2000" dirty="0">
+              <a:rPr lang="en-GB" altLang="en-US" sz="1800" dirty="0">
                 <a:solidFill>
                   <a:srgbClr val="000000"/>
                 </a:solidFill>
@@ -27035,7 +27035,7 @@
               <a:buChar char=""/>
             </a:pPr>
             <a:r>
-              <a:rPr lang="en-GB" altLang="en-US" sz="2000" dirty="0">
+              <a:rPr lang="en-GB" altLang="en-US" sz="1800" dirty="0">
                 <a:solidFill>
                   <a:srgbClr val="000000"/>
                 </a:solidFill>
@@ -27056,7 +27056,7 @@
               <a:buChar char=""/>
             </a:pPr>
             <a:r>
-              <a:rPr lang="en-GB" altLang="en-US" sz="2000" dirty="0">
+              <a:rPr lang="en-GB" altLang="en-US" sz="1800" dirty="0">
                 <a:solidFill>
                   <a:srgbClr val="000000"/>
                 </a:solidFill>
@@ -27077,7 +27077,7 @@
               <a:buChar char=""/>
             </a:pPr>
             <a:r>
-              <a:rPr lang="en-GB" altLang="en-US" sz="2000" dirty="0">
+              <a:rPr lang="en-GB" altLang="en-US" sz="1800" dirty="0">
                 <a:solidFill>
                   <a:srgbClr val="000000"/>
                 </a:solidFill>
@@ -27098,7 +27098,7 @@
               <a:buChar char=""/>
             </a:pPr>
             <a:r>
-              <a:rPr lang="en-GB" altLang="en-US" sz="2000" dirty="0">
+              <a:rPr lang="en-GB" altLang="en-US" sz="1800" dirty="0">
                 <a:solidFill>
                   <a:srgbClr val="000000"/>
                 </a:solidFill>
@@ -27119,18 +27119,55 @@
               <a:buChar char=""/>
             </a:pPr>
             <a:r>
-              <a:rPr lang="en-GB" altLang="en-US" sz="2000" dirty="0">
+              <a:rPr lang="en-GB" altLang="en-US" sz="1800" dirty="0">
                 <a:solidFill>
                   <a:srgbClr val="000000"/>
                 </a:solidFill>
               </a:rPr>
               <a:t>And (duh) do what is asked of you without trying to shortcut</a:t>
             </a:r>
-            <a:endParaRPr lang="en-GB" altLang="en-US" dirty="0">
-              <a:solidFill>
-                <a:srgbClr val="000000"/>
-              </a:solidFill>
-            </a:endParaRPr>
+          </a:p>
+          <a:p>
+            <a:pPr lvl="1">
+              <a:lnSpc>
+                <a:spcPct val="80000"/>
+              </a:lnSpc>
+              <a:spcBef>
+                <a:spcPts val="600"/>
+              </a:spcBef>
+              <a:buSzPct val="70000"/>
+              <a:buFont typeface="Monotype Sorts" charset="2"/>
+              <a:buChar char=""/>
+            </a:pPr>
+            <a:r>
+              <a:rPr lang="en-GB" altLang="en-US" sz="1800" b="1" i="1" dirty="0">
+                <a:solidFill>
+                  <a:srgbClr val="000000"/>
+                </a:solidFill>
+              </a:rPr>
+              <a:t>Don’t try to have a full-time job this semester</a:t>
+            </a:r>
+          </a:p>
+          <a:p>
+            <a:pPr lvl="1">
+              <a:lnSpc>
+                <a:spcPct val="80000"/>
+              </a:lnSpc>
+              <a:spcBef>
+                <a:spcPts val="600"/>
+              </a:spcBef>
+              <a:buSzPct val="70000"/>
+              <a:buFont typeface="Monotype Sorts" charset="2"/>
+              <a:buChar char=""/>
+            </a:pPr>
+            <a:r>
+              <a:rPr lang="en-GB" altLang="en-US" sz="1800" b="1" i="1" dirty="0">
+                <a:solidFill>
+                  <a:srgbClr val="000000"/>
+                </a:solidFill>
+              </a:rPr>
+              <a:t>Dedicate at least 9 hours per week just for ITM 352</a:t>
+            </a:r>
           </a:p>
         </p:txBody>
       </p:sp>
@@ -46358,7 +46395,7 @@
         <a:effectLst/>
         <a:extLst>
           <a:ext uri="{AF507438-7753-43e0-B8FC-AC1667EBCBE1}">
-            <a14:hiddenEffects xmlns:a14="http://schemas.microsoft.com/office/drawing/2010/main" xmlns="">
+            <a14:hiddenEffects xmlns="" xmlns:a14="http://schemas.microsoft.com/office/drawing/2010/main">
               <a:effectLst>
                 <a:outerShdw dist="35921" dir="2700000" algn="ctr" rotWithShape="0">
                   <a:schemeClr val="bg2"/>
@@ -46434,7 +46471,7 @@
         <a:effectLst/>
         <a:extLst>
           <a:ext uri="{AF507438-7753-43e0-B8FC-AC1667EBCBE1}">
-            <a14:hiddenEffects xmlns:a14="http://schemas.microsoft.com/office/drawing/2010/main" xmlns="">
+            <a14:hiddenEffects xmlns="" xmlns:a14="http://schemas.microsoft.com/office/drawing/2010/main">
               <a:effectLst>
                 <a:outerShdw dist="35921" dir="2700000" algn="ctr" rotWithShape="0">
                   <a:schemeClr val="bg2"/>

--- a/morea/010.introduction/ITM352_01_intro.pptx
+++ b/morea/010.introduction/ITM352_01_intro.pptx
@@ -5,7 +5,7 @@
     <p:sldMasterId id="2147483648" r:id="rId1"/>
   </p:sldMasterIdLst>
   <p:notesMasterIdLst>
-    <p:notesMasterId r:id="rId37"/>
+    <p:notesMasterId r:id="rId38"/>
   </p:notesMasterIdLst>
   <p:sldIdLst>
     <p:sldId id="256" r:id="rId2"/>
@@ -36,13 +36,14 @@
     <p:sldId id="273" r:id="rId27"/>
     <p:sldId id="274" r:id="rId28"/>
     <p:sldId id="275" r:id="rId29"/>
-    <p:sldId id="276" r:id="rId30"/>
-    <p:sldId id="277" r:id="rId31"/>
-    <p:sldId id="278" r:id="rId32"/>
-    <p:sldId id="287" r:id="rId33"/>
-    <p:sldId id="279" r:id="rId34"/>
-    <p:sldId id="291" r:id="rId35"/>
-    <p:sldId id="295" r:id="rId36"/>
+    <p:sldId id="299" r:id="rId30"/>
+    <p:sldId id="276" r:id="rId31"/>
+    <p:sldId id="277" r:id="rId32"/>
+    <p:sldId id="278" r:id="rId33"/>
+    <p:sldId id="287" r:id="rId34"/>
+    <p:sldId id="279" r:id="rId35"/>
+    <p:sldId id="291" r:id="rId36"/>
+    <p:sldId id="295" r:id="rId37"/>
   </p:sldIdLst>
   <p:sldSz cx="9144000" cy="6858000" type="screen4x3"/>
   <p:notesSz cx="6858000" cy="9144000"/>
@@ -2027,15 +2028,15 @@
     <dgm:cxn modelId="{A421A440-6A90-4FF5-B768-EE02D2A1B9BC}" type="presOf" srcId="{37B2F09E-D551-41ED-87C6-CD3F15E795B0}" destId="{07F5A0CB-4415-445C-98B6-CF8FFF4DD4D7}" srcOrd="0" destOrd="7" presId="urn:microsoft.com/office/officeart/2008/layout/IncreasingCircleProcess"/>
     <dgm:cxn modelId="{663F1741-DE0D-488B-BD60-261D555D2A52}" type="presOf" srcId="{E469361E-E1CD-4D53-9611-27FEC8C79C3F}" destId="{488BB572-D75E-44D2-A87F-E63860C56B78}" srcOrd="0" destOrd="3" presId="urn:microsoft.com/office/officeart/2008/layout/IncreasingCircleProcess"/>
     <dgm:cxn modelId="{47796042-D369-4BD4-BF49-9341D10C6F9B}" type="presOf" srcId="{E2CF24AB-ECBE-4A26-BC73-A8BEF46336D9}" destId="{07F5A0CB-4415-445C-98B6-CF8FFF4DD4D7}" srcOrd="0" destOrd="6" presId="urn:microsoft.com/office/officeart/2008/layout/IncreasingCircleProcess"/>
+    <dgm:cxn modelId="{04BD1D66-85FB-4283-8EB7-54F6FAC1268D}" type="presOf" srcId="{461ECB33-015B-4CE7-9E5F-D9E0A55E8A29}" destId="{07F5A0CB-4415-445C-98B6-CF8FFF4DD4D7}" srcOrd="0" destOrd="8" presId="urn:microsoft.com/office/officeart/2008/layout/IncreasingCircleProcess"/>
     <dgm:cxn modelId="{25590449-A55F-45CB-A218-F4258A20A517}" srcId="{B32661FD-7403-4B6F-AF30-C830F7DBF25E}" destId="{FE5DD683-4378-4461-8C9E-2DFC81C7B717}" srcOrd="5" destOrd="0" parTransId="{4DC474D3-5F36-4FD0-B27A-750766300E1B}" sibTransId="{CA369E4F-C7A4-44EA-A485-E71AF6EE707D}"/>
-    <dgm:cxn modelId="{B3EBD84D-F675-46B5-A76E-71A6BA82072C}" type="presOf" srcId="{C535EB1E-3327-40A4-B998-29A1DAA05B63}" destId="{DBE65D93-03EC-4DC6-981D-D910D4B33B06}" srcOrd="0" destOrd="0" presId="urn:microsoft.com/office/officeart/2008/layout/IncreasingCircleProcess"/>
-    <dgm:cxn modelId="{588E6053-04DC-4ED7-8611-91985E7DD4F5}" type="presOf" srcId="{FE5DD683-4378-4461-8C9E-2DFC81C7B717}" destId="{488BB572-D75E-44D2-A87F-E63860C56B78}" srcOrd="0" destOrd="6" presId="urn:microsoft.com/office/officeart/2008/layout/IncreasingCircleProcess"/>
-    <dgm:cxn modelId="{04BD1D66-85FB-4283-8EB7-54F6FAC1268D}" type="presOf" srcId="{461ECB33-015B-4CE7-9E5F-D9E0A55E8A29}" destId="{07F5A0CB-4415-445C-98B6-CF8FFF4DD4D7}" srcOrd="0" destOrd="8" presId="urn:microsoft.com/office/officeart/2008/layout/IncreasingCircleProcess"/>
     <dgm:cxn modelId="{873E6A69-444E-40F8-A962-9EDE0375FDAA}" srcId="{F9AB6606-4B4D-45D1-9BD2-2D62F63BA611}" destId="{66240150-E042-4F71-A677-52070FFB66C0}" srcOrd="4" destOrd="0" parTransId="{5C0A024D-F70A-461D-BD4F-02F719F8C3DB}" sibTransId="{33B7A197-6D8F-49AB-99F5-0008F25543F3}"/>
     <dgm:cxn modelId="{8118846C-C690-434C-8673-F36C137146B1}" srcId="{F9AB6606-4B4D-45D1-9BD2-2D62F63BA611}" destId="{0FE897DB-09F0-4499-AE24-87C66C36502D}" srcOrd="3" destOrd="0" parTransId="{B94F041C-58A8-443B-9412-5C5089F298C5}" sibTransId="{D6FBB71B-6B27-4792-9207-F60ADF5FB007}"/>
+    <dgm:cxn modelId="{B3EBD84D-F675-46B5-A76E-71A6BA82072C}" type="presOf" srcId="{C535EB1E-3327-40A4-B998-29A1DAA05B63}" destId="{DBE65D93-03EC-4DC6-981D-D910D4B33B06}" srcOrd="0" destOrd="0" presId="urn:microsoft.com/office/officeart/2008/layout/IncreasingCircleProcess"/>
     <dgm:cxn modelId="{1AB3C870-1218-4A14-A3C7-EE99637FA6D0}" srcId="{B32661FD-7403-4B6F-AF30-C830F7DBF25E}" destId="{28163DE4-E50F-446D-B377-99C54468B4E6}" srcOrd="4" destOrd="0" parTransId="{AA927B71-1EEC-419E-A910-335EC6F72CC9}" sibTransId="{E5BBC165-E7F3-4414-A3F3-CFC53A5FBABD}"/>
     <dgm:cxn modelId="{F7F63B72-7484-4C0B-A9E5-BBC550FA45CE}" srcId="{B32661FD-7403-4B6F-AF30-C830F7DBF25E}" destId="{ED18642A-C77E-4BBF-AA6A-7FBE6CBC27BC}" srcOrd="1" destOrd="0" parTransId="{BE89A662-EC6B-439C-B21B-A8D38E2372DC}" sibTransId="{81E9477E-2A6E-4790-9075-130672552CAD}"/>
     <dgm:cxn modelId="{B8010373-5089-48AB-BEF7-60F59712CC2C}" type="presOf" srcId="{1210ACB3-08FF-4CAB-A2F8-49D2B702725F}" destId="{488BB572-D75E-44D2-A87F-E63860C56B78}" srcOrd="0" destOrd="1" presId="urn:microsoft.com/office/officeart/2008/layout/IncreasingCircleProcess"/>
+    <dgm:cxn modelId="{588E6053-04DC-4ED7-8611-91985E7DD4F5}" type="presOf" srcId="{FE5DD683-4378-4461-8C9E-2DFC81C7B717}" destId="{488BB572-D75E-44D2-A87F-E63860C56B78}" srcOrd="0" destOrd="6" presId="urn:microsoft.com/office/officeart/2008/layout/IncreasingCircleProcess"/>
     <dgm:cxn modelId="{BE64FA76-A464-4397-874D-99419D35A87D}" type="presOf" srcId="{28163DE4-E50F-446D-B377-99C54468B4E6}" destId="{488BB572-D75E-44D2-A87F-E63860C56B78}" srcOrd="0" destOrd="5" presId="urn:microsoft.com/office/officeart/2008/layout/IncreasingCircleProcess"/>
     <dgm:cxn modelId="{274B5878-0C5A-43C1-970A-D7981C4525EB}" type="presOf" srcId="{15B4082A-C451-4991-BA08-873981FCC498}" destId="{07F5A0CB-4415-445C-98B6-CF8FFF4DD4D7}" srcOrd="0" destOrd="2" presId="urn:microsoft.com/office/officeart/2008/layout/IncreasingCircleProcess"/>
     <dgm:cxn modelId="{9EAE5679-388E-4327-94EB-FC1883910D08}" srcId="{0D15FCDB-20EF-45A8-948C-0D7DFD760C40}" destId="{E2CF24AB-ECBE-4A26-BC73-A8BEF46336D9}" srcOrd="5" destOrd="0" parTransId="{16B588B8-1E7C-47C1-AACD-4F9F3384A83A}" sibTransId="{453C7397-73EF-47E3-95AA-D69EE84B3E11}"/>
@@ -2391,12 +2392,12 @@
         <a:fontRef idx="minor"/>
       </dsp:style>
       <dsp:txBody>
-        <a:bodyPr spcFirstLastPara="0" vert="horz" wrap="square" lIns="83820" tIns="83820" rIns="83820" bIns="83820" numCol="1" spcCol="1270" anchor="b" anchorCtr="0">
+        <a:bodyPr spcFirstLastPara="0" vert="horz" wrap="square" lIns="81280" tIns="81280" rIns="81280" bIns="81280" numCol="1" spcCol="1270" anchor="b" anchorCtr="0">
           <a:noAutofit/>
         </a:bodyPr>
         <a:lstStyle/>
         <a:p>
-          <a:pPr marL="0" lvl="0" indent="0" algn="l" defTabSz="1466850">
+          <a:pPr marL="0" lvl="0" indent="0" algn="l" defTabSz="1422400">
             <a:lnSpc>
               <a:spcPct val="90000"/>
             </a:lnSpc>
@@ -2409,7 +2410,7 @@
             <a:buNone/>
           </a:pPr>
           <a:r>
-            <a:rPr lang="en-US" sz="3300" kern="1200" dirty="0"/>
+            <a:rPr lang="en-US" sz="3200" kern="1200" dirty="0"/>
             <a:t>ITM 352</a:t>
           </a:r>
         </a:p>
@@ -2741,12 +2742,12 @@
         <a:fontRef idx="minor"/>
       </dsp:style>
       <dsp:txBody>
-        <a:bodyPr spcFirstLastPara="0" vert="horz" wrap="square" lIns="83820" tIns="83820" rIns="83820" bIns="83820" numCol="1" spcCol="1270" anchor="b" anchorCtr="0">
+        <a:bodyPr spcFirstLastPara="0" vert="horz" wrap="square" lIns="81280" tIns="81280" rIns="81280" bIns="81280" numCol="1" spcCol="1270" anchor="b" anchorCtr="0">
           <a:noAutofit/>
         </a:bodyPr>
         <a:lstStyle/>
         <a:p>
-          <a:pPr marL="0" lvl="0" indent="0" algn="l" defTabSz="1466850">
+          <a:pPr marL="0" lvl="0" indent="0" algn="l" defTabSz="1422400">
             <a:lnSpc>
               <a:spcPct val="90000"/>
             </a:lnSpc>
@@ -2759,7 +2760,7 @@
             <a:buNone/>
           </a:pPr>
           <a:r>
-            <a:rPr lang="en-US" sz="3300" kern="1200" dirty="0"/>
+            <a:rPr lang="en-US" sz="3200" kern="1200" dirty="0"/>
             <a:t>ITM 353</a:t>
           </a:r>
         </a:p>
@@ -2893,12 +2894,12 @@
         <a:fontRef idx="minor"/>
       </dsp:style>
       <dsp:txBody>
-        <a:bodyPr spcFirstLastPara="0" vert="horz" wrap="square" lIns="53340" tIns="53340" rIns="53340" bIns="53340" numCol="1" spcCol="1270" anchor="t" anchorCtr="0">
+        <a:bodyPr spcFirstLastPara="0" vert="horz" wrap="square" lIns="48260" tIns="48260" rIns="48260" bIns="48260" numCol="1" spcCol="1270" anchor="t" anchorCtr="0">
           <a:noAutofit/>
         </a:bodyPr>
         <a:lstStyle/>
         <a:p>
-          <a:pPr marL="0" lvl="0" indent="0" algn="l" defTabSz="933450">
+          <a:pPr marL="0" lvl="0" indent="0" algn="l" defTabSz="844550">
             <a:lnSpc>
               <a:spcPct val="90000"/>
             </a:lnSpc>
@@ -2911,12 +2912,12 @@
             <a:buNone/>
           </a:pPr>
           <a:r>
-            <a:rPr lang="en-US" sz="2100" kern="1200" dirty="0"/>
+            <a:rPr lang="en-US" sz="1900" kern="1200" dirty="0"/>
             <a:t>Systems Information</a:t>
           </a:r>
         </a:p>
         <a:p>
-          <a:pPr marL="171450" lvl="1" indent="-171450" algn="l" defTabSz="711200">
+          <a:pPr marL="114300" lvl="1" indent="-114300" algn="l" defTabSz="666750">
             <a:lnSpc>
               <a:spcPct val="90000"/>
             </a:lnSpc>
@@ -2929,12 +2930,12 @@
             <a:buChar char="•"/>
           </a:pPr>
           <a:r>
-            <a:rPr lang="en-US" sz="1600" kern="1200" dirty="0"/>
+            <a:rPr lang="en-US" sz="1500" kern="1200" dirty="0"/>
             <a:t>Information management</a:t>
           </a:r>
         </a:p>
         <a:p>
-          <a:pPr marL="171450" lvl="1" indent="-171450" algn="l" defTabSz="711200">
+          <a:pPr marL="114300" lvl="1" indent="-114300" algn="l" defTabSz="666750">
             <a:lnSpc>
               <a:spcPct val="90000"/>
             </a:lnSpc>
@@ -2947,12 +2948,12 @@
             <a:buChar char="•"/>
           </a:pPr>
           <a:r>
-            <a:rPr lang="en-US" sz="1600" kern="1200" dirty="0"/>
+            <a:rPr lang="en-US" sz="1500" kern="1200" dirty="0"/>
             <a:t>Database systems </a:t>
           </a:r>
         </a:p>
         <a:p>
-          <a:pPr marL="171450" lvl="1" indent="-171450" algn="l" defTabSz="711200">
+          <a:pPr marL="114300" lvl="1" indent="-114300" algn="l" defTabSz="666750">
             <a:lnSpc>
               <a:spcPct val="90000"/>
             </a:lnSpc>
@@ -2965,12 +2966,12 @@
             <a:buChar char="•"/>
           </a:pPr>
           <a:r>
-            <a:rPr lang="en-US" sz="1600" kern="1200" dirty="0"/>
+            <a:rPr lang="en-US" sz="1500" kern="1200" dirty="0"/>
             <a:t>Solving data access and sharing problems</a:t>
           </a:r>
         </a:p>
         <a:p>
-          <a:pPr marL="171450" lvl="1" indent="-171450" algn="l" defTabSz="711200">
+          <a:pPr marL="114300" lvl="1" indent="-114300" algn="l" defTabSz="666750">
             <a:lnSpc>
               <a:spcPct val="90000"/>
             </a:lnSpc>
@@ -2983,12 +2984,12 @@
             <a:buChar char="•"/>
           </a:pPr>
           <a:r>
-            <a:rPr lang="en-US" sz="1600" kern="1200" dirty="0"/>
+            <a:rPr lang="en-US" sz="1500" kern="1200" dirty="0"/>
             <a:t>Bridging gap between information and systems</a:t>
           </a:r>
         </a:p>
         <a:p>
-          <a:pPr marL="171450" lvl="1" indent="-171450" algn="l" defTabSz="711200">
+          <a:pPr marL="114300" lvl="1" indent="-114300" algn="l" defTabSz="666750">
             <a:lnSpc>
               <a:spcPct val="90000"/>
             </a:lnSpc>
@@ -3001,12 +3002,12 @@
             <a:buChar char="•"/>
           </a:pPr>
           <a:r>
-            <a:rPr lang="en-US" sz="1600" kern="1200" dirty="0"/>
+            <a:rPr lang="en-US" sz="1500" kern="1200" dirty="0"/>
             <a:t>Mainly organization perspective</a:t>
           </a:r>
         </a:p>
         <a:p>
-          <a:pPr marL="171450" lvl="1" indent="-171450" algn="l" defTabSz="711200">
+          <a:pPr marL="114300" lvl="1" indent="-114300" algn="l" defTabSz="666750">
             <a:lnSpc>
               <a:spcPct val="90000"/>
             </a:lnSpc>
@@ -3018,7 +3019,7 @@
             </a:spcAft>
             <a:buChar char="•"/>
           </a:pPr>
-          <a:endParaRPr lang="en-US" sz="1600" kern="1200" dirty="0"/>
+          <a:endParaRPr lang="en-US" sz="1500" kern="1200" dirty="0"/>
         </a:p>
       </dsp:txBody>
       <dsp:txXfrm>
@@ -3058,12 +3059,12 @@
         <a:fontRef idx="minor"/>
       </dsp:style>
       <dsp:txBody>
-        <a:bodyPr spcFirstLastPara="0" vert="horz" wrap="square" lIns="83820" tIns="83820" rIns="83820" bIns="83820" numCol="1" spcCol="1270" anchor="b" anchorCtr="0">
+        <a:bodyPr spcFirstLastPara="0" vert="horz" wrap="square" lIns="81280" tIns="81280" rIns="81280" bIns="81280" numCol="1" spcCol="1270" anchor="b" anchorCtr="0">
           <a:noAutofit/>
         </a:bodyPr>
         <a:lstStyle/>
         <a:p>
-          <a:pPr marL="0" lvl="0" indent="0" algn="l" defTabSz="1466850">
+          <a:pPr marL="0" lvl="0" indent="0" algn="l" defTabSz="1422400">
             <a:lnSpc>
               <a:spcPct val="90000"/>
             </a:lnSpc>
@@ -3076,7 +3077,7 @@
             <a:buNone/>
           </a:pPr>
           <a:r>
-            <a:rPr lang="en-US" sz="3300" kern="1200" dirty="0"/>
+            <a:rPr lang="en-US" sz="3200" kern="1200" dirty="0"/>
             <a:t>ITM 354</a:t>
           </a:r>
         </a:p>
@@ -7480,10 +7481,10 @@
       </p:grpSpPr>
       <p:sp>
         <p:nvSpPr>
-          <p:cNvPr id="50178" name="Text Box 1">
+          <p:cNvPr id="48130" name="Text Box 1">
             <a:extLst>
               <a:ext uri="{FF2B5EF4-FFF2-40B4-BE49-F238E27FC236}">
-                <a16:creationId xmlns:a16="http://schemas.microsoft.com/office/drawing/2014/main" id="{AF0D005E-9FF6-483B-873D-B885A8DE4526}"/>
+                <a16:creationId xmlns:a16="http://schemas.microsoft.com/office/drawing/2014/main" id="{C6C7DF24-148F-49BE-ADEA-E3638712DF90}"/>
               </a:ext>
             </a:extLst>
           </p:cNvPr>
@@ -7533,10 +7534,10 @@
       </p:sp>
       <p:sp>
         <p:nvSpPr>
-          <p:cNvPr id="50179" name="Rectangle 2">
+          <p:cNvPr id="48131" name="Rectangle 2">
             <a:extLst>
               <a:ext uri="{FF2B5EF4-FFF2-40B4-BE49-F238E27FC236}">
-                <a16:creationId xmlns:a16="http://schemas.microsoft.com/office/drawing/2014/main" id="{FAD05665-0613-44FC-9271-B150A135CD23}"/>
+                <a16:creationId xmlns:a16="http://schemas.microsoft.com/office/drawing/2014/main" id="{DD86B49C-CF72-4B60-A5F7-64594A2CF8BB}"/>
               </a:ext>
             </a:extLst>
           </p:cNvPr>
@@ -7620,10 +7621,10 @@
       </p:grpSpPr>
       <p:sp>
         <p:nvSpPr>
-          <p:cNvPr id="52226" name="Text Box 1">
+          <p:cNvPr id="50178" name="Text Box 1">
             <a:extLst>
               <a:ext uri="{FF2B5EF4-FFF2-40B4-BE49-F238E27FC236}">
-                <a16:creationId xmlns:a16="http://schemas.microsoft.com/office/drawing/2014/main" id="{37E92BFE-1846-4F54-99F8-689347E75023}"/>
+                <a16:creationId xmlns:a16="http://schemas.microsoft.com/office/drawing/2014/main" id="{AF0D005E-9FF6-483B-873D-B885A8DE4526}"/>
               </a:ext>
             </a:extLst>
           </p:cNvPr>
@@ -7673,10 +7674,10 @@
       </p:sp>
       <p:sp>
         <p:nvSpPr>
-          <p:cNvPr id="52227" name="Rectangle 2">
+          <p:cNvPr id="50179" name="Rectangle 2">
             <a:extLst>
               <a:ext uri="{FF2B5EF4-FFF2-40B4-BE49-F238E27FC236}">
-                <a16:creationId xmlns:a16="http://schemas.microsoft.com/office/drawing/2014/main" id="{E99A4D16-A928-4ED1-A1C2-2A907FD951AC}"/>
+                <a16:creationId xmlns:a16="http://schemas.microsoft.com/office/drawing/2014/main" id="{FAD05665-0613-44FC-9271-B150A135CD23}"/>
               </a:ext>
             </a:extLst>
           </p:cNvPr>
@@ -7866,11 +7867,6 @@
         </p:txBody>
       </p:sp>
     </p:spTree>
-    <p:extLst>
-      <p:ext uri="{BB962C8B-B14F-4D97-AF65-F5344CB8AC3E}">
-        <p14:creationId xmlns:p14="http://schemas.microsoft.com/office/powerpoint/2010/main" val="3909794388"/>
-      </p:ext>
-    </p:extLst>
   </p:cSld>
   <p:clrMapOvr>
     <a:masterClrMapping/>
@@ -7905,10 +7901,10 @@
       </p:grpSpPr>
       <p:sp>
         <p:nvSpPr>
-          <p:cNvPr id="54274" name="Text Box 1">
+          <p:cNvPr id="52226" name="Text Box 1">
             <a:extLst>
               <a:ext uri="{FF2B5EF4-FFF2-40B4-BE49-F238E27FC236}">
-                <a16:creationId xmlns:a16="http://schemas.microsoft.com/office/drawing/2014/main" id="{6F9084C5-817E-46EA-8D19-358FF57C9A92}"/>
+                <a16:creationId xmlns:a16="http://schemas.microsoft.com/office/drawing/2014/main" id="{37E92BFE-1846-4F54-99F8-689347E75023}"/>
               </a:ext>
             </a:extLst>
           </p:cNvPr>
@@ -7958,10 +7954,10 @@
       </p:sp>
       <p:sp>
         <p:nvSpPr>
-          <p:cNvPr id="54275" name="Rectangle 2">
+          <p:cNvPr id="52227" name="Rectangle 2">
             <a:extLst>
               <a:ext uri="{FF2B5EF4-FFF2-40B4-BE49-F238E27FC236}">
-                <a16:creationId xmlns:a16="http://schemas.microsoft.com/office/drawing/2014/main" id="{DF726BD1-F999-4405-8331-5774EB60D811}"/>
+                <a16:creationId xmlns:a16="http://schemas.microsoft.com/office/drawing/2014/main" id="{E99A4D16-A928-4ED1-A1C2-2A907FD951AC}"/>
               </a:ext>
             </a:extLst>
           </p:cNvPr>
@@ -8011,6 +8007,11 @@
         </p:txBody>
       </p:sp>
     </p:spTree>
+    <p:extLst>
+      <p:ext uri="{BB962C8B-B14F-4D97-AF65-F5344CB8AC3E}">
+        <p14:creationId xmlns:p14="http://schemas.microsoft.com/office/powerpoint/2010/main" val="3909794388"/>
+      </p:ext>
+    </p:extLst>
   </p:cSld>
   <p:clrMapOvr>
     <a:masterClrMapping/>
@@ -8144,18 +8145,13 @@
           <a:bodyPr wrap="none" anchor="ctr"/>
           <a:lstStyle/>
           <a:p>
-            <a:endParaRPr lang="en-US" altLang="en-US" dirty="0">
+            <a:endParaRPr lang="en-US" altLang="en-US">
               <a:latin typeface="Times New Roman" panose="02020603050405020304" pitchFamily="18" charset="0"/>
             </a:endParaRPr>
           </a:p>
         </p:txBody>
       </p:sp>
     </p:spTree>
-    <p:extLst>
-      <p:ext uri="{BB962C8B-B14F-4D97-AF65-F5344CB8AC3E}">
-        <p14:creationId xmlns:p14="http://schemas.microsoft.com/office/powerpoint/2010/main" val="95334472"/>
-      </p:ext>
-    </p:extLst>
   </p:cSld>
   <p:clrMapOvr>
     <a:masterClrMapping/>
@@ -8298,7 +8294,7 @@
     </p:spTree>
     <p:extLst>
       <p:ext uri="{BB962C8B-B14F-4D97-AF65-F5344CB8AC3E}">
-        <p14:creationId xmlns:p14="http://schemas.microsoft.com/office/powerpoint/2010/main" val="3370677519"/>
+        <p14:creationId xmlns:p14="http://schemas.microsoft.com/office/powerpoint/2010/main" val="95334472"/>
       </p:ext>
     </p:extLst>
   </p:cSld>
@@ -8441,6 +8437,151 @@
         </p:txBody>
       </p:sp>
     </p:spTree>
+  </p:cSld>
+  <p:clrMapOvr>
+    <a:masterClrMapping/>
+  </p:clrMapOvr>
+</p:notes>
+</file>
+
+<file path=ppt/notesSlides/notesSlide30.xml><?xml version="1.0" encoding="utf-8"?>
+<p:notes xmlns:a="http://schemas.openxmlformats.org/drawingml/2006/main" xmlns:r="http://schemas.openxmlformats.org/officeDocument/2006/relationships" xmlns:p="http://schemas.openxmlformats.org/presentationml/2006/main">
+  <p:cSld>
+    <p:bg>
+      <p:bgPr>
+        <a:solidFill>
+          <a:srgbClr val="FFFFFF"/>
+        </a:solidFill>
+        <a:effectLst/>
+      </p:bgPr>
+    </p:bg>
+    <p:spTree>
+      <p:nvGrpSpPr>
+        <p:cNvPr id="1" name=""/>
+        <p:cNvGrpSpPr/>
+        <p:nvPr/>
+      </p:nvGrpSpPr>
+      <p:grpSpPr>
+        <a:xfrm>
+          <a:off x="0" y="0"/>
+          <a:ext cx="0" cy="0"/>
+          <a:chOff x="0" y="0"/>
+          <a:chExt cx="0" cy="0"/>
+        </a:xfrm>
+      </p:grpSpPr>
+      <p:sp>
+        <p:nvSpPr>
+          <p:cNvPr id="54274" name="Text Box 1">
+            <a:extLst>
+              <a:ext uri="{FF2B5EF4-FFF2-40B4-BE49-F238E27FC236}">
+                <a16:creationId xmlns:a16="http://schemas.microsoft.com/office/drawing/2014/main" id="{6F9084C5-817E-46EA-8D19-358FF57C9A92}"/>
+              </a:ext>
+            </a:extLst>
+          </p:cNvPr>
+          <p:cNvSpPr txBox="1">
+            <a:spLocks noChangeArrowheads="1"/>
+          </p:cNvSpPr>
+          <p:nvPr/>
+        </p:nvSpPr>
+        <p:spPr bwMode="auto">
+          <a:xfrm>
+            <a:off x="1152525" y="692150"/>
+            <a:ext cx="4554538" cy="3416300"/>
+          </a:xfrm>
+          <a:prstGeom prst="rect">
+            <a:avLst/>
+          </a:prstGeom>
+          <a:solidFill>
+            <a:srgbClr val="FFFFFF"/>
+          </a:solidFill>
+          <a:ln w="9360">
+            <a:solidFill>
+              <a:srgbClr val="000000"/>
+            </a:solidFill>
+            <a:miter lim="800000"/>
+            <a:headEnd/>
+            <a:tailEnd/>
+          </a:ln>
+        </p:spPr>
+        <p:txBody>
+          <a:bodyPr wrap="none" anchor="ctr"/>
+          <a:lstStyle/>
+          <a:p>
+            <a:pPr>
+              <a:lnSpc>
+                <a:spcPct val="86000"/>
+              </a:lnSpc>
+              <a:buClr>
+                <a:srgbClr val="000000"/>
+              </a:buClr>
+              <a:buSzPct val="100000"/>
+              <a:buFont typeface="Times New Roman" panose="02020603050405020304" pitchFamily="18" charset="0"/>
+              <a:buNone/>
+            </a:pPr>
+            <a:endParaRPr lang="en-US" altLang="en-US"/>
+          </a:p>
+        </p:txBody>
+      </p:sp>
+      <p:sp>
+        <p:nvSpPr>
+          <p:cNvPr id="54275" name="Rectangle 2">
+            <a:extLst>
+              <a:ext uri="{FF2B5EF4-FFF2-40B4-BE49-F238E27FC236}">
+                <a16:creationId xmlns:a16="http://schemas.microsoft.com/office/drawing/2014/main" id="{DF726BD1-F999-4405-8331-5774EB60D811}"/>
+              </a:ext>
+            </a:extLst>
+          </p:cNvPr>
+          <p:cNvSpPr>
+            <a:spLocks noGrp="1" noChangeArrowheads="1"/>
+          </p:cNvSpPr>
+          <p:nvPr>
+            <p:ph type="body"/>
+          </p:nvPr>
+        </p:nvSpPr>
+        <p:spPr>
+          <a:xfrm>
+            <a:off x="914400" y="4343400"/>
+            <a:ext cx="5024438" cy="4202113"/>
+          </a:xfrm>
+          <a:noFill/>
+          <a:extLst>
+            <a:ext uri="{91240B29-F687-4F45-9708-019B960494DF}">
+              <a14:hiddenLine xmlns:a14="http://schemas.microsoft.com/office/drawing/2010/main" w="9525">
+                <a:solidFill>
+                  <a:srgbClr val="000000"/>
+                </a:solidFill>
+                <a:miter lim="800000"/>
+                <a:headEnd/>
+                <a:tailEnd/>
+              </a14:hiddenLine>
+            </a:ext>
+            <a:ext uri="{AF507438-7753-43E0-B8FC-AC1667EBCBE1}">
+              <a14:hiddenEffects xmlns:a14="http://schemas.microsoft.com/office/drawing/2010/main">
+                <a:effectLst>
+                  <a:outerShdw dist="35921" dir="2700000" algn="ctr" rotWithShape="0">
+                    <a:srgbClr val="808080"/>
+                  </a:outerShdw>
+                </a:effectLst>
+              </a14:hiddenEffects>
+            </a:ext>
+          </a:extLst>
+        </p:spPr>
+        <p:txBody>
+          <a:bodyPr wrap="none" anchor="ctr"/>
+          <a:lstStyle/>
+          <a:p>
+            <a:endParaRPr lang="en-US" altLang="en-US" dirty="0">
+              <a:latin typeface="Times New Roman" panose="02020603050405020304" pitchFamily="18" charset="0"/>
+            </a:endParaRPr>
+          </a:p>
+        </p:txBody>
+      </p:sp>
+    </p:spTree>
+    <p:extLst>
+      <p:ext uri="{BB962C8B-B14F-4D97-AF65-F5344CB8AC3E}">
+        <p14:creationId xmlns:p14="http://schemas.microsoft.com/office/powerpoint/2010/main" val="3370677519"/>
+      </p:ext>
+    </p:extLst>
   </p:cSld>
   <p:clrMapOvr>
     <a:masterClrMapping/>
@@ -29128,14 +29269,14 @@
               <a:buChar char=""/>
             </a:pPr>
             <a:r>
-              <a:rPr lang="en-GB" altLang="en-US" sz="2800" dirty="0">
+              <a:rPr lang="en-GB" altLang="en-US" dirty="0">
                 <a:solidFill>
                   <a:srgbClr val="000000"/>
                 </a:solidFill>
               </a:rPr>
               <a:t>Cheating </a:t>
             </a:r>
-            <a:endParaRPr lang="en-GB" altLang="en-US" dirty="0">
+            <a:endParaRPr lang="en-GB" altLang="en-US" sz="2000" dirty="0">
               <a:solidFill>
                 <a:srgbClr val="000000"/>
               </a:solidFill>
@@ -29154,7 +29295,7 @@
               <a:buChar char=""/>
             </a:pPr>
             <a:r>
-              <a:rPr lang="en-GB" altLang="en-US" sz="2000" dirty="0">
+              <a:rPr lang="en-GB" altLang="en-US" sz="1800" dirty="0">
                 <a:solidFill>
                   <a:srgbClr val="000000"/>
                 </a:solidFill>
@@ -29162,7 +29303,7 @@
               <a:t>It’s always ok to get help. But turning in </a:t>
             </a:r>
             <a:r>
-              <a:rPr lang="en-GB" altLang="en-US" sz="2000" u="sng" dirty="0">
+              <a:rPr lang="en-GB" altLang="en-US" sz="1800" u="sng" dirty="0">
                 <a:solidFill>
                   <a:srgbClr val="000000"/>
                 </a:solidFill>
@@ -29170,7 +29311,7 @@
               <a:t>someone else's work</a:t>
             </a:r>
             <a:r>
-              <a:rPr lang="en-GB" altLang="en-US" sz="2000" dirty="0">
+              <a:rPr lang="en-GB" altLang="en-US" sz="1800" dirty="0">
                 <a:solidFill>
                   <a:srgbClr val="000000"/>
                 </a:solidFill>
@@ -29191,7 +29332,7 @@
               <a:buChar char=""/>
             </a:pPr>
             <a:r>
-              <a:rPr lang="en-GB" altLang="en-US" sz="1800" dirty="0">
+              <a:rPr lang="en-GB" altLang="en-US" sz="1600" dirty="0">
                 <a:solidFill>
                   <a:srgbClr val="000000"/>
                 </a:solidFill>
@@ -29199,7 +29340,7 @@
               <a:t>There is often a lot of confusion about using code from labs, the class website, or online resources. This is generally </a:t>
             </a:r>
             <a:r>
-              <a:rPr lang="en-GB" altLang="en-US" sz="1800" b="1" dirty="0">
+              <a:rPr lang="en-GB" altLang="en-US" sz="1600" b="1" dirty="0">
                 <a:solidFill>
                   <a:srgbClr val="000000"/>
                 </a:solidFill>
@@ -29207,7 +29348,7 @@
               <a:t>OK</a:t>
             </a:r>
             <a:r>
-              <a:rPr lang="en-GB" altLang="en-US" sz="1800" dirty="0">
+              <a:rPr lang="en-GB" altLang="en-US" sz="1600" dirty="0">
                 <a:solidFill>
                   <a:srgbClr val="000000"/>
                 </a:solidFill>
@@ -29215,7 +29356,7 @@
               <a:t> so long as you make </a:t>
             </a:r>
             <a:r>
-              <a:rPr lang="en-GB" altLang="en-US" sz="1800" b="1" dirty="0">
+              <a:rPr lang="en-GB" altLang="en-US" sz="1600" b="1" dirty="0">
                 <a:solidFill>
                   <a:srgbClr val="000000"/>
                 </a:solidFill>
@@ -29223,7 +29364,7 @@
               <a:t>CLEAR</a:t>
             </a:r>
             <a:r>
-              <a:rPr lang="en-GB" altLang="en-US" sz="1800" dirty="0">
+              <a:rPr lang="en-GB" altLang="en-US" sz="1600" dirty="0">
                 <a:solidFill>
                   <a:srgbClr val="000000"/>
                 </a:solidFill>
@@ -29244,7 +29385,7 @@
               <a:buChar char=""/>
             </a:pPr>
             <a:r>
-              <a:rPr lang="en-GB" altLang="en-US" sz="1800" dirty="0">
+              <a:rPr lang="en-GB" altLang="en-US" sz="1600" dirty="0">
                 <a:solidFill>
                   <a:srgbClr val="000000"/>
                 </a:solidFill>
@@ -29252,7 +29393,7 @@
               <a:t>In general it is </a:t>
             </a:r>
             <a:r>
-              <a:rPr lang="en-GB" altLang="en-US" sz="1800" b="1" dirty="0">
+              <a:rPr lang="en-GB" altLang="en-US" sz="1600" b="1" dirty="0">
                 <a:solidFill>
                   <a:srgbClr val="000000"/>
                 </a:solidFill>
@@ -29260,7 +29401,7 @@
               <a:t>NOT OK</a:t>
             </a:r>
             <a:r>
-              <a:rPr lang="en-GB" altLang="en-US" sz="1800" dirty="0">
+              <a:rPr lang="en-GB" altLang="en-US" sz="1600" dirty="0">
                 <a:solidFill>
                   <a:srgbClr val="000000"/>
                 </a:solidFill>
@@ -29281,7 +29422,7 @@
               <a:buChar char=""/>
             </a:pPr>
             <a:r>
-              <a:rPr lang="en-GB" altLang="en-US" sz="2000" dirty="0">
+              <a:rPr lang="en-GB" altLang="en-US" sz="1800" dirty="0">
                 <a:solidFill>
                   <a:srgbClr val="000000"/>
                 </a:solidFill>
@@ -29302,7 +29443,7 @@
               <a:buChar char=""/>
             </a:pPr>
             <a:r>
-              <a:rPr lang="en-GB" altLang="en-US" sz="2000" dirty="0">
+              <a:rPr lang="en-GB" altLang="en-US" sz="1800" dirty="0">
                 <a:solidFill>
                   <a:srgbClr val="000000"/>
                 </a:solidFill>
@@ -29310,7 +29451,7 @@
               <a:t>Second offence (of any kind): "F" in course, action by Dean</a:t>
             </a:r>
             <a:r>
-              <a:rPr lang="ja-JP" altLang="en-GB" sz="2000">
+              <a:rPr lang="ja-JP" altLang="en-GB" sz="1800" dirty="0">
                 <a:solidFill>
                   <a:srgbClr val="000000"/>
                 </a:solidFill>
@@ -29318,7 +29459,7 @@
               <a:t>’</a:t>
             </a:r>
             <a:r>
-              <a:rPr lang="en-GB" altLang="ja-JP" sz="2000" dirty="0">
+              <a:rPr lang="en-GB" altLang="ja-JP" sz="1800" dirty="0">
                 <a:solidFill>
                   <a:srgbClr val="000000"/>
                 </a:solidFill>
@@ -29337,7 +29478,7 @@
               <a:buSzPct val="70000"/>
             </a:pPr>
             <a:r>
-              <a:rPr lang="en-GB" altLang="en-US" sz="2000" b="1" dirty="0">
+              <a:rPr lang="en-GB" altLang="en-US" sz="1800" b="1" dirty="0">
                 <a:solidFill>
                   <a:srgbClr val="000000"/>
                 </a:solidFill>
@@ -29345,7 +29486,7 @@
               <a:t>Bottom line: </a:t>
             </a:r>
             <a:r>
-              <a:rPr lang="en-GB" altLang="en-US" sz="2000" dirty="0">
+              <a:rPr lang="en-GB" altLang="en-US" sz="1800" dirty="0">
                 <a:solidFill>
                   <a:srgbClr val="FF0000"/>
                 </a:solidFill>
@@ -29353,7 +29494,7 @@
               <a:t>Don't do it! </a:t>
             </a:r>
             <a:r>
-              <a:rPr lang="en-GB" altLang="en-US" sz="2000" dirty="0">
+              <a:rPr lang="en-GB" altLang="en-US" sz="1800" dirty="0">
                 <a:solidFill>
                   <a:srgbClr val="000000"/>
                 </a:solidFill>
@@ -29361,7 +29502,7 @@
               <a:t>It's never worth it. Since you are building a skill here</a:t>
             </a:r>
             <a:r>
-              <a:rPr lang="en-GB" altLang="en-US" sz="2800" dirty="0">
+              <a:rPr lang="en-GB" altLang="en-US" dirty="0">
                 <a:solidFill>
                   <a:srgbClr val="000000"/>
                 </a:solidFill>
@@ -29369,7 +29510,7 @@
               <a:t> </a:t>
             </a:r>
             <a:r>
-              <a:rPr lang="en-GB" altLang="en-US" sz="2000" dirty="0">
+              <a:rPr lang="en-GB" altLang="en-US" sz="1800" dirty="0">
                 <a:solidFill>
                   <a:srgbClr val="000000"/>
                 </a:solidFill>
@@ -34877,12 +35018,12 @@
               </a:lnSpc>
             </a:pPr>
             <a:r>
-              <a:rPr lang="en-GB" altLang="en-US" sz="4400">
+              <a:rPr lang="en-GB" altLang="en-US" sz="4400" dirty="0">
                 <a:solidFill>
                   <a:srgbClr val="221304"/>
                 </a:solidFill>
               </a:rPr>
-              <a:t>Keep in Mind</a:t>
+              <a:t>Jobs and Getting Help</a:t>
             </a:r>
           </a:p>
         </p:txBody>
@@ -34935,7 +35076,7 @@
         </p:spPr>
         <p:txBody>
           <a:bodyPr lIns="90360" tIns="44280" rIns="90360" bIns="44280">
-            <a:normAutofit fontScale="92500" lnSpcReduction="20000"/>
+            <a:normAutofit fontScale="47500" lnSpcReduction="20000"/>
           </a:bodyPr>
           <a:lstStyle>
             <a:lvl1pPr marL="336550" indent="-336550">
@@ -35327,24 +35468,16 @@
               <a:buChar char=""/>
             </a:pPr>
             <a:r>
-              <a:rPr lang="en-GB" altLang="en-US" sz="2000" dirty="0">
+              <a:rPr lang="en-GB" altLang="en-US" sz="2500" dirty="0">
                 <a:solidFill>
                   <a:srgbClr val="000000"/>
                 </a:solidFill>
               </a:rPr>
-              <a:t>The ITMA club and I are here to help you </a:t>
-            </a:r>
-            <a:r>
-              <a:rPr lang="en-GB" altLang="en-US" sz="1800" dirty="0">
-                <a:solidFill>
-                  <a:srgbClr val="000000"/>
-                </a:solidFill>
-              </a:rPr>
-              <a:t>succeed in ITM352 (meeting the class objectives)</a:t>
-            </a:r>
-          </a:p>
-          <a:p>
-            <a:pPr>
+              <a:t>Your job </a:t>
+            </a:r>
+          </a:p>
+          <a:p>
+            <a:pPr lvl="1">
               <a:lnSpc>
                 <a:spcPct val="100000"/>
               </a:lnSpc>
@@ -35356,16 +35489,284 @@
               <a:buChar char=""/>
             </a:pPr>
             <a:r>
-              <a:rPr lang="en-GB" altLang="en-US" sz="1800" dirty="0">
+              <a:rPr lang="en-GB" altLang="en-US" sz="2500" dirty="0">
                 <a:solidFill>
                   <a:srgbClr val="000000"/>
                 </a:solidFill>
               </a:rPr>
-              <a:t>Please come see me, the TA, or an ITMA club member right away when you need help. </a:t>
-            </a:r>
-          </a:p>
-          <a:p>
-            <a:pPr lvl="2">
+              <a:t>Attend class</a:t>
+            </a:r>
+          </a:p>
+          <a:p>
+            <a:pPr lvl="1">
+              <a:lnSpc>
+                <a:spcPct val="100000"/>
+              </a:lnSpc>
+              <a:spcBef>
+                <a:spcPts val="700"/>
+              </a:spcBef>
+              <a:buSzPct val="85000"/>
+              <a:buFont typeface="Monotype Sorts" charset="2"/>
+              <a:buChar char=""/>
+            </a:pPr>
+            <a:r>
+              <a:rPr lang="en-GB" altLang="en-US" sz="2500" dirty="0">
+                <a:solidFill>
+                  <a:srgbClr val="000000"/>
+                </a:solidFill>
+              </a:rPr>
+              <a:t>Work all the assignments on </a:t>
+            </a:r>
+            <a:r>
+              <a:rPr lang="en-GB" altLang="en-US" sz="2500" dirty="0" err="1">
+                <a:solidFill>
+                  <a:srgbClr val="000000"/>
+                </a:solidFill>
+              </a:rPr>
+              <a:t>Laulima</a:t>
+            </a:r>
+            <a:r>
+              <a:rPr lang="en-GB" altLang="en-US" sz="2500" dirty="0">
+                <a:solidFill>
+                  <a:srgbClr val="000000"/>
+                </a:solidFill>
+              </a:rPr>
+              <a:t> on time</a:t>
+            </a:r>
+          </a:p>
+          <a:p>
+            <a:pPr lvl="1">
+              <a:lnSpc>
+                <a:spcPct val="100000"/>
+              </a:lnSpc>
+              <a:spcBef>
+                <a:spcPts val="700"/>
+              </a:spcBef>
+              <a:buSzPct val="85000"/>
+              <a:buFont typeface="Monotype Sorts" charset="2"/>
+              <a:buChar char=""/>
+            </a:pPr>
+            <a:r>
+              <a:rPr lang="en-GB" altLang="en-US" sz="2500" dirty="0">
+                <a:solidFill>
+                  <a:srgbClr val="000000"/>
+                </a:solidFill>
+              </a:rPr>
+              <a:t>Work together with your classmates and help each other out. But do this with integrity. Make sure everyone is learning</a:t>
+            </a:r>
+          </a:p>
+          <a:p>
+            <a:pPr lvl="1">
+              <a:lnSpc>
+                <a:spcPct val="100000"/>
+              </a:lnSpc>
+              <a:spcBef>
+                <a:spcPts val="700"/>
+              </a:spcBef>
+              <a:buSzPct val="85000"/>
+              <a:buFont typeface="Monotype Sorts" charset="2"/>
+              <a:buChar char=""/>
+            </a:pPr>
+            <a:r>
+              <a:rPr lang="en-GB" altLang="en-US" sz="2500" dirty="0">
+                <a:solidFill>
+                  <a:srgbClr val="000000"/>
+                </a:solidFill>
+              </a:rPr>
+              <a:t>Be respectful and have high integrity for everything you do in 352</a:t>
+            </a:r>
+          </a:p>
+          <a:p>
+            <a:pPr>
+              <a:lnSpc>
+                <a:spcPct val="100000"/>
+              </a:lnSpc>
+              <a:spcBef>
+                <a:spcPts val="700"/>
+              </a:spcBef>
+              <a:buSzPct val="85000"/>
+              <a:buFont typeface="Monotype Sorts" charset="2"/>
+              <a:buChar char=""/>
+            </a:pPr>
+            <a:r>
+              <a:rPr lang="en-GB" altLang="en-US" sz="2500" dirty="0">
+                <a:solidFill>
+                  <a:srgbClr val="000000"/>
+                </a:solidFill>
+              </a:rPr>
+              <a:t>Instructor job</a:t>
+            </a:r>
+          </a:p>
+          <a:p>
+            <a:pPr lvl="1">
+              <a:lnSpc>
+                <a:spcPct val="100000"/>
+              </a:lnSpc>
+              <a:spcBef>
+                <a:spcPts val="700"/>
+              </a:spcBef>
+              <a:buSzPct val="85000"/>
+              <a:buFont typeface="Monotype Sorts" charset="2"/>
+              <a:buChar char=""/>
+            </a:pPr>
+            <a:r>
+              <a:rPr lang="en-GB" altLang="en-US" sz="2500" dirty="0">
+                <a:solidFill>
+                  <a:srgbClr val="000000"/>
+                </a:solidFill>
+              </a:rPr>
+              <a:t>Educate (not train) you in programming and web application development, software technology</a:t>
+            </a:r>
+          </a:p>
+          <a:p>
+            <a:pPr lvl="1">
+              <a:lnSpc>
+                <a:spcPct val="100000"/>
+              </a:lnSpc>
+              <a:spcBef>
+                <a:spcPts val="700"/>
+              </a:spcBef>
+              <a:buSzPct val="85000"/>
+              <a:buFont typeface="Monotype Sorts" charset="2"/>
+              <a:buChar char=""/>
+            </a:pPr>
+            <a:r>
+              <a:rPr lang="en-GB" altLang="en-US" sz="2500" dirty="0">
+                <a:solidFill>
+                  <a:srgbClr val="000000"/>
+                </a:solidFill>
+              </a:rPr>
+              <a:t>Be responsive to your needs and help you through problems </a:t>
+            </a:r>
+          </a:p>
+          <a:p>
+            <a:pPr lvl="1">
+              <a:lnSpc>
+                <a:spcPct val="100000"/>
+              </a:lnSpc>
+              <a:spcBef>
+                <a:spcPts val="700"/>
+              </a:spcBef>
+              <a:buSzPct val="85000"/>
+              <a:buFont typeface="Monotype Sorts" charset="2"/>
+              <a:buChar char=""/>
+            </a:pPr>
+            <a:r>
+              <a:rPr lang="en-GB" altLang="en-US" sz="2500" dirty="0">
+                <a:solidFill>
+                  <a:srgbClr val="000000"/>
+                </a:solidFill>
+              </a:rPr>
+              <a:t>Provide opportunities for your learning and advancement</a:t>
+            </a:r>
+          </a:p>
+          <a:p>
+            <a:pPr>
+              <a:lnSpc>
+                <a:spcPct val="100000"/>
+              </a:lnSpc>
+              <a:spcBef>
+                <a:spcPts val="700"/>
+              </a:spcBef>
+              <a:buSzPct val="85000"/>
+              <a:buFont typeface="Monotype Sorts" charset="2"/>
+              <a:buChar char=""/>
+            </a:pPr>
+            <a:r>
+              <a:rPr lang="en-GB" altLang="en-US" sz="2500" dirty="0">
+                <a:solidFill>
+                  <a:srgbClr val="000000"/>
+                </a:solidFill>
+              </a:rPr>
+              <a:t>TA</a:t>
+            </a:r>
+          </a:p>
+          <a:p>
+            <a:pPr lvl="1">
+              <a:lnSpc>
+                <a:spcPct val="100000"/>
+              </a:lnSpc>
+              <a:spcBef>
+                <a:spcPts val="700"/>
+              </a:spcBef>
+              <a:buSzPct val="85000"/>
+              <a:buFont typeface="Monotype Sorts" charset="2"/>
+              <a:buChar char=""/>
+            </a:pPr>
+            <a:r>
+              <a:rPr lang="en-GB" altLang="en-US" sz="2500" dirty="0">
+                <a:solidFill>
+                  <a:srgbClr val="000000"/>
+                </a:solidFill>
+              </a:rPr>
+              <a:t>Primarily grading, not teaching</a:t>
+            </a:r>
+          </a:p>
+          <a:p>
+            <a:pPr lvl="1">
+              <a:lnSpc>
+                <a:spcPct val="100000"/>
+              </a:lnSpc>
+              <a:spcBef>
+                <a:spcPts val="700"/>
+              </a:spcBef>
+              <a:buSzPct val="85000"/>
+              <a:buFont typeface="Monotype Sorts" charset="2"/>
+              <a:buChar char=""/>
+            </a:pPr>
+            <a:r>
+              <a:rPr lang="en-GB" altLang="en-US" sz="2500" dirty="0">
+                <a:solidFill>
+                  <a:srgbClr val="000000"/>
+                </a:solidFill>
+              </a:rPr>
+              <a:t>Help structure and manage course logistics</a:t>
+            </a:r>
+          </a:p>
+          <a:p>
+            <a:pPr>
+              <a:lnSpc>
+                <a:spcPct val="100000"/>
+              </a:lnSpc>
+              <a:spcBef>
+                <a:spcPts val="700"/>
+              </a:spcBef>
+              <a:buSzPct val="85000"/>
+              <a:buFont typeface="Monotype Sorts" charset="2"/>
+              <a:buChar char=""/>
+            </a:pPr>
+            <a:r>
+              <a:rPr lang="en-GB" altLang="en-US" sz="2300" dirty="0">
+                <a:solidFill>
+                  <a:srgbClr val="000000"/>
+                </a:solidFill>
+              </a:rPr>
+              <a:t>We want to see each and everyone of you succeed in ITM352 and to enjoy the experience. But this is entirely up to you!</a:t>
+            </a:r>
+          </a:p>
+          <a:p>
+            <a:pPr>
+              <a:lnSpc>
+                <a:spcPct val="100000"/>
+              </a:lnSpc>
+              <a:spcBef>
+                <a:spcPts val="700"/>
+              </a:spcBef>
+              <a:buSzPct val="85000"/>
+              <a:buFont typeface="Monotype Sorts" charset="2"/>
+              <a:buChar char=""/>
+            </a:pPr>
+            <a:r>
+              <a:rPr lang="en-GB" altLang="en-US" sz="2300" dirty="0">
+                <a:solidFill>
+                  <a:srgbClr val="000000"/>
+                </a:solidFill>
+              </a:rPr>
+              <a:t>Please come see me or a TA right away when you need help. </a:t>
+            </a:r>
+          </a:p>
+          <a:p>
+            <a:pPr lvl="1">
               <a:lnSpc>
                 <a:spcPct val="100000"/>
               </a:lnSpc>
@@ -35377,79 +35778,16 @@
               <a:buChar char=""/>
             </a:pPr>
             <a:r>
-              <a:rPr lang="en-GB" altLang="en-US" sz="1600" dirty="0">
+              <a:rPr lang="en-GB" altLang="en-US" sz="2300" dirty="0">
                 <a:solidFill>
                   <a:srgbClr val="000000"/>
                 </a:solidFill>
               </a:rPr>
-              <a:t>Phone</a:t>
-            </a:r>
-          </a:p>
-          <a:p>
-            <a:pPr lvl="2">
-              <a:lnSpc>
-                <a:spcPct val="100000"/>
-              </a:lnSpc>
-              <a:spcBef>
-                <a:spcPts val="600"/>
-              </a:spcBef>
-              <a:buSzPct val="60000"/>
-              <a:buFont typeface="Monotype Sorts" charset="2"/>
-              <a:buChar char=""/>
-            </a:pPr>
-            <a:r>
-              <a:rPr lang="en-GB" altLang="en-US" sz="1600" dirty="0">
-                <a:solidFill>
-                  <a:srgbClr val="000000"/>
-                </a:solidFill>
-              </a:rPr>
-              <a:t>Office hours</a:t>
-            </a:r>
-          </a:p>
-          <a:p>
-            <a:pPr lvl="2">
-              <a:lnSpc>
-                <a:spcPct val="100000"/>
-              </a:lnSpc>
-              <a:spcBef>
-                <a:spcPts val="600"/>
-              </a:spcBef>
-              <a:buSzPct val="60000"/>
-              <a:buFont typeface="Monotype Sorts" charset="2"/>
-              <a:buChar char=""/>
-            </a:pPr>
-            <a:r>
-              <a:rPr lang="en-GB" altLang="en-US" sz="1600" dirty="0">
-                <a:solidFill>
-                  <a:srgbClr val="000000"/>
-                </a:solidFill>
-              </a:rPr>
-              <a:t>After class</a:t>
-            </a:r>
-          </a:p>
-          <a:p>
-            <a:pPr lvl="2">
-              <a:lnSpc>
-                <a:spcPct val="100000"/>
-              </a:lnSpc>
-              <a:spcBef>
-                <a:spcPts val="600"/>
-              </a:spcBef>
-              <a:buSzPct val="60000"/>
-              <a:buFont typeface="Monotype Sorts" charset="2"/>
-              <a:buChar char=""/>
-            </a:pPr>
-            <a:r>
-              <a:rPr lang="en-GB" altLang="en-US" sz="1600" dirty="0">
-                <a:solidFill>
-                  <a:srgbClr val="000000"/>
-                </a:solidFill>
-              </a:rPr>
-              <a:t>By appointment</a:t>
-            </a:r>
-          </a:p>
-          <a:p>
-            <a:pPr>
+              <a:t>DM in Discord (best), Phone/Zoom, Office hours, After class, By appointment</a:t>
+            </a:r>
+          </a:p>
+          <a:p>
+            <a:pPr lvl="1">
               <a:lnSpc>
                 <a:spcPct val="100000"/>
               </a:lnSpc>
@@ -35461,7 +35799,7 @@
               <a:buChar char=""/>
             </a:pPr>
             <a:r>
-              <a:rPr lang="en-GB" altLang="en-US" sz="1800" dirty="0">
+              <a:rPr lang="en-GB" altLang="en-US" sz="2300" dirty="0">
                 <a:solidFill>
                   <a:srgbClr val="000000"/>
                 </a:solidFill>
@@ -35470,7 +35808,7 @@
             </a:r>
           </a:p>
           <a:p>
-            <a:pPr marL="800100" lvl="1" indent="-342900">
+            <a:pPr marL="1200150" lvl="2" indent="-342900">
               <a:lnSpc>
                 <a:spcPct val="100000"/>
               </a:lnSpc>
@@ -35482,7 +35820,7 @@
               <a:buChar char="-"/>
             </a:pPr>
             <a:r>
-              <a:rPr lang="en-GB" altLang="en-US" sz="1800" dirty="0">
+              <a:rPr lang="en-GB" altLang="en-US" sz="2300" dirty="0">
                 <a:solidFill>
                   <a:srgbClr val="000000"/>
                 </a:solidFill>
@@ -35491,7 +35829,7 @@
             </a:r>
           </a:p>
           <a:p>
-            <a:pPr marL="800100" lvl="1" indent="-342900">
+            <a:pPr marL="50800" indent="0">
               <a:lnSpc>
                 <a:spcPct val="100000"/>
               </a:lnSpc>
@@ -35499,79 +35837,22 @@
                 <a:spcPts val="700"/>
               </a:spcBef>
               <a:buSzPct val="85000"/>
-              <a:buFontTx/>
-              <a:buChar char="-"/>
             </a:pPr>
             <a:r>
-              <a:rPr lang="en-GB" altLang="en-US" sz="1800" dirty="0">
+              <a:rPr lang="en-GB" altLang="en-US" sz="2300" dirty="0">
                 <a:solidFill>
                   <a:srgbClr val="000000"/>
                 </a:solidFill>
               </a:rPr>
-              <a:t>Avoid getting help from previous 352 students, friends, or anyone outside our class. They do not know exactly what we are doing or how best to help you</a:t>
-            </a:r>
-          </a:p>
-          <a:p>
-            <a:pPr>
-              <a:lnSpc>
-                <a:spcPct val="100000"/>
-              </a:lnSpc>
-              <a:spcBef>
-                <a:spcPts val="700"/>
-              </a:spcBef>
-              <a:buSzPct val="85000"/>
-              <a:buFont typeface="Monotype Sorts" charset="2"/>
-              <a:buChar char=""/>
-            </a:pPr>
-            <a:r>
-              <a:rPr lang="en-GB" altLang="en-US" sz="1800" dirty="0">
-                <a:solidFill>
-                  <a:srgbClr val="000000"/>
+              <a:t>Use Discord over email as your primary means of communication and getting/giving help. </a:t>
+            </a:r>
+            <a:r>
+              <a:rPr lang="en-GB" altLang="en-US" sz="2300" i="1" dirty="0">
+                <a:solidFill>
+                  <a:srgbClr val="FF0000"/>
                 </a:solidFill>
               </a:rPr>
-              <a:t>We encourage you to work together and help each other out</a:t>
-            </a:r>
-          </a:p>
-          <a:p>
-            <a:pPr lvl="1">
-              <a:lnSpc>
-                <a:spcPct val="100000"/>
-              </a:lnSpc>
-              <a:spcBef>
-                <a:spcPts val="700"/>
-              </a:spcBef>
-              <a:buSzPct val="85000"/>
-              <a:buFont typeface="Monotype Sorts" charset="2"/>
-              <a:buChar char=""/>
-            </a:pPr>
-            <a:r>
-              <a:rPr lang="en-GB" altLang="en-US" sz="1800" dirty="0">
-                <a:solidFill>
-                  <a:srgbClr val="000000"/>
-                </a:solidFill>
-              </a:rPr>
-              <a:t>But do this with integrity. Make sure everyone is learning.</a:t>
-            </a:r>
-          </a:p>
-          <a:p>
-            <a:pPr>
-              <a:lnSpc>
-                <a:spcPct val="100000"/>
-              </a:lnSpc>
-              <a:spcBef>
-                <a:spcPts val="700"/>
-              </a:spcBef>
-              <a:buSzPct val="85000"/>
-              <a:buFont typeface="Monotype Sorts" charset="2"/>
-              <a:buChar char=""/>
-            </a:pPr>
-            <a:r>
-              <a:rPr lang="en-GB" altLang="en-US" sz="1800" dirty="0">
-                <a:solidFill>
-                  <a:srgbClr val="000000"/>
-                </a:solidFill>
-              </a:rPr>
-              <a:t>We want to see each and everyone of you succeed in ITM352 and to enjoy the experience. But this is entirely up to you</a:t>
+              <a:t>Let’s all signup now!</a:t>
             </a:r>
           </a:p>
           <a:p>
@@ -36841,10 +37122,10 @@
       </p:grpSpPr>
       <p:sp>
         <p:nvSpPr>
-          <p:cNvPr id="49154" name="Text Box 1">
+          <p:cNvPr id="47106" name="Text Box 1">
             <a:extLst>
               <a:ext uri="{FF2B5EF4-FFF2-40B4-BE49-F238E27FC236}">
-                <a16:creationId xmlns:a16="http://schemas.microsoft.com/office/drawing/2014/main" id="{261E6790-3E26-4BA8-9D95-F4BB25670BF0}"/>
+                <a16:creationId xmlns:a16="http://schemas.microsoft.com/office/drawing/2014/main" id="{9A387AC1-EB37-4838-B94F-DCD6349556C4}"/>
               </a:ext>
             </a:extLst>
           </p:cNvPr>
@@ -37285,17 +37566,17 @@
                   <a:srgbClr val="221304"/>
                 </a:solidFill>
               </a:rPr>
-              <a:t>Final Words…</a:t>
+              <a:t>Keep in Mind</a:t>
             </a:r>
           </a:p>
         </p:txBody>
       </p:sp>
       <p:sp>
         <p:nvSpPr>
-          <p:cNvPr id="49155" name="Text Box 2">
+          <p:cNvPr id="47107" name="Text Box 2">
             <a:extLst>
               <a:ext uri="{FF2B5EF4-FFF2-40B4-BE49-F238E27FC236}">
-                <a16:creationId xmlns:a16="http://schemas.microsoft.com/office/drawing/2014/main" id="{87ACBB21-D00E-4A74-9BDA-632C2D6D8C69}"/>
+                <a16:creationId xmlns:a16="http://schemas.microsoft.com/office/drawing/2014/main" id="{E27B8109-6AD5-4F04-9CCF-9F9ECCE9AD99}"/>
               </a:ext>
             </a:extLst>
           </p:cNvPr>
@@ -37306,8 +37587,8 @@
         </p:nvSpPr>
         <p:spPr bwMode="auto">
           <a:xfrm>
-            <a:off x="609600" y="1371600"/>
-            <a:ext cx="7848600" cy="4498975"/>
+            <a:off x="609600" y="1371601"/>
+            <a:ext cx="7848600" cy="4572000"/>
           </a:xfrm>
           <a:prstGeom prst="rect">
             <a:avLst/>
@@ -37337,7 +37618,9 @@
           </a:extLst>
         </p:spPr>
         <p:txBody>
-          <a:bodyPr lIns="90360" tIns="44280" rIns="90360" bIns="44280"/>
+          <a:bodyPr lIns="90360" tIns="44280" rIns="90360" bIns="44280">
+            <a:normAutofit fontScale="92500" lnSpcReduction="20000"/>
+          </a:bodyPr>
           <a:lstStyle>
             <a:lvl1pPr marL="336550" indent="-336550">
               <a:lnSpc>
@@ -37378,7 +37661,7 @@
                 <a:ea typeface="MS PGothic" panose="020B0600070205080204" pitchFamily="34" charset="-128"/>
               </a:defRPr>
             </a:lvl1pPr>
-            <a:lvl2pPr marL="736600" indent="-279400">
+            <a:lvl2pPr>
               <a:lnSpc>
                 <a:spcPct val="86000"/>
               </a:lnSpc>
@@ -37721,155 +38004,297 @@
                 <a:spcPct val="100000"/>
               </a:lnSpc>
               <a:spcBef>
-                <a:spcPts val="800"/>
+                <a:spcPts val="700"/>
               </a:spcBef>
               <a:buSzPct val="85000"/>
               <a:buFont typeface="Monotype Sorts" charset="2"/>
               <a:buChar char=""/>
             </a:pPr>
             <a:r>
-              <a:rPr lang="en-GB" altLang="en-US" sz="3200" dirty="0">
+              <a:rPr lang="en-GB" altLang="en-US" sz="2000" dirty="0">
                 <a:solidFill>
                   <a:srgbClr val="000000"/>
                 </a:solidFill>
               </a:rPr>
-              <a:t>Programming is </a:t>
-            </a:r>
-            <a:r>
-              <a:rPr lang="en-GB" altLang="en-US" sz="3200" i="1" dirty="0">
+              <a:t>The ITMA club and I are here to help you </a:t>
+            </a:r>
+            <a:r>
+              <a:rPr lang="en-GB" altLang="en-US" sz="1800" dirty="0">
                 <a:solidFill>
                   <a:srgbClr val="000000"/>
                 </a:solidFill>
               </a:rPr>
-              <a:t>not a memorization</a:t>
-            </a:r>
-            <a:r>
-              <a:rPr lang="en-GB" altLang="en-US" sz="3200" dirty="0">
-                <a:solidFill>
-                  <a:srgbClr val="000000"/>
-                </a:solidFill>
-              </a:rPr>
-              <a:t> subject. You must </a:t>
-            </a:r>
-            <a:r>
-              <a:rPr lang="en-GB" altLang="en-US" sz="3200" u="sng" dirty="0">
-                <a:solidFill>
-                  <a:srgbClr val="000000"/>
-                </a:solidFill>
-              </a:rPr>
-              <a:t>immerse</a:t>
-            </a:r>
-            <a:r>
-              <a:rPr lang="en-GB" altLang="en-US" sz="3200" dirty="0">
-                <a:solidFill>
-                  <a:srgbClr val="000000"/>
-                </a:solidFill>
-              </a:rPr>
-              <a:t> yourself in it until you know the fundamental process.</a:t>
-            </a:r>
-          </a:p>
-          <a:p>
-            <a:pPr lvl="1">
+              <a:t>succeed in ITM352 (meeting the class objectives)</a:t>
+            </a:r>
+          </a:p>
+          <a:p>
+            <a:pPr>
               <a:lnSpc>
                 <a:spcPct val="100000"/>
               </a:lnSpc>
               <a:spcBef>
                 <a:spcPts val="700"/>
-              </a:spcBef>
-              <a:buSzPct val="70000"/>
-              <a:buFont typeface="Monotype Sorts" charset="2"/>
-              <a:buChar char=""/>
-            </a:pPr>
-            <a:r>
-              <a:rPr lang="en-GB" altLang="en-US" sz="2800" dirty="0">
-                <a:solidFill>
-                  <a:srgbClr val="000000"/>
-                </a:solidFill>
-              </a:rPr>
-              <a:t>Practice, practice, practice, is what WORKS</a:t>
-            </a:r>
-          </a:p>
-          <a:p>
-            <a:pPr lvl="1">
-              <a:lnSpc>
-                <a:spcPct val="100000"/>
-              </a:lnSpc>
-              <a:spcBef>
-                <a:spcPts val="700"/>
-              </a:spcBef>
-              <a:buSzPct val="70000"/>
-              <a:buFont typeface="Monotype Sorts" charset="2"/>
-              <a:buChar char=""/>
-            </a:pPr>
-            <a:r>
-              <a:rPr lang="en-GB" altLang="en-US" sz="2800" dirty="0">
-                <a:solidFill>
-                  <a:srgbClr val="000000"/>
-                </a:solidFill>
-              </a:rPr>
-              <a:t>You will continually be challenged and be frustrated with your lack of progress</a:t>
-            </a:r>
-          </a:p>
-          <a:p>
-            <a:pPr>
-              <a:lnSpc>
-                <a:spcPct val="100000"/>
-              </a:lnSpc>
-              <a:spcBef>
-                <a:spcPts val="800"/>
               </a:spcBef>
               <a:buSzPct val="85000"/>
               <a:buFont typeface="Monotype Sorts" charset="2"/>
               <a:buChar char=""/>
             </a:pPr>
             <a:r>
-              <a:rPr lang="en-GB" altLang="en-US" sz="3200" u="sng" dirty="0">
+              <a:rPr lang="en-GB" altLang="en-US" sz="1800" dirty="0">
                 <a:solidFill>
                   <a:srgbClr val="000000"/>
                 </a:solidFill>
               </a:rPr>
-              <a:t>Ask questions</a:t>
-            </a:r>
-            <a:r>
-              <a:rPr lang="en-GB" altLang="en-US" sz="3200" dirty="0">
+              <a:t>Please come see me, the TA, or an ITMA club member right away when you need help. </a:t>
+            </a:r>
+          </a:p>
+          <a:p>
+            <a:pPr lvl="2">
+              <a:lnSpc>
+                <a:spcPct val="100000"/>
+              </a:lnSpc>
+              <a:spcBef>
+                <a:spcPts val="600"/>
+              </a:spcBef>
+              <a:buSzPct val="60000"/>
+              <a:buFont typeface="Monotype Sorts" charset="2"/>
+              <a:buChar char=""/>
+            </a:pPr>
+            <a:r>
+              <a:rPr lang="en-GB" altLang="en-US" sz="1600" dirty="0">
                 <a:solidFill>
                   <a:srgbClr val="000000"/>
                 </a:solidFill>
               </a:rPr>
-              <a:t>, </a:t>
-            </a:r>
-            <a:r>
-              <a:rPr lang="en-GB" altLang="en-US" sz="3200" u="sng" dirty="0">
+              <a:t>Phone</a:t>
+            </a:r>
+          </a:p>
+          <a:p>
+            <a:pPr lvl="2">
+              <a:lnSpc>
+                <a:spcPct val="100000"/>
+              </a:lnSpc>
+              <a:spcBef>
+                <a:spcPts val="600"/>
+              </a:spcBef>
+              <a:buSzPct val="60000"/>
+              <a:buFont typeface="Monotype Sorts" charset="2"/>
+              <a:buChar char=""/>
+            </a:pPr>
+            <a:r>
+              <a:rPr lang="en-GB" altLang="en-US" sz="1600" dirty="0">
                 <a:solidFill>
                   <a:srgbClr val="000000"/>
                 </a:solidFill>
               </a:rPr>
-              <a:t>practice</a:t>
-            </a:r>
-            <a:r>
-              <a:rPr lang="en-GB" altLang="en-US" sz="3200" dirty="0">
+              <a:t>Office hours</a:t>
+            </a:r>
+          </a:p>
+          <a:p>
+            <a:pPr lvl="2">
+              <a:lnSpc>
+                <a:spcPct val="100000"/>
+              </a:lnSpc>
+              <a:spcBef>
+                <a:spcPts val="600"/>
+              </a:spcBef>
+              <a:buSzPct val="60000"/>
+              <a:buFont typeface="Monotype Sorts" charset="2"/>
+              <a:buChar char=""/>
+            </a:pPr>
+            <a:r>
+              <a:rPr lang="en-GB" altLang="en-US" sz="1600" dirty="0">
                 <a:solidFill>
                   <a:srgbClr val="000000"/>
                 </a:solidFill>
               </a:rPr>
-              <a:t>, </a:t>
-            </a:r>
-            <a:r>
-              <a:rPr lang="en-GB" altLang="en-US" sz="3200" u="sng" dirty="0">
+              <a:t>After class</a:t>
+            </a:r>
+          </a:p>
+          <a:p>
+            <a:pPr lvl="2">
+              <a:lnSpc>
+                <a:spcPct val="100000"/>
+              </a:lnSpc>
+              <a:spcBef>
+                <a:spcPts val="600"/>
+              </a:spcBef>
+              <a:buSzPct val="60000"/>
+              <a:buFont typeface="Monotype Sorts" charset="2"/>
+              <a:buChar char=""/>
+            </a:pPr>
+            <a:r>
+              <a:rPr lang="en-GB" altLang="en-US" sz="1600" dirty="0">
                 <a:solidFill>
                   <a:srgbClr val="000000"/>
                 </a:solidFill>
               </a:rPr>
-              <a:t>get help </a:t>
-            </a:r>
-            <a:r>
-              <a:rPr lang="en-GB" altLang="en-US" sz="3200" dirty="0">
+              <a:t>By appointment</a:t>
+            </a:r>
+          </a:p>
+          <a:p>
+            <a:pPr>
+              <a:lnSpc>
+                <a:spcPct val="100000"/>
+              </a:lnSpc>
+              <a:spcBef>
+                <a:spcPts val="700"/>
+              </a:spcBef>
+              <a:buSzPct val="85000"/>
+              <a:buFont typeface="Monotype Sorts" charset="2"/>
+              <a:buChar char=""/>
+            </a:pPr>
+            <a:r>
+              <a:rPr lang="en-GB" altLang="en-US" sz="1800" dirty="0">
                 <a:solidFill>
                   <a:srgbClr val="000000"/>
                 </a:solidFill>
               </a:rPr>
-              <a:t>until you fully comprehend each concept, then you assuredly will do very well.</a:t>
-            </a:r>
+              <a:t>We will make time to help you!!! Always!!! </a:t>
+            </a:r>
+          </a:p>
+          <a:p>
+            <a:pPr marL="800100" lvl="1" indent="-342900">
+              <a:lnSpc>
+                <a:spcPct val="100000"/>
+              </a:lnSpc>
+              <a:spcBef>
+                <a:spcPts val="700"/>
+              </a:spcBef>
+              <a:buSzPct val="85000"/>
+              <a:buFontTx/>
+              <a:buChar char="-"/>
+            </a:pPr>
+            <a:r>
+              <a:rPr lang="en-GB" altLang="en-US" sz="1800" dirty="0">
+                <a:solidFill>
+                  <a:srgbClr val="000000"/>
+                </a:solidFill>
+              </a:rPr>
+              <a:t>But you have to ask. I will not monitor you.</a:t>
+            </a:r>
+          </a:p>
+          <a:p>
+            <a:pPr marL="800100" lvl="1" indent="-342900">
+              <a:lnSpc>
+                <a:spcPct val="100000"/>
+              </a:lnSpc>
+              <a:spcBef>
+                <a:spcPts val="700"/>
+              </a:spcBef>
+              <a:buSzPct val="85000"/>
+              <a:buFontTx/>
+              <a:buChar char="-"/>
+            </a:pPr>
+            <a:r>
+              <a:rPr lang="en-GB" altLang="en-US" sz="1800" dirty="0">
+                <a:solidFill>
+                  <a:srgbClr val="000000"/>
+                </a:solidFill>
+              </a:rPr>
+              <a:t>Avoid getting help from previous 352 students, friends, or anyone outside our class. They do not know exactly what we are doing or how best to help you</a:t>
+            </a:r>
+          </a:p>
+          <a:p>
+            <a:pPr>
+              <a:lnSpc>
+                <a:spcPct val="100000"/>
+              </a:lnSpc>
+              <a:spcBef>
+                <a:spcPts val="700"/>
+              </a:spcBef>
+              <a:buSzPct val="85000"/>
+              <a:buFont typeface="Monotype Sorts" charset="2"/>
+              <a:buChar char=""/>
+            </a:pPr>
+            <a:r>
+              <a:rPr lang="en-GB" altLang="en-US" sz="1800" dirty="0">
+                <a:solidFill>
+                  <a:srgbClr val="000000"/>
+                </a:solidFill>
+              </a:rPr>
+              <a:t>We encourage you to work together and help each other out</a:t>
+            </a:r>
+          </a:p>
+          <a:p>
+            <a:pPr lvl="1">
+              <a:lnSpc>
+                <a:spcPct val="100000"/>
+              </a:lnSpc>
+              <a:spcBef>
+                <a:spcPts val="700"/>
+              </a:spcBef>
+              <a:buSzPct val="85000"/>
+              <a:buFont typeface="Monotype Sorts" charset="2"/>
+              <a:buChar char=""/>
+            </a:pPr>
+            <a:r>
+              <a:rPr lang="en-GB" altLang="en-US" sz="1800" dirty="0">
+                <a:solidFill>
+                  <a:srgbClr val="000000"/>
+                </a:solidFill>
+              </a:rPr>
+              <a:t>But do this with integrity. Make sure everyone is learning.</a:t>
+            </a:r>
+          </a:p>
+          <a:p>
+            <a:pPr>
+              <a:lnSpc>
+                <a:spcPct val="100000"/>
+              </a:lnSpc>
+              <a:spcBef>
+                <a:spcPts val="700"/>
+              </a:spcBef>
+              <a:buSzPct val="85000"/>
+              <a:buFont typeface="Monotype Sorts" charset="2"/>
+              <a:buChar char=""/>
+            </a:pPr>
+            <a:r>
+              <a:rPr lang="en-GB" altLang="en-US" sz="1800" dirty="0">
+                <a:solidFill>
+                  <a:srgbClr val="000000"/>
+                </a:solidFill>
+              </a:rPr>
+              <a:t>We want to see each and everyone of you succeed in ITM352 and to enjoy the experience. But this is entirely up to you</a:t>
+            </a:r>
+          </a:p>
+          <a:p>
+            <a:pPr>
+              <a:lnSpc>
+                <a:spcPct val="90000"/>
+              </a:lnSpc>
+              <a:spcBef>
+                <a:spcPts val="600"/>
+              </a:spcBef>
+              <a:buClrTx/>
+              <a:buSzTx/>
+              <a:buFontTx/>
+              <a:buNone/>
+            </a:pPr>
+            <a:endParaRPr lang="en-GB" altLang="en-US" dirty="0">
+              <a:solidFill>
+                <a:srgbClr val="000000"/>
+              </a:solidFill>
+            </a:endParaRPr>
+          </a:p>
+          <a:p>
+            <a:pPr>
+              <a:lnSpc>
+                <a:spcPct val="90000"/>
+              </a:lnSpc>
+              <a:spcBef>
+                <a:spcPts val="450"/>
+              </a:spcBef>
+              <a:buClrTx/>
+              <a:buSzTx/>
+              <a:buFontTx/>
+              <a:buNone/>
+            </a:pPr>
+            <a:endParaRPr lang="en-GB" altLang="en-US" dirty="0">
+              <a:solidFill>
+                <a:srgbClr val="000000"/>
+              </a:solidFill>
+            </a:endParaRPr>
           </a:p>
         </p:txBody>
       </p:sp>
@@ -37928,10 +38353,10 @@
       </p:grpSpPr>
       <p:sp>
         <p:nvSpPr>
-          <p:cNvPr id="51202" name="Text Box 1">
+          <p:cNvPr id="49154" name="Text Box 1">
             <a:extLst>
               <a:ext uri="{FF2B5EF4-FFF2-40B4-BE49-F238E27FC236}">
-                <a16:creationId xmlns:a16="http://schemas.microsoft.com/office/drawing/2014/main" id="{08ACC754-F237-4F39-9439-2BE471ADCED3}"/>
+                <a16:creationId xmlns:a16="http://schemas.microsoft.com/office/drawing/2014/main" id="{261E6790-3E26-4BA8-9D95-F4BB25670BF0}"/>
               </a:ext>
             </a:extLst>
           </p:cNvPr>
@@ -38372,17 +38797,17 @@
                   <a:srgbClr val="221304"/>
                 </a:solidFill>
               </a:rPr>
-              <a:t>More Final Words…</a:t>
+              <a:t>Final Words…</a:t>
             </a:r>
           </a:p>
         </p:txBody>
       </p:sp>
       <p:sp>
         <p:nvSpPr>
-          <p:cNvPr id="51203" name="Text Box 2">
+          <p:cNvPr id="49155" name="Text Box 2">
             <a:extLst>
               <a:ext uri="{FF2B5EF4-FFF2-40B4-BE49-F238E27FC236}">
-                <a16:creationId xmlns:a16="http://schemas.microsoft.com/office/drawing/2014/main" id="{EEE24052-0A69-4061-82DA-EA80DF882189}"/>
+                <a16:creationId xmlns:a16="http://schemas.microsoft.com/office/drawing/2014/main" id="{87ACBB21-D00E-4A74-9BDA-632C2D6D8C69}"/>
               </a:ext>
             </a:extLst>
           </p:cNvPr>
@@ -38393,8 +38818,8 @@
         </p:nvSpPr>
         <p:spPr bwMode="auto">
           <a:xfrm>
-            <a:off x="609600" y="1447800"/>
-            <a:ext cx="7848600" cy="5019675"/>
+            <a:off x="609600" y="1371600"/>
+            <a:ext cx="7848600" cy="4498975"/>
           </a:xfrm>
           <a:prstGeom prst="rect">
             <a:avLst/>
@@ -38465,7 +38890,7 @@
                 <a:ea typeface="MS PGothic" panose="020B0600070205080204" pitchFamily="34" charset="-128"/>
               </a:defRPr>
             </a:lvl1pPr>
-            <a:lvl2pPr>
+            <a:lvl2pPr marL="736600" indent="-279400">
               <a:lnSpc>
                 <a:spcPct val="86000"/>
               </a:lnSpc>
@@ -38815,12 +39240,86 @@
               <a:buChar char=""/>
             </a:pPr>
             <a:r>
-              <a:rPr lang="en-GB" altLang="en-US" sz="3200">
+              <a:rPr lang="en-GB" altLang="en-US" sz="3200" dirty="0">
                 <a:solidFill>
                   <a:srgbClr val="000000"/>
                 </a:solidFill>
               </a:rPr>
-              <a:t>You do not have to be a stellar programmer to do well in this course, you simply need to be proficient in the fundamental practice of programming.</a:t>
+              <a:t>Programming is </a:t>
+            </a:r>
+            <a:r>
+              <a:rPr lang="en-GB" altLang="en-US" sz="3200" i="1" dirty="0">
+                <a:solidFill>
+                  <a:srgbClr val="000000"/>
+                </a:solidFill>
+              </a:rPr>
+              <a:t>not a memorization</a:t>
+            </a:r>
+            <a:r>
+              <a:rPr lang="en-GB" altLang="en-US" sz="3200" dirty="0">
+                <a:solidFill>
+                  <a:srgbClr val="000000"/>
+                </a:solidFill>
+              </a:rPr>
+              <a:t> subject. You must </a:t>
+            </a:r>
+            <a:r>
+              <a:rPr lang="en-GB" altLang="en-US" sz="3200" u="sng" dirty="0">
+                <a:solidFill>
+                  <a:srgbClr val="000000"/>
+                </a:solidFill>
+              </a:rPr>
+              <a:t>immerse</a:t>
+            </a:r>
+            <a:r>
+              <a:rPr lang="en-GB" altLang="en-US" sz="3200" dirty="0">
+                <a:solidFill>
+                  <a:srgbClr val="000000"/>
+                </a:solidFill>
+              </a:rPr>
+              <a:t> yourself in it until you know the fundamental process.</a:t>
+            </a:r>
+          </a:p>
+          <a:p>
+            <a:pPr lvl="1">
+              <a:lnSpc>
+                <a:spcPct val="100000"/>
+              </a:lnSpc>
+              <a:spcBef>
+                <a:spcPts val="700"/>
+              </a:spcBef>
+              <a:buSzPct val="70000"/>
+              <a:buFont typeface="Monotype Sorts" charset="2"/>
+              <a:buChar char=""/>
+            </a:pPr>
+            <a:r>
+              <a:rPr lang="en-GB" altLang="en-US" sz="2800" dirty="0">
+                <a:solidFill>
+                  <a:srgbClr val="000000"/>
+                </a:solidFill>
+              </a:rPr>
+              <a:t>Practice, practice, practice, is what WORKS</a:t>
+            </a:r>
+          </a:p>
+          <a:p>
+            <a:pPr lvl="1">
+              <a:lnSpc>
+                <a:spcPct val="100000"/>
+              </a:lnSpc>
+              <a:spcBef>
+                <a:spcPts val="700"/>
+              </a:spcBef>
+              <a:buSzPct val="70000"/>
+              <a:buFont typeface="Monotype Sorts" charset="2"/>
+              <a:buChar char=""/>
+            </a:pPr>
+            <a:r>
+              <a:rPr lang="en-GB" altLang="en-US" sz="2800" dirty="0">
+                <a:solidFill>
+                  <a:srgbClr val="000000"/>
+                </a:solidFill>
+              </a:rPr>
+              <a:t>You will continually be challenged and be frustrated with your lack of progress</a:t>
             </a:r>
           </a:p>
           <a:p>
@@ -38836,44 +39335,52 @@
               <a:buChar char=""/>
             </a:pPr>
             <a:r>
-              <a:rPr lang="en-GB" altLang="en-US" sz="3200">
+              <a:rPr lang="en-GB" altLang="en-US" sz="3200" u="sng" dirty="0">
                 <a:solidFill>
                   <a:srgbClr val="000000"/>
                 </a:solidFill>
               </a:rPr>
-              <a:t>ITM352 will take up </a:t>
-            </a:r>
-            <a:r>
-              <a:rPr lang="en-GB" altLang="en-US" sz="3200" i="1">
+              <a:t>Ask questions</a:t>
+            </a:r>
+            <a:r>
+              <a:rPr lang="en-GB" altLang="en-US" sz="3200" dirty="0">
                 <a:solidFill>
                   <a:srgbClr val="000000"/>
                 </a:solidFill>
               </a:rPr>
-              <a:t>significantly more time</a:t>
-            </a:r>
-            <a:r>
-              <a:rPr lang="en-GB" altLang="en-US" sz="3200">
+              <a:t>, </a:t>
+            </a:r>
+            <a:r>
+              <a:rPr lang="en-GB" altLang="en-US" sz="3200" u="sng" dirty="0">
                 <a:solidFill>
                   <a:srgbClr val="000000"/>
                 </a:solidFill>
               </a:rPr>
-              <a:t> than other classes. You will be well rewarded for the effort, but you </a:t>
-            </a:r>
-            <a:r>
-              <a:rPr lang="en-GB" altLang="en-US" sz="3200" i="1">
+              <a:t>practice</a:t>
+            </a:r>
+            <a:r>
+              <a:rPr lang="en-GB" altLang="en-US" sz="3200" dirty="0">
                 <a:solidFill>
                   <a:srgbClr val="000000"/>
                 </a:solidFill>
               </a:rPr>
-              <a:t>must plan for this effort</a:t>
-            </a:r>
-            <a:r>
-              <a:rPr lang="en-GB" altLang="en-US" sz="3200">
+              <a:t>, </a:t>
+            </a:r>
+            <a:r>
+              <a:rPr lang="en-GB" altLang="en-US" sz="3200" u="sng" dirty="0">
                 <a:solidFill>
                   <a:srgbClr val="000000"/>
                 </a:solidFill>
               </a:rPr>
-              <a:t>.</a:t>
+              <a:t>get help </a:t>
+            </a:r>
+            <a:r>
+              <a:rPr lang="en-GB" altLang="en-US" sz="3200" dirty="0">
+                <a:solidFill>
+                  <a:srgbClr val="000000"/>
+                </a:solidFill>
+              </a:rPr>
+              <a:t>until you fully comprehend each concept, then you assuredly will do very well.</a:t>
             </a:r>
           </a:p>
         </p:txBody>
@@ -39372,12 +39879,12 @@
               </a:lnSpc>
             </a:pPr>
             <a:r>
-              <a:rPr lang="en-GB" altLang="en-US" sz="4400" dirty="0">
+              <a:rPr lang="en-GB" altLang="en-US" sz="4400">
                 <a:solidFill>
                   <a:srgbClr val="221304"/>
                 </a:solidFill>
               </a:rPr>
-              <a:t>Bottom Line!</a:t>
+              <a:t>More Final Words…</a:t>
             </a:r>
           </a:p>
         </p:txBody>
@@ -39398,8 +39905,8 @@
         </p:nvSpPr>
         <p:spPr bwMode="auto">
           <a:xfrm>
-            <a:off x="609600" y="1447801"/>
-            <a:ext cx="7848600" cy="4495800"/>
+            <a:off x="609600" y="1447800"/>
+            <a:ext cx="7848600" cy="5019675"/>
           </a:xfrm>
           <a:prstGeom prst="rect">
             <a:avLst/>
@@ -39808,7 +40315,7 @@
             </a:lvl9pPr>
           </a:lstStyle>
           <a:p>
-            <a:pPr marL="0" indent="0" algn="ctr">
+            <a:pPr>
               <a:lnSpc>
                 <a:spcPct val="100000"/>
               </a:lnSpc>
@@ -39816,15 +40323,20 @@
                 <a:spcPts val="800"/>
               </a:spcBef>
               <a:buSzPct val="85000"/>
+              <a:buFont typeface="Monotype Sorts" charset="2"/>
+              <a:buChar char=""/>
             </a:pPr>
-            <a:endParaRPr lang="en-GB" altLang="en-US" sz="3200" i="1" dirty="0">
-              <a:solidFill>
-                <a:srgbClr val="000000"/>
-              </a:solidFill>
-            </a:endParaRPr>
-          </a:p>
-          <a:p>
-            <a:pPr marL="0" indent="0" algn="ctr">
+            <a:r>
+              <a:rPr lang="en-GB" altLang="en-US" sz="3200">
+                <a:solidFill>
+                  <a:srgbClr val="000000"/>
+                </a:solidFill>
+              </a:rPr>
+              <a:t>You do not have to be a stellar programmer to do well in this course, you simply need to be proficient in the fundamental practice of programming.</a:t>
+            </a:r>
+          </a:p>
+          <a:p>
+            <a:pPr>
               <a:lnSpc>
                 <a:spcPct val="100000"/>
               </a:lnSpc>
@@ -39832,59 +40344,53 @@
                 <a:spcPts val="800"/>
               </a:spcBef>
               <a:buSzPct val="85000"/>
+              <a:buFont typeface="Monotype Sorts" charset="2"/>
+              <a:buChar char=""/>
             </a:pPr>
             <a:r>
-              <a:rPr lang="en-GB" altLang="en-US" sz="3200" i="1" dirty="0">
+              <a:rPr lang="en-GB" altLang="en-US" sz="3200">
                 <a:solidFill>
                   <a:srgbClr val="000000"/>
                 </a:solidFill>
               </a:rPr>
-              <a:t>You want to have competent and confident programming skills and become a technology leader?</a:t>
-            </a:r>
-          </a:p>
-          <a:p>
-            <a:pPr marL="0" indent="0">
-              <a:lnSpc>
-                <a:spcPct val="100000"/>
-              </a:lnSpc>
-              <a:spcBef>
-                <a:spcPts val="800"/>
-              </a:spcBef>
-              <a:buSzPct val="85000"/>
-            </a:pPr>
-            <a:endParaRPr lang="en-GB" altLang="en-US" sz="3200" dirty="0">
-              <a:solidFill>
-                <a:srgbClr val="000000"/>
-              </a:solidFill>
-            </a:endParaRPr>
-          </a:p>
-          <a:p>
-            <a:pPr marL="0" indent="0" algn="ctr">
-              <a:lnSpc>
-                <a:spcPct val="100000"/>
-              </a:lnSpc>
-              <a:spcBef>
-                <a:spcPts val="800"/>
-              </a:spcBef>
-              <a:buSzPct val="85000"/>
-            </a:pPr>
-            <a:r>
-              <a:rPr lang="en-GB" altLang="en-US" sz="4400" dirty="0">
+              <a:t>ITM352 will take up </a:t>
+            </a:r>
+            <a:r>
+              <a:rPr lang="en-GB" altLang="en-US" sz="3200" i="1">
                 <a:solidFill>
                   <a:srgbClr val="000000"/>
                 </a:solidFill>
               </a:rPr>
-              <a:t>Do a whole lot of programming!</a:t>
+              <a:t>significantly more time</a:t>
+            </a:r>
+            <a:r>
+              <a:rPr lang="en-GB" altLang="en-US" sz="3200">
+                <a:solidFill>
+                  <a:srgbClr val="000000"/>
+                </a:solidFill>
+              </a:rPr>
+              <a:t> than other classes. You will be well rewarded for the effort, but you </a:t>
+            </a:r>
+            <a:r>
+              <a:rPr lang="en-GB" altLang="en-US" sz="3200" i="1">
+                <a:solidFill>
+                  <a:srgbClr val="000000"/>
+                </a:solidFill>
+              </a:rPr>
+              <a:t>must plan for this effort</a:t>
+            </a:r>
+            <a:r>
+              <a:rPr lang="en-GB" altLang="en-US" sz="3200">
+                <a:solidFill>
+                  <a:srgbClr val="000000"/>
+                </a:solidFill>
+              </a:rPr>
+              <a:t>.</a:t>
             </a:r>
           </a:p>
         </p:txBody>
       </p:sp>
     </p:spTree>
-    <p:extLst>
-      <p:ext uri="{BB962C8B-B14F-4D97-AF65-F5344CB8AC3E}">
-        <p14:creationId xmlns:p14="http://schemas.microsoft.com/office/powerpoint/2010/main" val="1854627376"/>
-      </p:ext>
-    </p:extLst>
   </p:cSld>
   <p:clrMapOvr>
     <a:masterClrMapping/>
@@ -39939,10 +40445,10 @@
       </p:grpSpPr>
       <p:sp>
         <p:nvSpPr>
-          <p:cNvPr id="53250" name="Text Box 1">
+          <p:cNvPr id="51202" name="Text Box 1">
             <a:extLst>
               <a:ext uri="{FF2B5EF4-FFF2-40B4-BE49-F238E27FC236}">
-                <a16:creationId xmlns:a16="http://schemas.microsoft.com/office/drawing/2014/main" id="{B81D3593-69B9-44BF-9E92-E251D4D76814}"/>
+                <a16:creationId xmlns:a16="http://schemas.microsoft.com/office/drawing/2014/main" id="{08ACC754-F237-4F39-9439-2BE471ADCED3}"/>
               </a:ext>
             </a:extLst>
           </p:cNvPr>
@@ -39953,7 +40459,7 @@
         </p:nvSpPr>
         <p:spPr bwMode="auto">
           <a:xfrm>
-            <a:off x="652463" y="228600"/>
+            <a:off x="685800" y="228600"/>
             <a:ext cx="7772400" cy="1143000"/>
           </a:xfrm>
           <a:prstGeom prst="rect">
@@ -40378,22 +40884,22 @@
               </a:lnSpc>
             </a:pPr>
             <a:r>
-              <a:rPr lang="en-GB" altLang="en-US" sz="4400">
+              <a:rPr lang="en-GB" altLang="en-US" sz="4400" dirty="0">
                 <a:solidFill>
                   <a:srgbClr val="221304"/>
                 </a:solidFill>
               </a:rPr>
-              <a:t>Next Class…</a:t>
+              <a:t>Bottom Line!</a:t>
             </a:r>
           </a:p>
         </p:txBody>
       </p:sp>
       <p:sp>
         <p:nvSpPr>
-          <p:cNvPr id="53251" name="Text Box 2">
+          <p:cNvPr id="51203" name="Text Box 2">
             <a:extLst>
               <a:ext uri="{FF2B5EF4-FFF2-40B4-BE49-F238E27FC236}">
-                <a16:creationId xmlns:a16="http://schemas.microsoft.com/office/drawing/2014/main" id="{A99310BF-B3C4-49F9-BDC3-97A533BD9205}"/>
+                <a16:creationId xmlns:a16="http://schemas.microsoft.com/office/drawing/2014/main" id="{EEE24052-0A69-4061-82DA-EA80DF882189}"/>
               </a:ext>
             </a:extLst>
           </p:cNvPr>
@@ -40404,8 +40910,8 @@
         </p:nvSpPr>
         <p:spPr bwMode="auto">
           <a:xfrm>
-            <a:off x="609600" y="1295400"/>
-            <a:ext cx="7848600" cy="4649788"/>
+            <a:off x="609600" y="1447801"/>
+            <a:ext cx="7848600" cy="4495800"/>
           </a:xfrm>
           <a:prstGeom prst="rect">
             <a:avLst/>
@@ -40414,7 +40920,6 @@
           <a:ln>
             <a:noFill/>
           </a:ln>
-          <a:effectLst/>
           <a:extLst>
             <a:ext uri="{909E8E84-426E-40DD-AFC4-6F175D3DCCD1}">
               <a14:hiddenFill xmlns:a14="http://schemas.microsoft.com/office/drawing/2010/main">
@@ -40428,19 +40933,10 @@
                 <a:solidFill>
                   <a:srgbClr val="000000"/>
                 </a:solidFill>
-                <a:round/>
+                <a:miter lim="800000"/>
                 <a:headEnd/>
                 <a:tailEnd/>
               </a14:hiddenLine>
-            </a:ext>
-            <a:ext uri="{AF507438-7753-43E0-B8FC-AC1667EBCBE1}">
-              <a14:hiddenEffects xmlns:a14="http://schemas.microsoft.com/office/drawing/2010/main">
-                <a:effectLst>
-                  <a:outerShdw dist="35921" dir="2700000" algn="ctr" rotWithShape="0">
-                    <a:srgbClr val="808080"/>
-                  </a:outerShdw>
-                </a:effectLst>
-              </a14:hiddenEffects>
             </a:ext>
           </a:extLst>
         </p:spPr>
@@ -40486,7 +40982,7 @@
                 <a:ea typeface="MS PGothic" panose="020B0600070205080204" pitchFamily="34" charset="-128"/>
               </a:defRPr>
             </a:lvl1pPr>
-            <a:lvl2pPr marL="741363" indent="-284163">
+            <a:lvl2pPr>
               <a:lnSpc>
                 <a:spcPct val="86000"/>
               </a:lnSpc>
@@ -40824,163 +41320,83 @@
             </a:lvl9pPr>
           </a:lstStyle>
           <a:p>
-            <a:pPr>
-              <a:lnSpc>
-                <a:spcPct val="95000"/>
+            <a:pPr marL="0" indent="0" algn="ctr">
+              <a:lnSpc>
+                <a:spcPct val="100000"/>
               </a:lnSpc>
               <a:spcBef>
                 <a:spcPts val="800"/>
               </a:spcBef>
               <a:buSzPct val="85000"/>
-              <a:buFont typeface="Monotype Sorts" charset="2"/>
-              <a:buChar char=""/>
             </a:pPr>
-            <a:r>
-              <a:rPr lang="en-GB" altLang="en-US" sz="3200" dirty="0">
-                <a:solidFill>
-                  <a:srgbClr val="000000"/>
-                </a:solidFill>
-              </a:rPr>
-              <a:t>Always bring your laptop to class!!!!</a:t>
-            </a:r>
-          </a:p>
-          <a:p>
-            <a:pPr>
-              <a:lnSpc>
-                <a:spcPct val="95000"/>
-              </a:lnSpc>
-              <a:spcBef>
-                <a:spcPts val="800"/>
-              </a:spcBef>
-              <a:buSzPct val="85000"/>
-              <a:buFont typeface="Monotype Sorts" charset="2"/>
-              <a:buChar char=""/>
-            </a:pPr>
-            <a:r>
-              <a:rPr lang="en-US" altLang="en-US" sz="3200" dirty="0">
-                <a:solidFill>
-                  <a:srgbClr val="000000"/>
-                </a:solidFill>
-              </a:rPr>
-              <a:t>Go through the WADT module (lets take a look now)</a:t>
-            </a:r>
-          </a:p>
-          <a:p>
-            <a:pPr lvl="1">
-              <a:lnSpc>
-                <a:spcPct val="95000"/>
-              </a:lnSpc>
-              <a:spcBef>
-                <a:spcPts val="800"/>
-              </a:spcBef>
-              <a:buSzPct val="85000"/>
-              <a:buFont typeface="Monotype Sorts" charset="2"/>
-              <a:buChar char=""/>
-            </a:pPr>
-            <a:r>
-              <a:rPr lang="en-US" altLang="en-US" sz="2800" dirty="0">
-                <a:solidFill>
-                  <a:srgbClr val="000000"/>
-                </a:solidFill>
-              </a:rPr>
-              <a:t>We will cover the </a:t>
-            </a:r>
-            <a:r>
-              <a:rPr lang="en-US" altLang="en-US" sz="2800" u="sng" dirty="0">
-                <a:solidFill>
-                  <a:srgbClr val="000000"/>
-                </a:solidFill>
-              </a:rPr>
-              <a:t>experiential learnings</a:t>
-            </a:r>
-            <a:r>
-              <a:rPr lang="en-US" altLang="en-US" sz="2800" dirty="0">
-                <a:solidFill>
-                  <a:srgbClr val="000000"/>
-                </a:solidFill>
-              </a:rPr>
-              <a:t> in class so you do not need to do these at home (but you can preview these if you wish)</a:t>
-            </a:r>
-          </a:p>
-          <a:p>
-            <a:pPr lvl="1">
-              <a:lnSpc>
-                <a:spcPct val="95000"/>
-              </a:lnSpc>
-              <a:spcBef>
-                <a:spcPts val="800"/>
-              </a:spcBef>
-              <a:buSzPct val="85000"/>
-              <a:buFont typeface="Monotype Sorts" charset="2"/>
-              <a:buChar char=""/>
-            </a:pPr>
-            <a:r>
-              <a:rPr lang="en-US" altLang="en-US" sz="2800" dirty="0">
-                <a:solidFill>
-                  <a:srgbClr val="000000"/>
-                </a:solidFill>
-              </a:rPr>
-              <a:t>The </a:t>
-            </a:r>
-            <a:r>
-              <a:rPr lang="en-US" altLang="en-US" sz="2800" u="sng" dirty="0">
-                <a:solidFill>
-                  <a:srgbClr val="000000"/>
-                </a:solidFill>
-              </a:rPr>
-              <a:t>readings are critical </a:t>
-            </a:r>
-            <a:r>
-              <a:rPr lang="en-US" altLang="en-US" sz="2800" dirty="0">
-                <a:solidFill>
-                  <a:srgbClr val="000000"/>
-                </a:solidFill>
-              </a:rPr>
-              <a:t>for these and will ask you to download and try to install VS Code and Node.js</a:t>
-            </a:r>
-          </a:p>
-          <a:p>
-            <a:pPr>
-              <a:lnSpc>
-                <a:spcPct val="95000"/>
-              </a:lnSpc>
-              <a:spcBef>
-                <a:spcPts val="800"/>
-              </a:spcBef>
-              <a:buSzPct val="85000"/>
-              <a:buFont typeface="Monotype Sorts" charset="2"/>
-              <a:buChar char=""/>
-            </a:pPr>
-            <a:r>
-              <a:rPr lang="en-US" altLang="en-US" sz="2800" dirty="0">
-                <a:solidFill>
-                  <a:srgbClr val="000000"/>
-                </a:solidFill>
-              </a:rPr>
-              <a:t>Work on E0</a:t>
-            </a:r>
-          </a:p>
-          <a:p>
-            <a:pPr lvl="1">
-              <a:lnSpc>
-                <a:spcPct val="95000"/>
-              </a:lnSpc>
-              <a:spcBef>
-                <a:spcPts val="800"/>
-              </a:spcBef>
-              <a:buSzPct val="85000"/>
-              <a:buFont typeface="Monotype Sorts" charset="2"/>
-              <a:buChar char=""/>
-            </a:pPr>
-            <a:endParaRPr lang="en-US" altLang="en-US" sz="2800" dirty="0">
+            <a:endParaRPr lang="en-GB" altLang="en-US" sz="3200" i="1" dirty="0">
               <a:solidFill>
                 <a:srgbClr val="000000"/>
               </a:solidFill>
             </a:endParaRPr>
+          </a:p>
+          <a:p>
+            <a:pPr marL="0" indent="0" algn="ctr">
+              <a:lnSpc>
+                <a:spcPct val="100000"/>
+              </a:lnSpc>
+              <a:spcBef>
+                <a:spcPts val="800"/>
+              </a:spcBef>
+              <a:buSzPct val="85000"/>
+            </a:pPr>
+            <a:r>
+              <a:rPr lang="en-GB" altLang="en-US" sz="3200" i="1" dirty="0">
+                <a:solidFill>
+                  <a:srgbClr val="000000"/>
+                </a:solidFill>
+              </a:rPr>
+              <a:t>You want to have competent and confident programming skills and become a technology leader?</a:t>
+            </a:r>
+          </a:p>
+          <a:p>
+            <a:pPr marL="0" indent="0">
+              <a:lnSpc>
+                <a:spcPct val="100000"/>
+              </a:lnSpc>
+              <a:spcBef>
+                <a:spcPts val="800"/>
+              </a:spcBef>
+              <a:buSzPct val="85000"/>
+            </a:pPr>
+            <a:endParaRPr lang="en-GB" altLang="en-US" sz="3200" dirty="0">
+              <a:solidFill>
+                <a:srgbClr val="000000"/>
+              </a:solidFill>
+            </a:endParaRPr>
+          </a:p>
+          <a:p>
+            <a:pPr marL="0" indent="0" algn="ctr">
+              <a:lnSpc>
+                <a:spcPct val="100000"/>
+              </a:lnSpc>
+              <a:spcBef>
+                <a:spcPts val="800"/>
+              </a:spcBef>
+              <a:buSzPct val="85000"/>
+            </a:pPr>
+            <a:r>
+              <a:rPr lang="en-GB" altLang="en-US" sz="4400" dirty="0">
+                <a:solidFill>
+                  <a:srgbClr val="000000"/>
+                </a:solidFill>
+              </a:rPr>
+              <a:t>Do a whole lot of programming!</a:t>
+            </a:r>
           </a:p>
         </p:txBody>
       </p:sp>
     </p:spTree>
+    <p:extLst>
+      <p:ext uri="{BB962C8B-B14F-4D97-AF65-F5344CB8AC3E}">
+        <p14:creationId xmlns:p14="http://schemas.microsoft.com/office/powerpoint/2010/main" val="1854627376"/>
+      </p:ext>
+    </p:extLst>
   </p:cSld>
   <p:clrMapOvr>
     <a:masterClrMapping/>
@@ -41474,6 +41890,1102 @@
               </a:lnSpc>
             </a:pPr>
             <a:r>
+              <a:rPr lang="en-GB" altLang="en-US" sz="4400">
+                <a:solidFill>
+                  <a:srgbClr val="221304"/>
+                </a:solidFill>
+              </a:rPr>
+              <a:t>Next Class…</a:t>
+            </a:r>
+          </a:p>
+        </p:txBody>
+      </p:sp>
+      <p:sp>
+        <p:nvSpPr>
+          <p:cNvPr id="53251" name="Text Box 2">
+            <a:extLst>
+              <a:ext uri="{FF2B5EF4-FFF2-40B4-BE49-F238E27FC236}">
+                <a16:creationId xmlns:a16="http://schemas.microsoft.com/office/drawing/2014/main" id="{A99310BF-B3C4-49F9-BDC3-97A533BD9205}"/>
+              </a:ext>
+            </a:extLst>
+          </p:cNvPr>
+          <p:cNvSpPr txBox="1">
+            <a:spLocks noChangeArrowheads="1"/>
+          </p:cNvSpPr>
+          <p:nvPr/>
+        </p:nvSpPr>
+        <p:spPr bwMode="auto">
+          <a:xfrm>
+            <a:off x="609600" y="1295400"/>
+            <a:ext cx="7848600" cy="4649788"/>
+          </a:xfrm>
+          <a:prstGeom prst="rect">
+            <a:avLst/>
+          </a:prstGeom>
+          <a:noFill/>
+          <a:ln>
+            <a:noFill/>
+          </a:ln>
+          <a:effectLst/>
+          <a:extLst>
+            <a:ext uri="{909E8E84-426E-40DD-AFC4-6F175D3DCCD1}">
+              <a14:hiddenFill xmlns:a14="http://schemas.microsoft.com/office/drawing/2010/main">
+                <a:solidFill>
+                  <a:srgbClr val="FFFFFF"/>
+                </a:solidFill>
+              </a14:hiddenFill>
+            </a:ext>
+            <a:ext uri="{91240B29-F687-4F45-9708-019B960494DF}">
+              <a14:hiddenLine xmlns:a14="http://schemas.microsoft.com/office/drawing/2010/main" w="9525">
+                <a:solidFill>
+                  <a:srgbClr val="000000"/>
+                </a:solidFill>
+                <a:round/>
+                <a:headEnd/>
+                <a:tailEnd/>
+              </a14:hiddenLine>
+            </a:ext>
+            <a:ext uri="{AF507438-7753-43E0-B8FC-AC1667EBCBE1}">
+              <a14:hiddenEffects xmlns:a14="http://schemas.microsoft.com/office/drawing/2010/main">
+                <a:effectLst>
+                  <a:outerShdw dist="35921" dir="2700000" algn="ctr" rotWithShape="0">
+                    <a:srgbClr val="808080"/>
+                  </a:outerShdw>
+                </a:effectLst>
+              </a14:hiddenEffects>
+            </a:ext>
+          </a:extLst>
+        </p:spPr>
+        <p:txBody>
+          <a:bodyPr lIns="90360" tIns="44280" rIns="90360" bIns="44280"/>
+          <a:lstStyle>
+            <a:lvl1pPr marL="336550" indent="-336550">
+              <a:lnSpc>
+                <a:spcPct val="86000"/>
+              </a:lnSpc>
+              <a:buClr>
+                <a:srgbClr val="000000"/>
+              </a:buClr>
+              <a:buSzPct val="100000"/>
+              <a:buFont typeface="Times New Roman" panose="02020603050405020304" pitchFamily="18" charset="0"/>
+              <a:tabLst>
+                <a:tab pos="454025" algn="l"/>
+                <a:tab pos="911225" algn="l"/>
+                <a:tab pos="1368425" algn="l"/>
+                <a:tab pos="1825625" algn="l"/>
+                <a:tab pos="2282825" algn="l"/>
+                <a:tab pos="2740025" algn="l"/>
+                <a:tab pos="3197225" algn="l"/>
+                <a:tab pos="3654425" algn="l"/>
+                <a:tab pos="4111625" algn="l"/>
+                <a:tab pos="4568825" algn="l"/>
+                <a:tab pos="5026025" algn="l"/>
+                <a:tab pos="5483225" algn="l"/>
+                <a:tab pos="5940425" algn="l"/>
+                <a:tab pos="6397625" algn="l"/>
+                <a:tab pos="6854825" algn="l"/>
+                <a:tab pos="7312025" algn="l"/>
+                <a:tab pos="7769225" algn="l"/>
+                <a:tab pos="8226425" algn="l"/>
+                <a:tab pos="8683625" algn="l"/>
+                <a:tab pos="9140825" algn="l"/>
+              </a:tabLst>
+              <a:defRPr sz="2400">
+                <a:solidFill>
+                  <a:schemeClr val="bg1"/>
+                </a:solidFill>
+                <a:latin typeface="Times New Roman" panose="02020603050405020304" pitchFamily="18" charset="0"/>
+                <a:ea typeface="MS PGothic" panose="020B0600070205080204" pitchFamily="34" charset="-128"/>
+              </a:defRPr>
+            </a:lvl1pPr>
+            <a:lvl2pPr marL="741363" indent="-284163">
+              <a:lnSpc>
+                <a:spcPct val="86000"/>
+              </a:lnSpc>
+              <a:buClr>
+                <a:srgbClr val="000000"/>
+              </a:buClr>
+              <a:buSzPct val="100000"/>
+              <a:buFont typeface="Times New Roman" panose="02020603050405020304" pitchFamily="18" charset="0"/>
+              <a:tabLst>
+                <a:tab pos="454025" algn="l"/>
+                <a:tab pos="911225" algn="l"/>
+                <a:tab pos="1368425" algn="l"/>
+                <a:tab pos="1825625" algn="l"/>
+                <a:tab pos="2282825" algn="l"/>
+                <a:tab pos="2740025" algn="l"/>
+                <a:tab pos="3197225" algn="l"/>
+                <a:tab pos="3654425" algn="l"/>
+                <a:tab pos="4111625" algn="l"/>
+                <a:tab pos="4568825" algn="l"/>
+                <a:tab pos="5026025" algn="l"/>
+                <a:tab pos="5483225" algn="l"/>
+                <a:tab pos="5940425" algn="l"/>
+                <a:tab pos="6397625" algn="l"/>
+                <a:tab pos="6854825" algn="l"/>
+                <a:tab pos="7312025" algn="l"/>
+                <a:tab pos="7769225" algn="l"/>
+                <a:tab pos="8226425" algn="l"/>
+                <a:tab pos="8683625" algn="l"/>
+                <a:tab pos="9140825" algn="l"/>
+              </a:tabLst>
+              <a:defRPr sz="2400">
+                <a:solidFill>
+                  <a:schemeClr val="bg1"/>
+                </a:solidFill>
+                <a:latin typeface="Times New Roman" panose="02020603050405020304" pitchFamily="18" charset="0"/>
+                <a:ea typeface="MS PGothic" panose="020B0600070205080204" pitchFamily="34" charset="-128"/>
+              </a:defRPr>
+            </a:lvl2pPr>
+            <a:lvl3pPr>
+              <a:lnSpc>
+                <a:spcPct val="86000"/>
+              </a:lnSpc>
+              <a:buClr>
+                <a:srgbClr val="000000"/>
+              </a:buClr>
+              <a:buSzPct val="100000"/>
+              <a:buFont typeface="Times New Roman" panose="02020603050405020304" pitchFamily="18" charset="0"/>
+              <a:tabLst>
+                <a:tab pos="454025" algn="l"/>
+                <a:tab pos="911225" algn="l"/>
+                <a:tab pos="1368425" algn="l"/>
+                <a:tab pos="1825625" algn="l"/>
+                <a:tab pos="2282825" algn="l"/>
+                <a:tab pos="2740025" algn="l"/>
+                <a:tab pos="3197225" algn="l"/>
+                <a:tab pos="3654425" algn="l"/>
+                <a:tab pos="4111625" algn="l"/>
+                <a:tab pos="4568825" algn="l"/>
+                <a:tab pos="5026025" algn="l"/>
+                <a:tab pos="5483225" algn="l"/>
+                <a:tab pos="5940425" algn="l"/>
+                <a:tab pos="6397625" algn="l"/>
+                <a:tab pos="6854825" algn="l"/>
+                <a:tab pos="7312025" algn="l"/>
+                <a:tab pos="7769225" algn="l"/>
+                <a:tab pos="8226425" algn="l"/>
+                <a:tab pos="8683625" algn="l"/>
+                <a:tab pos="9140825" algn="l"/>
+              </a:tabLst>
+              <a:defRPr sz="2400">
+                <a:solidFill>
+                  <a:schemeClr val="bg1"/>
+                </a:solidFill>
+                <a:latin typeface="Times New Roman" panose="02020603050405020304" pitchFamily="18" charset="0"/>
+                <a:ea typeface="MS PGothic" panose="020B0600070205080204" pitchFamily="34" charset="-128"/>
+              </a:defRPr>
+            </a:lvl3pPr>
+            <a:lvl4pPr>
+              <a:lnSpc>
+                <a:spcPct val="86000"/>
+              </a:lnSpc>
+              <a:buClr>
+                <a:srgbClr val="000000"/>
+              </a:buClr>
+              <a:buSzPct val="100000"/>
+              <a:buFont typeface="Times New Roman" panose="02020603050405020304" pitchFamily="18" charset="0"/>
+              <a:tabLst>
+                <a:tab pos="454025" algn="l"/>
+                <a:tab pos="911225" algn="l"/>
+                <a:tab pos="1368425" algn="l"/>
+                <a:tab pos="1825625" algn="l"/>
+                <a:tab pos="2282825" algn="l"/>
+                <a:tab pos="2740025" algn="l"/>
+                <a:tab pos="3197225" algn="l"/>
+                <a:tab pos="3654425" algn="l"/>
+                <a:tab pos="4111625" algn="l"/>
+                <a:tab pos="4568825" algn="l"/>
+                <a:tab pos="5026025" algn="l"/>
+                <a:tab pos="5483225" algn="l"/>
+                <a:tab pos="5940425" algn="l"/>
+                <a:tab pos="6397625" algn="l"/>
+                <a:tab pos="6854825" algn="l"/>
+                <a:tab pos="7312025" algn="l"/>
+                <a:tab pos="7769225" algn="l"/>
+                <a:tab pos="8226425" algn="l"/>
+                <a:tab pos="8683625" algn="l"/>
+                <a:tab pos="9140825" algn="l"/>
+              </a:tabLst>
+              <a:defRPr sz="2400">
+                <a:solidFill>
+                  <a:schemeClr val="bg1"/>
+                </a:solidFill>
+                <a:latin typeface="Times New Roman" panose="02020603050405020304" pitchFamily="18" charset="0"/>
+                <a:ea typeface="MS PGothic" panose="020B0600070205080204" pitchFamily="34" charset="-128"/>
+              </a:defRPr>
+            </a:lvl4pPr>
+            <a:lvl5pPr>
+              <a:lnSpc>
+                <a:spcPct val="86000"/>
+              </a:lnSpc>
+              <a:buClr>
+                <a:srgbClr val="000000"/>
+              </a:buClr>
+              <a:buSzPct val="100000"/>
+              <a:buFont typeface="Times New Roman" panose="02020603050405020304" pitchFamily="18" charset="0"/>
+              <a:tabLst>
+                <a:tab pos="454025" algn="l"/>
+                <a:tab pos="911225" algn="l"/>
+                <a:tab pos="1368425" algn="l"/>
+                <a:tab pos="1825625" algn="l"/>
+                <a:tab pos="2282825" algn="l"/>
+                <a:tab pos="2740025" algn="l"/>
+                <a:tab pos="3197225" algn="l"/>
+                <a:tab pos="3654425" algn="l"/>
+                <a:tab pos="4111625" algn="l"/>
+                <a:tab pos="4568825" algn="l"/>
+                <a:tab pos="5026025" algn="l"/>
+                <a:tab pos="5483225" algn="l"/>
+                <a:tab pos="5940425" algn="l"/>
+                <a:tab pos="6397625" algn="l"/>
+                <a:tab pos="6854825" algn="l"/>
+                <a:tab pos="7312025" algn="l"/>
+                <a:tab pos="7769225" algn="l"/>
+                <a:tab pos="8226425" algn="l"/>
+                <a:tab pos="8683625" algn="l"/>
+                <a:tab pos="9140825" algn="l"/>
+              </a:tabLst>
+              <a:defRPr sz="2400">
+                <a:solidFill>
+                  <a:schemeClr val="bg1"/>
+                </a:solidFill>
+                <a:latin typeface="Times New Roman" panose="02020603050405020304" pitchFamily="18" charset="0"/>
+                <a:ea typeface="MS PGothic" panose="020B0600070205080204" pitchFamily="34" charset="-128"/>
+              </a:defRPr>
+            </a:lvl5pPr>
+            <a:lvl6pPr marL="2514600" indent="-228600" defTabSz="457200" eaLnBrk="0" fontAlgn="base" hangingPunct="0">
+              <a:lnSpc>
+                <a:spcPct val="86000"/>
+              </a:lnSpc>
+              <a:spcBef>
+                <a:spcPct val="0"/>
+              </a:spcBef>
+              <a:spcAft>
+                <a:spcPct val="0"/>
+              </a:spcAft>
+              <a:buClr>
+                <a:srgbClr val="000000"/>
+              </a:buClr>
+              <a:buSzPct val="100000"/>
+              <a:buFont typeface="Times New Roman" panose="02020603050405020304" pitchFamily="18" charset="0"/>
+              <a:tabLst>
+                <a:tab pos="454025" algn="l"/>
+                <a:tab pos="911225" algn="l"/>
+                <a:tab pos="1368425" algn="l"/>
+                <a:tab pos="1825625" algn="l"/>
+                <a:tab pos="2282825" algn="l"/>
+                <a:tab pos="2740025" algn="l"/>
+                <a:tab pos="3197225" algn="l"/>
+                <a:tab pos="3654425" algn="l"/>
+                <a:tab pos="4111625" algn="l"/>
+                <a:tab pos="4568825" algn="l"/>
+                <a:tab pos="5026025" algn="l"/>
+                <a:tab pos="5483225" algn="l"/>
+                <a:tab pos="5940425" algn="l"/>
+                <a:tab pos="6397625" algn="l"/>
+                <a:tab pos="6854825" algn="l"/>
+                <a:tab pos="7312025" algn="l"/>
+                <a:tab pos="7769225" algn="l"/>
+                <a:tab pos="8226425" algn="l"/>
+                <a:tab pos="8683625" algn="l"/>
+                <a:tab pos="9140825" algn="l"/>
+              </a:tabLst>
+              <a:defRPr sz="2400">
+                <a:solidFill>
+                  <a:schemeClr val="bg1"/>
+                </a:solidFill>
+                <a:latin typeface="Times New Roman" panose="02020603050405020304" pitchFamily="18" charset="0"/>
+                <a:ea typeface="MS PGothic" panose="020B0600070205080204" pitchFamily="34" charset="-128"/>
+              </a:defRPr>
+            </a:lvl6pPr>
+            <a:lvl7pPr marL="2971800" indent="-228600" defTabSz="457200" eaLnBrk="0" fontAlgn="base" hangingPunct="0">
+              <a:lnSpc>
+                <a:spcPct val="86000"/>
+              </a:lnSpc>
+              <a:spcBef>
+                <a:spcPct val="0"/>
+              </a:spcBef>
+              <a:spcAft>
+                <a:spcPct val="0"/>
+              </a:spcAft>
+              <a:buClr>
+                <a:srgbClr val="000000"/>
+              </a:buClr>
+              <a:buSzPct val="100000"/>
+              <a:buFont typeface="Times New Roman" panose="02020603050405020304" pitchFamily="18" charset="0"/>
+              <a:tabLst>
+                <a:tab pos="454025" algn="l"/>
+                <a:tab pos="911225" algn="l"/>
+                <a:tab pos="1368425" algn="l"/>
+                <a:tab pos="1825625" algn="l"/>
+                <a:tab pos="2282825" algn="l"/>
+                <a:tab pos="2740025" algn="l"/>
+                <a:tab pos="3197225" algn="l"/>
+                <a:tab pos="3654425" algn="l"/>
+                <a:tab pos="4111625" algn="l"/>
+                <a:tab pos="4568825" algn="l"/>
+                <a:tab pos="5026025" algn="l"/>
+                <a:tab pos="5483225" algn="l"/>
+                <a:tab pos="5940425" algn="l"/>
+                <a:tab pos="6397625" algn="l"/>
+                <a:tab pos="6854825" algn="l"/>
+                <a:tab pos="7312025" algn="l"/>
+                <a:tab pos="7769225" algn="l"/>
+                <a:tab pos="8226425" algn="l"/>
+                <a:tab pos="8683625" algn="l"/>
+                <a:tab pos="9140825" algn="l"/>
+              </a:tabLst>
+              <a:defRPr sz="2400">
+                <a:solidFill>
+                  <a:schemeClr val="bg1"/>
+                </a:solidFill>
+                <a:latin typeface="Times New Roman" panose="02020603050405020304" pitchFamily="18" charset="0"/>
+                <a:ea typeface="MS PGothic" panose="020B0600070205080204" pitchFamily="34" charset="-128"/>
+              </a:defRPr>
+            </a:lvl7pPr>
+            <a:lvl8pPr marL="3429000" indent="-228600" defTabSz="457200" eaLnBrk="0" fontAlgn="base" hangingPunct="0">
+              <a:lnSpc>
+                <a:spcPct val="86000"/>
+              </a:lnSpc>
+              <a:spcBef>
+                <a:spcPct val="0"/>
+              </a:spcBef>
+              <a:spcAft>
+                <a:spcPct val="0"/>
+              </a:spcAft>
+              <a:buClr>
+                <a:srgbClr val="000000"/>
+              </a:buClr>
+              <a:buSzPct val="100000"/>
+              <a:buFont typeface="Times New Roman" panose="02020603050405020304" pitchFamily="18" charset="0"/>
+              <a:tabLst>
+                <a:tab pos="454025" algn="l"/>
+                <a:tab pos="911225" algn="l"/>
+                <a:tab pos="1368425" algn="l"/>
+                <a:tab pos="1825625" algn="l"/>
+                <a:tab pos="2282825" algn="l"/>
+                <a:tab pos="2740025" algn="l"/>
+                <a:tab pos="3197225" algn="l"/>
+                <a:tab pos="3654425" algn="l"/>
+                <a:tab pos="4111625" algn="l"/>
+                <a:tab pos="4568825" algn="l"/>
+                <a:tab pos="5026025" algn="l"/>
+                <a:tab pos="5483225" algn="l"/>
+                <a:tab pos="5940425" algn="l"/>
+                <a:tab pos="6397625" algn="l"/>
+                <a:tab pos="6854825" algn="l"/>
+                <a:tab pos="7312025" algn="l"/>
+                <a:tab pos="7769225" algn="l"/>
+                <a:tab pos="8226425" algn="l"/>
+                <a:tab pos="8683625" algn="l"/>
+                <a:tab pos="9140825" algn="l"/>
+              </a:tabLst>
+              <a:defRPr sz="2400">
+                <a:solidFill>
+                  <a:schemeClr val="bg1"/>
+                </a:solidFill>
+                <a:latin typeface="Times New Roman" panose="02020603050405020304" pitchFamily="18" charset="0"/>
+                <a:ea typeface="MS PGothic" panose="020B0600070205080204" pitchFamily="34" charset="-128"/>
+              </a:defRPr>
+            </a:lvl8pPr>
+            <a:lvl9pPr marL="3886200" indent="-228600" defTabSz="457200" eaLnBrk="0" fontAlgn="base" hangingPunct="0">
+              <a:lnSpc>
+                <a:spcPct val="86000"/>
+              </a:lnSpc>
+              <a:spcBef>
+                <a:spcPct val="0"/>
+              </a:spcBef>
+              <a:spcAft>
+                <a:spcPct val="0"/>
+              </a:spcAft>
+              <a:buClr>
+                <a:srgbClr val="000000"/>
+              </a:buClr>
+              <a:buSzPct val="100000"/>
+              <a:buFont typeface="Times New Roman" panose="02020603050405020304" pitchFamily="18" charset="0"/>
+              <a:tabLst>
+                <a:tab pos="454025" algn="l"/>
+                <a:tab pos="911225" algn="l"/>
+                <a:tab pos="1368425" algn="l"/>
+                <a:tab pos="1825625" algn="l"/>
+                <a:tab pos="2282825" algn="l"/>
+                <a:tab pos="2740025" algn="l"/>
+                <a:tab pos="3197225" algn="l"/>
+                <a:tab pos="3654425" algn="l"/>
+                <a:tab pos="4111625" algn="l"/>
+                <a:tab pos="4568825" algn="l"/>
+                <a:tab pos="5026025" algn="l"/>
+                <a:tab pos="5483225" algn="l"/>
+                <a:tab pos="5940425" algn="l"/>
+                <a:tab pos="6397625" algn="l"/>
+                <a:tab pos="6854825" algn="l"/>
+                <a:tab pos="7312025" algn="l"/>
+                <a:tab pos="7769225" algn="l"/>
+                <a:tab pos="8226425" algn="l"/>
+                <a:tab pos="8683625" algn="l"/>
+                <a:tab pos="9140825" algn="l"/>
+              </a:tabLst>
+              <a:defRPr sz="2400">
+                <a:solidFill>
+                  <a:schemeClr val="bg1"/>
+                </a:solidFill>
+                <a:latin typeface="Times New Roman" panose="02020603050405020304" pitchFamily="18" charset="0"/>
+                <a:ea typeface="MS PGothic" panose="020B0600070205080204" pitchFamily="34" charset="-128"/>
+              </a:defRPr>
+            </a:lvl9pPr>
+          </a:lstStyle>
+          <a:p>
+            <a:pPr>
+              <a:lnSpc>
+                <a:spcPct val="95000"/>
+              </a:lnSpc>
+              <a:spcBef>
+                <a:spcPts val="800"/>
+              </a:spcBef>
+              <a:buSzPct val="85000"/>
+              <a:buFont typeface="Monotype Sorts" charset="2"/>
+              <a:buChar char=""/>
+            </a:pPr>
+            <a:r>
+              <a:rPr lang="en-GB" altLang="en-US" sz="3200" dirty="0">
+                <a:solidFill>
+                  <a:srgbClr val="000000"/>
+                </a:solidFill>
+              </a:rPr>
+              <a:t>Always bring your laptop to class!!!!</a:t>
+            </a:r>
+          </a:p>
+          <a:p>
+            <a:pPr>
+              <a:lnSpc>
+                <a:spcPct val="95000"/>
+              </a:lnSpc>
+              <a:spcBef>
+                <a:spcPts val="800"/>
+              </a:spcBef>
+              <a:buSzPct val="85000"/>
+              <a:buFont typeface="Monotype Sorts" charset="2"/>
+              <a:buChar char=""/>
+            </a:pPr>
+            <a:r>
+              <a:rPr lang="en-US" altLang="en-US" sz="3200" dirty="0">
+                <a:solidFill>
+                  <a:srgbClr val="000000"/>
+                </a:solidFill>
+              </a:rPr>
+              <a:t>Go through the WADT module (lets take a look now)</a:t>
+            </a:r>
+          </a:p>
+          <a:p>
+            <a:pPr lvl="1">
+              <a:lnSpc>
+                <a:spcPct val="95000"/>
+              </a:lnSpc>
+              <a:spcBef>
+                <a:spcPts val="800"/>
+              </a:spcBef>
+              <a:buSzPct val="85000"/>
+              <a:buFont typeface="Monotype Sorts" charset="2"/>
+              <a:buChar char=""/>
+            </a:pPr>
+            <a:r>
+              <a:rPr lang="en-US" altLang="en-US" sz="2800" dirty="0">
+                <a:solidFill>
+                  <a:srgbClr val="000000"/>
+                </a:solidFill>
+              </a:rPr>
+              <a:t>We will cover the </a:t>
+            </a:r>
+            <a:r>
+              <a:rPr lang="en-US" altLang="en-US" sz="2800" u="sng" dirty="0">
+                <a:solidFill>
+                  <a:srgbClr val="000000"/>
+                </a:solidFill>
+              </a:rPr>
+              <a:t>experiential learnings</a:t>
+            </a:r>
+            <a:r>
+              <a:rPr lang="en-US" altLang="en-US" sz="2800" dirty="0">
+                <a:solidFill>
+                  <a:srgbClr val="000000"/>
+                </a:solidFill>
+              </a:rPr>
+              <a:t> in class so you do not need to do these at home (but you can preview these if you wish)</a:t>
+            </a:r>
+          </a:p>
+          <a:p>
+            <a:pPr lvl="1">
+              <a:lnSpc>
+                <a:spcPct val="95000"/>
+              </a:lnSpc>
+              <a:spcBef>
+                <a:spcPts val="800"/>
+              </a:spcBef>
+              <a:buSzPct val="85000"/>
+              <a:buFont typeface="Monotype Sorts" charset="2"/>
+              <a:buChar char=""/>
+            </a:pPr>
+            <a:r>
+              <a:rPr lang="en-US" altLang="en-US" sz="2800" dirty="0">
+                <a:solidFill>
+                  <a:srgbClr val="000000"/>
+                </a:solidFill>
+              </a:rPr>
+              <a:t>The </a:t>
+            </a:r>
+            <a:r>
+              <a:rPr lang="en-US" altLang="en-US" sz="2800" u="sng" dirty="0">
+                <a:solidFill>
+                  <a:srgbClr val="000000"/>
+                </a:solidFill>
+              </a:rPr>
+              <a:t>readings are critical </a:t>
+            </a:r>
+            <a:r>
+              <a:rPr lang="en-US" altLang="en-US" sz="2800" dirty="0">
+                <a:solidFill>
+                  <a:srgbClr val="000000"/>
+                </a:solidFill>
+              </a:rPr>
+              <a:t>for these and will ask you to download and try to install VS Code and Node.js</a:t>
+            </a:r>
+          </a:p>
+          <a:p>
+            <a:pPr>
+              <a:lnSpc>
+                <a:spcPct val="95000"/>
+              </a:lnSpc>
+              <a:spcBef>
+                <a:spcPts val="800"/>
+              </a:spcBef>
+              <a:buSzPct val="85000"/>
+              <a:buFont typeface="Monotype Sorts" charset="2"/>
+              <a:buChar char=""/>
+            </a:pPr>
+            <a:r>
+              <a:rPr lang="en-US" altLang="en-US" sz="2800" dirty="0">
+                <a:solidFill>
+                  <a:srgbClr val="000000"/>
+                </a:solidFill>
+              </a:rPr>
+              <a:t>Work on E0</a:t>
+            </a:r>
+          </a:p>
+          <a:p>
+            <a:pPr lvl="1">
+              <a:lnSpc>
+                <a:spcPct val="95000"/>
+              </a:lnSpc>
+              <a:spcBef>
+                <a:spcPts val="800"/>
+              </a:spcBef>
+              <a:buSzPct val="85000"/>
+              <a:buFont typeface="Monotype Sorts" charset="2"/>
+              <a:buChar char=""/>
+            </a:pPr>
+            <a:endParaRPr lang="en-US" altLang="en-US" sz="2800" dirty="0">
+              <a:solidFill>
+                <a:srgbClr val="000000"/>
+              </a:solidFill>
+            </a:endParaRPr>
+          </a:p>
+        </p:txBody>
+      </p:sp>
+    </p:spTree>
+  </p:cSld>
+  <p:clrMapOvr>
+    <a:masterClrMapping/>
+  </p:clrMapOvr>
+  <p:transition/>
+  <p:timing>
+    <p:tnLst>
+      <p:par>
+        <p:cTn id="1" dur="indefinite" restart="never" nodeType="tmRoot">
+          <p:childTnLst>
+            <p:seq concurrent="1" nextAc="seek">
+              <p:cTn id="2" dur="indefinite" nodeType="mainSeq"/>
+              <p:prevCondLst>
+                <p:cond evt="onPrev" delay="0">
+                  <p:tgtEl>
+                    <p:sldTgt/>
+                  </p:tgtEl>
+                </p:cond>
+              </p:prevCondLst>
+              <p:nextCondLst>
+                <p:cond evt="onNext" delay="0">
+                  <p:tgtEl>
+                    <p:sldTgt/>
+                  </p:tgtEl>
+                </p:cond>
+              </p:nextCondLst>
+            </p:seq>
+          </p:childTnLst>
+        </p:cTn>
+      </p:par>
+    </p:tnLst>
+  </p:timing>
+</p:sld>
+</file>
+
+<file path=ppt/slides/slide35.xml><?xml version="1.0" encoding="utf-8"?>
+<p:sld xmlns:a="http://schemas.openxmlformats.org/drawingml/2006/main" xmlns:r="http://schemas.openxmlformats.org/officeDocument/2006/relationships" xmlns:p="http://schemas.openxmlformats.org/presentationml/2006/main">
+  <p:cSld>
+    <p:spTree>
+      <p:nvGrpSpPr>
+        <p:cNvPr id="1" name=""/>
+        <p:cNvGrpSpPr/>
+        <p:nvPr/>
+      </p:nvGrpSpPr>
+      <p:grpSpPr>
+        <a:xfrm>
+          <a:off x="0" y="0"/>
+          <a:ext cx="0" cy="0"/>
+          <a:chOff x="0" y="0"/>
+          <a:chExt cx="0" cy="0"/>
+        </a:xfrm>
+      </p:grpSpPr>
+      <p:sp>
+        <p:nvSpPr>
+          <p:cNvPr id="53250" name="Text Box 1">
+            <a:extLst>
+              <a:ext uri="{FF2B5EF4-FFF2-40B4-BE49-F238E27FC236}">
+                <a16:creationId xmlns:a16="http://schemas.microsoft.com/office/drawing/2014/main" id="{B81D3593-69B9-44BF-9E92-E251D4D76814}"/>
+              </a:ext>
+            </a:extLst>
+          </p:cNvPr>
+          <p:cNvSpPr txBox="1">
+            <a:spLocks noChangeArrowheads="1"/>
+          </p:cNvSpPr>
+          <p:nvPr/>
+        </p:nvSpPr>
+        <p:spPr bwMode="auto">
+          <a:xfrm>
+            <a:off x="652463" y="228600"/>
+            <a:ext cx="7772400" cy="1143000"/>
+          </a:xfrm>
+          <a:prstGeom prst="rect">
+            <a:avLst/>
+          </a:prstGeom>
+          <a:noFill/>
+          <a:ln>
+            <a:noFill/>
+          </a:ln>
+          <a:extLst>
+            <a:ext uri="{909E8E84-426E-40DD-AFC4-6F175D3DCCD1}">
+              <a14:hiddenFill xmlns:a14="http://schemas.microsoft.com/office/drawing/2010/main">
+                <a:solidFill>
+                  <a:srgbClr val="FFFFFF"/>
+                </a:solidFill>
+              </a14:hiddenFill>
+            </a:ext>
+            <a:ext uri="{91240B29-F687-4F45-9708-019B960494DF}">
+              <a14:hiddenLine xmlns:a14="http://schemas.microsoft.com/office/drawing/2010/main" w="9525">
+                <a:solidFill>
+                  <a:srgbClr val="000000"/>
+                </a:solidFill>
+                <a:miter lim="800000"/>
+                <a:headEnd/>
+                <a:tailEnd/>
+              </a14:hiddenLine>
+            </a:ext>
+          </a:extLst>
+        </p:spPr>
+        <p:txBody>
+          <a:bodyPr lIns="90360" tIns="44280" rIns="90360" bIns="44280" anchor="ctr"/>
+          <a:lstStyle>
+            <a:lvl1pPr>
+              <a:lnSpc>
+                <a:spcPct val="86000"/>
+              </a:lnSpc>
+              <a:buClr>
+                <a:srgbClr val="000000"/>
+              </a:buClr>
+              <a:buSzPct val="100000"/>
+              <a:buFont typeface="Times New Roman" panose="02020603050405020304" pitchFamily="18" charset="0"/>
+              <a:tabLst>
+                <a:tab pos="0" algn="l"/>
+                <a:tab pos="457200" algn="l"/>
+                <a:tab pos="914400" algn="l"/>
+                <a:tab pos="1371600" algn="l"/>
+                <a:tab pos="1828800" algn="l"/>
+                <a:tab pos="2286000" algn="l"/>
+                <a:tab pos="2743200" algn="l"/>
+                <a:tab pos="3200400" algn="l"/>
+                <a:tab pos="3657600" algn="l"/>
+                <a:tab pos="4114800" algn="l"/>
+                <a:tab pos="4572000" algn="l"/>
+                <a:tab pos="5029200" algn="l"/>
+                <a:tab pos="5486400" algn="l"/>
+                <a:tab pos="5943600" algn="l"/>
+                <a:tab pos="6400800" algn="l"/>
+                <a:tab pos="6858000" algn="l"/>
+                <a:tab pos="7315200" algn="l"/>
+                <a:tab pos="7772400" algn="l"/>
+                <a:tab pos="8229600" algn="l"/>
+                <a:tab pos="8686800" algn="l"/>
+                <a:tab pos="9144000" algn="l"/>
+              </a:tabLst>
+              <a:defRPr sz="2400">
+                <a:solidFill>
+                  <a:schemeClr val="bg1"/>
+                </a:solidFill>
+                <a:latin typeface="Times New Roman" panose="02020603050405020304" pitchFamily="18" charset="0"/>
+                <a:ea typeface="MS PGothic" panose="020B0600070205080204" pitchFamily="34" charset="-128"/>
+              </a:defRPr>
+            </a:lvl1pPr>
+            <a:lvl2pPr>
+              <a:lnSpc>
+                <a:spcPct val="86000"/>
+              </a:lnSpc>
+              <a:buClr>
+                <a:srgbClr val="000000"/>
+              </a:buClr>
+              <a:buSzPct val="100000"/>
+              <a:buFont typeface="Times New Roman" panose="02020603050405020304" pitchFamily="18" charset="0"/>
+              <a:tabLst>
+                <a:tab pos="0" algn="l"/>
+                <a:tab pos="457200" algn="l"/>
+                <a:tab pos="914400" algn="l"/>
+                <a:tab pos="1371600" algn="l"/>
+                <a:tab pos="1828800" algn="l"/>
+                <a:tab pos="2286000" algn="l"/>
+                <a:tab pos="2743200" algn="l"/>
+                <a:tab pos="3200400" algn="l"/>
+                <a:tab pos="3657600" algn="l"/>
+                <a:tab pos="4114800" algn="l"/>
+                <a:tab pos="4572000" algn="l"/>
+                <a:tab pos="5029200" algn="l"/>
+                <a:tab pos="5486400" algn="l"/>
+                <a:tab pos="5943600" algn="l"/>
+                <a:tab pos="6400800" algn="l"/>
+                <a:tab pos="6858000" algn="l"/>
+                <a:tab pos="7315200" algn="l"/>
+                <a:tab pos="7772400" algn="l"/>
+                <a:tab pos="8229600" algn="l"/>
+                <a:tab pos="8686800" algn="l"/>
+                <a:tab pos="9144000" algn="l"/>
+              </a:tabLst>
+              <a:defRPr sz="2400">
+                <a:solidFill>
+                  <a:schemeClr val="bg1"/>
+                </a:solidFill>
+                <a:latin typeface="Times New Roman" panose="02020603050405020304" pitchFamily="18" charset="0"/>
+                <a:ea typeface="MS PGothic" panose="020B0600070205080204" pitchFamily="34" charset="-128"/>
+              </a:defRPr>
+            </a:lvl2pPr>
+            <a:lvl3pPr>
+              <a:lnSpc>
+                <a:spcPct val="86000"/>
+              </a:lnSpc>
+              <a:buClr>
+                <a:srgbClr val="000000"/>
+              </a:buClr>
+              <a:buSzPct val="100000"/>
+              <a:buFont typeface="Times New Roman" panose="02020603050405020304" pitchFamily="18" charset="0"/>
+              <a:tabLst>
+                <a:tab pos="0" algn="l"/>
+                <a:tab pos="457200" algn="l"/>
+                <a:tab pos="914400" algn="l"/>
+                <a:tab pos="1371600" algn="l"/>
+                <a:tab pos="1828800" algn="l"/>
+                <a:tab pos="2286000" algn="l"/>
+                <a:tab pos="2743200" algn="l"/>
+                <a:tab pos="3200400" algn="l"/>
+                <a:tab pos="3657600" algn="l"/>
+                <a:tab pos="4114800" algn="l"/>
+                <a:tab pos="4572000" algn="l"/>
+                <a:tab pos="5029200" algn="l"/>
+                <a:tab pos="5486400" algn="l"/>
+                <a:tab pos="5943600" algn="l"/>
+                <a:tab pos="6400800" algn="l"/>
+                <a:tab pos="6858000" algn="l"/>
+                <a:tab pos="7315200" algn="l"/>
+                <a:tab pos="7772400" algn="l"/>
+                <a:tab pos="8229600" algn="l"/>
+                <a:tab pos="8686800" algn="l"/>
+                <a:tab pos="9144000" algn="l"/>
+              </a:tabLst>
+              <a:defRPr sz="2400">
+                <a:solidFill>
+                  <a:schemeClr val="bg1"/>
+                </a:solidFill>
+                <a:latin typeface="Times New Roman" panose="02020603050405020304" pitchFamily="18" charset="0"/>
+                <a:ea typeface="MS PGothic" panose="020B0600070205080204" pitchFamily="34" charset="-128"/>
+              </a:defRPr>
+            </a:lvl3pPr>
+            <a:lvl4pPr>
+              <a:lnSpc>
+                <a:spcPct val="86000"/>
+              </a:lnSpc>
+              <a:buClr>
+                <a:srgbClr val="000000"/>
+              </a:buClr>
+              <a:buSzPct val="100000"/>
+              <a:buFont typeface="Times New Roman" panose="02020603050405020304" pitchFamily="18" charset="0"/>
+              <a:tabLst>
+                <a:tab pos="0" algn="l"/>
+                <a:tab pos="457200" algn="l"/>
+                <a:tab pos="914400" algn="l"/>
+                <a:tab pos="1371600" algn="l"/>
+                <a:tab pos="1828800" algn="l"/>
+                <a:tab pos="2286000" algn="l"/>
+                <a:tab pos="2743200" algn="l"/>
+                <a:tab pos="3200400" algn="l"/>
+                <a:tab pos="3657600" algn="l"/>
+                <a:tab pos="4114800" algn="l"/>
+                <a:tab pos="4572000" algn="l"/>
+                <a:tab pos="5029200" algn="l"/>
+                <a:tab pos="5486400" algn="l"/>
+                <a:tab pos="5943600" algn="l"/>
+                <a:tab pos="6400800" algn="l"/>
+                <a:tab pos="6858000" algn="l"/>
+                <a:tab pos="7315200" algn="l"/>
+                <a:tab pos="7772400" algn="l"/>
+                <a:tab pos="8229600" algn="l"/>
+                <a:tab pos="8686800" algn="l"/>
+                <a:tab pos="9144000" algn="l"/>
+              </a:tabLst>
+              <a:defRPr sz="2400">
+                <a:solidFill>
+                  <a:schemeClr val="bg1"/>
+                </a:solidFill>
+                <a:latin typeface="Times New Roman" panose="02020603050405020304" pitchFamily="18" charset="0"/>
+                <a:ea typeface="MS PGothic" panose="020B0600070205080204" pitchFamily="34" charset="-128"/>
+              </a:defRPr>
+            </a:lvl4pPr>
+            <a:lvl5pPr>
+              <a:lnSpc>
+                <a:spcPct val="86000"/>
+              </a:lnSpc>
+              <a:buClr>
+                <a:srgbClr val="000000"/>
+              </a:buClr>
+              <a:buSzPct val="100000"/>
+              <a:buFont typeface="Times New Roman" panose="02020603050405020304" pitchFamily="18" charset="0"/>
+              <a:tabLst>
+                <a:tab pos="0" algn="l"/>
+                <a:tab pos="457200" algn="l"/>
+                <a:tab pos="914400" algn="l"/>
+                <a:tab pos="1371600" algn="l"/>
+                <a:tab pos="1828800" algn="l"/>
+                <a:tab pos="2286000" algn="l"/>
+                <a:tab pos="2743200" algn="l"/>
+                <a:tab pos="3200400" algn="l"/>
+                <a:tab pos="3657600" algn="l"/>
+                <a:tab pos="4114800" algn="l"/>
+                <a:tab pos="4572000" algn="l"/>
+                <a:tab pos="5029200" algn="l"/>
+                <a:tab pos="5486400" algn="l"/>
+                <a:tab pos="5943600" algn="l"/>
+                <a:tab pos="6400800" algn="l"/>
+                <a:tab pos="6858000" algn="l"/>
+                <a:tab pos="7315200" algn="l"/>
+                <a:tab pos="7772400" algn="l"/>
+                <a:tab pos="8229600" algn="l"/>
+                <a:tab pos="8686800" algn="l"/>
+                <a:tab pos="9144000" algn="l"/>
+              </a:tabLst>
+              <a:defRPr sz="2400">
+                <a:solidFill>
+                  <a:schemeClr val="bg1"/>
+                </a:solidFill>
+                <a:latin typeface="Times New Roman" panose="02020603050405020304" pitchFamily="18" charset="0"/>
+                <a:ea typeface="MS PGothic" panose="020B0600070205080204" pitchFamily="34" charset="-128"/>
+              </a:defRPr>
+            </a:lvl5pPr>
+            <a:lvl6pPr marL="2514600" indent="-228600" defTabSz="457200" eaLnBrk="0" fontAlgn="base" hangingPunct="0">
+              <a:lnSpc>
+                <a:spcPct val="86000"/>
+              </a:lnSpc>
+              <a:spcBef>
+                <a:spcPct val="0"/>
+              </a:spcBef>
+              <a:spcAft>
+                <a:spcPct val="0"/>
+              </a:spcAft>
+              <a:buClr>
+                <a:srgbClr val="000000"/>
+              </a:buClr>
+              <a:buSzPct val="100000"/>
+              <a:buFont typeface="Times New Roman" panose="02020603050405020304" pitchFamily="18" charset="0"/>
+              <a:tabLst>
+                <a:tab pos="0" algn="l"/>
+                <a:tab pos="457200" algn="l"/>
+                <a:tab pos="914400" algn="l"/>
+                <a:tab pos="1371600" algn="l"/>
+                <a:tab pos="1828800" algn="l"/>
+                <a:tab pos="2286000" algn="l"/>
+                <a:tab pos="2743200" algn="l"/>
+                <a:tab pos="3200400" algn="l"/>
+                <a:tab pos="3657600" algn="l"/>
+                <a:tab pos="4114800" algn="l"/>
+                <a:tab pos="4572000" algn="l"/>
+                <a:tab pos="5029200" algn="l"/>
+                <a:tab pos="5486400" algn="l"/>
+                <a:tab pos="5943600" algn="l"/>
+                <a:tab pos="6400800" algn="l"/>
+                <a:tab pos="6858000" algn="l"/>
+                <a:tab pos="7315200" algn="l"/>
+                <a:tab pos="7772400" algn="l"/>
+                <a:tab pos="8229600" algn="l"/>
+                <a:tab pos="8686800" algn="l"/>
+                <a:tab pos="9144000" algn="l"/>
+              </a:tabLst>
+              <a:defRPr sz="2400">
+                <a:solidFill>
+                  <a:schemeClr val="bg1"/>
+                </a:solidFill>
+                <a:latin typeface="Times New Roman" panose="02020603050405020304" pitchFamily="18" charset="0"/>
+                <a:ea typeface="MS PGothic" panose="020B0600070205080204" pitchFamily="34" charset="-128"/>
+              </a:defRPr>
+            </a:lvl6pPr>
+            <a:lvl7pPr marL="2971800" indent="-228600" defTabSz="457200" eaLnBrk="0" fontAlgn="base" hangingPunct="0">
+              <a:lnSpc>
+                <a:spcPct val="86000"/>
+              </a:lnSpc>
+              <a:spcBef>
+                <a:spcPct val="0"/>
+              </a:spcBef>
+              <a:spcAft>
+                <a:spcPct val="0"/>
+              </a:spcAft>
+              <a:buClr>
+                <a:srgbClr val="000000"/>
+              </a:buClr>
+              <a:buSzPct val="100000"/>
+              <a:buFont typeface="Times New Roman" panose="02020603050405020304" pitchFamily="18" charset="0"/>
+              <a:tabLst>
+                <a:tab pos="0" algn="l"/>
+                <a:tab pos="457200" algn="l"/>
+                <a:tab pos="914400" algn="l"/>
+                <a:tab pos="1371600" algn="l"/>
+                <a:tab pos="1828800" algn="l"/>
+                <a:tab pos="2286000" algn="l"/>
+                <a:tab pos="2743200" algn="l"/>
+                <a:tab pos="3200400" algn="l"/>
+                <a:tab pos="3657600" algn="l"/>
+                <a:tab pos="4114800" algn="l"/>
+                <a:tab pos="4572000" algn="l"/>
+                <a:tab pos="5029200" algn="l"/>
+                <a:tab pos="5486400" algn="l"/>
+                <a:tab pos="5943600" algn="l"/>
+                <a:tab pos="6400800" algn="l"/>
+                <a:tab pos="6858000" algn="l"/>
+                <a:tab pos="7315200" algn="l"/>
+                <a:tab pos="7772400" algn="l"/>
+                <a:tab pos="8229600" algn="l"/>
+                <a:tab pos="8686800" algn="l"/>
+                <a:tab pos="9144000" algn="l"/>
+              </a:tabLst>
+              <a:defRPr sz="2400">
+                <a:solidFill>
+                  <a:schemeClr val="bg1"/>
+                </a:solidFill>
+                <a:latin typeface="Times New Roman" panose="02020603050405020304" pitchFamily="18" charset="0"/>
+                <a:ea typeface="MS PGothic" panose="020B0600070205080204" pitchFamily="34" charset="-128"/>
+              </a:defRPr>
+            </a:lvl7pPr>
+            <a:lvl8pPr marL="3429000" indent="-228600" defTabSz="457200" eaLnBrk="0" fontAlgn="base" hangingPunct="0">
+              <a:lnSpc>
+                <a:spcPct val="86000"/>
+              </a:lnSpc>
+              <a:spcBef>
+                <a:spcPct val="0"/>
+              </a:spcBef>
+              <a:spcAft>
+                <a:spcPct val="0"/>
+              </a:spcAft>
+              <a:buClr>
+                <a:srgbClr val="000000"/>
+              </a:buClr>
+              <a:buSzPct val="100000"/>
+              <a:buFont typeface="Times New Roman" panose="02020603050405020304" pitchFamily="18" charset="0"/>
+              <a:tabLst>
+                <a:tab pos="0" algn="l"/>
+                <a:tab pos="457200" algn="l"/>
+                <a:tab pos="914400" algn="l"/>
+                <a:tab pos="1371600" algn="l"/>
+                <a:tab pos="1828800" algn="l"/>
+                <a:tab pos="2286000" algn="l"/>
+                <a:tab pos="2743200" algn="l"/>
+                <a:tab pos="3200400" algn="l"/>
+                <a:tab pos="3657600" algn="l"/>
+                <a:tab pos="4114800" algn="l"/>
+                <a:tab pos="4572000" algn="l"/>
+                <a:tab pos="5029200" algn="l"/>
+                <a:tab pos="5486400" algn="l"/>
+                <a:tab pos="5943600" algn="l"/>
+                <a:tab pos="6400800" algn="l"/>
+                <a:tab pos="6858000" algn="l"/>
+                <a:tab pos="7315200" algn="l"/>
+                <a:tab pos="7772400" algn="l"/>
+                <a:tab pos="8229600" algn="l"/>
+                <a:tab pos="8686800" algn="l"/>
+                <a:tab pos="9144000" algn="l"/>
+              </a:tabLst>
+              <a:defRPr sz="2400">
+                <a:solidFill>
+                  <a:schemeClr val="bg1"/>
+                </a:solidFill>
+                <a:latin typeface="Times New Roman" panose="02020603050405020304" pitchFamily="18" charset="0"/>
+                <a:ea typeface="MS PGothic" panose="020B0600070205080204" pitchFamily="34" charset="-128"/>
+              </a:defRPr>
+            </a:lvl8pPr>
+            <a:lvl9pPr marL="3886200" indent="-228600" defTabSz="457200" eaLnBrk="0" fontAlgn="base" hangingPunct="0">
+              <a:lnSpc>
+                <a:spcPct val="86000"/>
+              </a:lnSpc>
+              <a:spcBef>
+                <a:spcPct val="0"/>
+              </a:spcBef>
+              <a:spcAft>
+                <a:spcPct val="0"/>
+              </a:spcAft>
+              <a:buClr>
+                <a:srgbClr val="000000"/>
+              </a:buClr>
+              <a:buSzPct val="100000"/>
+              <a:buFont typeface="Times New Roman" panose="02020603050405020304" pitchFamily="18" charset="0"/>
+              <a:tabLst>
+                <a:tab pos="0" algn="l"/>
+                <a:tab pos="457200" algn="l"/>
+                <a:tab pos="914400" algn="l"/>
+                <a:tab pos="1371600" algn="l"/>
+                <a:tab pos="1828800" algn="l"/>
+                <a:tab pos="2286000" algn="l"/>
+                <a:tab pos="2743200" algn="l"/>
+                <a:tab pos="3200400" algn="l"/>
+                <a:tab pos="3657600" algn="l"/>
+                <a:tab pos="4114800" algn="l"/>
+                <a:tab pos="4572000" algn="l"/>
+                <a:tab pos="5029200" algn="l"/>
+                <a:tab pos="5486400" algn="l"/>
+                <a:tab pos="5943600" algn="l"/>
+                <a:tab pos="6400800" algn="l"/>
+                <a:tab pos="6858000" algn="l"/>
+                <a:tab pos="7315200" algn="l"/>
+                <a:tab pos="7772400" algn="l"/>
+                <a:tab pos="8229600" algn="l"/>
+                <a:tab pos="8686800" algn="l"/>
+                <a:tab pos="9144000" algn="l"/>
+              </a:tabLst>
+              <a:defRPr sz="2400">
+                <a:solidFill>
+                  <a:schemeClr val="bg1"/>
+                </a:solidFill>
+                <a:latin typeface="Times New Roman" panose="02020603050405020304" pitchFamily="18" charset="0"/>
+                <a:ea typeface="MS PGothic" panose="020B0600070205080204" pitchFamily="34" charset="-128"/>
+              </a:defRPr>
+            </a:lvl9pPr>
+          </a:lstStyle>
+          <a:p>
+            <a:pPr algn="ctr">
+              <a:lnSpc>
+                <a:spcPct val="100000"/>
+              </a:lnSpc>
+            </a:pPr>
+            <a:r>
               <a:rPr lang="en-GB" altLang="en-US" sz="4400" dirty="0">
                 <a:solidFill>
                   <a:srgbClr val="221304"/>
@@ -42093,7 +43605,7 @@
 </p:sld>
 </file>
 
-<file path=ppt/slides/slide35.xml><?xml version="1.0" encoding="utf-8"?>
+<file path=ppt/slides/slide36.xml><?xml version="1.0" encoding="utf-8"?>
 <p:sld xmlns:a="http://schemas.openxmlformats.org/drawingml/2006/main" xmlns:r="http://schemas.openxmlformats.org/officeDocument/2006/relationships" xmlns:p="http://schemas.openxmlformats.org/presentationml/2006/main">
   <p:cSld>
     <p:spTree>
@@ -46395,7 +47907,7 @@
         <a:effectLst/>
         <a:extLst>
           <a:ext uri="{AF507438-7753-43e0-B8FC-AC1667EBCBE1}">
-            <a14:hiddenEffects xmlns="" xmlns:a14="http://schemas.microsoft.com/office/drawing/2010/main">
+            <a14:hiddenEffects xmlns:a14="http://schemas.microsoft.com/office/drawing/2010/main" xmlns="">
               <a:effectLst>
                 <a:outerShdw dist="35921" dir="2700000" algn="ctr" rotWithShape="0">
                   <a:schemeClr val="bg2"/>
@@ -46471,7 +47983,7 @@
         <a:effectLst/>
         <a:extLst>
           <a:ext uri="{AF507438-7753-43e0-B8FC-AC1667EBCBE1}">
-            <a14:hiddenEffects xmlns="" xmlns:a14="http://schemas.microsoft.com/office/drawing/2010/main">
+            <a14:hiddenEffects xmlns:a14="http://schemas.microsoft.com/office/drawing/2010/main" xmlns="">
               <a:effectLst>
                 <a:outerShdw dist="35921" dir="2700000" algn="ctr" rotWithShape="0">
                   <a:schemeClr val="bg2"/>
